--- a/Documents/Презентація/Презентація_Терешкович_ІТ-02_Захист.pptx
+++ b/Documents/Презентація/Презентація_Терешкович_ІТ-02_Захист.pptx
@@ -5,7 +5,7 @@
     <p:sldMasterId id="2147483659" r:id="rId1"/>
   </p:sldMasterIdLst>
   <p:notesMasterIdLst>
-    <p:notesMasterId r:id="rId25"/>
+    <p:notesMasterId r:id="rId21"/>
   </p:notesMasterIdLst>
   <p:sldIdLst>
     <p:sldId id="256" r:id="rId2"/>
@@ -13,24 +13,20 @@
     <p:sldId id="258" r:id="rId4"/>
     <p:sldId id="259" r:id="rId5"/>
     <p:sldId id="269" r:id="rId6"/>
-    <p:sldId id="260" r:id="rId7"/>
-    <p:sldId id="261" r:id="rId8"/>
-    <p:sldId id="272" r:id="rId9"/>
-    <p:sldId id="262" r:id="rId10"/>
-    <p:sldId id="274" r:id="rId11"/>
-    <p:sldId id="268" r:id="rId12"/>
-    <p:sldId id="275" r:id="rId13"/>
-    <p:sldId id="276" r:id="rId14"/>
-    <p:sldId id="263" r:id="rId15"/>
-    <p:sldId id="277" r:id="rId16"/>
-    <p:sldId id="279" r:id="rId17"/>
-    <p:sldId id="264" r:id="rId18"/>
-    <p:sldId id="278" r:id="rId19"/>
-    <p:sldId id="267" r:id="rId20"/>
-    <p:sldId id="273" r:id="rId21"/>
-    <p:sldId id="280" r:id="rId22"/>
-    <p:sldId id="271" r:id="rId23"/>
-    <p:sldId id="270" r:id="rId24"/>
+    <p:sldId id="274" r:id="rId7"/>
+    <p:sldId id="260" r:id="rId8"/>
+    <p:sldId id="261" r:id="rId9"/>
+    <p:sldId id="272" r:id="rId10"/>
+    <p:sldId id="268" r:id="rId11"/>
+    <p:sldId id="262" r:id="rId12"/>
+    <p:sldId id="279" r:id="rId13"/>
+    <p:sldId id="264" r:id="rId14"/>
+    <p:sldId id="267" r:id="rId15"/>
+    <p:sldId id="273" r:id="rId16"/>
+    <p:sldId id="280" r:id="rId17"/>
+    <p:sldId id="275" r:id="rId18"/>
+    <p:sldId id="271" r:id="rId19"/>
+    <p:sldId id="270" r:id="rId20"/>
   </p:sldIdLst>
   <p:sldSz cx="9144000" cy="5143500" type="screen16x9"/>
   <p:notesSz cx="6858000" cy="9144000"/>
@@ -988,128 +984,6 @@
   <p:cSld>
     <p:spTree>
       <p:nvGrpSpPr>
-        <p:cNvPr id="1" name="Shape 151"/>
-        <p:cNvGrpSpPr/>
-        <p:nvPr/>
-      </p:nvGrpSpPr>
-      <p:grpSpPr>
-        <a:xfrm>
-          <a:off x="0" y="0"/>
-          <a:ext cx="0" cy="0"/>
-          <a:chOff x="0" y="0"/>
-          <a:chExt cx="0" cy="0"/>
-        </a:xfrm>
-      </p:grpSpPr>
-      <p:sp>
-        <p:nvSpPr>
-          <p:cNvPr id="152" name="Google Shape;152;p9:notes"/>
-          <p:cNvSpPr txBox="1">
-            <a:spLocks noGrp="1"/>
-          </p:cNvSpPr>
-          <p:nvPr>
-            <p:ph type="body" idx="1"/>
-          </p:nvPr>
-        </p:nvSpPr>
-        <p:spPr>
-          <a:xfrm>
-            <a:off x="685800" y="4343400"/>
-            <a:ext cx="5486400" cy="4114800"/>
-          </a:xfrm>
-          <a:prstGeom prst="rect">
-            <a:avLst/>
-          </a:prstGeom>
-          <a:noFill/>
-          <a:ln>
-            <a:noFill/>
-          </a:ln>
-        </p:spPr>
-        <p:txBody>
-          <a:bodyPr spcFirstLastPara="1" wrap="square" lIns="91425" tIns="91425" rIns="91425" bIns="91425" anchor="t" anchorCtr="0">
-            <a:noAutofit/>
-          </a:bodyPr>
-          <a:lstStyle/>
-          <a:p>
-            <a:pPr marL="0" lvl="0" indent="0" algn="l" rtl="0">
-              <a:lnSpc>
-                <a:spcPct val="100000"/>
-              </a:lnSpc>
-              <a:spcBef>
-                <a:spcPts val="0"/>
-              </a:spcBef>
-              <a:spcAft>
-                <a:spcPts val="0"/>
-              </a:spcAft>
-              <a:buSzPts val="1100"/>
-              <a:buNone/>
-            </a:pPr>
-            <a:endParaRPr/>
-          </a:p>
-        </p:txBody>
-      </p:sp>
-      <p:sp>
-        <p:nvSpPr>
-          <p:cNvPr id="153" name="Google Shape;153;p9:notes"/>
-          <p:cNvSpPr>
-            <a:spLocks noGrp="1" noRot="1" noChangeAspect="1"/>
-          </p:cNvSpPr>
-          <p:nvPr>
-            <p:ph type="sldImg" idx="2"/>
-          </p:nvPr>
-        </p:nvSpPr>
-        <p:spPr>
-          <a:xfrm>
-            <a:off x="381000" y="685800"/>
-            <a:ext cx="6096000" cy="3429000"/>
-          </a:xfrm>
-          <a:custGeom>
-            <a:avLst/>
-            <a:gdLst/>
-            <a:ahLst/>
-            <a:cxnLst/>
-            <a:rect l="l" t="t" r="r" b="b"/>
-            <a:pathLst>
-              <a:path w="120000" h="120000" extrusionOk="0">
-                <a:moveTo>
-                  <a:pt x="0" y="0"/>
-                </a:moveTo>
-                <a:lnTo>
-                  <a:pt x="120000" y="0"/>
-                </a:lnTo>
-                <a:lnTo>
-                  <a:pt x="120000" y="120000"/>
-                </a:lnTo>
-                <a:lnTo>
-                  <a:pt x="0" y="120000"/>
-                </a:lnTo>
-                <a:close/>
-              </a:path>
-            </a:pathLst>
-          </a:custGeom>
-          <a:noFill/>
-          <a:ln w="9525" cap="flat" cmpd="sng">
-            <a:solidFill>
-              <a:srgbClr val="000000"/>
-            </a:solidFill>
-            <a:prstDash val="solid"/>
-            <a:round/>
-            <a:headEnd type="none" w="sm" len="sm"/>
-            <a:tailEnd type="none" w="sm" len="sm"/>
-          </a:ln>
-        </p:spPr>
-      </p:sp>
-    </p:spTree>
-  </p:cSld>
-  <p:clrMapOvr>
-    <a:masterClrMapping/>
-  </p:clrMapOvr>
-</p:notes>
-</file>
-
-<file path=ppt/notesSlides/notesSlide11.xml><?xml version="1.0" encoding="utf-8"?>
-<p:notes xmlns:a="http://schemas.openxmlformats.org/drawingml/2006/main" xmlns:r="http://schemas.openxmlformats.org/officeDocument/2006/relationships" xmlns:p="http://schemas.openxmlformats.org/presentationml/2006/main" showMasterSp="0" showMasterPhAnim="0">
-  <p:cSld>
-    <p:spTree>
-      <p:nvGrpSpPr>
         <p:cNvPr id="1" name="Shape 173"/>
         <p:cNvGrpSpPr/>
         <p:nvPr/>
@@ -2030,7 +1904,7 @@
   <p:cSld>
     <p:spTree>
       <p:nvGrpSpPr>
-        <p:cNvPr id="1" name="Shape 144"/>
+        <p:cNvPr id="1" name="Shape 151"/>
         <p:cNvGrpSpPr/>
         <p:nvPr/>
       </p:nvGrpSpPr>
@@ -2044,7 +1918,7 @@
       </p:grpSpPr>
       <p:sp>
         <p:nvSpPr>
-          <p:cNvPr id="145" name="Google Shape;145;p8:notes"/>
+          <p:cNvPr id="152" name="Google Shape;152;p9:notes"/>
           <p:cNvSpPr txBox="1">
             <a:spLocks noGrp="1"/>
           </p:cNvSpPr>
@@ -2084,13 +1958,13 @@
               <a:buSzPts val="1100"/>
               <a:buNone/>
             </a:pPr>
-            <a:endParaRPr/>
+            <a:endParaRPr dirty="0"/>
           </a:p>
         </p:txBody>
       </p:sp>
       <p:sp>
         <p:nvSpPr>
-          <p:cNvPr id="146" name="Google Shape;146;p8:notes"/>
+          <p:cNvPr id="153" name="Google Shape;153;p9:notes"/>
           <p:cNvSpPr>
             <a:spLocks noGrp="1" noRot="1" noChangeAspect="1"/>
           </p:cNvSpPr>
@@ -16429,6 +16303,4036 @@
       </p:grpSpPr>
       <p:sp>
         <p:nvSpPr>
+          <p:cNvPr id="4" name="Місце для номера слайда 3">
+            <a:extLst>
+              <a:ext uri="{FF2B5EF4-FFF2-40B4-BE49-F238E27FC236}">
+                <a16:creationId xmlns:a16="http://schemas.microsoft.com/office/drawing/2014/main" id="{5F95664B-C5D1-4008-97D4-D095E2FF2EF0}"/>
+              </a:ext>
+            </a:extLst>
+          </p:cNvPr>
+          <p:cNvSpPr>
+            <a:spLocks noGrp="1"/>
+          </p:cNvSpPr>
+          <p:nvPr>
+            <p:ph type="sldNum" idx="12"/>
+          </p:nvPr>
+        </p:nvSpPr>
+        <p:spPr/>
+        <p:txBody>
+          <a:bodyPr/>
+          <a:lstStyle/>
+          <a:p>
+            <a:pPr marL="0" lvl="0" indent="0" algn="ctr" rtl="0">
+              <a:spcBef>
+                <a:spcPts val="0"/>
+              </a:spcBef>
+              <a:spcAft>
+                <a:spcPts val="0"/>
+              </a:spcAft>
+              <a:buNone/>
+            </a:pPr>
+            <a:fld id="{00000000-1234-1234-1234-123412341234}" type="slidenum">
+              <a:rPr lang="ru-RU" smtClean="0"/>
+              <a:t>10</a:t>
+            </a:fld>
+            <a:endParaRPr lang="ru-RU"/>
+          </a:p>
+        </p:txBody>
+      </p:sp>
+      <p:pic>
+        <p:nvPicPr>
+          <p:cNvPr id="5" name="Рисунок 4">
+            <a:extLst>
+              <a:ext uri="{FF2B5EF4-FFF2-40B4-BE49-F238E27FC236}">
+                <a16:creationId xmlns:a16="http://schemas.microsoft.com/office/drawing/2014/main" id="{5385A9A2-2383-4450-9994-5C9872853D69}"/>
+              </a:ext>
+            </a:extLst>
+          </p:cNvPr>
+          <p:cNvPicPr>
+            <a:picLocks noChangeAspect="1"/>
+          </p:cNvPicPr>
+          <p:nvPr/>
+        </p:nvPicPr>
+        <p:blipFill>
+          <a:blip r:embed="rId2"/>
+          <a:stretch>
+            <a:fillRect/>
+          </a:stretch>
+        </p:blipFill>
+        <p:spPr>
+          <a:xfrm>
+            <a:off x="13617" y="431616"/>
+            <a:ext cx="9116763" cy="4564962"/>
+          </a:xfrm>
+          <a:prstGeom prst="rect">
+            <a:avLst/>
+          </a:prstGeom>
+        </p:spPr>
+      </p:pic>
+      <p:sp>
+        <p:nvSpPr>
+          <p:cNvPr id="2" name="Заголовок 1">
+            <a:extLst>
+              <a:ext uri="{FF2B5EF4-FFF2-40B4-BE49-F238E27FC236}">
+                <a16:creationId xmlns:a16="http://schemas.microsoft.com/office/drawing/2014/main" id="{29D11215-9EE6-46DC-865F-690D87B58216}"/>
+              </a:ext>
+            </a:extLst>
+          </p:cNvPr>
+          <p:cNvSpPr>
+            <a:spLocks noGrp="1"/>
+          </p:cNvSpPr>
+          <p:nvPr>
+            <p:ph type="title"/>
+          </p:nvPr>
+        </p:nvSpPr>
+        <p:spPr>
+          <a:xfrm>
+            <a:off x="114435" y="286678"/>
+            <a:ext cx="7498200" cy="857400"/>
+          </a:xfrm>
+        </p:spPr>
+        <p:txBody>
+          <a:bodyPr>
+            <a:normAutofit/>
+          </a:bodyPr>
+          <a:lstStyle/>
+          <a:p>
+            <a:r>
+              <a:rPr lang="ru-RU" sz="2800" dirty="0"/>
+              <a:t>Дерево р</a:t>
+            </a:r>
+            <a:r>
+              <a:rPr lang="uk-UA" sz="2800" dirty="0" err="1"/>
+              <a:t>ішень</a:t>
+            </a:r>
+            <a:endParaRPr lang="uk-UA" sz="2800" dirty="0"/>
+          </a:p>
+        </p:txBody>
+      </p:sp>
+      <p:pic>
+        <p:nvPicPr>
+          <p:cNvPr id="12" name="Рисунок 11">
+            <a:extLst>
+              <a:ext uri="{FF2B5EF4-FFF2-40B4-BE49-F238E27FC236}">
+                <a16:creationId xmlns:a16="http://schemas.microsoft.com/office/drawing/2014/main" id="{26DC4ADD-5B06-4F70-9F4F-7F23474D3641}"/>
+              </a:ext>
+            </a:extLst>
+          </p:cNvPr>
+          <p:cNvPicPr>
+            <a:picLocks noChangeAspect="1"/>
+          </p:cNvPicPr>
+          <p:nvPr/>
+        </p:nvPicPr>
+        <p:blipFill>
+          <a:blip r:embed="rId3"/>
+          <a:stretch>
+            <a:fillRect/>
+          </a:stretch>
+        </p:blipFill>
+        <p:spPr>
+          <a:xfrm>
+            <a:off x="419099" y="3405814"/>
+            <a:ext cx="1061033" cy="1230070"/>
+          </a:xfrm>
+          <a:prstGeom prst="rect">
+            <a:avLst/>
+          </a:prstGeom>
+        </p:spPr>
+      </p:pic>
+      <p:pic>
+        <p:nvPicPr>
+          <p:cNvPr id="13" name="Рисунок 12">
+            <a:extLst>
+              <a:ext uri="{FF2B5EF4-FFF2-40B4-BE49-F238E27FC236}">
+                <a16:creationId xmlns:a16="http://schemas.microsoft.com/office/drawing/2014/main" id="{624F0F7B-DB13-4451-882C-4BF37858E4E0}"/>
+              </a:ext>
+            </a:extLst>
+          </p:cNvPr>
+          <p:cNvPicPr>
+            <a:picLocks noChangeAspect="1"/>
+          </p:cNvPicPr>
+          <p:nvPr/>
+        </p:nvPicPr>
+        <p:blipFill>
+          <a:blip r:embed="rId4"/>
+          <a:stretch>
+            <a:fillRect/>
+          </a:stretch>
+        </p:blipFill>
+        <p:spPr>
+          <a:xfrm>
+            <a:off x="4571999" y="3713358"/>
+            <a:ext cx="659606" cy="922526"/>
+          </a:xfrm>
+          <a:prstGeom prst="rect">
+            <a:avLst/>
+          </a:prstGeom>
+        </p:spPr>
+      </p:pic>
+      <p:pic>
+        <p:nvPicPr>
+          <p:cNvPr id="14" name="Рисунок 13">
+            <a:extLst>
+              <a:ext uri="{FF2B5EF4-FFF2-40B4-BE49-F238E27FC236}">
+                <a16:creationId xmlns:a16="http://schemas.microsoft.com/office/drawing/2014/main" id="{39F939F7-1599-482F-9372-998DBC91144D}"/>
+              </a:ext>
+            </a:extLst>
+          </p:cNvPr>
+          <p:cNvPicPr>
+            <a:picLocks noChangeAspect="1"/>
+          </p:cNvPicPr>
+          <p:nvPr/>
+        </p:nvPicPr>
+        <p:blipFill>
+          <a:blip r:embed="rId5"/>
+          <a:stretch>
+            <a:fillRect/>
+          </a:stretch>
+        </p:blipFill>
+        <p:spPr>
+          <a:xfrm>
+            <a:off x="7909027" y="3759880"/>
+            <a:ext cx="958748" cy="1249342"/>
+          </a:xfrm>
+          <a:prstGeom prst="rect">
+            <a:avLst/>
+          </a:prstGeom>
+        </p:spPr>
+      </p:pic>
+      <p:pic>
+        <p:nvPicPr>
+          <p:cNvPr id="15" name="Рисунок 14">
+            <a:extLst>
+              <a:ext uri="{FF2B5EF4-FFF2-40B4-BE49-F238E27FC236}">
+                <a16:creationId xmlns:a16="http://schemas.microsoft.com/office/drawing/2014/main" id="{0E4F5A37-517F-4B9E-99DC-668222C6F997}"/>
+              </a:ext>
+            </a:extLst>
+          </p:cNvPr>
+          <p:cNvPicPr>
+            <a:picLocks noChangeAspect="1"/>
+          </p:cNvPicPr>
+          <p:nvPr/>
+        </p:nvPicPr>
+        <p:blipFill>
+          <a:blip r:embed="rId6"/>
+          <a:stretch>
+            <a:fillRect/>
+          </a:stretch>
+        </p:blipFill>
+        <p:spPr>
+          <a:xfrm>
+            <a:off x="6193249" y="4174621"/>
+            <a:ext cx="740859" cy="834601"/>
+          </a:xfrm>
+          <a:prstGeom prst="rect">
+            <a:avLst/>
+          </a:prstGeom>
+        </p:spPr>
+      </p:pic>
+      <p:sp>
+        <p:nvSpPr>
+          <p:cNvPr id="7" name="TextBox 6">
+            <a:extLst>
+              <a:ext uri="{FF2B5EF4-FFF2-40B4-BE49-F238E27FC236}">
+                <a16:creationId xmlns:a16="http://schemas.microsoft.com/office/drawing/2014/main" id="{FF3D9C96-B665-4E41-870F-E61172F6EB6B}"/>
+              </a:ext>
+            </a:extLst>
+          </p:cNvPr>
+          <p:cNvSpPr txBox="1"/>
+          <p:nvPr/>
+        </p:nvSpPr>
+        <p:spPr>
+          <a:xfrm>
+            <a:off x="646317" y="4635884"/>
+            <a:ext cx="532518" cy="261610"/>
+          </a:xfrm>
+          <a:prstGeom prst="rect">
+            <a:avLst/>
+          </a:prstGeom>
+          <a:noFill/>
+        </p:spPr>
+        <p:txBody>
+          <a:bodyPr wrap="none" rtlCol="0">
+            <a:spAutoFit/>
+          </a:bodyPr>
+          <a:lstStyle/>
+          <a:p>
+            <a:r>
+              <a:rPr lang="en-US" sz="1100" dirty="0" err="1"/>
+              <a:t>Piglin</a:t>
+            </a:r>
+            <a:endParaRPr lang="uk-UA" sz="1100" dirty="0"/>
+          </a:p>
+        </p:txBody>
+      </p:sp>
+      <p:sp>
+        <p:nvSpPr>
+          <p:cNvPr id="16" name="TextBox 15">
+            <a:extLst>
+              <a:ext uri="{FF2B5EF4-FFF2-40B4-BE49-F238E27FC236}">
+                <a16:creationId xmlns:a16="http://schemas.microsoft.com/office/drawing/2014/main" id="{957375F3-9D06-4B90-8F76-5353F18CCA73}"/>
+              </a:ext>
+            </a:extLst>
+          </p:cNvPr>
+          <p:cNvSpPr txBox="1"/>
+          <p:nvPr/>
+        </p:nvSpPr>
+        <p:spPr>
+          <a:xfrm>
+            <a:off x="4571999" y="4603417"/>
+            <a:ext cx="646331" cy="430887"/>
+          </a:xfrm>
+          <a:prstGeom prst="rect">
+            <a:avLst/>
+          </a:prstGeom>
+          <a:noFill/>
+        </p:spPr>
+        <p:txBody>
+          <a:bodyPr wrap="none" rtlCol="0">
+            <a:spAutoFit/>
+          </a:bodyPr>
+          <a:lstStyle/>
+          <a:p>
+            <a:pPr algn="ctr"/>
+            <a:r>
+              <a:rPr lang="en-US" sz="1100" dirty="0"/>
+              <a:t>Goblin</a:t>
+            </a:r>
+            <a:br>
+              <a:rPr lang="en-US" sz="1100" dirty="0"/>
+            </a:br>
+            <a:r>
+              <a:rPr lang="en-US" sz="1100" dirty="0" err="1"/>
+              <a:t>Warriro</a:t>
+            </a:r>
+            <a:endParaRPr lang="uk-UA" sz="1100" dirty="0"/>
+          </a:p>
+        </p:txBody>
+      </p:sp>
+      <p:sp>
+        <p:nvSpPr>
+          <p:cNvPr id="17" name="TextBox 16">
+            <a:extLst>
+              <a:ext uri="{FF2B5EF4-FFF2-40B4-BE49-F238E27FC236}">
+                <a16:creationId xmlns:a16="http://schemas.microsoft.com/office/drawing/2014/main" id="{9E670868-2D11-482B-9EB4-7D4053E7723C}"/>
+              </a:ext>
+            </a:extLst>
+          </p:cNvPr>
+          <p:cNvSpPr txBox="1"/>
+          <p:nvPr/>
+        </p:nvSpPr>
+        <p:spPr>
+          <a:xfrm>
+            <a:off x="5580091" y="4384551"/>
+            <a:ext cx="577402" cy="261610"/>
+          </a:xfrm>
+          <a:prstGeom prst="rect">
+            <a:avLst/>
+          </a:prstGeom>
+          <a:noFill/>
+        </p:spPr>
+        <p:txBody>
+          <a:bodyPr wrap="none" rtlCol="0">
+            <a:spAutoFit/>
+          </a:bodyPr>
+          <a:lstStyle/>
+          <a:p>
+            <a:pPr algn="ctr"/>
+            <a:r>
+              <a:rPr lang="en-US" sz="1100" dirty="0" err="1"/>
+              <a:t>Skelet</a:t>
+            </a:r>
+            <a:endParaRPr lang="uk-UA" sz="1100" dirty="0"/>
+          </a:p>
+        </p:txBody>
+      </p:sp>
+      <p:sp>
+        <p:nvSpPr>
+          <p:cNvPr id="18" name="TextBox 17">
+            <a:extLst>
+              <a:ext uri="{FF2B5EF4-FFF2-40B4-BE49-F238E27FC236}">
+                <a16:creationId xmlns:a16="http://schemas.microsoft.com/office/drawing/2014/main" id="{666F9C7B-1104-424C-A9CA-4A365BFE87D8}"/>
+              </a:ext>
+            </a:extLst>
+          </p:cNvPr>
+          <p:cNvSpPr txBox="1"/>
+          <p:nvPr/>
+        </p:nvSpPr>
+        <p:spPr>
+          <a:xfrm>
+            <a:off x="7307130" y="4217863"/>
+            <a:ext cx="599844" cy="261610"/>
+          </a:xfrm>
+          <a:prstGeom prst="rect">
+            <a:avLst/>
+          </a:prstGeom>
+          <a:noFill/>
+        </p:spPr>
+        <p:txBody>
+          <a:bodyPr wrap="none" rtlCol="0">
+            <a:spAutoFit/>
+          </a:bodyPr>
+          <a:lstStyle/>
+          <a:p>
+            <a:pPr algn="ctr"/>
+            <a:r>
+              <a:rPr lang="en-US" sz="1100" dirty="0"/>
+              <a:t>Golem</a:t>
+            </a:r>
+            <a:endParaRPr lang="uk-UA" sz="1100" dirty="0"/>
+          </a:p>
+        </p:txBody>
+      </p:sp>
+    </p:spTree>
+    <p:extLst>
+      <p:ext uri="{BB962C8B-B14F-4D97-AF65-F5344CB8AC3E}">
+        <p14:creationId xmlns:p14="http://schemas.microsoft.com/office/powerpoint/2010/main" val="2726880049"/>
+      </p:ext>
+    </p:extLst>
+  </p:cSld>
+  <p:clrMapOvr>
+    <a:masterClrMapping/>
+  </p:clrMapOvr>
+</p:sld>
+</file>
+
+<file path=ppt/slides/slide11.xml><?xml version="1.0" encoding="utf-8"?>
+<p:sld xmlns:a="http://schemas.openxmlformats.org/drawingml/2006/main" xmlns:r="http://schemas.openxmlformats.org/officeDocument/2006/relationships" xmlns:p="http://schemas.openxmlformats.org/presentationml/2006/main">
+  <p:cSld>
+    <p:spTree>
+      <p:nvGrpSpPr>
+        <p:cNvPr id="1" name="Shape 140"/>
+        <p:cNvGrpSpPr/>
+        <p:nvPr/>
+      </p:nvGrpSpPr>
+      <p:grpSpPr>
+        <a:xfrm>
+          <a:off x="0" y="0"/>
+          <a:ext cx="0" cy="0"/>
+          <a:chOff x="0" y="0"/>
+          <a:chExt cx="0" cy="0"/>
+        </a:xfrm>
+      </p:grpSpPr>
+      <p:sp>
+        <p:nvSpPr>
+          <p:cNvPr id="141" name="Google Shape;141;p19"/>
+          <p:cNvSpPr txBox="1">
+            <a:spLocks noGrp="1"/>
+          </p:cNvSpPr>
+          <p:nvPr>
+            <p:ph type="title"/>
+          </p:nvPr>
+        </p:nvSpPr>
+        <p:spPr>
+          <a:xfrm>
+            <a:off x="1435608" y="205978"/>
+            <a:ext cx="7498200" cy="857400"/>
+          </a:xfrm>
+          <a:prstGeom prst="rect">
+            <a:avLst/>
+          </a:prstGeom>
+          <a:noFill/>
+          <a:ln>
+            <a:noFill/>
+          </a:ln>
+        </p:spPr>
+        <p:txBody>
+          <a:bodyPr spcFirstLastPara="1" wrap="square" lIns="91425" tIns="45700" rIns="91425" bIns="45700" anchor="ctr" anchorCtr="0">
+            <a:normAutofit/>
+          </a:bodyPr>
+          <a:lstStyle/>
+          <a:p>
+            <a:pPr marL="0" lvl="0" indent="0" algn="l" rtl="0">
+              <a:lnSpc>
+                <a:spcPct val="100000"/>
+              </a:lnSpc>
+              <a:spcBef>
+                <a:spcPts val="0"/>
+              </a:spcBef>
+              <a:spcAft>
+                <a:spcPts val="0"/>
+              </a:spcAft>
+              <a:buClr>
+                <a:srgbClr val="562214"/>
+              </a:buClr>
+              <a:buSzPts val="4300"/>
+              <a:buFont typeface="Gill Sans"/>
+              <a:buNone/>
+            </a:pPr>
+            <a:r>
+              <a:rPr lang="ru-RU" dirty="0" err="1">
+                <a:latin typeface="Times New Roman" panose="02020603050405020304" pitchFamily="18" charset="0"/>
+                <a:cs typeface="Times New Roman" panose="02020603050405020304" pitchFamily="18" charset="0"/>
+              </a:rPr>
+              <a:t>Засоби</a:t>
+            </a:r>
+            <a:r>
+              <a:rPr lang="ru-RU" dirty="0">
+                <a:latin typeface="Times New Roman" panose="02020603050405020304" pitchFamily="18" charset="0"/>
+                <a:cs typeface="Times New Roman" panose="02020603050405020304" pitchFamily="18" charset="0"/>
+              </a:rPr>
+              <a:t> розробки</a:t>
+            </a:r>
+            <a:endParaRPr dirty="0">
+              <a:highlight>
+                <a:srgbClr val="FFFF00"/>
+              </a:highlight>
+              <a:latin typeface="Times New Roman" panose="02020603050405020304" pitchFamily="18" charset="0"/>
+              <a:cs typeface="Times New Roman" panose="02020603050405020304" pitchFamily="18" charset="0"/>
+            </a:endParaRPr>
+          </a:p>
+        </p:txBody>
+      </p:sp>
+      <p:sp>
+        <p:nvSpPr>
+          <p:cNvPr id="143" name="Google Shape;143;p19"/>
+          <p:cNvSpPr txBox="1">
+            <a:spLocks noGrp="1"/>
+          </p:cNvSpPr>
+          <p:nvPr>
+            <p:ph type="sldNum" idx="12"/>
+          </p:nvPr>
+        </p:nvSpPr>
+        <p:spPr>
+          <a:xfrm>
+            <a:off x="8686798" y="-12"/>
+            <a:ext cx="457200" cy="357000"/>
+          </a:xfrm>
+          <a:prstGeom prst="rect">
+            <a:avLst/>
+          </a:prstGeom>
+        </p:spPr>
+        <p:txBody>
+          <a:bodyPr spcFirstLastPara="1" wrap="square" lIns="91425" tIns="45700" rIns="91425" bIns="45700" anchor="b" anchorCtr="0">
+            <a:noAutofit/>
+          </a:bodyPr>
+          <a:lstStyle/>
+          <a:p>
+            <a:pPr marL="0" lvl="0" indent="0" algn="ctr" rtl="0">
+              <a:spcBef>
+                <a:spcPts val="0"/>
+              </a:spcBef>
+              <a:spcAft>
+                <a:spcPts val="0"/>
+              </a:spcAft>
+              <a:buClr>
+                <a:srgbClr val="000000"/>
+              </a:buClr>
+              <a:buSzPts val="1200"/>
+              <a:buFont typeface="Arial"/>
+              <a:buNone/>
+            </a:pPr>
+            <a:fld id="{00000000-1234-1234-1234-123412341234}" type="slidenum">
+              <a:rPr lang="ru-RU"/>
+              <a:t>11</a:t>
+            </a:fld>
+            <a:endParaRPr/>
+          </a:p>
+        </p:txBody>
+      </p:sp>
+      <p:pic>
+        <p:nvPicPr>
+          <p:cNvPr id="1026" name="Picture 2">
+            <a:extLst>
+              <a:ext uri="{FF2B5EF4-FFF2-40B4-BE49-F238E27FC236}">
+                <a16:creationId xmlns:a16="http://schemas.microsoft.com/office/drawing/2014/main" id="{D7A37E34-2DEE-415C-9234-4FF709D8590C}"/>
+              </a:ext>
+            </a:extLst>
+          </p:cNvPr>
+          <p:cNvPicPr>
+            <a:picLocks noChangeAspect="1" noChangeArrowheads="1"/>
+          </p:cNvPicPr>
+          <p:nvPr/>
+        </p:nvPicPr>
+        <p:blipFill>
+          <a:blip r:embed="rId3">
+            <a:extLst>
+              <a:ext uri="{28A0092B-C50C-407E-A947-70E740481C1C}">
+                <a14:useLocalDpi xmlns:a14="http://schemas.microsoft.com/office/drawing/2010/main" val="0"/>
+              </a:ext>
+            </a:extLst>
+          </a:blip>
+          <a:srcRect/>
+          <a:stretch>
+            <a:fillRect/>
+          </a:stretch>
+        </p:blipFill>
+        <p:spPr bwMode="auto">
+          <a:xfrm>
+            <a:off x="419642" y="2025251"/>
+            <a:ext cx="2357338" cy="857400"/>
+          </a:xfrm>
+          <a:prstGeom prst="rect">
+            <a:avLst/>
+          </a:prstGeom>
+          <a:noFill/>
+          <a:extLst>
+            <a:ext uri="{909E8E84-426E-40DD-AFC4-6F175D3DCCD1}">
+              <a14:hiddenFill xmlns:a14="http://schemas.microsoft.com/office/drawing/2010/main">
+                <a:solidFill>
+                  <a:srgbClr val="FFFFFF"/>
+                </a:solidFill>
+              </a14:hiddenFill>
+            </a:ext>
+          </a:extLst>
+        </p:spPr>
+      </p:pic>
+      <p:pic>
+        <p:nvPicPr>
+          <p:cNvPr id="1032" name="Picture 8" descr="Visual Studio logo and symbol, meaning, history, PNG">
+            <a:extLst>
+              <a:ext uri="{FF2B5EF4-FFF2-40B4-BE49-F238E27FC236}">
+                <a16:creationId xmlns:a16="http://schemas.microsoft.com/office/drawing/2014/main" id="{9340C89A-A17B-42A7-980A-00053591DBB7}"/>
+              </a:ext>
+            </a:extLst>
+          </p:cNvPr>
+          <p:cNvPicPr>
+            <a:picLocks noChangeAspect="1" noChangeArrowheads="1"/>
+          </p:cNvPicPr>
+          <p:nvPr/>
+        </p:nvPicPr>
+        <p:blipFill>
+          <a:blip r:embed="rId4">
+            <a:extLst>
+              <a:ext uri="{28A0092B-C50C-407E-A947-70E740481C1C}">
+                <a14:useLocalDpi xmlns:a14="http://schemas.microsoft.com/office/drawing/2010/main" val="0"/>
+              </a:ext>
+            </a:extLst>
+          </a:blip>
+          <a:srcRect/>
+          <a:stretch>
+            <a:fillRect/>
+          </a:stretch>
+        </p:blipFill>
+        <p:spPr bwMode="auto">
+          <a:xfrm>
+            <a:off x="248721" y="3232547"/>
+            <a:ext cx="2528259" cy="1422146"/>
+          </a:xfrm>
+          <a:prstGeom prst="rect">
+            <a:avLst/>
+          </a:prstGeom>
+          <a:noFill/>
+          <a:extLst>
+            <a:ext uri="{909E8E84-426E-40DD-AFC4-6F175D3DCCD1}">
+              <a14:hiddenFill xmlns:a14="http://schemas.microsoft.com/office/drawing/2010/main">
+                <a:solidFill>
+                  <a:srgbClr val="FFFFFF"/>
+                </a:solidFill>
+              </a14:hiddenFill>
+            </a:ext>
+          </a:extLst>
+        </p:spPr>
+      </p:pic>
+      <p:pic>
+        <p:nvPicPr>
+          <p:cNvPr id="1028" name="Picture 4" descr="Maya Logo PNG vector in SVG, PDF, AI, CDR format">
+            <a:extLst>
+              <a:ext uri="{FF2B5EF4-FFF2-40B4-BE49-F238E27FC236}">
+                <a16:creationId xmlns:a16="http://schemas.microsoft.com/office/drawing/2014/main" id="{296FC72A-6911-4A94-BE34-2215A77F1FBE}"/>
+              </a:ext>
+            </a:extLst>
+          </p:cNvPr>
+          <p:cNvPicPr>
+            <a:picLocks noChangeAspect="1" noChangeArrowheads="1"/>
+          </p:cNvPicPr>
+          <p:nvPr/>
+        </p:nvPicPr>
+        <p:blipFill>
+          <a:blip r:embed="rId5">
+            <a:extLst>
+              <a:ext uri="{28A0092B-C50C-407E-A947-70E740481C1C}">
+                <a14:useLocalDpi xmlns:a14="http://schemas.microsoft.com/office/drawing/2010/main" val="0"/>
+              </a:ext>
+            </a:extLst>
+          </a:blip>
+          <a:srcRect/>
+          <a:stretch>
+            <a:fillRect/>
+          </a:stretch>
+        </p:blipFill>
+        <p:spPr bwMode="auto">
+          <a:xfrm>
+            <a:off x="6188684" y="1941033"/>
+            <a:ext cx="1411575" cy="1059417"/>
+          </a:xfrm>
+          <a:prstGeom prst="rect">
+            <a:avLst/>
+          </a:prstGeom>
+          <a:noFill/>
+          <a:extLst>
+            <a:ext uri="{909E8E84-426E-40DD-AFC4-6F175D3DCCD1}">
+              <a14:hiddenFill xmlns:a14="http://schemas.microsoft.com/office/drawing/2010/main">
+                <a:solidFill>
+                  <a:srgbClr val="FFFFFF"/>
+                </a:solidFill>
+              </a14:hiddenFill>
+            </a:ext>
+          </a:extLst>
+        </p:spPr>
+      </p:pic>
+      <p:pic>
+        <p:nvPicPr>
+          <p:cNvPr id="1030" name="Picture 6" descr="Photoshop Logo, symbol, meaning, history, PNG, brand">
+            <a:extLst>
+              <a:ext uri="{FF2B5EF4-FFF2-40B4-BE49-F238E27FC236}">
+                <a16:creationId xmlns:a16="http://schemas.microsoft.com/office/drawing/2014/main" id="{A6756B2C-8804-4FAE-AC49-5E7ACB9A3A84}"/>
+              </a:ext>
+            </a:extLst>
+          </p:cNvPr>
+          <p:cNvPicPr>
+            <a:picLocks noChangeAspect="1" noChangeArrowheads="1"/>
+          </p:cNvPicPr>
+          <p:nvPr/>
+        </p:nvPicPr>
+        <p:blipFill>
+          <a:blip r:embed="rId6">
+            <a:extLst>
+              <a:ext uri="{28A0092B-C50C-407E-A947-70E740481C1C}">
+                <a14:useLocalDpi xmlns:a14="http://schemas.microsoft.com/office/drawing/2010/main" val="0"/>
+              </a:ext>
+            </a:extLst>
+          </a:blip>
+          <a:srcRect/>
+          <a:stretch>
+            <a:fillRect/>
+          </a:stretch>
+        </p:blipFill>
+        <p:spPr bwMode="auto">
+          <a:xfrm>
+            <a:off x="5962785" y="3503139"/>
+            <a:ext cx="2047208" cy="1151554"/>
+          </a:xfrm>
+          <a:prstGeom prst="rect">
+            <a:avLst/>
+          </a:prstGeom>
+          <a:noFill/>
+          <a:extLst>
+            <a:ext uri="{909E8E84-426E-40DD-AFC4-6F175D3DCCD1}">
+              <a14:hiddenFill xmlns:a14="http://schemas.microsoft.com/office/drawing/2010/main">
+                <a:solidFill>
+                  <a:srgbClr val="FFFFFF"/>
+                </a:solidFill>
+              </a14:hiddenFill>
+            </a:ext>
+          </a:extLst>
+        </p:spPr>
+      </p:pic>
+      <p:pic>
+        <p:nvPicPr>
+          <p:cNvPr id="3" name="Picture 8" descr="GitHub — A Beginner's Introduction | by Thiago Marsal Farias | Medium">
+            <a:extLst>
+              <a:ext uri="{FF2B5EF4-FFF2-40B4-BE49-F238E27FC236}">
+                <a16:creationId xmlns:a16="http://schemas.microsoft.com/office/drawing/2014/main" id="{796E2758-F7CD-41AC-B114-A80B35A6095C}"/>
+              </a:ext>
+            </a:extLst>
+          </p:cNvPr>
+          <p:cNvPicPr>
+            <a:picLocks noChangeAspect="1" noChangeArrowheads="1"/>
+          </p:cNvPicPr>
+          <p:nvPr/>
+        </p:nvPicPr>
+        <p:blipFill>
+          <a:blip r:embed="rId7">
+            <a:extLst>
+              <a:ext uri="{28A0092B-C50C-407E-A947-70E740481C1C}">
+                <a14:useLocalDpi xmlns:a14="http://schemas.microsoft.com/office/drawing/2010/main" val="0"/>
+              </a:ext>
+            </a:extLst>
+          </a:blip>
+          <a:srcRect/>
+          <a:stretch>
+            <a:fillRect/>
+          </a:stretch>
+        </p:blipFill>
+        <p:spPr bwMode="auto">
+          <a:xfrm>
+            <a:off x="2749869" y="2689549"/>
+            <a:ext cx="2929897" cy="1085995"/>
+          </a:xfrm>
+          <a:prstGeom prst="rect">
+            <a:avLst/>
+          </a:prstGeom>
+          <a:noFill/>
+          <a:extLst>
+            <a:ext uri="{909E8E84-426E-40DD-AFC4-6F175D3DCCD1}">
+              <a14:hiddenFill xmlns:a14="http://schemas.microsoft.com/office/drawing/2010/main">
+                <a:solidFill>
+                  <a:srgbClr val="FFFFFF"/>
+                </a:solidFill>
+              </a14:hiddenFill>
+            </a:ext>
+          </a:extLst>
+        </p:spPr>
+      </p:pic>
+      <p:sp>
+        <p:nvSpPr>
+          <p:cNvPr id="4" name="TextBox 3">
+            <a:extLst>
+              <a:ext uri="{FF2B5EF4-FFF2-40B4-BE49-F238E27FC236}">
+                <a16:creationId xmlns:a16="http://schemas.microsoft.com/office/drawing/2014/main" id="{852A48FC-F11E-4644-84D6-9BB150040812}"/>
+              </a:ext>
+            </a:extLst>
+          </p:cNvPr>
+          <p:cNvSpPr txBox="1"/>
+          <p:nvPr/>
+        </p:nvSpPr>
+        <p:spPr>
+          <a:xfrm>
+            <a:off x="1127669" y="1269368"/>
+            <a:ext cx="941283" cy="523220"/>
+          </a:xfrm>
+          <a:prstGeom prst="rect">
+            <a:avLst/>
+          </a:prstGeom>
+          <a:noFill/>
+        </p:spPr>
+        <p:txBody>
+          <a:bodyPr wrap="none" rtlCol="0">
+            <a:spAutoFit/>
+          </a:bodyPr>
+          <a:lstStyle/>
+          <a:p>
+            <a:r>
+              <a:rPr lang="en-US" sz="2800" dirty="0">
+                <a:latin typeface="Times New Roman" panose="02020603050405020304" pitchFamily="18" charset="0"/>
+                <a:cs typeface="Times New Roman" panose="02020603050405020304" pitchFamily="18" charset="0"/>
+              </a:rPr>
+              <a:t>Code</a:t>
+            </a:r>
+            <a:endParaRPr lang="uk-UA" sz="2800" dirty="0">
+              <a:latin typeface="Times New Roman" panose="02020603050405020304" pitchFamily="18" charset="0"/>
+              <a:cs typeface="Times New Roman" panose="02020603050405020304" pitchFamily="18" charset="0"/>
+            </a:endParaRPr>
+          </a:p>
+        </p:txBody>
+      </p:sp>
+      <p:sp>
+        <p:nvSpPr>
+          <p:cNvPr id="5" name="TextBox 4">
+            <a:extLst>
+              <a:ext uri="{FF2B5EF4-FFF2-40B4-BE49-F238E27FC236}">
+                <a16:creationId xmlns:a16="http://schemas.microsoft.com/office/drawing/2014/main" id="{6CC0E645-B947-4B45-83E1-8B2DA7826AFA}"/>
+              </a:ext>
+            </a:extLst>
+          </p:cNvPr>
+          <p:cNvSpPr txBox="1"/>
+          <p:nvPr/>
+        </p:nvSpPr>
+        <p:spPr>
+          <a:xfrm>
+            <a:off x="6060749" y="1214217"/>
+            <a:ext cx="1667444" cy="584775"/>
+          </a:xfrm>
+          <a:prstGeom prst="rect">
+            <a:avLst/>
+          </a:prstGeom>
+          <a:noFill/>
+        </p:spPr>
+        <p:txBody>
+          <a:bodyPr wrap="none" rtlCol="0">
+            <a:spAutoFit/>
+          </a:bodyPr>
+          <a:lstStyle/>
+          <a:p>
+            <a:r>
+              <a:rPr lang="en-US" sz="3200" dirty="0">
+                <a:latin typeface="Times New Roman" panose="02020603050405020304" pitchFamily="18" charset="0"/>
+                <a:cs typeface="Times New Roman" panose="02020603050405020304" pitchFamily="18" charset="0"/>
+              </a:rPr>
+              <a:t>Graphics</a:t>
+            </a:r>
+            <a:endParaRPr lang="uk-UA" sz="3200" dirty="0">
+              <a:latin typeface="Times New Roman" panose="02020603050405020304" pitchFamily="18" charset="0"/>
+              <a:cs typeface="Times New Roman" panose="02020603050405020304" pitchFamily="18" charset="0"/>
+            </a:endParaRPr>
+          </a:p>
+        </p:txBody>
+      </p:sp>
+    </p:spTree>
+  </p:cSld>
+  <p:clrMapOvr>
+    <a:masterClrMapping/>
+  </p:clrMapOvr>
+</p:sld>
+</file>
+
+<file path=ppt/slides/slide12.xml><?xml version="1.0" encoding="utf-8"?>
+<p:sld xmlns:a="http://schemas.openxmlformats.org/drawingml/2006/main" xmlns:r="http://schemas.openxmlformats.org/officeDocument/2006/relationships" xmlns:p="http://schemas.openxmlformats.org/presentationml/2006/main">
+  <p:cSld>
+    <p:spTree>
+      <p:nvGrpSpPr>
+        <p:cNvPr id="1" name=""/>
+        <p:cNvGrpSpPr/>
+        <p:nvPr/>
+      </p:nvGrpSpPr>
+      <p:grpSpPr>
+        <a:xfrm>
+          <a:off x="0" y="0"/>
+          <a:ext cx="0" cy="0"/>
+          <a:chOff x="0" y="0"/>
+          <a:chExt cx="0" cy="0"/>
+        </a:xfrm>
+      </p:grpSpPr>
+      <p:sp>
+        <p:nvSpPr>
+          <p:cNvPr id="2" name="Заголовок 1">
+            <a:extLst>
+              <a:ext uri="{FF2B5EF4-FFF2-40B4-BE49-F238E27FC236}">
+                <a16:creationId xmlns:a16="http://schemas.microsoft.com/office/drawing/2014/main" id="{D1CE64D8-78DE-47A7-BB54-23F919E4B24A}"/>
+              </a:ext>
+            </a:extLst>
+          </p:cNvPr>
+          <p:cNvSpPr>
+            <a:spLocks noGrp="1"/>
+          </p:cNvSpPr>
+          <p:nvPr>
+            <p:ph type="title"/>
+          </p:nvPr>
+        </p:nvSpPr>
+        <p:spPr/>
+        <p:txBody>
+          <a:bodyPr/>
+          <a:lstStyle/>
+          <a:p>
+            <a:r>
+              <a:rPr lang="ru-RU" dirty="0" err="1"/>
+              <a:t>Демонстрац</a:t>
+            </a:r>
+            <a:r>
+              <a:rPr lang="uk-UA" dirty="0" err="1"/>
+              <a:t>ія</a:t>
+            </a:r>
+            <a:endParaRPr lang="uk-UA" dirty="0"/>
+          </a:p>
+        </p:txBody>
+      </p:sp>
+      <p:sp>
+        <p:nvSpPr>
+          <p:cNvPr id="4" name="Місце для номера слайда 3">
+            <a:extLst>
+              <a:ext uri="{FF2B5EF4-FFF2-40B4-BE49-F238E27FC236}">
+                <a16:creationId xmlns:a16="http://schemas.microsoft.com/office/drawing/2014/main" id="{6EDB96CB-FCA3-4DBF-85BD-4C5DD9235AD8}"/>
+              </a:ext>
+            </a:extLst>
+          </p:cNvPr>
+          <p:cNvSpPr>
+            <a:spLocks noGrp="1"/>
+          </p:cNvSpPr>
+          <p:nvPr>
+            <p:ph type="sldNum" idx="12"/>
+          </p:nvPr>
+        </p:nvSpPr>
+        <p:spPr/>
+        <p:txBody>
+          <a:bodyPr/>
+          <a:lstStyle/>
+          <a:p>
+            <a:pPr marL="0" lvl="0" indent="0" algn="ctr" rtl="0">
+              <a:spcBef>
+                <a:spcPts val="0"/>
+              </a:spcBef>
+              <a:spcAft>
+                <a:spcPts val="0"/>
+              </a:spcAft>
+              <a:buNone/>
+            </a:pPr>
+            <a:fld id="{00000000-1234-1234-1234-123412341234}" type="slidenum">
+              <a:rPr lang="ru-RU" smtClean="0"/>
+              <a:t>12</a:t>
+            </a:fld>
+            <a:endParaRPr lang="ru-RU"/>
+          </a:p>
+        </p:txBody>
+      </p:sp>
+    </p:spTree>
+    <p:extLst>
+      <p:ext uri="{BB962C8B-B14F-4D97-AF65-F5344CB8AC3E}">
+        <p14:creationId xmlns:p14="http://schemas.microsoft.com/office/powerpoint/2010/main" val="1144787814"/>
+      </p:ext>
+    </p:extLst>
+  </p:cSld>
+  <p:clrMapOvr>
+    <a:masterClrMapping/>
+  </p:clrMapOvr>
+</p:sld>
+</file>
+
+<file path=ppt/slides/slide13.xml><?xml version="1.0" encoding="utf-8"?>
+<p:sld xmlns:a="http://schemas.openxmlformats.org/drawingml/2006/main" xmlns:r="http://schemas.openxmlformats.org/officeDocument/2006/relationships" xmlns:p="http://schemas.openxmlformats.org/presentationml/2006/main">
+  <p:cSld>
+    <p:spTree>
+      <p:nvGrpSpPr>
+        <p:cNvPr id="1" name="Shape 154"/>
+        <p:cNvGrpSpPr/>
+        <p:nvPr/>
+      </p:nvGrpSpPr>
+      <p:grpSpPr>
+        <a:xfrm>
+          <a:off x="0" y="0"/>
+          <a:ext cx="0" cy="0"/>
+          <a:chOff x="0" y="0"/>
+          <a:chExt cx="0" cy="0"/>
+        </a:xfrm>
+      </p:grpSpPr>
+      <p:sp>
+        <p:nvSpPr>
+          <p:cNvPr id="155" name="Google Shape;155;p21"/>
+          <p:cNvSpPr txBox="1">
+            <a:spLocks noGrp="1"/>
+          </p:cNvSpPr>
+          <p:nvPr>
+            <p:ph type="title"/>
+          </p:nvPr>
+        </p:nvSpPr>
+        <p:spPr>
+          <a:xfrm>
+            <a:off x="1188598" y="80472"/>
+            <a:ext cx="7498200" cy="857400"/>
+          </a:xfrm>
+          <a:prstGeom prst="rect">
+            <a:avLst/>
+          </a:prstGeom>
+          <a:noFill/>
+          <a:ln>
+            <a:noFill/>
+          </a:ln>
+        </p:spPr>
+        <p:txBody>
+          <a:bodyPr spcFirstLastPara="1" wrap="square" lIns="91425" tIns="45700" rIns="91425" bIns="45700" anchor="ctr" anchorCtr="0">
+            <a:normAutofit/>
+          </a:bodyPr>
+          <a:lstStyle/>
+          <a:p>
+            <a:pPr marL="0" lvl="0" indent="0" algn="l" rtl="0">
+              <a:lnSpc>
+                <a:spcPct val="100000"/>
+              </a:lnSpc>
+              <a:spcBef>
+                <a:spcPts val="0"/>
+              </a:spcBef>
+              <a:spcAft>
+                <a:spcPts val="0"/>
+              </a:spcAft>
+              <a:buClr>
+                <a:srgbClr val="562214"/>
+              </a:buClr>
+              <a:buSzPts val="4300"/>
+              <a:buFont typeface="Gill Sans"/>
+              <a:buNone/>
+            </a:pPr>
+            <a:r>
+              <a:rPr lang="ru-RU" dirty="0" err="1">
+                <a:latin typeface="Times New Roman" panose="02020603050405020304" pitchFamily="18" charset="0"/>
+                <a:cs typeface="Times New Roman" panose="02020603050405020304" pitchFamily="18" charset="0"/>
+              </a:rPr>
+              <a:t>Висновки</a:t>
+            </a:r>
+            <a:endParaRPr dirty="0">
+              <a:latin typeface="Times New Roman" panose="02020603050405020304" pitchFamily="18" charset="0"/>
+              <a:cs typeface="Times New Roman" panose="02020603050405020304" pitchFamily="18" charset="0"/>
+            </a:endParaRPr>
+          </a:p>
+        </p:txBody>
+      </p:sp>
+      <p:sp>
+        <p:nvSpPr>
+          <p:cNvPr id="157" name="Google Shape;157;p21"/>
+          <p:cNvSpPr txBox="1">
+            <a:spLocks noGrp="1"/>
+          </p:cNvSpPr>
+          <p:nvPr>
+            <p:ph type="sldNum" idx="12"/>
+          </p:nvPr>
+        </p:nvSpPr>
+        <p:spPr>
+          <a:xfrm>
+            <a:off x="8686798" y="-12"/>
+            <a:ext cx="457200" cy="357000"/>
+          </a:xfrm>
+          <a:prstGeom prst="rect">
+            <a:avLst/>
+          </a:prstGeom>
+        </p:spPr>
+        <p:txBody>
+          <a:bodyPr spcFirstLastPara="1" wrap="square" lIns="91425" tIns="45700" rIns="91425" bIns="45700" anchor="b" anchorCtr="0">
+            <a:noAutofit/>
+          </a:bodyPr>
+          <a:lstStyle/>
+          <a:p>
+            <a:pPr marL="0" lvl="0" indent="0" algn="ctr" rtl="0">
+              <a:spcBef>
+                <a:spcPts val="0"/>
+              </a:spcBef>
+              <a:spcAft>
+                <a:spcPts val="0"/>
+              </a:spcAft>
+              <a:buClr>
+                <a:srgbClr val="000000"/>
+              </a:buClr>
+              <a:buSzPts val="1200"/>
+              <a:buFont typeface="Arial"/>
+              <a:buNone/>
+            </a:pPr>
+            <a:fld id="{00000000-1234-1234-1234-123412341234}" type="slidenum">
+              <a:rPr lang="ru-RU"/>
+              <a:t>13</a:t>
+            </a:fld>
+            <a:endParaRPr/>
+          </a:p>
+        </p:txBody>
+      </p:sp>
+      <p:sp>
+        <p:nvSpPr>
+          <p:cNvPr id="4" name="TextBox 3">
+            <a:extLst>
+              <a:ext uri="{FF2B5EF4-FFF2-40B4-BE49-F238E27FC236}">
+                <a16:creationId xmlns:a16="http://schemas.microsoft.com/office/drawing/2014/main" id="{A25BE7FA-C113-49EC-B9D9-361EBCDABDFA}"/>
+              </a:ext>
+            </a:extLst>
+          </p:cNvPr>
+          <p:cNvSpPr txBox="1"/>
+          <p:nvPr/>
+        </p:nvSpPr>
+        <p:spPr>
+          <a:xfrm>
+            <a:off x="984890" y="740649"/>
+            <a:ext cx="7930508" cy="4093428"/>
+          </a:xfrm>
+          <a:prstGeom prst="rect">
+            <a:avLst/>
+          </a:prstGeom>
+          <a:noFill/>
+        </p:spPr>
+        <p:txBody>
+          <a:bodyPr wrap="square" rtlCol="0">
+            <a:spAutoFit/>
+          </a:bodyPr>
+          <a:lstStyle/>
+          <a:p>
+            <a:pPr marL="0" lvl="0" indent="0" algn="just" rtl="0">
+              <a:lnSpc>
+                <a:spcPct val="100000"/>
+              </a:lnSpc>
+              <a:spcBef>
+                <a:spcPts val="0"/>
+              </a:spcBef>
+              <a:spcAft>
+                <a:spcPts val="0"/>
+              </a:spcAft>
+              <a:buSzPts val="2560"/>
+              <a:buNone/>
+            </a:pPr>
+            <a:r>
+              <a:rPr lang="ru-RU" sz="1200" dirty="0">
+                <a:latin typeface="Times New Roman" panose="02020603050405020304" pitchFamily="18" charset="0"/>
+                <a:cs typeface="Times New Roman" panose="02020603050405020304" pitchFamily="18" charset="0"/>
+              </a:rPr>
+              <a:t>	</a:t>
+            </a:r>
+            <a:r>
+              <a:rPr lang="uk-UA" sz="1300" dirty="0">
+                <a:latin typeface="Times New Roman" panose="02020603050405020304" pitchFamily="18" charset="0"/>
+                <a:cs typeface="Times New Roman" panose="02020603050405020304" pitchFamily="18" charset="0"/>
+              </a:rPr>
+              <a:t>В результаті виконання дипломного проєкту спроєктовано та реалізовано наступні етапи.</a:t>
+            </a:r>
+          </a:p>
+          <a:p>
+            <a:pPr marL="0" lvl="0" indent="0" algn="just" rtl="0">
+              <a:lnSpc>
+                <a:spcPct val="100000"/>
+              </a:lnSpc>
+              <a:spcBef>
+                <a:spcPts val="0"/>
+              </a:spcBef>
+              <a:spcAft>
+                <a:spcPts val="0"/>
+              </a:spcAft>
+              <a:buSzPts val="2560"/>
+              <a:buNone/>
+            </a:pPr>
+            <a:r>
+              <a:rPr lang="uk-UA" sz="1300" dirty="0">
+                <a:latin typeface="Times New Roman" panose="02020603050405020304" pitchFamily="18" charset="0"/>
+                <a:cs typeface="Times New Roman" panose="02020603050405020304" pitchFamily="18" charset="0"/>
+              </a:rPr>
+              <a:t>	Проведено аналіз існуючих моделей поведінки </a:t>
+            </a:r>
+            <a:r>
+              <a:rPr lang="en-US" sz="1300" dirty="0">
+                <a:latin typeface="Times New Roman" panose="02020603050405020304" pitchFamily="18" charset="0"/>
+                <a:cs typeface="Times New Roman" panose="02020603050405020304" pitchFamily="18" charset="0"/>
+              </a:rPr>
+              <a:t>NPC </a:t>
+            </a:r>
+            <a:r>
+              <a:rPr lang="uk-UA" sz="1300" dirty="0">
+                <a:latin typeface="Times New Roman" panose="02020603050405020304" pitchFamily="18" charset="0"/>
+                <a:cs typeface="Times New Roman" panose="02020603050405020304" pitchFamily="18" charset="0"/>
+              </a:rPr>
+              <a:t>та різних жанрів ігор.</a:t>
+            </a:r>
+            <a:br>
+              <a:rPr lang="uk-UA" sz="1300" dirty="0">
+                <a:latin typeface="Times New Roman" panose="02020603050405020304" pitchFamily="18" charset="0"/>
+                <a:cs typeface="Times New Roman" panose="02020603050405020304" pitchFamily="18" charset="0"/>
+              </a:rPr>
+            </a:br>
+            <a:r>
+              <a:rPr lang="uk-UA" sz="1300" dirty="0">
+                <a:latin typeface="Times New Roman" panose="02020603050405020304" pitchFamily="18" charset="0"/>
+                <a:cs typeface="Times New Roman" panose="02020603050405020304" pitchFamily="18" charset="0"/>
+              </a:rPr>
+              <a:t>	Демонстраційну гру, що включає в себе механіки:</a:t>
+            </a:r>
+          </a:p>
+          <a:p>
+            <a:pPr marL="0" lvl="0" indent="0" algn="just" rtl="0">
+              <a:lnSpc>
+                <a:spcPct val="100000"/>
+              </a:lnSpc>
+              <a:spcBef>
+                <a:spcPts val="0"/>
+              </a:spcBef>
+              <a:spcAft>
+                <a:spcPts val="0"/>
+              </a:spcAft>
+              <a:buSzPts val="2560"/>
+              <a:buNone/>
+            </a:pPr>
+            <a:r>
+              <a:rPr lang="en-US" sz="1300" i="1" dirty="0">
+                <a:latin typeface="Times New Roman" panose="02020603050405020304" pitchFamily="18" charset="0"/>
+                <a:cs typeface="Times New Roman" panose="02020603050405020304" pitchFamily="18" charset="0"/>
+              </a:rPr>
+              <a:t>	</a:t>
+            </a:r>
+            <a:r>
+              <a:rPr lang="uk-UA" sz="1300" i="1" dirty="0">
+                <a:latin typeface="Times New Roman" panose="02020603050405020304" pitchFamily="18" charset="0"/>
+                <a:cs typeface="Times New Roman" panose="02020603050405020304" pitchFamily="18" charset="0"/>
+              </a:rPr>
+              <a:t>Поведінки </a:t>
+            </a:r>
+            <a:r>
+              <a:rPr lang="en-US" sz="1300" i="1" dirty="0">
+                <a:latin typeface="Times New Roman" panose="02020603050405020304" pitchFamily="18" charset="0"/>
+                <a:cs typeface="Times New Roman" panose="02020603050405020304" pitchFamily="18" charset="0"/>
+              </a:rPr>
+              <a:t>NPC</a:t>
+            </a:r>
+            <a:r>
+              <a:rPr lang="uk-UA" sz="1300" i="1" dirty="0">
+                <a:latin typeface="Times New Roman" panose="02020603050405020304" pitchFamily="18" charset="0"/>
+                <a:cs typeface="Times New Roman" panose="02020603050405020304" pitchFamily="18" charset="0"/>
+              </a:rPr>
+              <a:t> </a:t>
+            </a:r>
+            <a:r>
+              <a:rPr lang="uk-UA" sz="1300" dirty="0">
+                <a:latin typeface="Times New Roman" panose="02020603050405020304" pitchFamily="18" charset="0"/>
+                <a:cs typeface="Times New Roman" panose="02020603050405020304" pitchFamily="18" charset="0"/>
+              </a:rPr>
+              <a:t>- В ігровому застосунку наявні </a:t>
+            </a:r>
+            <a:r>
+              <a:rPr lang="ru-RU" sz="1300" dirty="0">
+                <a:latin typeface="Times New Roman" panose="02020603050405020304" pitchFamily="18" charset="0"/>
+                <a:ea typeface="Times New Roman" panose="02020603050405020304" pitchFamily="18" charset="0"/>
+              </a:rPr>
+              <a:t>4 </a:t>
+            </a:r>
+            <a:r>
+              <a:rPr lang="ru-RU" sz="1300" dirty="0" err="1">
+                <a:latin typeface="Times New Roman" panose="02020603050405020304" pitchFamily="18" charset="0"/>
+                <a:ea typeface="Times New Roman" panose="02020603050405020304" pitchFamily="18" charset="0"/>
+              </a:rPr>
+              <a:t>різні</a:t>
+            </a:r>
+            <a:r>
+              <a:rPr lang="ru-RU" sz="1300" dirty="0">
+                <a:latin typeface="Times New Roman" panose="02020603050405020304" pitchFamily="18" charset="0"/>
+                <a:ea typeface="Times New Roman" panose="02020603050405020304" pitchFamily="18" charset="0"/>
+              </a:rPr>
+              <a:t> типи ігрових класів NPC, кожен з яких оснащений власною системою прийняття рішень на основі заданих параметрів</a:t>
+            </a:r>
+            <a:r>
+              <a:rPr lang="en-US" sz="1300" dirty="0">
+                <a:latin typeface="Times New Roman" panose="02020603050405020304" pitchFamily="18" charset="0"/>
+                <a:ea typeface="Times New Roman" panose="02020603050405020304" pitchFamily="18" charset="0"/>
+              </a:rPr>
+              <a:t>.</a:t>
+            </a:r>
+            <a:r>
+              <a:rPr lang="ru-RU" sz="1300" dirty="0">
+                <a:latin typeface="Times New Roman" panose="02020603050405020304" pitchFamily="18" charset="0"/>
+                <a:ea typeface="Times New Roman" panose="02020603050405020304" pitchFamily="18" charset="0"/>
+              </a:rPr>
+              <a:t> </a:t>
+            </a:r>
+            <a:r>
+              <a:rPr lang="en-US" sz="1300" i="1" dirty="0">
+                <a:latin typeface="Times New Roman" panose="02020603050405020304" pitchFamily="18" charset="0"/>
+                <a:cs typeface="Times New Roman" panose="02020603050405020304" pitchFamily="18" charset="0"/>
+              </a:rPr>
+              <a:t>	</a:t>
+            </a:r>
+            <a:endParaRPr lang="uk-UA" sz="1300" i="1" dirty="0">
+              <a:latin typeface="Times New Roman" panose="02020603050405020304" pitchFamily="18" charset="0"/>
+              <a:cs typeface="Times New Roman" panose="02020603050405020304" pitchFamily="18" charset="0"/>
+            </a:endParaRPr>
+          </a:p>
+          <a:p>
+            <a:pPr marL="0" lvl="0" indent="0" algn="just" rtl="0">
+              <a:lnSpc>
+                <a:spcPct val="100000"/>
+              </a:lnSpc>
+              <a:spcBef>
+                <a:spcPts val="0"/>
+              </a:spcBef>
+              <a:spcAft>
+                <a:spcPts val="0"/>
+              </a:spcAft>
+              <a:buSzPts val="2560"/>
+              <a:buNone/>
+            </a:pPr>
+            <a:r>
+              <a:rPr lang="uk-UA" sz="1300" i="1" dirty="0">
+                <a:latin typeface="Times New Roman" panose="02020603050405020304" pitchFamily="18" charset="0"/>
+                <a:cs typeface="Times New Roman" panose="02020603050405020304" pitchFamily="18" charset="0"/>
+              </a:rPr>
+              <a:t>	Ігрового інтерфейсу</a:t>
+            </a:r>
+            <a:r>
+              <a:rPr lang="en-US" sz="1300" i="1" dirty="0">
+                <a:latin typeface="Times New Roman" panose="02020603050405020304" pitchFamily="18" charset="0"/>
+                <a:cs typeface="Times New Roman" panose="02020603050405020304" pitchFamily="18" charset="0"/>
+              </a:rPr>
+              <a:t> </a:t>
+            </a:r>
+            <a:r>
+              <a:rPr lang="en-US" sz="1300" dirty="0">
+                <a:latin typeface="Times New Roman" panose="02020603050405020304" pitchFamily="18" charset="0"/>
+                <a:cs typeface="Times New Roman" panose="02020603050405020304" pitchFamily="18" charset="0"/>
+              </a:rPr>
+              <a:t>- </a:t>
+            </a:r>
+            <a:r>
+              <a:rPr lang="uk-UA" sz="1300" dirty="0">
+                <a:latin typeface="Times New Roman" panose="02020603050405020304" pitchFamily="18" charset="0"/>
+                <a:cs typeface="Times New Roman" panose="02020603050405020304" pitchFamily="18" charset="0"/>
+              </a:rPr>
+              <a:t>Гравець має можливість користуватися інтерфейсом застосунку таким як, меню, інвентар, магазини, об’єкти і тд</a:t>
+            </a:r>
+            <a:r>
+              <a:rPr lang="en-US" sz="1300" dirty="0">
+                <a:latin typeface="Times New Roman" panose="02020603050405020304" pitchFamily="18" charset="0"/>
+                <a:cs typeface="Times New Roman" panose="02020603050405020304" pitchFamily="18" charset="0"/>
+              </a:rPr>
+              <a:t>.</a:t>
+            </a:r>
+          </a:p>
+          <a:p>
+            <a:pPr marL="0" lvl="0" indent="0" algn="just" rtl="0">
+              <a:lnSpc>
+                <a:spcPct val="100000"/>
+              </a:lnSpc>
+              <a:spcBef>
+                <a:spcPts val="0"/>
+              </a:spcBef>
+              <a:spcAft>
+                <a:spcPts val="0"/>
+              </a:spcAft>
+              <a:buSzPts val="2560"/>
+              <a:buNone/>
+            </a:pPr>
+            <a:r>
+              <a:rPr lang="en-US" sz="1300" i="1" dirty="0">
+                <a:latin typeface="Times New Roman" panose="02020603050405020304" pitchFamily="18" charset="0"/>
+                <a:cs typeface="Times New Roman" panose="02020603050405020304" pitchFamily="18" charset="0"/>
+              </a:rPr>
+              <a:t>	</a:t>
+            </a:r>
+            <a:r>
+              <a:rPr lang="ru-RU" sz="1300" i="1" dirty="0">
+                <a:latin typeface="Times New Roman" panose="02020603050405020304" pitchFamily="18" charset="0"/>
+                <a:cs typeface="Times New Roman" panose="02020603050405020304" pitchFamily="18" charset="0"/>
+              </a:rPr>
+              <a:t>Бою</a:t>
+            </a:r>
+            <a:r>
+              <a:rPr lang="ru-RU" sz="1300" dirty="0">
+                <a:latin typeface="Times New Roman" panose="02020603050405020304" pitchFamily="18" charset="0"/>
+                <a:cs typeface="Times New Roman" panose="02020603050405020304" pitchFamily="18" charset="0"/>
+              </a:rPr>
+              <a:t> - </a:t>
+            </a:r>
+            <a:r>
+              <a:rPr lang="en-US" sz="1300" dirty="0">
+                <a:latin typeface="Times New Roman" panose="02020603050405020304" pitchFamily="18" charset="0"/>
+                <a:cs typeface="Times New Roman" panose="02020603050405020304" pitchFamily="18" charset="0"/>
+              </a:rPr>
+              <a:t> </a:t>
+            </a:r>
+            <a:r>
+              <a:rPr lang="uk-UA" sz="1300" dirty="0">
+                <a:latin typeface="Times New Roman" panose="02020603050405020304" pitchFamily="18" charset="0"/>
+                <a:cs typeface="Times New Roman" panose="02020603050405020304" pitchFamily="18" charset="0"/>
+              </a:rPr>
+              <a:t>Гравець може взаємодіяти з усіма </a:t>
+            </a:r>
+            <a:r>
+              <a:rPr lang="en-US" sz="1300" dirty="0">
+                <a:latin typeface="Times New Roman" panose="02020603050405020304" pitchFamily="18" charset="0"/>
+                <a:cs typeface="Times New Roman" panose="02020603050405020304" pitchFamily="18" charset="0"/>
+              </a:rPr>
+              <a:t>NPC</a:t>
+            </a:r>
+            <a:r>
+              <a:rPr lang="uk-UA" sz="1300" dirty="0">
+                <a:latin typeface="Times New Roman" panose="02020603050405020304" pitchFamily="18" charset="0"/>
+                <a:cs typeface="Times New Roman" panose="02020603050405020304" pitchFamily="18" charset="0"/>
+              </a:rPr>
+              <a:t> в грі, знищувати їх, наносити їм шкоду, використовувати для цього 6 видів зброї, </a:t>
+            </a:r>
+            <a:r>
+              <a:rPr lang="en-US" sz="1300" dirty="0">
+                <a:latin typeface="Times New Roman" panose="02020603050405020304" pitchFamily="18" charset="0"/>
+                <a:cs typeface="Times New Roman" panose="02020603050405020304" pitchFamily="18" charset="0"/>
+              </a:rPr>
+              <a:t>13 </a:t>
+            </a:r>
+            <a:r>
+              <a:rPr lang="ru-RU" sz="1300" dirty="0" err="1">
+                <a:latin typeface="Times New Roman" panose="02020603050405020304" pitchFamily="18" charset="0"/>
+                <a:cs typeface="Times New Roman" panose="02020603050405020304" pitchFamily="18" charset="0"/>
+              </a:rPr>
+              <a:t>видів</a:t>
+            </a:r>
+            <a:r>
+              <a:rPr lang="ru-RU" sz="1300" dirty="0">
+                <a:latin typeface="Times New Roman" panose="02020603050405020304" pitchFamily="18" charset="0"/>
+                <a:cs typeface="Times New Roman" panose="02020603050405020304" pitchFamily="18" charset="0"/>
+              </a:rPr>
+              <a:t> </a:t>
+            </a:r>
+            <a:r>
+              <a:rPr lang="uk-UA" sz="1300" dirty="0">
+                <a:latin typeface="Times New Roman" panose="02020603050405020304" pitchFamily="18" charset="0"/>
+                <a:cs typeface="Times New Roman" panose="02020603050405020304" pitchFamily="18" charset="0"/>
+              </a:rPr>
+              <a:t>заклять та екіпірувати броню для захисту себе.</a:t>
+            </a:r>
+          </a:p>
+          <a:p>
+            <a:pPr marL="0" lvl="0" indent="0" algn="just" rtl="0">
+              <a:lnSpc>
+                <a:spcPct val="100000"/>
+              </a:lnSpc>
+              <a:spcBef>
+                <a:spcPts val="0"/>
+              </a:spcBef>
+              <a:spcAft>
+                <a:spcPts val="0"/>
+              </a:spcAft>
+              <a:buSzPts val="2560"/>
+              <a:buNone/>
+            </a:pPr>
+            <a:r>
+              <a:rPr lang="en-US" sz="1300" dirty="0">
+                <a:latin typeface="Times New Roman" panose="02020603050405020304" pitchFamily="18" charset="0"/>
+                <a:cs typeface="Times New Roman" panose="02020603050405020304" pitchFamily="18" charset="0"/>
+              </a:rPr>
+              <a:t>	</a:t>
+            </a:r>
+            <a:r>
+              <a:rPr lang="uk-UA" sz="1300" i="1" dirty="0">
+                <a:latin typeface="Times New Roman" panose="02020603050405020304" pitchFamily="18" charset="0"/>
+                <a:cs typeface="Times New Roman" panose="02020603050405020304" pitchFamily="18" charset="0"/>
+              </a:rPr>
+              <a:t>Інвентарю, магазинів та ігрової економіки </a:t>
+            </a:r>
+            <a:r>
+              <a:rPr lang="uk-UA" sz="1300" dirty="0">
+                <a:latin typeface="Times New Roman" panose="02020603050405020304" pitchFamily="18" charset="0"/>
+                <a:cs typeface="Times New Roman" panose="02020603050405020304" pitchFamily="18" charset="0"/>
+              </a:rPr>
+              <a:t>- Гравець може купувати та використовувати всі предмети, які наявні в грі, для цього існують магазини та інвентар. Інвентар в свою чергу існує, як місце збереження та колекціонування об’єктів, отриманих гравцем. Також там можна знайти поточні задання, карту, меню зброї, характеристик, магії та можливість прокачувати свого песронажа</a:t>
+            </a:r>
+            <a:r>
+              <a:rPr lang="en-US" sz="1300" dirty="0">
+                <a:latin typeface="Times New Roman" panose="02020603050405020304" pitchFamily="18" charset="0"/>
+                <a:cs typeface="Times New Roman" panose="02020603050405020304" pitchFamily="18" charset="0"/>
+              </a:rPr>
+              <a:t>.</a:t>
+            </a:r>
+            <a:endParaRPr lang="uk-UA" sz="1300" dirty="0">
+              <a:latin typeface="Times New Roman" panose="02020603050405020304" pitchFamily="18" charset="0"/>
+              <a:cs typeface="Times New Roman" panose="02020603050405020304" pitchFamily="18" charset="0"/>
+            </a:endParaRPr>
+          </a:p>
+          <a:p>
+            <a:pPr algn="just">
+              <a:buSzPts val="2560"/>
+            </a:pPr>
+            <a:r>
+              <a:rPr lang="uk-UA" sz="1300" dirty="0">
+                <a:latin typeface="Times New Roman" panose="02020603050405020304" pitchFamily="18" charset="0"/>
+                <a:cs typeface="Times New Roman" panose="02020603050405020304" pitchFamily="18" charset="0"/>
+              </a:rPr>
+              <a:t>	</a:t>
+            </a:r>
+            <a:r>
+              <a:rPr lang="uk-UA" sz="1300" i="1" dirty="0">
+                <a:latin typeface="Times New Roman" panose="02020603050405020304" pitchFamily="18" charset="0"/>
+                <a:cs typeface="Times New Roman" panose="02020603050405020304" pitchFamily="18" charset="0"/>
+              </a:rPr>
+              <a:t>Взаємодії з ігровими об’єктами та предметами середовища </a:t>
+            </a:r>
+            <a:r>
+              <a:rPr lang="uk-UA" sz="1300" dirty="0">
+                <a:latin typeface="Times New Roman" panose="02020603050405020304" pitchFamily="18" charset="0"/>
+                <a:cs typeface="Times New Roman" panose="02020603050405020304" pitchFamily="18" charset="0"/>
+              </a:rPr>
+              <a:t>- </a:t>
+            </a:r>
+            <a:r>
+              <a:rPr lang="uk-UA" sz="1300" b="0" i="0" u="none" strike="noStrike" baseline="0" dirty="0">
+                <a:solidFill>
+                  <a:srgbClr val="000000"/>
+                </a:solidFill>
+                <a:latin typeface="Times New Roman" panose="02020603050405020304" pitchFamily="18" charset="0"/>
+                <a:cs typeface="Times New Roman" panose="02020603050405020304" pitchFamily="18" charset="0"/>
+              </a:rPr>
+              <a:t>Гравець може взаємодіяти з великою кількістю</a:t>
+            </a:r>
+            <a:r>
+              <a:rPr lang="en-US" sz="1300" dirty="0">
+                <a:solidFill>
+                  <a:srgbClr val="000000"/>
+                </a:solidFill>
+                <a:latin typeface="Times New Roman" panose="02020603050405020304" pitchFamily="18" charset="0"/>
+                <a:cs typeface="Times New Roman" panose="02020603050405020304" pitchFamily="18" charset="0"/>
+              </a:rPr>
+              <a:t> </a:t>
+            </a:r>
+            <a:r>
+              <a:rPr lang="uk-UA" sz="1300" b="0" i="0" u="none" strike="noStrike" baseline="0" dirty="0">
+                <a:latin typeface="Times New Roman" panose="02020603050405020304" pitchFamily="18" charset="0"/>
+                <a:cs typeface="Times New Roman" panose="02020603050405020304" pitchFamily="18" charset="0"/>
+              </a:rPr>
+              <a:t>об'єктів, які розкидані по всьому світу. Також є можливість взаємодіяти зі скринями, НПС, ящиками і тд. </a:t>
+            </a:r>
+            <a:r>
+              <a:rPr lang="uk-UA" sz="1300" dirty="0">
+                <a:latin typeface="Times New Roman" panose="02020603050405020304" pitchFamily="18" charset="0"/>
+                <a:cs typeface="Times New Roman" panose="02020603050405020304" pitchFamily="18" charset="0"/>
+              </a:rPr>
+              <a:t> </a:t>
+            </a:r>
+          </a:p>
+          <a:p>
+            <a:pPr marL="0" lvl="0" indent="0" algn="just" rtl="0">
+              <a:lnSpc>
+                <a:spcPct val="100000"/>
+              </a:lnSpc>
+              <a:spcBef>
+                <a:spcPts val="0"/>
+              </a:spcBef>
+              <a:spcAft>
+                <a:spcPts val="0"/>
+              </a:spcAft>
+              <a:buSzPts val="2560"/>
+              <a:buNone/>
+            </a:pPr>
+            <a:r>
+              <a:rPr lang="uk-UA" sz="1300" dirty="0">
+                <a:latin typeface="Times New Roman" panose="02020603050405020304" pitchFamily="18" charset="0"/>
+                <a:cs typeface="Times New Roman" panose="02020603050405020304" pitchFamily="18" charset="0"/>
+              </a:rPr>
+              <a:t>	</a:t>
+            </a:r>
+            <a:r>
+              <a:rPr lang="ru-RU" sz="1300" dirty="0" err="1">
+                <a:latin typeface="Times New Roman" panose="02020603050405020304" pitchFamily="18" charset="0"/>
+                <a:cs typeface="Times New Roman" panose="02020603050405020304" pitchFamily="18" charset="0"/>
+              </a:rPr>
+              <a:t>Здійснено</a:t>
+            </a:r>
+            <a:r>
+              <a:rPr lang="ru-RU" sz="1300" dirty="0">
+                <a:latin typeface="Times New Roman" panose="02020603050405020304" pitchFamily="18" charset="0"/>
+                <a:cs typeface="Times New Roman" panose="02020603050405020304" pitchFamily="18" charset="0"/>
+              </a:rPr>
+              <a:t> </a:t>
+            </a:r>
+            <a:r>
+              <a:rPr lang="ru-RU" sz="1300" dirty="0" err="1">
+                <a:latin typeface="Times New Roman" panose="02020603050405020304" pitchFamily="18" charset="0"/>
+                <a:cs typeface="Times New Roman" panose="02020603050405020304" pitchFamily="18" charset="0"/>
+              </a:rPr>
+              <a:t>успіщне</a:t>
+            </a:r>
+            <a:r>
+              <a:rPr lang="ru-RU" sz="1300" dirty="0">
+                <a:latin typeface="Times New Roman" panose="02020603050405020304" pitchFamily="18" charset="0"/>
+                <a:cs typeface="Times New Roman" panose="02020603050405020304" pitchFamily="18" charset="0"/>
+              </a:rPr>
+              <a:t> тестування розроблених ігрових механік.</a:t>
+            </a:r>
+            <a:r>
+              <a:rPr lang="uk-UA" sz="1300" dirty="0">
+                <a:latin typeface="Times New Roman" panose="02020603050405020304" pitchFamily="18" charset="0"/>
+                <a:cs typeface="Times New Roman" panose="02020603050405020304" pitchFamily="18" charset="0"/>
+              </a:rPr>
+              <a:t> </a:t>
+            </a:r>
+          </a:p>
+          <a:p>
+            <a:pPr marL="0" lvl="0" indent="0" algn="just" rtl="0">
+              <a:lnSpc>
+                <a:spcPct val="100000"/>
+              </a:lnSpc>
+              <a:spcBef>
+                <a:spcPts val="0"/>
+              </a:spcBef>
+              <a:spcAft>
+                <a:spcPts val="0"/>
+              </a:spcAft>
+              <a:buSzPts val="2560"/>
+              <a:buNone/>
+            </a:pPr>
+            <a:r>
+              <a:rPr lang="ru-RU" sz="1300" dirty="0">
+                <a:latin typeface="Times New Roman" panose="02020603050405020304" pitchFamily="18" charset="0"/>
+                <a:ea typeface="Times New Roman" panose="02020603050405020304" pitchFamily="18" charset="0"/>
+              </a:rPr>
+              <a:t>	</a:t>
+            </a:r>
+            <a:r>
+              <a:rPr lang="uk-UA" sz="1300" dirty="0">
+                <a:latin typeface="Times New Roman" panose="02020603050405020304" pitchFamily="18" charset="0"/>
+                <a:cs typeface="Times New Roman" panose="02020603050405020304" pitchFamily="18" charset="0"/>
+              </a:rPr>
+              <a:t> Розробка ігрового застосунку на дипломному проєкті дала можливість заглибитися у вивчення розробки відеоігор та покращити навички в розумінні та створенні всіх аспектів гри, особливо поведінки інтелектуальних агентів.</a:t>
+            </a:r>
+          </a:p>
+        </p:txBody>
+      </p:sp>
+    </p:spTree>
+  </p:cSld>
+  <p:clrMapOvr>
+    <a:masterClrMapping/>
+  </p:clrMapOvr>
+</p:sld>
+</file>
+
+<file path=ppt/slides/slide14.xml><?xml version="1.0" encoding="utf-8"?>
+<p:sld xmlns:a="http://schemas.openxmlformats.org/drawingml/2006/main" xmlns:r="http://schemas.openxmlformats.org/officeDocument/2006/relationships" xmlns:p="http://schemas.openxmlformats.org/presentationml/2006/main">
+  <p:cSld>
+    <p:spTree>
+      <p:nvGrpSpPr>
+        <p:cNvPr id="1" name="Shape 176"/>
+        <p:cNvGrpSpPr/>
+        <p:nvPr/>
+      </p:nvGrpSpPr>
+      <p:grpSpPr>
+        <a:xfrm>
+          <a:off x="0" y="0"/>
+          <a:ext cx="0" cy="0"/>
+          <a:chOff x="0" y="0"/>
+          <a:chExt cx="0" cy="0"/>
+        </a:xfrm>
+      </p:grpSpPr>
+      <p:sp>
+        <p:nvSpPr>
+          <p:cNvPr id="177" name="Google Shape;177;p24"/>
+          <p:cNvSpPr txBox="1">
+            <a:spLocks noGrp="1"/>
+          </p:cNvSpPr>
+          <p:nvPr>
+            <p:ph type="title"/>
+          </p:nvPr>
+        </p:nvSpPr>
+        <p:spPr>
+          <a:xfrm>
+            <a:off x="1403648" y="2031690"/>
+            <a:ext cx="7200900" cy="857400"/>
+          </a:xfrm>
+          <a:prstGeom prst="rect">
+            <a:avLst/>
+          </a:prstGeom>
+          <a:noFill/>
+          <a:ln>
+            <a:noFill/>
+          </a:ln>
+        </p:spPr>
+        <p:txBody>
+          <a:bodyPr spcFirstLastPara="1" wrap="square" lIns="91425" tIns="45700" rIns="91425" bIns="45700" anchor="ctr" anchorCtr="0">
+            <a:normAutofit/>
+          </a:bodyPr>
+          <a:lstStyle/>
+          <a:p>
+            <a:pPr marL="0" lvl="0" indent="0" algn="ctr" rtl="0">
+              <a:lnSpc>
+                <a:spcPct val="100000"/>
+              </a:lnSpc>
+              <a:spcBef>
+                <a:spcPts val="0"/>
+              </a:spcBef>
+              <a:spcAft>
+                <a:spcPts val="0"/>
+              </a:spcAft>
+              <a:buClr>
+                <a:srgbClr val="562214"/>
+              </a:buClr>
+              <a:buSzPts val="4300"/>
+              <a:buFont typeface="Gill Sans"/>
+              <a:buNone/>
+            </a:pPr>
+            <a:r>
+              <a:rPr lang="ru-RU" b="1" dirty="0" err="1">
+                <a:latin typeface="Times New Roman" panose="02020603050405020304" pitchFamily="18" charset="0"/>
+                <a:cs typeface="Times New Roman" panose="02020603050405020304" pitchFamily="18" charset="0"/>
+              </a:rPr>
+              <a:t>Дякую</a:t>
+            </a:r>
+            <a:r>
+              <a:rPr lang="ru-RU" b="1" dirty="0">
+                <a:latin typeface="Times New Roman" panose="02020603050405020304" pitchFamily="18" charset="0"/>
+                <a:cs typeface="Times New Roman" panose="02020603050405020304" pitchFamily="18" charset="0"/>
+              </a:rPr>
+              <a:t> за </a:t>
+            </a:r>
+            <a:r>
+              <a:rPr lang="ru-RU" b="1" dirty="0" err="1">
+                <a:latin typeface="Times New Roman" panose="02020603050405020304" pitchFamily="18" charset="0"/>
+                <a:cs typeface="Times New Roman" panose="02020603050405020304" pitchFamily="18" charset="0"/>
+              </a:rPr>
+              <a:t>увагу</a:t>
+            </a:r>
+            <a:endParaRPr b="1" dirty="0">
+              <a:latin typeface="Times New Roman" panose="02020603050405020304" pitchFamily="18" charset="0"/>
+              <a:cs typeface="Times New Roman" panose="02020603050405020304" pitchFamily="18" charset="0"/>
+            </a:endParaRPr>
+          </a:p>
+        </p:txBody>
+      </p:sp>
+      <p:sp>
+        <p:nvSpPr>
+          <p:cNvPr id="178" name="Google Shape;178;p24"/>
+          <p:cNvSpPr txBox="1">
+            <a:spLocks noGrp="1"/>
+          </p:cNvSpPr>
+          <p:nvPr>
+            <p:ph type="sldNum" idx="12"/>
+          </p:nvPr>
+        </p:nvSpPr>
+        <p:spPr>
+          <a:xfrm>
+            <a:off x="8613648" y="4729163"/>
+            <a:ext cx="457200" cy="357000"/>
+          </a:xfrm>
+          <a:prstGeom prst="rect">
+            <a:avLst/>
+          </a:prstGeom>
+        </p:spPr>
+        <p:txBody>
+          <a:bodyPr spcFirstLastPara="1" wrap="square" lIns="91425" tIns="45700" rIns="91425" bIns="45700" anchor="b" anchorCtr="0">
+            <a:noAutofit/>
+          </a:bodyPr>
+          <a:lstStyle/>
+          <a:p>
+            <a:pPr marL="0" lvl="0" indent="0" algn="ctr" rtl="0">
+              <a:spcBef>
+                <a:spcPts val="0"/>
+              </a:spcBef>
+              <a:spcAft>
+                <a:spcPts val="0"/>
+              </a:spcAft>
+              <a:buClr>
+                <a:srgbClr val="000000"/>
+              </a:buClr>
+              <a:buSzPts val="1200"/>
+              <a:buFont typeface="Arial"/>
+              <a:buNone/>
+            </a:pPr>
+            <a:fld id="{00000000-1234-1234-1234-123412341234}" type="slidenum">
+              <a:rPr lang="ru-RU"/>
+              <a:t>14</a:t>
+            </a:fld>
+            <a:endParaRPr/>
+          </a:p>
+        </p:txBody>
+      </p:sp>
+    </p:spTree>
+  </p:cSld>
+  <p:clrMapOvr>
+    <a:masterClrMapping/>
+  </p:clrMapOvr>
+</p:sld>
+</file>
+
+<file path=ppt/slides/slide15.xml><?xml version="1.0" encoding="utf-8"?>
+<p:sld xmlns:a="http://schemas.openxmlformats.org/drawingml/2006/main" xmlns:r="http://schemas.openxmlformats.org/officeDocument/2006/relationships" xmlns:p="http://schemas.openxmlformats.org/presentationml/2006/main">
+  <p:cSld>
+    <p:spTree>
+      <p:nvGrpSpPr>
+        <p:cNvPr id="1" name=""/>
+        <p:cNvGrpSpPr/>
+        <p:nvPr/>
+      </p:nvGrpSpPr>
+      <p:grpSpPr>
+        <a:xfrm>
+          <a:off x="0" y="0"/>
+          <a:ext cx="0" cy="0"/>
+          <a:chOff x="0" y="0"/>
+          <a:chExt cx="0" cy="0"/>
+        </a:xfrm>
+      </p:grpSpPr>
+      <p:sp>
+        <p:nvSpPr>
+          <p:cNvPr id="2" name="Заголовок 1">
+            <a:extLst>
+              <a:ext uri="{FF2B5EF4-FFF2-40B4-BE49-F238E27FC236}">
+                <a16:creationId xmlns:a16="http://schemas.microsoft.com/office/drawing/2014/main" id="{39DEB621-AADE-4526-A32B-B9F000EFB469}"/>
+              </a:ext>
+            </a:extLst>
+          </p:cNvPr>
+          <p:cNvSpPr>
+            <a:spLocks noGrp="1"/>
+          </p:cNvSpPr>
+          <p:nvPr>
+            <p:ph type="title"/>
+          </p:nvPr>
+        </p:nvSpPr>
+        <p:spPr/>
+        <p:txBody>
+          <a:bodyPr/>
+          <a:lstStyle/>
+          <a:p>
+            <a:endParaRPr lang="uk-UA"/>
+          </a:p>
+        </p:txBody>
+      </p:sp>
+      <p:sp>
+        <p:nvSpPr>
+          <p:cNvPr id="3" name="Місце для номера слайда 2">
+            <a:extLst>
+              <a:ext uri="{FF2B5EF4-FFF2-40B4-BE49-F238E27FC236}">
+                <a16:creationId xmlns:a16="http://schemas.microsoft.com/office/drawing/2014/main" id="{AAEC1696-B639-4EF3-B9C6-9AFF3D76CD0D}"/>
+              </a:ext>
+            </a:extLst>
+          </p:cNvPr>
+          <p:cNvSpPr>
+            <a:spLocks noGrp="1"/>
+          </p:cNvSpPr>
+          <p:nvPr>
+            <p:ph type="sldNum" idx="12"/>
+          </p:nvPr>
+        </p:nvSpPr>
+        <p:spPr/>
+        <p:txBody>
+          <a:bodyPr/>
+          <a:lstStyle/>
+          <a:p>
+            <a:pPr marL="0" lvl="0" indent="0" algn="ctr" rtl="0">
+              <a:spcBef>
+                <a:spcPts val="0"/>
+              </a:spcBef>
+              <a:spcAft>
+                <a:spcPts val="0"/>
+              </a:spcAft>
+              <a:buNone/>
+            </a:pPr>
+            <a:fld id="{00000000-1234-1234-1234-123412341234}" type="slidenum">
+              <a:rPr lang="ru-RU" smtClean="0"/>
+              <a:t>15</a:t>
+            </a:fld>
+            <a:endParaRPr lang="ru-RU"/>
+          </a:p>
+        </p:txBody>
+      </p:sp>
+    </p:spTree>
+    <p:extLst>
+      <p:ext uri="{BB962C8B-B14F-4D97-AF65-F5344CB8AC3E}">
+        <p14:creationId xmlns:p14="http://schemas.microsoft.com/office/powerpoint/2010/main" val="957189582"/>
+      </p:ext>
+    </p:extLst>
+  </p:cSld>
+  <p:clrMapOvr>
+    <a:masterClrMapping/>
+  </p:clrMapOvr>
+</p:sld>
+</file>
+
+<file path=ppt/slides/slide16.xml><?xml version="1.0" encoding="utf-8"?>
+<p:sld xmlns:a="http://schemas.openxmlformats.org/drawingml/2006/main" xmlns:r="http://schemas.openxmlformats.org/officeDocument/2006/relationships" xmlns:p="http://schemas.openxmlformats.org/presentationml/2006/main">
+  <p:cSld>
+    <p:spTree>
+      <p:nvGrpSpPr>
+        <p:cNvPr id="1" name=""/>
+        <p:cNvGrpSpPr/>
+        <p:nvPr/>
+      </p:nvGrpSpPr>
+      <p:grpSpPr>
+        <a:xfrm>
+          <a:off x="0" y="0"/>
+          <a:ext cx="0" cy="0"/>
+          <a:chOff x="0" y="0"/>
+          <a:chExt cx="0" cy="0"/>
+        </a:xfrm>
+      </p:grpSpPr>
+      <p:sp>
+        <p:nvSpPr>
+          <p:cNvPr id="2" name="Заголовок 1">
+            <a:extLst>
+              <a:ext uri="{FF2B5EF4-FFF2-40B4-BE49-F238E27FC236}">
+                <a16:creationId xmlns:a16="http://schemas.microsoft.com/office/drawing/2014/main" id="{2AAB41E0-ADB8-4C89-A686-BC78B040F781}"/>
+              </a:ext>
+            </a:extLst>
+          </p:cNvPr>
+          <p:cNvSpPr>
+            <a:spLocks noGrp="1"/>
+          </p:cNvSpPr>
+          <p:nvPr>
+            <p:ph type="title"/>
+          </p:nvPr>
+        </p:nvSpPr>
+        <p:spPr/>
+        <p:txBody>
+          <a:bodyPr/>
+          <a:lstStyle/>
+          <a:p>
+            <a:endParaRPr lang="uk-UA"/>
+          </a:p>
+        </p:txBody>
+      </p:sp>
+      <p:sp>
+        <p:nvSpPr>
+          <p:cNvPr id="3" name="Місце для номера слайда 2">
+            <a:extLst>
+              <a:ext uri="{FF2B5EF4-FFF2-40B4-BE49-F238E27FC236}">
+                <a16:creationId xmlns:a16="http://schemas.microsoft.com/office/drawing/2014/main" id="{35DB736B-7C6B-4591-8B04-B0C42279B330}"/>
+              </a:ext>
+            </a:extLst>
+          </p:cNvPr>
+          <p:cNvSpPr>
+            <a:spLocks noGrp="1"/>
+          </p:cNvSpPr>
+          <p:nvPr>
+            <p:ph type="sldNum" idx="12"/>
+          </p:nvPr>
+        </p:nvSpPr>
+        <p:spPr/>
+        <p:txBody>
+          <a:bodyPr/>
+          <a:lstStyle/>
+          <a:p>
+            <a:pPr marL="0" lvl="0" indent="0" algn="ctr" rtl="0">
+              <a:spcBef>
+                <a:spcPts val="0"/>
+              </a:spcBef>
+              <a:spcAft>
+                <a:spcPts val="0"/>
+              </a:spcAft>
+              <a:buNone/>
+            </a:pPr>
+            <a:fld id="{00000000-1234-1234-1234-123412341234}" type="slidenum">
+              <a:rPr lang="ru-RU" smtClean="0"/>
+              <a:t>16</a:t>
+            </a:fld>
+            <a:endParaRPr lang="ru-RU"/>
+          </a:p>
+        </p:txBody>
+      </p:sp>
+    </p:spTree>
+    <p:extLst>
+      <p:ext uri="{BB962C8B-B14F-4D97-AF65-F5344CB8AC3E}">
+        <p14:creationId xmlns:p14="http://schemas.microsoft.com/office/powerpoint/2010/main" val="3774185222"/>
+      </p:ext>
+    </p:extLst>
+  </p:cSld>
+  <p:clrMapOvr>
+    <a:masterClrMapping/>
+  </p:clrMapOvr>
+</p:sld>
+</file>
+
+<file path=ppt/slides/slide17.xml><?xml version="1.0" encoding="utf-8"?>
+<p:sld xmlns:a="http://schemas.openxmlformats.org/drawingml/2006/main" xmlns:r="http://schemas.openxmlformats.org/officeDocument/2006/relationships" xmlns:p="http://schemas.openxmlformats.org/presentationml/2006/main">
+  <p:cSld>
+    <p:spTree>
+      <p:nvGrpSpPr>
+        <p:cNvPr id="1" name=""/>
+        <p:cNvGrpSpPr/>
+        <p:nvPr/>
+      </p:nvGrpSpPr>
+      <p:grpSpPr>
+        <a:xfrm>
+          <a:off x="0" y="0"/>
+          <a:ext cx="0" cy="0"/>
+          <a:chOff x="0" y="0"/>
+          <a:chExt cx="0" cy="0"/>
+        </a:xfrm>
+      </p:grpSpPr>
+      <p:sp>
+        <p:nvSpPr>
+          <p:cNvPr id="4" name="Місце для номера слайда 3">
+            <a:extLst>
+              <a:ext uri="{FF2B5EF4-FFF2-40B4-BE49-F238E27FC236}">
+                <a16:creationId xmlns:a16="http://schemas.microsoft.com/office/drawing/2014/main" id="{8C895639-43E0-4EFD-BD1D-365C09FF13F9}"/>
+              </a:ext>
+            </a:extLst>
+          </p:cNvPr>
+          <p:cNvSpPr>
+            <a:spLocks noGrp="1"/>
+          </p:cNvSpPr>
+          <p:nvPr>
+            <p:ph type="sldNum" idx="12"/>
+          </p:nvPr>
+        </p:nvSpPr>
+        <p:spPr/>
+        <p:txBody>
+          <a:bodyPr/>
+          <a:lstStyle/>
+          <a:p>
+            <a:pPr marL="0" lvl="0" indent="0" algn="ctr" rtl="0">
+              <a:spcBef>
+                <a:spcPts val="0"/>
+              </a:spcBef>
+              <a:spcAft>
+                <a:spcPts val="0"/>
+              </a:spcAft>
+              <a:buNone/>
+            </a:pPr>
+            <a:fld id="{00000000-1234-1234-1234-123412341234}" type="slidenum">
+              <a:rPr lang="ru-RU" smtClean="0"/>
+              <a:t>17</a:t>
+            </a:fld>
+            <a:endParaRPr lang="ru-RU"/>
+          </a:p>
+        </p:txBody>
+      </p:sp>
+      <p:pic>
+        <p:nvPicPr>
+          <p:cNvPr id="6" name="Рисунок 5">
+            <a:extLst>
+              <a:ext uri="{FF2B5EF4-FFF2-40B4-BE49-F238E27FC236}">
+                <a16:creationId xmlns:a16="http://schemas.microsoft.com/office/drawing/2014/main" id="{4DCE74D8-3D70-43C1-A0F2-DE34A80FA937}"/>
+              </a:ext>
+            </a:extLst>
+          </p:cNvPr>
+          <p:cNvPicPr>
+            <a:picLocks noChangeAspect="1"/>
+          </p:cNvPicPr>
+          <p:nvPr/>
+        </p:nvPicPr>
+        <p:blipFill>
+          <a:blip r:embed="rId2"/>
+          <a:stretch>
+            <a:fillRect/>
+          </a:stretch>
+        </p:blipFill>
+        <p:spPr>
+          <a:xfrm>
+            <a:off x="4424083" y="133727"/>
+            <a:ext cx="2606398" cy="2339662"/>
+          </a:xfrm>
+          <a:prstGeom prst="rect">
+            <a:avLst/>
+          </a:prstGeom>
+        </p:spPr>
+      </p:pic>
+      <p:pic>
+        <p:nvPicPr>
+          <p:cNvPr id="5" name="Рисунок 4">
+            <a:extLst>
+              <a:ext uri="{FF2B5EF4-FFF2-40B4-BE49-F238E27FC236}">
+                <a16:creationId xmlns:a16="http://schemas.microsoft.com/office/drawing/2014/main" id="{FD12F477-F9A9-4C02-B270-F99884C9123B}"/>
+              </a:ext>
+            </a:extLst>
+          </p:cNvPr>
+          <p:cNvPicPr>
+            <a:picLocks noChangeAspect="1"/>
+          </p:cNvPicPr>
+          <p:nvPr/>
+        </p:nvPicPr>
+        <p:blipFill>
+          <a:blip r:embed="rId3"/>
+          <a:stretch>
+            <a:fillRect/>
+          </a:stretch>
+        </p:blipFill>
+        <p:spPr>
+          <a:xfrm>
+            <a:off x="7255147" y="356988"/>
+            <a:ext cx="1544442" cy="1790492"/>
+          </a:xfrm>
+          <a:prstGeom prst="rect">
+            <a:avLst/>
+          </a:prstGeom>
+        </p:spPr>
+      </p:pic>
+      <p:pic>
+        <p:nvPicPr>
+          <p:cNvPr id="7" name="Рисунок 6">
+            <a:extLst>
+              <a:ext uri="{FF2B5EF4-FFF2-40B4-BE49-F238E27FC236}">
+                <a16:creationId xmlns:a16="http://schemas.microsoft.com/office/drawing/2014/main" id="{C90998F0-712E-429E-8D9C-8D71C84268DC}"/>
+              </a:ext>
+            </a:extLst>
+          </p:cNvPr>
+          <p:cNvPicPr>
+            <a:picLocks noChangeAspect="1"/>
+          </p:cNvPicPr>
+          <p:nvPr/>
+        </p:nvPicPr>
+        <p:blipFill>
+          <a:blip r:embed="rId4"/>
+          <a:stretch>
+            <a:fillRect/>
+          </a:stretch>
+        </p:blipFill>
+        <p:spPr>
+          <a:xfrm>
+            <a:off x="4769516" y="2634502"/>
+            <a:ext cx="2766461" cy="2290267"/>
+          </a:xfrm>
+          <a:prstGeom prst="rect">
+            <a:avLst/>
+          </a:prstGeom>
+        </p:spPr>
+      </p:pic>
+      <p:pic>
+        <p:nvPicPr>
+          <p:cNvPr id="8" name="Рисунок 7">
+            <a:extLst>
+              <a:ext uri="{FF2B5EF4-FFF2-40B4-BE49-F238E27FC236}">
+                <a16:creationId xmlns:a16="http://schemas.microsoft.com/office/drawing/2014/main" id="{822E7CE8-32D2-434B-AF6B-F0F2D7FF273A}"/>
+              </a:ext>
+            </a:extLst>
+          </p:cNvPr>
+          <p:cNvPicPr>
+            <a:picLocks noChangeAspect="1"/>
+          </p:cNvPicPr>
+          <p:nvPr/>
+        </p:nvPicPr>
+        <p:blipFill>
+          <a:blip r:embed="rId5"/>
+          <a:stretch>
+            <a:fillRect/>
+          </a:stretch>
+        </p:blipFill>
+        <p:spPr>
+          <a:xfrm>
+            <a:off x="7535977" y="2956729"/>
+            <a:ext cx="1263612" cy="1767289"/>
+          </a:xfrm>
+          <a:prstGeom prst="rect">
+            <a:avLst/>
+          </a:prstGeom>
+        </p:spPr>
+      </p:pic>
+      <p:pic>
+        <p:nvPicPr>
+          <p:cNvPr id="9" name="Рисунок 8">
+            <a:extLst>
+              <a:ext uri="{FF2B5EF4-FFF2-40B4-BE49-F238E27FC236}">
+                <a16:creationId xmlns:a16="http://schemas.microsoft.com/office/drawing/2014/main" id="{3F5883C1-71D3-4CA9-A861-ECE5C05390A1}"/>
+              </a:ext>
+            </a:extLst>
+          </p:cNvPr>
+          <p:cNvPicPr>
+            <a:picLocks noChangeAspect="1"/>
+          </p:cNvPicPr>
+          <p:nvPr/>
+        </p:nvPicPr>
+        <p:blipFill>
+          <a:blip r:embed="rId6"/>
+          <a:stretch>
+            <a:fillRect/>
+          </a:stretch>
+        </p:blipFill>
+        <p:spPr>
+          <a:xfrm>
+            <a:off x="241518" y="123664"/>
+            <a:ext cx="2273269" cy="2344816"/>
+          </a:xfrm>
+          <a:prstGeom prst="rect">
+            <a:avLst/>
+          </a:prstGeom>
+        </p:spPr>
+      </p:pic>
+      <p:pic>
+        <p:nvPicPr>
+          <p:cNvPr id="10" name="Рисунок 9">
+            <a:extLst>
+              <a:ext uri="{FF2B5EF4-FFF2-40B4-BE49-F238E27FC236}">
+                <a16:creationId xmlns:a16="http://schemas.microsoft.com/office/drawing/2014/main" id="{5C9ABA90-EA65-429F-B49B-FCBED6AAAAC3}"/>
+              </a:ext>
+            </a:extLst>
+          </p:cNvPr>
+          <p:cNvPicPr>
+            <a:picLocks noChangeAspect="1"/>
+          </p:cNvPicPr>
+          <p:nvPr/>
+        </p:nvPicPr>
+        <p:blipFill>
+          <a:blip r:embed="rId7"/>
+          <a:stretch>
+            <a:fillRect/>
+          </a:stretch>
+        </p:blipFill>
+        <p:spPr>
+          <a:xfrm>
+            <a:off x="2715597" y="358215"/>
+            <a:ext cx="1373086" cy="1789265"/>
+          </a:xfrm>
+          <a:prstGeom prst="rect">
+            <a:avLst/>
+          </a:prstGeom>
+        </p:spPr>
+      </p:pic>
+      <p:pic>
+        <p:nvPicPr>
+          <p:cNvPr id="11" name="Рисунок 10">
+            <a:extLst>
+              <a:ext uri="{FF2B5EF4-FFF2-40B4-BE49-F238E27FC236}">
+                <a16:creationId xmlns:a16="http://schemas.microsoft.com/office/drawing/2014/main" id="{30D87F00-5818-47C9-A7F8-D1FCC30FFEAC}"/>
+              </a:ext>
+            </a:extLst>
+          </p:cNvPr>
+          <p:cNvPicPr>
+            <a:picLocks noChangeAspect="1"/>
+          </p:cNvPicPr>
+          <p:nvPr/>
+        </p:nvPicPr>
+        <p:blipFill>
+          <a:blip r:embed="rId8"/>
+          <a:stretch>
+            <a:fillRect/>
+          </a:stretch>
+        </p:blipFill>
+        <p:spPr>
+          <a:xfrm>
+            <a:off x="241518" y="2634502"/>
+            <a:ext cx="2940688" cy="2290267"/>
+          </a:xfrm>
+          <a:prstGeom prst="rect">
+            <a:avLst/>
+          </a:prstGeom>
+        </p:spPr>
+      </p:pic>
+      <p:pic>
+        <p:nvPicPr>
+          <p:cNvPr id="12" name="Рисунок 11">
+            <a:extLst>
+              <a:ext uri="{FF2B5EF4-FFF2-40B4-BE49-F238E27FC236}">
+                <a16:creationId xmlns:a16="http://schemas.microsoft.com/office/drawing/2014/main" id="{8292EC34-E272-4767-A0C6-BD96A2E8D710}"/>
+              </a:ext>
+            </a:extLst>
+          </p:cNvPr>
+          <p:cNvPicPr>
+            <a:picLocks noChangeAspect="1"/>
+          </p:cNvPicPr>
+          <p:nvPr/>
+        </p:nvPicPr>
+        <p:blipFill>
+          <a:blip r:embed="rId9"/>
+          <a:stretch>
+            <a:fillRect/>
+          </a:stretch>
+        </p:blipFill>
+        <p:spPr>
+          <a:xfrm>
+            <a:off x="3156371" y="2956729"/>
+            <a:ext cx="1568789" cy="1767289"/>
+          </a:xfrm>
+          <a:prstGeom prst="rect">
+            <a:avLst/>
+          </a:prstGeom>
+        </p:spPr>
+      </p:pic>
+      <p:sp>
+        <p:nvSpPr>
+          <p:cNvPr id="3" name="TextBox 2">
+            <a:extLst>
+              <a:ext uri="{FF2B5EF4-FFF2-40B4-BE49-F238E27FC236}">
+                <a16:creationId xmlns:a16="http://schemas.microsoft.com/office/drawing/2014/main" id="{693C45D2-F211-4CBA-9EF2-03A52D0A9826}"/>
+              </a:ext>
+            </a:extLst>
+          </p:cNvPr>
+          <p:cNvSpPr txBox="1"/>
+          <p:nvPr/>
+        </p:nvSpPr>
+        <p:spPr>
+          <a:xfrm>
+            <a:off x="1260665" y="2236081"/>
+            <a:ext cx="2831224" cy="307777"/>
+          </a:xfrm>
+          <a:prstGeom prst="rect">
+            <a:avLst/>
+          </a:prstGeom>
+          <a:noFill/>
+        </p:spPr>
+        <p:txBody>
+          <a:bodyPr wrap="none" rtlCol="0">
+            <a:spAutoFit/>
+          </a:bodyPr>
+          <a:lstStyle/>
+          <a:p>
+            <a:r>
+              <a:rPr lang="ru-RU" dirty="0"/>
+              <a:t>Модель повед</a:t>
+            </a:r>
+            <a:r>
+              <a:rPr lang="uk-UA" dirty="0"/>
+              <a:t>інки для «</a:t>
+            </a:r>
+            <a:r>
+              <a:rPr lang="en-US" dirty="0"/>
+              <a:t>Golem</a:t>
+            </a:r>
+            <a:r>
+              <a:rPr lang="uk-UA" dirty="0"/>
+              <a:t>»</a:t>
+            </a:r>
+          </a:p>
+        </p:txBody>
+      </p:sp>
+      <p:sp>
+        <p:nvSpPr>
+          <p:cNvPr id="13" name="TextBox 12">
+            <a:extLst>
+              <a:ext uri="{FF2B5EF4-FFF2-40B4-BE49-F238E27FC236}">
+                <a16:creationId xmlns:a16="http://schemas.microsoft.com/office/drawing/2014/main" id="{71C28D19-A5F7-4405-A636-E51FC570CD21}"/>
+              </a:ext>
+            </a:extLst>
+          </p:cNvPr>
+          <p:cNvSpPr txBox="1"/>
+          <p:nvPr/>
+        </p:nvSpPr>
+        <p:spPr>
+          <a:xfrm>
+            <a:off x="5480752" y="2196703"/>
+            <a:ext cx="2743059" cy="307777"/>
+          </a:xfrm>
+          <a:prstGeom prst="rect">
+            <a:avLst/>
+          </a:prstGeom>
+          <a:noFill/>
+        </p:spPr>
+        <p:txBody>
+          <a:bodyPr wrap="none" rtlCol="0">
+            <a:spAutoFit/>
+          </a:bodyPr>
+          <a:lstStyle/>
+          <a:p>
+            <a:r>
+              <a:rPr lang="ru-RU" dirty="0"/>
+              <a:t>Модель повед</a:t>
+            </a:r>
+            <a:r>
+              <a:rPr lang="uk-UA" dirty="0"/>
+              <a:t>інки для «</a:t>
+            </a:r>
+            <a:r>
+              <a:rPr lang="en-US" dirty="0" err="1"/>
+              <a:t>Piglin</a:t>
+            </a:r>
+            <a:r>
+              <a:rPr lang="uk-UA" dirty="0"/>
+              <a:t>»</a:t>
+            </a:r>
+          </a:p>
+        </p:txBody>
+      </p:sp>
+      <p:sp>
+        <p:nvSpPr>
+          <p:cNvPr id="14" name="TextBox 13">
+            <a:extLst>
+              <a:ext uri="{FF2B5EF4-FFF2-40B4-BE49-F238E27FC236}">
+                <a16:creationId xmlns:a16="http://schemas.microsoft.com/office/drawing/2014/main" id="{A4CE2286-521C-4E64-B7C7-292170907F58}"/>
+              </a:ext>
+            </a:extLst>
+          </p:cNvPr>
+          <p:cNvSpPr txBox="1"/>
+          <p:nvPr/>
+        </p:nvSpPr>
+        <p:spPr>
+          <a:xfrm>
+            <a:off x="1711862" y="4738468"/>
+            <a:ext cx="2842445" cy="307777"/>
+          </a:xfrm>
+          <a:prstGeom prst="rect">
+            <a:avLst/>
+          </a:prstGeom>
+          <a:noFill/>
+        </p:spPr>
+        <p:txBody>
+          <a:bodyPr wrap="none" rtlCol="0">
+            <a:spAutoFit/>
+          </a:bodyPr>
+          <a:lstStyle/>
+          <a:p>
+            <a:r>
+              <a:rPr lang="ru-RU" dirty="0"/>
+              <a:t>Модель повед</a:t>
+            </a:r>
+            <a:r>
+              <a:rPr lang="uk-UA" dirty="0"/>
+              <a:t>інки для «</a:t>
+            </a:r>
+            <a:r>
+              <a:rPr lang="en-US" dirty="0" err="1"/>
+              <a:t>Skelet</a:t>
+            </a:r>
+            <a:r>
+              <a:rPr lang="uk-UA" dirty="0"/>
+              <a:t>»</a:t>
+            </a:r>
+          </a:p>
+        </p:txBody>
+      </p:sp>
+      <p:sp>
+        <p:nvSpPr>
+          <p:cNvPr id="15" name="TextBox 14">
+            <a:extLst>
+              <a:ext uri="{FF2B5EF4-FFF2-40B4-BE49-F238E27FC236}">
+                <a16:creationId xmlns:a16="http://schemas.microsoft.com/office/drawing/2014/main" id="{7BA9EBEC-DC22-4861-B213-0394353B2154}"/>
+              </a:ext>
+            </a:extLst>
+          </p:cNvPr>
+          <p:cNvSpPr txBox="1"/>
+          <p:nvPr/>
+        </p:nvSpPr>
+        <p:spPr>
+          <a:xfrm>
+            <a:off x="6029808" y="4714947"/>
+            <a:ext cx="2821606" cy="307777"/>
+          </a:xfrm>
+          <a:prstGeom prst="rect">
+            <a:avLst/>
+          </a:prstGeom>
+          <a:noFill/>
+        </p:spPr>
+        <p:txBody>
+          <a:bodyPr wrap="none" rtlCol="0">
+            <a:spAutoFit/>
+          </a:bodyPr>
+          <a:lstStyle/>
+          <a:p>
+            <a:r>
+              <a:rPr lang="ru-RU" dirty="0"/>
+              <a:t>Модель повед</a:t>
+            </a:r>
+            <a:r>
+              <a:rPr lang="uk-UA" dirty="0"/>
+              <a:t>інки для «</a:t>
+            </a:r>
+            <a:r>
+              <a:rPr lang="en-US" dirty="0"/>
+              <a:t>Goblin</a:t>
+            </a:r>
+            <a:r>
+              <a:rPr lang="uk-UA" dirty="0"/>
+              <a:t>»</a:t>
+            </a:r>
+          </a:p>
+        </p:txBody>
+      </p:sp>
+    </p:spTree>
+    <p:extLst>
+      <p:ext uri="{BB962C8B-B14F-4D97-AF65-F5344CB8AC3E}">
+        <p14:creationId xmlns:p14="http://schemas.microsoft.com/office/powerpoint/2010/main" val="3962436972"/>
+      </p:ext>
+    </p:extLst>
+  </p:cSld>
+  <p:clrMapOvr>
+    <a:masterClrMapping/>
+  </p:clrMapOvr>
+</p:sld>
+</file>
+
+<file path=ppt/slides/slide18.xml><?xml version="1.0" encoding="utf-8"?>
+<p:sld xmlns:a="http://schemas.openxmlformats.org/drawingml/2006/main" xmlns:r="http://schemas.openxmlformats.org/officeDocument/2006/relationships" xmlns:p="http://schemas.openxmlformats.org/presentationml/2006/main">
+  <p:cSld>
+    <p:spTree>
+      <p:nvGrpSpPr>
+        <p:cNvPr id="1" name=""/>
+        <p:cNvGrpSpPr/>
+        <p:nvPr/>
+      </p:nvGrpSpPr>
+      <p:grpSpPr>
+        <a:xfrm>
+          <a:off x="0" y="0"/>
+          <a:ext cx="0" cy="0"/>
+          <a:chOff x="0" y="0"/>
+          <a:chExt cx="0" cy="0"/>
+        </a:xfrm>
+      </p:grpSpPr>
+      <p:sp>
+        <p:nvSpPr>
+          <p:cNvPr id="4" name="Місце для номера слайда 3">
+            <a:extLst>
+              <a:ext uri="{FF2B5EF4-FFF2-40B4-BE49-F238E27FC236}">
+                <a16:creationId xmlns:a16="http://schemas.microsoft.com/office/drawing/2014/main" id="{3DB06EB5-8FF7-4409-9231-724BF7C19B04}"/>
+              </a:ext>
+            </a:extLst>
+          </p:cNvPr>
+          <p:cNvSpPr>
+            <a:spLocks noGrp="1"/>
+          </p:cNvSpPr>
+          <p:nvPr>
+            <p:ph type="sldNum" idx="12"/>
+          </p:nvPr>
+        </p:nvSpPr>
+        <p:spPr/>
+        <p:txBody>
+          <a:bodyPr/>
+          <a:lstStyle/>
+          <a:p>
+            <a:pPr marL="0" lvl="0" indent="0" algn="ctr" rtl="0">
+              <a:spcBef>
+                <a:spcPts val="0"/>
+              </a:spcBef>
+              <a:spcAft>
+                <a:spcPts val="0"/>
+              </a:spcAft>
+              <a:buNone/>
+            </a:pPr>
+            <a:fld id="{00000000-1234-1234-1234-123412341234}" type="slidenum">
+              <a:rPr lang="ru-RU" smtClean="0"/>
+              <a:t>18</a:t>
+            </a:fld>
+            <a:endParaRPr lang="ru-RU" dirty="0"/>
+          </a:p>
+        </p:txBody>
+      </p:sp>
+      <p:pic>
+        <p:nvPicPr>
+          <p:cNvPr id="6" name="Рисунок 5">
+            <a:extLst>
+              <a:ext uri="{FF2B5EF4-FFF2-40B4-BE49-F238E27FC236}">
+                <a16:creationId xmlns:a16="http://schemas.microsoft.com/office/drawing/2014/main" id="{157C206D-CD44-424A-9BAB-988DC63B141A}"/>
+              </a:ext>
+            </a:extLst>
+          </p:cNvPr>
+          <p:cNvPicPr>
+            <a:picLocks noChangeAspect="1"/>
+          </p:cNvPicPr>
+          <p:nvPr/>
+        </p:nvPicPr>
+        <p:blipFill>
+          <a:blip r:embed="rId2"/>
+          <a:stretch>
+            <a:fillRect/>
+          </a:stretch>
+        </p:blipFill>
+        <p:spPr>
+          <a:xfrm>
+            <a:off x="591304" y="-12"/>
+            <a:ext cx="7961391" cy="5143500"/>
+          </a:xfrm>
+          <a:prstGeom prst="rect">
+            <a:avLst/>
+          </a:prstGeom>
+        </p:spPr>
+      </p:pic>
+    </p:spTree>
+    <p:extLst>
+      <p:ext uri="{BB962C8B-B14F-4D97-AF65-F5344CB8AC3E}">
+        <p14:creationId xmlns:p14="http://schemas.microsoft.com/office/powerpoint/2010/main" val="2299337727"/>
+      </p:ext>
+    </p:extLst>
+  </p:cSld>
+  <p:clrMapOvr>
+    <a:masterClrMapping/>
+  </p:clrMapOvr>
+</p:sld>
+</file>
+
+<file path=ppt/slides/slide19.xml><?xml version="1.0" encoding="utf-8"?>
+<p:sld xmlns:a="http://schemas.openxmlformats.org/drawingml/2006/main" xmlns:r="http://schemas.openxmlformats.org/officeDocument/2006/relationships" xmlns:p="http://schemas.openxmlformats.org/presentationml/2006/main">
+  <p:cSld>
+    <p:spTree>
+      <p:nvGrpSpPr>
+        <p:cNvPr id="1" name=""/>
+        <p:cNvGrpSpPr/>
+        <p:nvPr/>
+      </p:nvGrpSpPr>
+      <p:grpSpPr>
+        <a:xfrm>
+          <a:off x="0" y="0"/>
+          <a:ext cx="0" cy="0"/>
+          <a:chOff x="0" y="0"/>
+          <a:chExt cx="0" cy="0"/>
+        </a:xfrm>
+      </p:grpSpPr>
+      <p:sp>
+        <p:nvSpPr>
+          <p:cNvPr id="2" name="Заголовок 1">
+            <a:extLst>
+              <a:ext uri="{FF2B5EF4-FFF2-40B4-BE49-F238E27FC236}">
+                <a16:creationId xmlns:a16="http://schemas.microsoft.com/office/drawing/2014/main" id="{7F123DDE-FF95-4AC2-A102-5AF25C87B644}"/>
+              </a:ext>
+            </a:extLst>
+          </p:cNvPr>
+          <p:cNvSpPr>
+            <a:spLocks noGrp="1"/>
+          </p:cNvSpPr>
+          <p:nvPr>
+            <p:ph type="title"/>
+          </p:nvPr>
+        </p:nvSpPr>
+        <p:spPr/>
+        <p:txBody>
+          <a:bodyPr>
+            <a:noAutofit/>
+          </a:bodyPr>
+          <a:lstStyle/>
+          <a:p>
+            <a:r>
+              <a:rPr lang="ru-RU" sz="2800" dirty="0"/>
+              <a:t>Схема </a:t>
+            </a:r>
+            <a:r>
+              <a:rPr lang="ru-RU" sz="2800" dirty="0" err="1"/>
+              <a:t>бізнес-процесу</a:t>
+            </a:r>
+            <a:r>
+              <a:rPr lang="ru-RU" sz="2800" dirty="0"/>
+              <a:t> «</a:t>
+            </a:r>
+            <a:r>
+              <a:rPr lang="ru-RU" sz="2800" dirty="0" err="1">
+                <a:latin typeface="Times New Roman"/>
+                <a:ea typeface="Times New Roman"/>
+                <a:cs typeface="Times New Roman"/>
+                <a:sym typeface="Times New Roman"/>
+              </a:rPr>
+              <a:t>основний</a:t>
+            </a:r>
+            <a:r>
+              <a:rPr lang="ru-RU" sz="2800" dirty="0">
+                <a:latin typeface="Times New Roman"/>
+                <a:ea typeface="Times New Roman"/>
+                <a:cs typeface="Times New Roman"/>
+                <a:sym typeface="Times New Roman"/>
+              </a:rPr>
+              <a:t> ігровий </a:t>
+            </a:r>
+            <a:r>
+              <a:rPr lang="ru-RU" sz="2800" dirty="0" err="1">
+                <a:latin typeface="Times New Roman"/>
+                <a:ea typeface="Times New Roman"/>
+                <a:cs typeface="Times New Roman"/>
+                <a:sym typeface="Times New Roman"/>
+              </a:rPr>
+              <a:t>процес</a:t>
+            </a:r>
+            <a:r>
+              <a:rPr lang="ru-RU" sz="2800" dirty="0">
+                <a:latin typeface="Times New Roman"/>
+                <a:ea typeface="Times New Roman"/>
+                <a:cs typeface="Times New Roman"/>
+                <a:sym typeface="Times New Roman"/>
+              </a:rPr>
+              <a:t>»</a:t>
+            </a:r>
+            <a:endParaRPr lang="uk-UA" sz="2800" dirty="0"/>
+          </a:p>
+        </p:txBody>
+      </p:sp>
+      <p:sp>
+        <p:nvSpPr>
+          <p:cNvPr id="4" name="Місце для номера слайда 3">
+            <a:extLst>
+              <a:ext uri="{FF2B5EF4-FFF2-40B4-BE49-F238E27FC236}">
+                <a16:creationId xmlns:a16="http://schemas.microsoft.com/office/drawing/2014/main" id="{9E890890-531B-4779-99BF-A701C14D4541}"/>
+              </a:ext>
+            </a:extLst>
+          </p:cNvPr>
+          <p:cNvSpPr>
+            <a:spLocks noGrp="1"/>
+          </p:cNvSpPr>
+          <p:nvPr>
+            <p:ph type="sldNum" idx="12"/>
+          </p:nvPr>
+        </p:nvSpPr>
+        <p:spPr/>
+        <p:txBody>
+          <a:bodyPr/>
+          <a:lstStyle/>
+          <a:p>
+            <a:pPr marL="0" lvl="0" indent="0" algn="ctr" rtl="0">
+              <a:spcBef>
+                <a:spcPts val="0"/>
+              </a:spcBef>
+              <a:spcAft>
+                <a:spcPts val="0"/>
+              </a:spcAft>
+              <a:buNone/>
+            </a:pPr>
+            <a:fld id="{00000000-1234-1234-1234-123412341234}" type="slidenum">
+              <a:rPr lang="ru-RU" smtClean="0"/>
+              <a:t>19</a:t>
+            </a:fld>
+            <a:endParaRPr lang="ru-RU"/>
+          </a:p>
+        </p:txBody>
+      </p:sp>
+      <p:pic>
+        <p:nvPicPr>
+          <p:cNvPr id="6" name="Рисунок 5">
+            <a:extLst>
+              <a:ext uri="{FF2B5EF4-FFF2-40B4-BE49-F238E27FC236}">
+                <a16:creationId xmlns:a16="http://schemas.microsoft.com/office/drawing/2014/main" id="{B9D86F61-3CEB-4E33-9067-257434978C5C}"/>
+              </a:ext>
+            </a:extLst>
+          </p:cNvPr>
+          <p:cNvPicPr>
+            <a:picLocks noChangeAspect="1"/>
+          </p:cNvPicPr>
+          <p:nvPr/>
+        </p:nvPicPr>
+        <p:blipFill>
+          <a:blip r:embed="rId2"/>
+          <a:stretch>
+            <a:fillRect/>
+          </a:stretch>
+        </p:blipFill>
+        <p:spPr>
+          <a:xfrm>
+            <a:off x="1225418" y="904878"/>
+            <a:ext cx="7586663" cy="3981596"/>
+          </a:xfrm>
+          <a:prstGeom prst="rect">
+            <a:avLst/>
+          </a:prstGeom>
+        </p:spPr>
+      </p:pic>
+    </p:spTree>
+    <p:extLst>
+      <p:ext uri="{BB962C8B-B14F-4D97-AF65-F5344CB8AC3E}">
+        <p14:creationId xmlns:p14="http://schemas.microsoft.com/office/powerpoint/2010/main" val="731412218"/>
+      </p:ext>
+    </p:extLst>
+  </p:cSld>
+  <p:clrMapOvr>
+    <a:masterClrMapping/>
+  </p:clrMapOvr>
+</p:sld>
+</file>
+
+<file path=ppt/slides/slide2.xml><?xml version="1.0" encoding="utf-8"?>
+<p:sld xmlns:a="http://schemas.openxmlformats.org/drawingml/2006/main" xmlns:r="http://schemas.openxmlformats.org/officeDocument/2006/relationships" xmlns:p="http://schemas.openxmlformats.org/presentationml/2006/main">
+  <p:cSld>
+    <p:spTree>
+      <p:nvGrpSpPr>
+        <p:cNvPr id="1" name="Shape 105"/>
+        <p:cNvGrpSpPr/>
+        <p:nvPr/>
+      </p:nvGrpSpPr>
+      <p:grpSpPr>
+        <a:xfrm>
+          <a:off x="0" y="0"/>
+          <a:ext cx="0" cy="0"/>
+          <a:chOff x="0" y="0"/>
+          <a:chExt cx="0" cy="0"/>
+        </a:xfrm>
+      </p:grpSpPr>
+      <p:sp>
+        <p:nvSpPr>
+          <p:cNvPr id="106" name="Google Shape;106;p14"/>
+          <p:cNvSpPr txBox="1">
+            <a:spLocks noGrp="1"/>
+          </p:cNvSpPr>
+          <p:nvPr>
+            <p:ph type="title"/>
+          </p:nvPr>
+        </p:nvSpPr>
+        <p:spPr>
+          <a:xfrm>
+            <a:off x="1435608" y="205978"/>
+            <a:ext cx="7498200" cy="857400"/>
+          </a:xfrm>
+          <a:prstGeom prst="rect">
+            <a:avLst/>
+          </a:prstGeom>
+          <a:noFill/>
+          <a:ln>
+            <a:noFill/>
+          </a:ln>
+        </p:spPr>
+        <p:txBody>
+          <a:bodyPr spcFirstLastPara="1" wrap="square" lIns="91425" tIns="45700" rIns="91425" bIns="45700" anchor="ctr" anchorCtr="0">
+            <a:normAutofit/>
+          </a:bodyPr>
+          <a:lstStyle/>
+          <a:p>
+            <a:pPr marL="0" lvl="0" indent="0" algn="l" rtl="0">
+              <a:lnSpc>
+                <a:spcPct val="100000"/>
+              </a:lnSpc>
+              <a:spcBef>
+                <a:spcPts val="0"/>
+              </a:spcBef>
+              <a:spcAft>
+                <a:spcPts val="0"/>
+              </a:spcAft>
+              <a:buClr>
+                <a:srgbClr val="562214"/>
+              </a:buClr>
+              <a:buSzPts val="4300"/>
+              <a:buFont typeface="Gill Sans"/>
+              <a:buNone/>
+            </a:pPr>
+            <a:r>
+              <a:rPr lang="uk-UA" dirty="0">
+                <a:latin typeface="Times New Roman" panose="02020603050405020304" pitchFamily="18" charset="0"/>
+                <a:cs typeface="Times New Roman" panose="02020603050405020304" pitchFamily="18" charset="0"/>
+              </a:rPr>
+              <a:t>Актуальність</a:t>
+            </a:r>
+            <a:r>
+              <a:rPr lang="ru-RU" dirty="0">
+                <a:latin typeface="Times New Roman" panose="02020603050405020304" pitchFamily="18" charset="0"/>
+                <a:cs typeface="Times New Roman" panose="02020603050405020304" pitchFamily="18" charset="0"/>
+              </a:rPr>
+              <a:t> теми</a:t>
+            </a:r>
+            <a:endParaRPr dirty="0">
+              <a:latin typeface="Times New Roman" panose="02020603050405020304" pitchFamily="18" charset="0"/>
+              <a:cs typeface="Times New Roman" panose="02020603050405020304" pitchFamily="18" charset="0"/>
+            </a:endParaRPr>
+          </a:p>
+        </p:txBody>
+      </p:sp>
+      <p:sp>
+        <p:nvSpPr>
+          <p:cNvPr id="107" name="Google Shape;107;p14"/>
+          <p:cNvSpPr txBox="1">
+            <a:spLocks noGrp="1"/>
+          </p:cNvSpPr>
+          <p:nvPr>
+            <p:ph type="body" idx="1"/>
+          </p:nvPr>
+        </p:nvSpPr>
+        <p:spPr>
+          <a:xfrm>
+            <a:off x="1328738" y="1085850"/>
+            <a:ext cx="7662862" cy="3508956"/>
+          </a:xfrm>
+          <a:prstGeom prst="rect">
+            <a:avLst/>
+          </a:prstGeom>
+          <a:noFill/>
+          <a:ln>
+            <a:noFill/>
+          </a:ln>
+        </p:spPr>
+        <p:txBody>
+          <a:bodyPr spcFirstLastPara="1" wrap="square" lIns="91425" tIns="45700" rIns="91425" bIns="45700" anchor="t" anchorCtr="0">
+            <a:noAutofit/>
+          </a:bodyPr>
+          <a:lstStyle/>
+          <a:p>
+            <a:pPr marL="0" lvl="0" indent="0" algn="l" rtl="0">
+              <a:lnSpc>
+                <a:spcPct val="100000"/>
+              </a:lnSpc>
+              <a:spcBef>
+                <a:spcPts val="0"/>
+              </a:spcBef>
+              <a:spcAft>
+                <a:spcPts val="0"/>
+              </a:spcAft>
+              <a:buSzPct val="86486"/>
+              <a:buNone/>
+            </a:pPr>
+            <a:r>
+              <a:rPr lang="uk-UA" sz="2000" dirty="0">
+                <a:latin typeface="Times New Roman" panose="02020603050405020304" pitchFamily="18" charset="0"/>
+                <a:cs typeface="Times New Roman" panose="02020603050405020304" pitchFamily="18" charset="0"/>
+              </a:rPr>
+              <a:t>	Актуальність розробки та покращення інтелектуальних агентів в </a:t>
+            </a:r>
+            <a:r>
+              <a:rPr lang="en-US" sz="2000" dirty="0">
+                <a:latin typeface="Times New Roman" panose="02020603050405020304" pitchFamily="18" charset="0"/>
+                <a:cs typeface="Times New Roman" panose="02020603050405020304" pitchFamily="18" charset="0"/>
+              </a:rPr>
+              <a:t>RPG </a:t>
+            </a:r>
+            <a:r>
+              <a:rPr lang="uk-UA" sz="2000" dirty="0">
+                <a:latin typeface="Times New Roman" panose="02020603050405020304" pitchFamily="18" charset="0"/>
+                <a:cs typeface="Times New Roman" panose="02020603050405020304" pitchFamily="18" charset="0"/>
+              </a:rPr>
+              <a:t>іграх полягає в зростаючій потребі гравців на </a:t>
+            </a:r>
+            <a:r>
+              <a:rPr lang="uk-UA" sz="2000" dirty="0" err="1">
+                <a:latin typeface="Times New Roman" panose="02020603050405020304" pitchFamily="18" charset="0"/>
+                <a:cs typeface="Times New Roman" panose="02020603050405020304" pitchFamily="18" charset="0"/>
+              </a:rPr>
+              <a:t>реалістични</a:t>
+            </a:r>
+            <a:r>
+              <a:rPr lang="ru-RU" sz="2000" dirty="0">
+                <a:latin typeface="Times New Roman" panose="02020603050405020304" pitchFamily="18" charset="0"/>
+                <a:cs typeface="Times New Roman" panose="02020603050405020304" pitchFamily="18" charset="0"/>
+              </a:rPr>
+              <a:t>й, </a:t>
+            </a:r>
+            <a:r>
+              <a:rPr lang="uk-UA" sz="2000" dirty="0">
+                <a:latin typeface="Times New Roman" panose="02020603050405020304" pitchFamily="18" charset="0"/>
+                <a:cs typeface="Times New Roman" panose="02020603050405020304" pitchFamily="18" charset="0"/>
+              </a:rPr>
+              <a:t>глибинний ігровий процес та цікавих супротивників, які кидатимуть виклик його можливостям.</a:t>
+            </a:r>
+          </a:p>
+        </p:txBody>
+      </p:sp>
+      <p:sp>
+        <p:nvSpPr>
+          <p:cNvPr id="108" name="Google Shape;108;p14"/>
+          <p:cNvSpPr txBox="1">
+            <a:spLocks noGrp="1"/>
+          </p:cNvSpPr>
+          <p:nvPr>
+            <p:ph type="sldNum" idx="12"/>
+          </p:nvPr>
+        </p:nvSpPr>
+        <p:spPr>
+          <a:xfrm>
+            <a:off x="8686798" y="-12"/>
+            <a:ext cx="457200" cy="357000"/>
+          </a:xfrm>
+          <a:prstGeom prst="rect">
+            <a:avLst/>
+          </a:prstGeom>
+        </p:spPr>
+        <p:txBody>
+          <a:bodyPr spcFirstLastPara="1" wrap="square" lIns="91425" tIns="45700" rIns="91425" bIns="45700" anchor="b" anchorCtr="0">
+            <a:noAutofit/>
+          </a:bodyPr>
+          <a:lstStyle/>
+          <a:p>
+            <a:pPr marL="0" lvl="0" indent="0" algn="ctr" rtl="0">
+              <a:spcBef>
+                <a:spcPts val="0"/>
+              </a:spcBef>
+              <a:spcAft>
+                <a:spcPts val="0"/>
+              </a:spcAft>
+              <a:buClr>
+                <a:srgbClr val="000000"/>
+              </a:buClr>
+              <a:buSzPts val="1200"/>
+              <a:buFont typeface="Arial"/>
+              <a:buNone/>
+            </a:pPr>
+            <a:fld id="{00000000-1234-1234-1234-123412341234}" type="slidenum">
+              <a:rPr lang="ru-RU" sz="1400"/>
+              <a:t>2</a:t>
+            </a:fld>
+            <a:endParaRPr sz="1400"/>
+          </a:p>
+        </p:txBody>
+      </p:sp>
+    </p:spTree>
+  </p:cSld>
+  <p:clrMapOvr>
+    <a:masterClrMapping/>
+  </p:clrMapOvr>
+</p:sld>
+</file>
+
+<file path=ppt/slides/slide3.xml><?xml version="1.0" encoding="utf-8"?>
+<p:sld xmlns:a="http://schemas.openxmlformats.org/drawingml/2006/main" xmlns:r="http://schemas.openxmlformats.org/officeDocument/2006/relationships" xmlns:p="http://schemas.openxmlformats.org/presentationml/2006/main">
+  <p:cSld>
+    <p:spTree>
+      <p:nvGrpSpPr>
+        <p:cNvPr id="1" name="Shape 112"/>
+        <p:cNvGrpSpPr/>
+        <p:nvPr/>
+      </p:nvGrpSpPr>
+      <p:grpSpPr>
+        <a:xfrm>
+          <a:off x="0" y="0"/>
+          <a:ext cx="0" cy="0"/>
+          <a:chOff x="0" y="0"/>
+          <a:chExt cx="0" cy="0"/>
+        </a:xfrm>
+      </p:grpSpPr>
+      <p:sp>
+        <p:nvSpPr>
+          <p:cNvPr id="113" name="Google Shape;113;p15"/>
+          <p:cNvSpPr txBox="1">
+            <a:spLocks noGrp="1"/>
+          </p:cNvSpPr>
+          <p:nvPr>
+            <p:ph type="title"/>
+          </p:nvPr>
+        </p:nvSpPr>
+        <p:spPr>
+          <a:xfrm>
+            <a:off x="1435608" y="205978"/>
+            <a:ext cx="7498200" cy="857400"/>
+          </a:xfrm>
+          <a:prstGeom prst="rect">
+            <a:avLst/>
+          </a:prstGeom>
+          <a:noFill/>
+          <a:ln>
+            <a:noFill/>
+          </a:ln>
+        </p:spPr>
+        <p:txBody>
+          <a:bodyPr spcFirstLastPara="1" wrap="square" lIns="91425" tIns="45700" rIns="91425" bIns="45700" anchor="ctr" anchorCtr="0">
+            <a:normAutofit/>
+          </a:bodyPr>
+          <a:lstStyle/>
+          <a:p>
+            <a:pPr marL="0" lvl="0" indent="0" algn="l" rtl="0">
+              <a:lnSpc>
+                <a:spcPct val="100000"/>
+              </a:lnSpc>
+              <a:spcBef>
+                <a:spcPts val="0"/>
+              </a:spcBef>
+              <a:spcAft>
+                <a:spcPts val="0"/>
+              </a:spcAft>
+              <a:buClr>
+                <a:srgbClr val="562214"/>
+              </a:buClr>
+              <a:buSzPts val="4300"/>
+              <a:buFont typeface="Gill Sans"/>
+              <a:buNone/>
+            </a:pPr>
+            <a:r>
+              <a:rPr lang="ru-RU" dirty="0">
+                <a:latin typeface="Times New Roman" panose="02020603050405020304" pitchFamily="18" charset="0"/>
+                <a:cs typeface="Times New Roman" panose="02020603050405020304" pitchFamily="18" charset="0"/>
+              </a:rPr>
+              <a:t>Мета та </a:t>
+            </a:r>
+            <a:r>
+              <a:rPr lang="uk-UA" dirty="0">
+                <a:latin typeface="Times New Roman" panose="02020603050405020304" pitchFamily="18" charset="0"/>
+                <a:cs typeface="Times New Roman" panose="02020603050405020304" pitchFamily="18" charset="0"/>
+              </a:rPr>
+              <a:t>Призначення</a:t>
+            </a:r>
+            <a:endParaRPr lang="uk-UA" dirty="0">
+              <a:highlight>
+                <a:srgbClr val="FFFF00"/>
+              </a:highlight>
+              <a:latin typeface="Times New Roman" panose="02020603050405020304" pitchFamily="18" charset="0"/>
+              <a:cs typeface="Times New Roman" panose="02020603050405020304" pitchFamily="18" charset="0"/>
+            </a:endParaRPr>
+          </a:p>
+        </p:txBody>
+      </p:sp>
+      <p:sp>
+        <p:nvSpPr>
+          <p:cNvPr id="114" name="Google Shape;114;p15"/>
+          <p:cNvSpPr txBox="1">
+            <a:spLocks noGrp="1"/>
+          </p:cNvSpPr>
+          <p:nvPr>
+            <p:ph type="body" idx="1"/>
+          </p:nvPr>
+        </p:nvSpPr>
+        <p:spPr>
+          <a:xfrm>
+            <a:off x="1435608" y="1085850"/>
+            <a:ext cx="7498200" cy="3600600"/>
+          </a:xfrm>
+          <a:prstGeom prst="rect">
+            <a:avLst/>
+          </a:prstGeom>
+          <a:noFill/>
+          <a:ln>
+            <a:noFill/>
+          </a:ln>
+        </p:spPr>
+        <p:txBody>
+          <a:bodyPr spcFirstLastPara="1" wrap="square" lIns="91425" tIns="45700" rIns="91425" bIns="45700" anchor="t" anchorCtr="0">
+            <a:normAutofit/>
+          </a:bodyPr>
+          <a:lstStyle/>
+          <a:p>
+            <a:pPr marL="342900" marR="0" lvl="0" indent="-342900" algn="l" rtl="0">
+              <a:lnSpc>
+                <a:spcPct val="100000"/>
+              </a:lnSpc>
+              <a:spcBef>
+                <a:spcPts val="0"/>
+              </a:spcBef>
+              <a:spcAft>
+                <a:spcPts val="0"/>
+              </a:spcAft>
+              <a:buSzPts val="2560"/>
+              <a:buFont typeface="Arial" panose="020B0604020202020204" pitchFamily="34" charset="0"/>
+              <a:buChar char="•"/>
+            </a:pPr>
+            <a:r>
+              <a:rPr lang="uk-UA" sz="2400" dirty="0">
+                <a:effectLst/>
+                <a:latin typeface="Times New Roman" panose="02020603050405020304" pitchFamily="18" charset="0"/>
+                <a:ea typeface="Times New Roman" panose="02020603050405020304" pitchFamily="18" charset="0"/>
+              </a:rPr>
+              <a:t>Метою розробки є </a:t>
+            </a:r>
+            <a:r>
+              <a:rPr lang="uk-UA" sz="2400" b="0" i="0" u="none" strike="noStrike" baseline="0" dirty="0">
+                <a:solidFill>
+                  <a:srgbClr val="000000"/>
+                </a:solidFill>
+                <a:latin typeface="Times New Roman" panose="02020603050405020304" pitchFamily="18" charset="0"/>
+              </a:rPr>
+              <a:t>покращення ігрового процесу за рахунок введення нових моделей поведінки та покращення їх реалістичності. </a:t>
+            </a:r>
+            <a:r>
+              <a:rPr lang="ru-RU" sz="2400" b="0" i="0" u="none" strike="noStrike" baseline="0" dirty="0">
+                <a:solidFill>
+                  <a:srgbClr val="000000"/>
+                </a:solidFill>
+                <a:latin typeface="Times New Roman" panose="02020603050405020304" pitchFamily="18" charset="0"/>
+              </a:rPr>
+              <a:t> </a:t>
+            </a:r>
+            <a:endParaRPr lang="ru-RU" sz="2400" dirty="0">
+              <a:highlight>
+                <a:srgbClr val="FFFF00"/>
+              </a:highlight>
+              <a:latin typeface="Times New Roman" panose="02020603050405020304" pitchFamily="18" charset="0"/>
+              <a:ea typeface="Times New Roman" panose="02020603050405020304" pitchFamily="18" charset="0"/>
+            </a:endParaRPr>
+          </a:p>
+          <a:p>
+            <a:pPr marL="342900" indent="-342900">
+              <a:spcBef>
+                <a:spcPts val="0"/>
+              </a:spcBef>
+              <a:buSzPts val="2560"/>
+              <a:buFont typeface="Arial" panose="020B0604020202020204" pitchFamily="34" charset="0"/>
+              <a:buChar char="•"/>
+            </a:pPr>
+            <a:r>
+              <a:rPr lang="uk-UA" sz="2400" dirty="0">
+                <a:effectLst/>
+                <a:latin typeface="Times New Roman" panose="02020603050405020304" pitchFamily="18" charset="0"/>
+                <a:ea typeface="Times New Roman" panose="02020603050405020304" pitchFamily="18" charset="0"/>
+              </a:rPr>
+              <a:t>Призначення</a:t>
+            </a:r>
+            <a:r>
+              <a:rPr lang="ru-RU" sz="2400" dirty="0">
+                <a:effectLst/>
+                <a:latin typeface="Times New Roman" panose="02020603050405020304" pitchFamily="18" charset="0"/>
+                <a:ea typeface="Times New Roman" panose="02020603050405020304" pitchFamily="18" charset="0"/>
+              </a:rPr>
+              <a:t> – </a:t>
+            </a:r>
+            <a:r>
+              <a:rPr lang="uk-UA" sz="2400" dirty="0">
+                <a:effectLst/>
+                <a:latin typeface="Times New Roman" panose="02020603050405020304" pitchFamily="18" charset="0"/>
+                <a:ea typeface="Times New Roman" panose="02020603050405020304" pitchFamily="18" charset="0"/>
+              </a:rPr>
+              <a:t>впровадження різноманітної поведінки </a:t>
+            </a:r>
+            <a:r>
+              <a:rPr lang="en-US" sz="2400" dirty="0">
+                <a:effectLst/>
+                <a:latin typeface="Times New Roman" panose="02020603050405020304" pitchFamily="18" charset="0"/>
+                <a:ea typeface="Times New Roman" panose="02020603050405020304" pitchFamily="18" charset="0"/>
+              </a:rPr>
+              <a:t>NPC</a:t>
+            </a:r>
+            <a:r>
+              <a:rPr lang="uk-UA" sz="2400" dirty="0">
+                <a:effectLst/>
+                <a:latin typeface="Times New Roman" panose="02020603050405020304" pitchFamily="18" charset="0"/>
+                <a:ea typeface="Times New Roman" panose="02020603050405020304" pitchFamily="18" charset="0"/>
+              </a:rPr>
+              <a:t> та надання користувачу нового ігрового досвіду.</a:t>
+            </a:r>
+            <a:endParaRPr lang="ru-RU" sz="2400" dirty="0">
+              <a:effectLst/>
+              <a:latin typeface="Times New Roman" panose="02020603050405020304" pitchFamily="18" charset="0"/>
+              <a:ea typeface="Times New Roman" panose="02020603050405020304" pitchFamily="18" charset="0"/>
+            </a:endParaRPr>
+          </a:p>
+        </p:txBody>
+      </p:sp>
+      <p:sp>
+        <p:nvSpPr>
+          <p:cNvPr id="115" name="Google Shape;115;p15"/>
+          <p:cNvSpPr txBox="1">
+            <a:spLocks noGrp="1"/>
+          </p:cNvSpPr>
+          <p:nvPr>
+            <p:ph type="sldNum" idx="12"/>
+          </p:nvPr>
+        </p:nvSpPr>
+        <p:spPr>
+          <a:xfrm>
+            <a:off x="8686798" y="-12"/>
+            <a:ext cx="457200" cy="357000"/>
+          </a:xfrm>
+          <a:prstGeom prst="rect">
+            <a:avLst/>
+          </a:prstGeom>
+        </p:spPr>
+        <p:txBody>
+          <a:bodyPr spcFirstLastPara="1" wrap="square" lIns="91425" tIns="45700" rIns="91425" bIns="45700" anchor="b" anchorCtr="0">
+            <a:noAutofit/>
+          </a:bodyPr>
+          <a:lstStyle/>
+          <a:p>
+            <a:pPr marL="0" lvl="0" indent="0" algn="ctr" rtl="0">
+              <a:spcBef>
+                <a:spcPts val="0"/>
+              </a:spcBef>
+              <a:spcAft>
+                <a:spcPts val="0"/>
+              </a:spcAft>
+              <a:buClr>
+                <a:srgbClr val="000000"/>
+              </a:buClr>
+              <a:buSzPts val="1200"/>
+              <a:buFont typeface="Arial"/>
+              <a:buNone/>
+            </a:pPr>
+            <a:fld id="{00000000-1234-1234-1234-123412341234}" type="slidenum">
+              <a:rPr lang="ru-RU"/>
+              <a:t>3</a:t>
+            </a:fld>
+            <a:endParaRPr/>
+          </a:p>
+        </p:txBody>
+      </p:sp>
+    </p:spTree>
+  </p:cSld>
+  <p:clrMapOvr>
+    <a:masterClrMapping/>
+  </p:clrMapOvr>
+</p:sld>
+</file>
+
+<file path=ppt/slides/slide4.xml><?xml version="1.0" encoding="utf-8"?>
+<p:sld xmlns:a="http://schemas.openxmlformats.org/drawingml/2006/main" xmlns:r="http://schemas.openxmlformats.org/officeDocument/2006/relationships" xmlns:p="http://schemas.openxmlformats.org/presentationml/2006/main">
+  <p:cSld>
+    <p:spTree>
+      <p:nvGrpSpPr>
+        <p:cNvPr id="1" name="Shape 119"/>
+        <p:cNvGrpSpPr/>
+        <p:nvPr/>
+      </p:nvGrpSpPr>
+      <p:grpSpPr>
+        <a:xfrm>
+          <a:off x="0" y="0"/>
+          <a:ext cx="0" cy="0"/>
+          <a:chOff x="0" y="0"/>
+          <a:chExt cx="0" cy="0"/>
+        </a:xfrm>
+      </p:grpSpPr>
+      <p:sp>
+        <p:nvSpPr>
+          <p:cNvPr id="120" name="Google Shape;120;p16"/>
+          <p:cNvSpPr txBox="1">
+            <a:spLocks noGrp="1"/>
+          </p:cNvSpPr>
+          <p:nvPr>
+            <p:ph type="title"/>
+          </p:nvPr>
+        </p:nvSpPr>
+        <p:spPr>
+          <a:xfrm>
+            <a:off x="1435608" y="205978"/>
+            <a:ext cx="7498200" cy="857400"/>
+          </a:xfrm>
+          <a:prstGeom prst="rect">
+            <a:avLst/>
+          </a:prstGeom>
+          <a:noFill/>
+          <a:ln>
+            <a:noFill/>
+          </a:ln>
+        </p:spPr>
+        <p:txBody>
+          <a:bodyPr spcFirstLastPara="1" wrap="square" lIns="91425" tIns="45700" rIns="91425" bIns="45700" anchor="ctr" anchorCtr="0">
+            <a:normAutofit/>
+          </a:bodyPr>
+          <a:lstStyle/>
+          <a:p>
+            <a:pPr marL="0" lvl="0" indent="0" algn="l" rtl="0">
+              <a:lnSpc>
+                <a:spcPct val="100000"/>
+              </a:lnSpc>
+              <a:spcBef>
+                <a:spcPts val="0"/>
+              </a:spcBef>
+              <a:spcAft>
+                <a:spcPts val="0"/>
+              </a:spcAft>
+              <a:buClr>
+                <a:srgbClr val="562214"/>
+              </a:buClr>
+              <a:buSzPts val="4300"/>
+              <a:buFont typeface="Gill Sans"/>
+              <a:buNone/>
+            </a:pPr>
+            <a:r>
+              <a:rPr lang="ru-RU" dirty="0" err="1">
+                <a:latin typeface="Times New Roman" panose="02020603050405020304" pitchFamily="18" charset="0"/>
+                <a:cs typeface="Times New Roman" panose="02020603050405020304" pitchFamily="18" charset="0"/>
+              </a:rPr>
+              <a:t>Задачі</a:t>
+            </a:r>
+            <a:endParaRPr dirty="0">
+              <a:latin typeface="Times New Roman" panose="02020603050405020304" pitchFamily="18" charset="0"/>
+              <a:cs typeface="Times New Roman" panose="02020603050405020304" pitchFamily="18" charset="0"/>
+            </a:endParaRPr>
+          </a:p>
+        </p:txBody>
+      </p:sp>
+      <p:sp>
+        <p:nvSpPr>
+          <p:cNvPr id="121" name="Google Shape;121;p16"/>
+          <p:cNvSpPr txBox="1">
+            <a:spLocks noGrp="1"/>
+          </p:cNvSpPr>
+          <p:nvPr>
+            <p:ph type="body" idx="1"/>
+          </p:nvPr>
+        </p:nvSpPr>
+        <p:spPr>
+          <a:xfrm>
+            <a:off x="1435608" y="1085850"/>
+            <a:ext cx="7498200" cy="3600600"/>
+          </a:xfrm>
+          <a:prstGeom prst="rect">
+            <a:avLst/>
+          </a:prstGeom>
+          <a:noFill/>
+          <a:ln>
+            <a:noFill/>
+          </a:ln>
+        </p:spPr>
+        <p:txBody>
+          <a:bodyPr spcFirstLastPara="1" wrap="square" lIns="91425" tIns="45700" rIns="91425" bIns="45700" anchor="t" anchorCtr="0">
+            <a:normAutofit/>
+          </a:bodyPr>
+          <a:lstStyle/>
+          <a:p>
+            <a:pPr marL="342900" lvl="0" indent="-342900" algn="just">
+              <a:lnSpc>
+                <a:spcPct val="120000"/>
+              </a:lnSpc>
+              <a:buFont typeface="Times New Roman" panose="02020603050405020304" pitchFamily="18" charset="0"/>
+              <a:buChar char="–"/>
+            </a:pPr>
+            <a:r>
+              <a:rPr lang="uk-UA" sz="2000" dirty="0">
+                <a:effectLst/>
+                <a:latin typeface="Times New Roman" panose="02020603050405020304" pitchFamily="18" charset="0"/>
+                <a:ea typeface="Times New Roman" panose="02020603050405020304" pitchFamily="18" charset="0"/>
+              </a:rPr>
+              <a:t>Аналіз </a:t>
+            </a:r>
+            <a:r>
+              <a:rPr lang="uk-UA" sz="2000" dirty="0">
+                <a:latin typeface="Times New Roman" panose="02020603050405020304" pitchFamily="18" charset="0"/>
+                <a:ea typeface="Times New Roman" panose="02020603050405020304" pitchFamily="18" charset="0"/>
+              </a:rPr>
+              <a:t>існуючих жанрів ігор</a:t>
+            </a:r>
+            <a:r>
+              <a:rPr lang="uk-UA" sz="2000" dirty="0">
+                <a:effectLst/>
+                <a:latin typeface="Times New Roman" panose="02020603050405020304" pitchFamily="18" charset="0"/>
+                <a:ea typeface="Times New Roman" panose="02020603050405020304" pitchFamily="18" charset="0"/>
+              </a:rPr>
+              <a:t>.</a:t>
+            </a:r>
+          </a:p>
+          <a:p>
+            <a:pPr marL="342900" lvl="0" indent="-342900" algn="just">
+              <a:lnSpc>
+                <a:spcPct val="120000"/>
+              </a:lnSpc>
+              <a:buFont typeface="Times New Roman" panose="02020603050405020304" pitchFamily="18" charset="0"/>
+              <a:buChar char="–"/>
+            </a:pPr>
+            <a:r>
+              <a:rPr lang="uk-UA" sz="2000" dirty="0">
+                <a:effectLst/>
+                <a:latin typeface="Times New Roman" panose="02020603050405020304" pitchFamily="18" charset="0"/>
+                <a:ea typeface="Times New Roman" panose="02020603050405020304" pitchFamily="18" charset="0"/>
+              </a:rPr>
+              <a:t>Аналіз можливих моделей поведінки </a:t>
+            </a:r>
+            <a:r>
+              <a:rPr lang="en-US" sz="2000" dirty="0">
+                <a:effectLst/>
+                <a:latin typeface="Times New Roman" panose="02020603050405020304" pitchFamily="18" charset="0"/>
+                <a:ea typeface="Times New Roman" panose="02020603050405020304" pitchFamily="18" charset="0"/>
+              </a:rPr>
+              <a:t>NPC </a:t>
+            </a:r>
+            <a:r>
+              <a:rPr lang="ru-RU" sz="2000" dirty="0">
+                <a:effectLst/>
+                <a:latin typeface="Times New Roman" panose="02020603050405020304" pitchFamily="18" charset="0"/>
+                <a:ea typeface="Times New Roman" panose="02020603050405020304" pitchFamily="18" charset="0"/>
+              </a:rPr>
+              <a:t>в </a:t>
+            </a:r>
+            <a:r>
+              <a:rPr lang="en-US" sz="2000" dirty="0">
+                <a:latin typeface="Times New Roman" panose="02020603050405020304" pitchFamily="18" charset="0"/>
+                <a:ea typeface="Times New Roman" panose="02020603050405020304" pitchFamily="18" charset="0"/>
+              </a:rPr>
+              <a:t>RPG.</a:t>
+            </a:r>
+            <a:endParaRPr lang="uk-UA" sz="2000" dirty="0">
+              <a:latin typeface="Times New Roman" panose="02020603050405020304" pitchFamily="18" charset="0"/>
+              <a:ea typeface="Times New Roman" panose="02020603050405020304" pitchFamily="18" charset="0"/>
+            </a:endParaRPr>
+          </a:p>
+          <a:p>
+            <a:pPr marL="342900" lvl="0" indent="-342900" algn="just">
+              <a:lnSpc>
+                <a:spcPct val="120000"/>
+              </a:lnSpc>
+              <a:buFont typeface="Times New Roman" panose="02020603050405020304" pitchFamily="18" charset="0"/>
+              <a:buChar char="–"/>
+            </a:pPr>
+            <a:r>
+              <a:rPr lang="uk-UA" sz="2000" dirty="0">
+                <a:effectLst/>
+                <a:latin typeface="Times New Roman" panose="02020603050405020304" pitchFamily="18" charset="0"/>
+                <a:ea typeface="Times New Roman" panose="02020603050405020304" pitchFamily="18" charset="0"/>
+              </a:rPr>
+              <a:t>Розробка модельної версії гри для демонстрації роботи ігрового інтелекту.</a:t>
+            </a:r>
+          </a:p>
+          <a:p>
+            <a:pPr marL="342900" lvl="0" indent="-342900" algn="just">
+              <a:lnSpc>
+                <a:spcPct val="120000"/>
+              </a:lnSpc>
+              <a:buFont typeface="Times New Roman" panose="02020603050405020304" pitchFamily="18" charset="0"/>
+              <a:buChar char="–"/>
+            </a:pPr>
+            <a:r>
+              <a:rPr lang="uk-UA" sz="2000" dirty="0">
+                <a:latin typeface="Times New Roman" panose="02020603050405020304" pitchFamily="18" charset="0"/>
+                <a:ea typeface="Times New Roman" panose="02020603050405020304" pitchFamily="18" charset="0"/>
+              </a:rPr>
+              <a:t>Розробка моделей поведінки </a:t>
+            </a:r>
+            <a:r>
+              <a:rPr lang="en-US" sz="2000" dirty="0">
+                <a:latin typeface="Times New Roman" panose="02020603050405020304" pitchFamily="18" charset="0"/>
+                <a:ea typeface="Times New Roman" panose="02020603050405020304" pitchFamily="18" charset="0"/>
+              </a:rPr>
+              <a:t>NPC</a:t>
+            </a:r>
+            <a:r>
+              <a:rPr lang="uk-UA" sz="2000" dirty="0">
+                <a:latin typeface="Times New Roman" panose="02020603050405020304" pitchFamily="18" charset="0"/>
+                <a:ea typeface="Times New Roman" panose="02020603050405020304" pitchFamily="18" charset="0"/>
+              </a:rPr>
+              <a:t> в</a:t>
+            </a:r>
+            <a:r>
+              <a:rPr lang="en-US" sz="2000" dirty="0">
+                <a:latin typeface="Times New Roman" panose="02020603050405020304" pitchFamily="18" charset="0"/>
+                <a:ea typeface="Times New Roman" panose="02020603050405020304" pitchFamily="18" charset="0"/>
+              </a:rPr>
+              <a:t> </a:t>
+            </a:r>
+            <a:r>
+              <a:rPr lang="uk-UA" sz="2000" dirty="0">
+                <a:latin typeface="Times New Roman" panose="02020603050405020304" pitchFamily="18" charset="0"/>
+                <a:ea typeface="Times New Roman" panose="02020603050405020304" pitchFamily="18" charset="0"/>
+              </a:rPr>
+              <a:t>залежності від вхідних параметрів.</a:t>
+            </a:r>
+          </a:p>
+          <a:p>
+            <a:pPr marL="342900" lvl="0" indent="-342900" algn="just">
+              <a:lnSpc>
+                <a:spcPct val="120000"/>
+              </a:lnSpc>
+              <a:buFont typeface="Times New Roman" panose="02020603050405020304" pitchFamily="18" charset="0"/>
+              <a:buChar char="–"/>
+            </a:pPr>
+            <a:r>
+              <a:rPr lang="uk-UA" sz="2000" dirty="0">
+                <a:latin typeface="Times New Roman" panose="02020603050405020304" pitchFamily="18" charset="0"/>
+                <a:ea typeface="Times New Roman" panose="02020603050405020304" pitchFamily="18" charset="0"/>
+              </a:rPr>
+              <a:t>Реалізація моделей поведінки в ігровому режимі.</a:t>
+            </a:r>
+          </a:p>
+        </p:txBody>
+      </p:sp>
+      <p:sp>
+        <p:nvSpPr>
+          <p:cNvPr id="122" name="Google Shape;122;p16"/>
+          <p:cNvSpPr txBox="1">
+            <a:spLocks noGrp="1"/>
+          </p:cNvSpPr>
+          <p:nvPr>
+            <p:ph type="sldNum" idx="12"/>
+          </p:nvPr>
+        </p:nvSpPr>
+        <p:spPr>
+          <a:xfrm>
+            <a:off x="8686798" y="-12"/>
+            <a:ext cx="457200" cy="357000"/>
+          </a:xfrm>
+          <a:prstGeom prst="rect">
+            <a:avLst/>
+          </a:prstGeom>
+        </p:spPr>
+        <p:txBody>
+          <a:bodyPr spcFirstLastPara="1" wrap="square" lIns="91425" tIns="45700" rIns="91425" bIns="45700" anchor="b" anchorCtr="0">
+            <a:noAutofit/>
+          </a:bodyPr>
+          <a:lstStyle/>
+          <a:p>
+            <a:pPr marL="0" lvl="0" indent="0" algn="ctr" rtl="0">
+              <a:spcBef>
+                <a:spcPts val="0"/>
+              </a:spcBef>
+              <a:spcAft>
+                <a:spcPts val="0"/>
+              </a:spcAft>
+              <a:buClr>
+                <a:srgbClr val="000000"/>
+              </a:buClr>
+              <a:buSzPts val="1200"/>
+              <a:buFont typeface="Arial"/>
+              <a:buNone/>
+            </a:pPr>
+            <a:fld id="{00000000-1234-1234-1234-123412341234}" type="slidenum">
+              <a:rPr lang="ru-RU"/>
+              <a:t>4</a:t>
+            </a:fld>
+            <a:endParaRPr/>
+          </a:p>
+        </p:txBody>
+      </p:sp>
+    </p:spTree>
+  </p:cSld>
+  <p:clrMapOvr>
+    <a:masterClrMapping/>
+  </p:clrMapOvr>
+</p:sld>
+</file>
+
+<file path=ppt/slides/slide5.xml><?xml version="1.0" encoding="utf-8"?>
+<p:sld xmlns:a="http://schemas.openxmlformats.org/drawingml/2006/main" xmlns:r="http://schemas.openxmlformats.org/officeDocument/2006/relationships" xmlns:p="http://schemas.openxmlformats.org/presentationml/2006/main">
+  <p:cSld>
+    <p:spTree>
+      <p:nvGrpSpPr>
+        <p:cNvPr id="1" name=""/>
+        <p:cNvGrpSpPr/>
+        <p:nvPr/>
+      </p:nvGrpSpPr>
+      <p:grpSpPr>
+        <a:xfrm>
+          <a:off x="0" y="0"/>
+          <a:ext cx="0" cy="0"/>
+          <a:chOff x="0" y="0"/>
+          <a:chExt cx="0" cy="0"/>
+        </a:xfrm>
+      </p:grpSpPr>
+      <p:sp>
+        <p:nvSpPr>
+          <p:cNvPr id="2" name="Заголовок 1">
+            <a:extLst>
+              <a:ext uri="{FF2B5EF4-FFF2-40B4-BE49-F238E27FC236}">
+                <a16:creationId xmlns:a16="http://schemas.microsoft.com/office/drawing/2014/main" id="{53F2035E-FE25-449D-B783-DF03546EB14B}"/>
+              </a:ext>
+            </a:extLst>
+          </p:cNvPr>
+          <p:cNvSpPr>
+            <a:spLocks noGrp="1"/>
+          </p:cNvSpPr>
+          <p:nvPr>
+            <p:ph type="title"/>
+          </p:nvPr>
+        </p:nvSpPr>
+        <p:spPr>
+          <a:xfrm>
+            <a:off x="1435608" y="114857"/>
+            <a:ext cx="7498200" cy="857400"/>
+          </a:xfrm>
+        </p:spPr>
+        <p:txBody>
+          <a:bodyPr/>
+          <a:lstStyle/>
+          <a:p>
+            <a:r>
+              <a:rPr lang="uk-UA" dirty="0"/>
+              <a:t>Класифікація ігор </a:t>
+            </a:r>
+            <a:r>
+              <a:rPr lang="uk-UA" sz="2400" dirty="0"/>
+              <a:t>(скорочена</a:t>
+            </a:r>
+            <a:r>
+              <a:rPr lang="uk-UA" sz="3200" dirty="0"/>
+              <a:t>)</a:t>
+            </a:r>
+            <a:endParaRPr lang="uk-UA" dirty="0"/>
+          </a:p>
+        </p:txBody>
+      </p:sp>
+      <p:sp>
+        <p:nvSpPr>
+          <p:cNvPr id="3" name="Місце для тексту 2">
+            <a:extLst>
+              <a:ext uri="{FF2B5EF4-FFF2-40B4-BE49-F238E27FC236}">
+                <a16:creationId xmlns:a16="http://schemas.microsoft.com/office/drawing/2014/main" id="{7FB83199-EC53-4507-93A6-C144DAA16873}"/>
+              </a:ext>
+            </a:extLst>
+          </p:cNvPr>
+          <p:cNvSpPr>
+            <a:spLocks noGrp="1"/>
+          </p:cNvSpPr>
+          <p:nvPr>
+            <p:ph type="body" idx="1"/>
+          </p:nvPr>
+        </p:nvSpPr>
+        <p:spPr/>
+        <p:txBody>
+          <a:bodyPr/>
+          <a:lstStyle/>
+          <a:p>
+            <a:endParaRPr lang="uk-UA" dirty="0"/>
+          </a:p>
+        </p:txBody>
+      </p:sp>
+      <p:sp>
+        <p:nvSpPr>
+          <p:cNvPr id="4" name="Місце для номера слайда 3">
+            <a:extLst>
+              <a:ext uri="{FF2B5EF4-FFF2-40B4-BE49-F238E27FC236}">
+                <a16:creationId xmlns:a16="http://schemas.microsoft.com/office/drawing/2014/main" id="{0E4F6D8A-322C-4568-B848-B3455643FB32}"/>
+              </a:ext>
+            </a:extLst>
+          </p:cNvPr>
+          <p:cNvSpPr>
+            <a:spLocks noGrp="1"/>
+          </p:cNvSpPr>
+          <p:nvPr>
+            <p:ph type="sldNum" idx="12"/>
+          </p:nvPr>
+        </p:nvSpPr>
+        <p:spPr/>
+        <p:txBody>
+          <a:bodyPr/>
+          <a:lstStyle/>
+          <a:p>
+            <a:pPr marL="0" lvl="0" indent="0" algn="ctr" rtl="0">
+              <a:spcBef>
+                <a:spcPts val="0"/>
+              </a:spcBef>
+              <a:spcAft>
+                <a:spcPts val="0"/>
+              </a:spcAft>
+              <a:buNone/>
+            </a:pPr>
+            <a:fld id="{00000000-1234-1234-1234-123412341234}" type="slidenum">
+              <a:rPr lang="ru-RU" smtClean="0"/>
+              <a:t>5</a:t>
+            </a:fld>
+            <a:endParaRPr lang="ru-RU"/>
+          </a:p>
+        </p:txBody>
+      </p:sp>
+      <p:graphicFrame>
+        <p:nvGraphicFramePr>
+          <p:cNvPr id="5" name="Таблиця 5">
+            <a:extLst>
+              <a:ext uri="{FF2B5EF4-FFF2-40B4-BE49-F238E27FC236}">
+                <a16:creationId xmlns:a16="http://schemas.microsoft.com/office/drawing/2014/main" id="{450AE4A1-F59C-4121-B21E-D415B3BE30F1}"/>
+              </a:ext>
+            </a:extLst>
+          </p:cNvPr>
+          <p:cNvGraphicFramePr>
+            <a:graphicFrameLocks noGrp="1"/>
+          </p:cNvGraphicFramePr>
+          <p:nvPr>
+            <p:extLst>
+              <p:ext uri="{D42A27DB-BD31-4B8C-83A1-F6EECF244321}">
+                <p14:modId xmlns:p14="http://schemas.microsoft.com/office/powerpoint/2010/main" val="2541946041"/>
+              </p:ext>
+            </p:extLst>
+          </p:nvPr>
+        </p:nvGraphicFramePr>
+        <p:xfrm>
+          <a:off x="803275" y="863601"/>
+          <a:ext cx="7927976" cy="4123624"/>
+        </p:xfrm>
+        <a:graphic>
+          <a:graphicData uri="http://schemas.openxmlformats.org/drawingml/2006/table">
+            <a:tbl>
+              <a:tblPr firstRow="1" bandRow="1">
+                <a:tableStyleId>{5C22544A-7EE6-4342-B048-85BDC9FD1C3A}</a:tableStyleId>
+              </a:tblPr>
+              <a:tblGrid>
+                <a:gridCol w="3963988">
+                  <a:extLst>
+                    <a:ext uri="{9D8B030D-6E8A-4147-A177-3AD203B41FA5}">
+                      <a16:colId xmlns:a16="http://schemas.microsoft.com/office/drawing/2014/main" val="211036497"/>
+                    </a:ext>
+                  </a:extLst>
+                </a:gridCol>
+                <a:gridCol w="3963988">
+                  <a:extLst>
+                    <a:ext uri="{9D8B030D-6E8A-4147-A177-3AD203B41FA5}">
+                      <a16:colId xmlns:a16="http://schemas.microsoft.com/office/drawing/2014/main" val="4050926663"/>
+                    </a:ext>
+                  </a:extLst>
+                </a:gridCol>
+              </a:tblGrid>
+              <a:tr h="357428">
+                <a:tc>
+                  <a:txBody>
+                    <a:bodyPr/>
+                    <a:lstStyle/>
+                    <a:p>
+                      <a:pPr algn="l" fontAlgn="base"/>
+                      <a:r>
+                        <a:rPr lang="uk-UA" dirty="0">
+                          <a:effectLst/>
+                        </a:rPr>
+                        <a:t>Жанр Ігор</a:t>
+                      </a:r>
+                    </a:p>
+                  </a:txBody>
+                  <a:tcPr marL="38100" marR="38100" marT="76200" marB="76200" anchor="ctr"/>
+                </a:tc>
+                <a:tc>
+                  <a:txBody>
+                    <a:bodyPr/>
+                    <a:lstStyle/>
+                    <a:p>
+                      <a:pPr algn="l" fontAlgn="base"/>
+                      <a:r>
+                        <a:rPr lang="uk-UA" dirty="0">
+                          <a:effectLst/>
+                        </a:rPr>
+                        <a:t>Короткий опис</a:t>
+                      </a:r>
+                    </a:p>
+                  </a:txBody>
+                  <a:tcPr marL="38100" marR="38100" marT="76200" marB="76200" anchor="ctr"/>
+                </a:tc>
+                <a:extLst>
+                  <a:ext uri="{0D108BD9-81ED-4DB2-BD59-A6C34878D82A}">
+                    <a16:rowId xmlns:a16="http://schemas.microsoft.com/office/drawing/2014/main" val="243881630"/>
+                  </a:ext>
+                </a:extLst>
+              </a:tr>
+              <a:tr h="774428">
+                <a:tc>
+                  <a:txBody>
+                    <a:bodyPr/>
+                    <a:lstStyle/>
+                    <a:p>
+                      <a:pPr algn="l" fontAlgn="base"/>
+                      <a:r>
+                        <a:rPr lang="uk-UA" b="1" dirty="0">
+                          <a:effectLst/>
+                        </a:rPr>
+                        <a:t>Екшн</a:t>
+                      </a:r>
+                      <a:endParaRPr lang="uk-UA" dirty="0">
+                        <a:effectLst/>
+                      </a:endParaRPr>
+                    </a:p>
+                  </a:txBody>
+                  <a:tcPr marL="38100" marR="38100" marT="76200" marB="76200" anchor="ctr"/>
+                </a:tc>
+                <a:tc>
+                  <a:txBody>
+                    <a:bodyPr/>
+                    <a:lstStyle/>
+                    <a:p>
+                      <a:pPr algn="l" fontAlgn="base"/>
+                      <a:r>
+                        <a:rPr lang="ru-RU" dirty="0">
+                          <a:effectLst/>
+                        </a:rPr>
+                        <a:t>- Ігри з </a:t>
+                      </a:r>
+                      <a:r>
+                        <a:rPr lang="uk-UA" noProof="0" dirty="0">
+                          <a:effectLst/>
+                        </a:rPr>
+                        <a:t>елементами</a:t>
+                      </a:r>
+                      <a:r>
+                        <a:rPr lang="ru-RU" dirty="0">
+                          <a:effectLst/>
+                        </a:rPr>
+                        <a:t> бою.</a:t>
+                      </a:r>
+                    </a:p>
+                  </a:txBody>
+                  <a:tcPr marL="38100" marR="38100" marT="76200" marB="76200" anchor="ctr"/>
+                </a:tc>
+                <a:extLst>
+                  <a:ext uri="{0D108BD9-81ED-4DB2-BD59-A6C34878D82A}">
+                    <a16:rowId xmlns:a16="http://schemas.microsoft.com/office/drawing/2014/main" val="1920126463"/>
+                  </a:ext>
+                </a:extLst>
+              </a:tr>
+              <a:tr h="774428">
+                <a:tc>
+                  <a:txBody>
+                    <a:bodyPr/>
+                    <a:lstStyle/>
+                    <a:p>
+                      <a:pPr algn="l" fontAlgn="base"/>
+                      <a:r>
+                        <a:rPr lang="uk-UA" b="1" dirty="0">
+                          <a:effectLst/>
+                        </a:rPr>
+                        <a:t>Пригодницькі</a:t>
+                      </a:r>
+                      <a:endParaRPr lang="uk-UA" dirty="0">
+                        <a:effectLst/>
+                      </a:endParaRPr>
+                    </a:p>
+                  </a:txBody>
+                  <a:tcPr marL="38100" marR="38100" marT="76200" marB="76200" anchor="ctr"/>
+                </a:tc>
+                <a:tc>
+                  <a:txBody>
+                    <a:bodyPr/>
+                    <a:lstStyle/>
+                    <a:p>
+                      <a:pPr algn="l" fontAlgn="base"/>
+                      <a:r>
+                        <a:rPr lang="ru-RU" dirty="0">
+                          <a:effectLst/>
+                        </a:rPr>
+                        <a:t>- </a:t>
+                      </a:r>
+                      <a:r>
+                        <a:rPr lang="uk-UA" noProof="0" dirty="0">
+                          <a:effectLst/>
+                        </a:rPr>
+                        <a:t>Ігри орієнтовані на сюжет та головоломки.</a:t>
+                      </a:r>
+                      <a:endParaRPr lang="ru-RU" dirty="0">
+                        <a:effectLst/>
+                      </a:endParaRPr>
+                    </a:p>
+                  </a:txBody>
+                  <a:tcPr marL="38100" marR="38100" marT="76200" marB="76200" anchor="ctr"/>
+                </a:tc>
+                <a:extLst>
+                  <a:ext uri="{0D108BD9-81ED-4DB2-BD59-A6C34878D82A}">
+                    <a16:rowId xmlns:a16="http://schemas.microsoft.com/office/drawing/2014/main" val="1931910511"/>
+                  </a:ext>
+                </a:extLst>
+              </a:tr>
+              <a:tr h="565928">
+                <a:tc>
+                  <a:txBody>
+                    <a:bodyPr/>
+                    <a:lstStyle/>
+                    <a:p>
+                      <a:pPr algn="l" fontAlgn="base"/>
+                      <a:r>
+                        <a:rPr lang="uk-UA" b="1" dirty="0">
+                          <a:effectLst/>
+                        </a:rPr>
+                        <a:t>Рольові (</a:t>
+                      </a:r>
+                      <a:r>
+                        <a:rPr lang="en-US" b="1" dirty="0">
+                          <a:effectLst/>
+                        </a:rPr>
+                        <a:t>RPG)</a:t>
+                      </a:r>
+                      <a:endParaRPr lang="en-US" dirty="0">
+                        <a:effectLst/>
+                      </a:endParaRPr>
+                    </a:p>
+                  </a:txBody>
+                  <a:tcPr marL="38100" marR="38100" marT="76200" marB="76200" anchor="ctr"/>
+                </a:tc>
+                <a:tc>
+                  <a:txBody>
+                    <a:bodyPr/>
+                    <a:lstStyle/>
+                    <a:p>
+                      <a:pPr algn="l" fontAlgn="base"/>
+                      <a:r>
+                        <a:rPr lang="ru-RU" dirty="0">
+                          <a:effectLst/>
+                        </a:rPr>
+                        <a:t>- </a:t>
+                      </a:r>
+                      <a:r>
+                        <a:rPr lang="uk-UA" noProof="0" dirty="0">
+                          <a:effectLst/>
+                        </a:rPr>
+                        <a:t>Ігри з різними класами та характеристиками персонажів.</a:t>
+                      </a:r>
+                      <a:endParaRPr lang="ru-RU" dirty="0">
+                        <a:effectLst/>
+                      </a:endParaRPr>
+                    </a:p>
+                  </a:txBody>
+                  <a:tcPr marL="38100" marR="38100" marT="76200" marB="76200" anchor="ctr"/>
+                </a:tc>
+                <a:extLst>
+                  <a:ext uri="{0D108BD9-81ED-4DB2-BD59-A6C34878D82A}">
+                    <a16:rowId xmlns:a16="http://schemas.microsoft.com/office/drawing/2014/main" val="2049719933"/>
+                  </a:ext>
+                </a:extLst>
+              </a:tr>
+              <a:tr h="855460">
+                <a:tc>
+                  <a:txBody>
+                    <a:bodyPr/>
+                    <a:lstStyle/>
+                    <a:p>
+                      <a:pPr algn="l" fontAlgn="base"/>
+                      <a:r>
+                        <a:rPr lang="uk-UA" b="1" dirty="0">
+                          <a:effectLst/>
+                        </a:rPr>
+                        <a:t>Стратегії</a:t>
+                      </a:r>
+                      <a:endParaRPr lang="uk-UA" dirty="0">
+                        <a:effectLst/>
+                      </a:endParaRPr>
+                    </a:p>
+                  </a:txBody>
+                  <a:tcPr marL="38100" marR="38100" marT="76200" marB="76200" anchor="ctr"/>
+                </a:tc>
+                <a:tc>
+                  <a:txBody>
+                    <a:bodyPr/>
+                    <a:lstStyle/>
+                    <a:p>
+                      <a:pPr algn="l" fontAlgn="base"/>
+                      <a:r>
+                        <a:rPr lang="uk-UA" dirty="0">
+                          <a:effectLst/>
+                        </a:rPr>
+                        <a:t>- Ігри орієнтовані на управління ресурсами та планування для досягнення стратегічних цілей.</a:t>
+                      </a:r>
+                    </a:p>
+                  </a:txBody>
+                  <a:tcPr marL="38100" marR="38100" marT="76200" marB="76200" anchor="ctr"/>
+                </a:tc>
+                <a:extLst>
+                  <a:ext uri="{0D108BD9-81ED-4DB2-BD59-A6C34878D82A}">
+                    <a16:rowId xmlns:a16="http://schemas.microsoft.com/office/drawing/2014/main" val="1074443427"/>
+                  </a:ext>
+                </a:extLst>
+              </a:tr>
+              <a:tr h="774428">
+                <a:tc>
+                  <a:txBody>
+                    <a:bodyPr/>
+                    <a:lstStyle/>
+                    <a:p>
+                      <a:pPr algn="l" fontAlgn="base"/>
+                      <a:r>
+                        <a:rPr lang="uk-UA" b="1" dirty="0">
+                          <a:effectLst/>
+                        </a:rPr>
+                        <a:t>Симулятори</a:t>
+                      </a:r>
+                      <a:endParaRPr lang="uk-UA" dirty="0">
+                        <a:effectLst/>
+                      </a:endParaRPr>
+                    </a:p>
+                  </a:txBody>
+                  <a:tcPr marL="38100" marR="38100" marT="76200" marB="76200" anchor="ctr"/>
+                </a:tc>
+                <a:tc>
+                  <a:txBody>
+                    <a:bodyPr/>
+                    <a:lstStyle/>
+                    <a:p>
+                      <a:pPr algn="l" fontAlgn="base"/>
+                      <a:r>
+                        <a:rPr lang="uk-UA" dirty="0">
+                          <a:effectLst/>
+                        </a:rPr>
+                        <a:t>- Ігри з імітацією реальних процесів або діяльності.</a:t>
+                      </a:r>
+                    </a:p>
+                  </a:txBody>
+                  <a:tcPr marL="38100" marR="38100" marT="76200" marB="76200" anchor="ctr"/>
+                </a:tc>
+                <a:extLst>
+                  <a:ext uri="{0D108BD9-81ED-4DB2-BD59-A6C34878D82A}">
+                    <a16:rowId xmlns:a16="http://schemas.microsoft.com/office/drawing/2014/main" val="3924398040"/>
+                  </a:ext>
+                </a:extLst>
+              </a:tr>
+            </a:tbl>
+          </a:graphicData>
+        </a:graphic>
+      </p:graphicFrame>
+    </p:spTree>
+    <p:extLst>
+      <p:ext uri="{BB962C8B-B14F-4D97-AF65-F5344CB8AC3E}">
+        <p14:creationId xmlns:p14="http://schemas.microsoft.com/office/powerpoint/2010/main" val="1039118045"/>
+      </p:ext>
+    </p:extLst>
+  </p:cSld>
+  <p:clrMapOvr>
+    <a:masterClrMapping/>
+  </p:clrMapOvr>
+</p:sld>
+</file>
+
+<file path=ppt/slides/slide6.xml><?xml version="1.0" encoding="utf-8"?>
+<p:sld xmlns:a="http://schemas.openxmlformats.org/drawingml/2006/main" xmlns:r="http://schemas.openxmlformats.org/officeDocument/2006/relationships" xmlns:p="http://schemas.openxmlformats.org/presentationml/2006/main">
+  <p:cSld>
+    <p:spTree>
+      <p:nvGrpSpPr>
+        <p:cNvPr id="1" name=""/>
+        <p:cNvGrpSpPr/>
+        <p:nvPr/>
+      </p:nvGrpSpPr>
+      <p:grpSpPr>
+        <a:xfrm>
+          <a:off x="0" y="0"/>
+          <a:ext cx="0" cy="0"/>
+          <a:chOff x="0" y="0"/>
+          <a:chExt cx="0" cy="0"/>
+        </a:xfrm>
+      </p:grpSpPr>
+      <p:sp>
+        <p:nvSpPr>
           <p:cNvPr id="2" name="Заголовок 1">
             <a:extLst>
               <a:ext uri="{FF2B5EF4-FFF2-40B4-BE49-F238E27FC236}">
@@ -16825,7 +20729,7 @@
             </a:pPr>
             <a:fld id="{00000000-1234-1234-1234-123412341234}" type="slidenum">
               <a:rPr lang="ru-RU" smtClean="0"/>
-              <a:t>10</a:t>
+              <a:t>6</a:t>
             </a:fld>
             <a:endParaRPr lang="ru-RU"/>
           </a:p>
@@ -16913,3662 +20817,7 @@
 </p:sld>
 </file>
 
-<file path=ppt/slides/slide11.xml><?xml version="1.0" encoding="utf-8"?>
-<p:sld xmlns:a="http://schemas.openxmlformats.org/drawingml/2006/main" xmlns:r="http://schemas.openxmlformats.org/officeDocument/2006/relationships" xmlns:p="http://schemas.openxmlformats.org/presentationml/2006/main">
-  <p:cSld>
-    <p:spTree>
-      <p:nvGrpSpPr>
-        <p:cNvPr id="1" name=""/>
-        <p:cNvGrpSpPr/>
-        <p:nvPr/>
-      </p:nvGrpSpPr>
-      <p:grpSpPr>
-        <a:xfrm>
-          <a:off x="0" y="0"/>
-          <a:ext cx="0" cy="0"/>
-          <a:chOff x="0" y="0"/>
-          <a:chExt cx="0" cy="0"/>
-        </a:xfrm>
-      </p:grpSpPr>
-      <p:sp>
-        <p:nvSpPr>
-          <p:cNvPr id="2" name="Заголовок 1">
-            <a:extLst>
-              <a:ext uri="{FF2B5EF4-FFF2-40B4-BE49-F238E27FC236}">
-                <a16:creationId xmlns:a16="http://schemas.microsoft.com/office/drawing/2014/main" id="{29D11215-9EE6-46DC-865F-690D87B58216}"/>
-              </a:ext>
-            </a:extLst>
-          </p:cNvPr>
-          <p:cNvSpPr>
-            <a:spLocks noGrp="1"/>
-          </p:cNvSpPr>
-          <p:nvPr>
-            <p:ph type="title"/>
-          </p:nvPr>
-        </p:nvSpPr>
-        <p:spPr/>
-        <p:txBody>
-          <a:bodyPr>
-            <a:normAutofit/>
-          </a:bodyPr>
-          <a:lstStyle/>
-          <a:p>
-            <a:r>
-              <a:rPr lang="ru-RU" dirty="0"/>
-              <a:t>Вороги</a:t>
-            </a:r>
-            <a:endParaRPr lang="uk-UA" dirty="0"/>
-          </a:p>
-        </p:txBody>
-      </p:sp>
-      <p:sp>
-        <p:nvSpPr>
-          <p:cNvPr id="4" name="Місце для номера слайда 3">
-            <a:extLst>
-              <a:ext uri="{FF2B5EF4-FFF2-40B4-BE49-F238E27FC236}">
-                <a16:creationId xmlns:a16="http://schemas.microsoft.com/office/drawing/2014/main" id="{5F95664B-C5D1-4008-97D4-D095E2FF2EF0}"/>
-              </a:ext>
-            </a:extLst>
-          </p:cNvPr>
-          <p:cNvSpPr>
-            <a:spLocks noGrp="1"/>
-          </p:cNvSpPr>
-          <p:nvPr>
-            <p:ph type="sldNum" idx="12"/>
-          </p:nvPr>
-        </p:nvSpPr>
-        <p:spPr/>
-        <p:txBody>
-          <a:bodyPr/>
-          <a:lstStyle/>
-          <a:p>
-            <a:pPr marL="0" lvl="0" indent="0" algn="ctr" rtl="0">
-              <a:spcBef>
-                <a:spcPts val="0"/>
-              </a:spcBef>
-              <a:spcAft>
-                <a:spcPts val="0"/>
-              </a:spcAft>
-              <a:buNone/>
-            </a:pPr>
-            <a:fld id="{00000000-1234-1234-1234-123412341234}" type="slidenum">
-              <a:rPr lang="ru-RU" smtClean="0"/>
-              <a:t>11</a:t>
-            </a:fld>
-            <a:endParaRPr lang="ru-RU"/>
-          </a:p>
-        </p:txBody>
-      </p:sp>
-      <p:pic>
-        <p:nvPicPr>
-          <p:cNvPr id="6" name="Рисунок 5">
-            <a:extLst>
-              <a:ext uri="{FF2B5EF4-FFF2-40B4-BE49-F238E27FC236}">
-                <a16:creationId xmlns:a16="http://schemas.microsoft.com/office/drawing/2014/main" id="{111A03E1-9326-420F-8FEE-41D4236AC98D}"/>
-              </a:ext>
-            </a:extLst>
-          </p:cNvPr>
-          <p:cNvPicPr>
-            <a:picLocks noChangeAspect="1"/>
-          </p:cNvPicPr>
-          <p:nvPr/>
-        </p:nvPicPr>
-        <p:blipFill>
-          <a:blip r:embed="rId2"/>
-          <a:stretch>
-            <a:fillRect/>
-          </a:stretch>
-        </p:blipFill>
-        <p:spPr>
-          <a:xfrm>
-            <a:off x="6316734" y="2089255"/>
-            <a:ext cx="2185767" cy="2848267"/>
-          </a:xfrm>
-          <a:prstGeom prst="rect">
-            <a:avLst/>
-          </a:prstGeom>
-        </p:spPr>
-      </p:pic>
-      <p:pic>
-        <p:nvPicPr>
-          <p:cNvPr id="8" name="Рисунок 7">
-            <a:extLst>
-              <a:ext uri="{FF2B5EF4-FFF2-40B4-BE49-F238E27FC236}">
-                <a16:creationId xmlns:a16="http://schemas.microsoft.com/office/drawing/2014/main" id="{9F9384C0-6D93-4C95-BC41-4C08A402FE3D}"/>
-              </a:ext>
-            </a:extLst>
-          </p:cNvPr>
-          <p:cNvPicPr>
-            <a:picLocks noChangeAspect="1"/>
-          </p:cNvPicPr>
-          <p:nvPr/>
-        </p:nvPicPr>
-        <p:blipFill>
-          <a:blip r:embed="rId3"/>
-          <a:stretch>
-            <a:fillRect/>
-          </a:stretch>
-        </p:blipFill>
-        <p:spPr>
-          <a:xfrm>
-            <a:off x="2470724" y="2517317"/>
-            <a:ext cx="1750102" cy="2447695"/>
-          </a:xfrm>
-          <a:prstGeom prst="rect">
-            <a:avLst/>
-          </a:prstGeom>
-        </p:spPr>
-      </p:pic>
-      <p:pic>
-        <p:nvPicPr>
-          <p:cNvPr id="10" name="Рисунок 9">
-            <a:extLst>
-              <a:ext uri="{FF2B5EF4-FFF2-40B4-BE49-F238E27FC236}">
-                <a16:creationId xmlns:a16="http://schemas.microsoft.com/office/drawing/2014/main" id="{2240163C-9938-46BC-9235-FDF1DB847B5D}"/>
-              </a:ext>
-            </a:extLst>
-          </p:cNvPr>
-          <p:cNvPicPr>
-            <a:picLocks noChangeAspect="1"/>
-          </p:cNvPicPr>
-          <p:nvPr/>
-        </p:nvPicPr>
-        <p:blipFill>
-          <a:blip r:embed="rId4"/>
-          <a:stretch>
-            <a:fillRect/>
-          </a:stretch>
-        </p:blipFill>
-        <p:spPr>
-          <a:xfrm>
-            <a:off x="4175096" y="178488"/>
-            <a:ext cx="1931448" cy="2239155"/>
-          </a:xfrm>
-          <a:prstGeom prst="rect">
-            <a:avLst/>
-          </a:prstGeom>
-        </p:spPr>
-      </p:pic>
-      <p:pic>
-        <p:nvPicPr>
-          <p:cNvPr id="11" name="Рисунок 10">
-            <a:extLst>
-              <a:ext uri="{FF2B5EF4-FFF2-40B4-BE49-F238E27FC236}">
-                <a16:creationId xmlns:a16="http://schemas.microsoft.com/office/drawing/2014/main" id="{AE536390-DBD6-4526-AC83-895C6977D60B}"/>
-              </a:ext>
-            </a:extLst>
-          </p:cNvPr>
-          <p:cNvPicPr>
-            <a:picLocks noChangeAspect="1"/>
-          </p:cNvPicPr>
-          <p:nvPr/>
-        </p:nvPicPr>
-        <p:blipFill>
-          <a:blip r:embed="rId5"/>
-          <a:stretch>
-            <a:fillRect/>
-          </a:stretch>
-        </p:blipFill>
-        <p:spPr>
-          <a:xfrm>
-            <a:off x="234876" y="1168791"/>
-            <a:ext cx="1987655" cy="2239155"/>
-          </a:xfrm>
-          <a:prstGeom prst="rect">
-            <a:avLst/>
-          </a:prstGeom>
-        </p:spPr>
-      </p:pic>
-    </p:spTree>
-    <p:extLst>
-      <p:ext uri="{BB962C8B-B14F-4D97-AF65-F5344CB8AC3E}">
-        <p14:creationId xmlns:p14="http://schemas.microsoft.com/office/powerpoint/2010/main" val="2726880049"/>
-      </p:ext>
-    </p:extLst>
-  </p:cSld>
-  <p:clrMapOvr>
-    <a:masterClrMapping/>
-  </p:clrMapOvr>
-</p:sld>
-</file>
-
-<file path=ppt/slides/slide12.xml><?xml version="1.0" encoding="utf-8"?>
-<p:sld xmlns:a="http://schemas.openxmlformats.org/drawingml/2006/main" xmlns:r="http://schemas.openxmlformats.org/officeDocument/2006/relationships" xmlns:p="http://schemas.openxmlformats.org/presentationml/2006/main">
-  <p:cSld>
-    <p:spTree>
-      <p:nvGrpSpPr>
-        <p:cNvPr id="1" name=""/>
-        <p:cNvGrpSpPr/>
-        <p:nvPr/>
-      </p:nvGrpSpPr>
-      <p:grpSpPr>
-        <a:xfrm>
-          <a:off x="0" y="0"/>
-          <a:ext cx="0" cy="0"/>
-          <a:chOff x="0" y="0"/>
-          <a:chExt cx="0" cy="0"/>
-        </a:xfrm>
-      </p:grpSpPr>
-      <p:sp>
-        <p:nvSpPr>
-          <p:cNvPr id="2" name="Заголовок 1">
-            <a:extLst>
-              <a:ext uri="{FF2B5EF4-FFF2-40B4-BE49-F238E27FC236}">
-                <a16:creationId xmlns:a16="http://schemas.microsoft.com/office/drawing/2014/main" id="{6522D562-4A34-4329-93B3-71B5C7A58F50}"/>
-              </a:ext>
-            </a:extLst>
-          </p:cNvPr>
-          <p:cNvSpPr>
-            <a:spLocks noGrp="1"/>
-          </p:cNvSpPr>
-          <p:nvPr>
-            <p:ph type="title"/>
-          </p:nvPr>
-        </p:nvSpPr>
-        <p:spPr>
-          <a:xfrm>
-            <a:off x="-21881" y="1612073"/>
-            <a:ext cx="3093693" cy="1850266"/>
-          </a:xfrm>
-        </p:spPr>
-        <p:txBody>
-          <a:bodyPr>
-            <a:normAutofit fontScale="90000"/>
-          </a:bodyPr>
-          <a:lstStyle/>
-          <a:p>
-            <a:pPr algn="ctr"/>
-            <a:r>
-              <a:rPr lang="uk-UA" dirty="0"/>
-              <a:t>Модель поведінки для </a:t>
-            </a:r>
-            <a:r>
-              <a:rPr lang="ru-RU" dirty="0"/>
-              <a:t>«</a:t>
-            </a:r>
-            <a:r>
-              <a:rPr lang="en-US" dirty="0" err="1"/>
-              <a:t>Piglin</a:t>
-            </a:r>
-            <a:r>
-              <a:rPr lang="ru-RU" dirty="0"/>
-              <a:t>»</a:t>
-            </a:r>
-            <a:endParaRPr lang="uk-UA" dirty="0"/>
-          </a:p>
-        </p:txBody>
-      </p:sp>
-      <p:sp>
-        <p:nvSpPr>
-          <p:cNvPr id="4" name="Місце для номера слайда 3">
-            <a:extLst>
-              <a:ext uri="{FF2B5EF4-FFF2-40B4-BE49-F238E27FC236}">
-                <a16:creationId xmlns:a16="http://schemas.microsoft.com/office/drawing/2014/main" id="{8C895639-43E0-4EFD-BD1D-365C09FF13F9}"/>
-              </a:ext>
-            </a:extLst>
-          </p:cNvPr>
-          <p:cNvSpPr>
-            <a:spLocks noGrp="1"/>
-          </p:cNvSpPr>
-          <p:nvPr>
-            <p:ph type="sldNum" idx="12"/>
-          </p:nvPr>
-        </p:nvSpPr>
-        <p:spPr/>
-        <p:txBody>
-          <a:bodyPr/>
-          <a:lstStyle/>
-          <a:p>
-            <a:pPr marL="0" lvl="0" indent="0" algn="ctr" rtl="0">
-              <a:spcBef>
-                <a:spcPts val="0"/>
-              </a:spcBef>
-              <a:spcAft>
-                <a:spcPts val="0"/>
-              </a:spcAft>
-              <a:buNone/>
-            </a:pPr>
-            <a:fld id="{00000000-1234-1234-1234-123412341234}" type="slidenum">
-              <a:rPr lang="ru-RU" smtClean="0"/>
-              <a:t>12</a:t>
-            </a:fld>
-            <a:endParaRPr lang="ru-RU"/>
-          </a:p>
-        </p:txBody>
-      </p:sp>
-      <p:pic>
-        <p:nvPicPr>
-          <p:cNvPr id="6" name="Рисунок 5">
-            <a:extLst>
-              <a:ext uri="{FF2B5EF4-FFF2-40B4-BE49-F238E27FC236}">
-                <a16:creationId xmlns:a16="http://schemas.microsoft.com/office/drawing/2014/main" id="{4DCE74D8-3D70-43C1-A0F2-DE34A80FA937}"/>
-              </a:ext>
-            </a:extLst>
-          </p:cNvPr>
-          <p:cNvPicPr>
-            <a:picLocks noChangeAspect="1"/>
-          </p:cNvPicPr>
-          <p:nvPr/>
-        </p:nvPicPr>
-        <p:blipFill>
-          <a:blip r:embed="rId2"/>
-          <a:stretch>
-            <a:fillRect/>
-          </a:stretch>
-        </p:blipFill>
-        <p:spPr>
-          <a:xfrm>
-            <a:off x="2989006" y="178488"/>
-            <a:ext cx="5267488" cy="4728418"/>
-          </a:xfrm>
-          <a:prstGeom prst="rect">
-            <a:avLst/>
-          </a:prstGeom>
-        </p:spPr>
-      </p:pic>
-    </p:spTree>
-    <p:extLst>
-      <p:ext uri="{BB962C8B-B14F-4D97-AF65-F5344CB8AC3E}">
-        <p14:creationId xmlns:p14="http://schemas.microsoft.com/office/powerpoint/2010/main" val="3962436972"/>
-      </p:ext>
-    </p:extLst>
-  </p:cSld>
-  <p:clrMapOvr>
-    <a:masterClrMapping/>
-  </p:clrMapOvr>
-</p:sld>
-</file>
-
-<file path=ppt/slides/slide13.xml><?xml version="1.0" encoding="utf-8"?>
-<p:sld xmlns:a="http://schemas.openxmlformats.org/drawingml/2006/main" xmlns:r="http://schemas.openxmlformats.org/officeDocument/2006/relationships" xmlns:p="http://schemas.openxmlformats.org/presentationml/2006/main">
-  <p:cSld>
-    <p:spTree>
-      <p:nvGrpSpPr>
-        <p:cNvPr id="1" name=""/>
-        <p:cNvGrpSpPr/>
-        <p:nvPr/>
-      </p:nvGrpSpPr>
-      <p:grpSpPr>
-        <a:xfrm>
-          <a:off x="0" y="0"/>
-          <a:ext cx="0" cy="0"/>
-          <a:chOff x="0" y="0"/>
-          <a:chExt cx="0" cy="0"/>
-        </a:xfrm>
-      </p:grpSpPr>
-      <p:sp>
-        <p:nvSpPr>
-          <p:cNvPr id="2" name="Заголовок 1">
-            <a:extLst>
-              <a:ext uri="{FF2B5EF4-FFF2-40B4-BE49-F238E27FC236}">
-                <a16:creationId xmlns:a16="http://schemas.microsoft.com/office/drawing/2014/main" id="{842E8310-EC46-42F8-93D4-0C2B0024FDA1}"/>
-              </a:ext>
-            </a:extLst>
-          </p:cNvPr>
-          <p:cNvSpPr>
-            <a:spLocks noGrp="1"/>
-          </p:cNvSpPr>
-          <p:nvPr>
-            <p:ph type="title"/>
-          </p:nvPr>
-        </p:nvSpPr>
-        <p:spPr>
-          <a:xfrm>
-            <a:off x="-19330" y="1532159"/>
-            <a:ext cx="3136392" cy="1764762"/>
-          </a:xfrm>
-        </p:spPr>
-        <p:txBody>
-          <a:bodyPr>
-            <a:normAutofit fontScale="90000"/>
-          </a:bodyPr>
-          <a:lstStyle/>
-          <a:p>
-            <a:pPr algn="ctr"/>
-            <a:r>
-              <a:rPr lang="uk-UA" dirty="0"/>
-              <a:t>Модель поведінки для</a:t>
-            </a:r>
-            <a:r>
-              <a:rPr lang="ru-RU" dirty="0"/>
-              <a:t>«</a:t>
-            </a:r>
-            <a:r>
-              <a:rPr lang="en-US" dirty="0"/>
-              <a:t>Goblin</a:t>
-            </a:r>
-            <a:r>
-              <a:rPr lang="ru-RU" dirty="0"/>
-              <a:t>»</a:t>
-            </a:r>
-            <a:endParaRPr lang="uk-UA" dirty="0"/>
-          </a:p>
-        </p:txBody>
-      </p:sp>
-      <p:sp>
-        <p:nvSpPr>
-          <p:cNvPr id="4" name="Місце для номера слайда 3">
-            <a:extLst>
-              <a:ext uri="{FF2B5EF4-FFF2-40B4-BE49-F238E27FC236}">
-                <a16:creationId xmlns:a16="http://schemas.microsoft.com/office/drawing/2014/main" id="{A792E52A-CC07-404A-ACFE-284503E4D780}"/>
-              </a:ext>
-            </a:extLst>
-          </p:cNvPr>
-          <p:cNvSpPr>
-            <a:spLocks noGrp="1"/>
-          </p:cNvSpPr>
-          <p:nvPr>
-            <p:ph type="sldNum" idx="12"/>
-          </p:nvPr>
-        </p:nvSpPr>
-        <p:spPr/>
-        <p:txBody>
-          <a:bodyPr/>
-          <a:lstStyle/>
-          <a:p>
-            <a:pPr marL="0" lvl="0" indent="0" algn="ctr" rtl="0">
-              <a:spcBef>
-                <a:spcPts val="0"/>
-              </a:spcBef>
-              <a:spcAft>
-                <a:spcPts val="0"/>
-              </a:spcAft>
-              <a:buNone/>
-            </a:pPr>
-            <a:fld id="{00000000-1234-1234-1234-123412341234}" type="slidenum">
-              <a:rPr lang="ru-RU" smtClean="0"/>
-              <a:t>13</a:t>
-            </a:fld>
-            <a:endParaRPr lang="ru-RU"/>
-          </a:p>
-        </p:txBody>
-      </p:sp>
-      <p:pic>
-        <p:nvPicPr>
-          <p:cNvPr id="10" name="Рисунок 9">
-            <a:extLst>
-              <a:ext uri="{FF2B5EF4-FFF2-40B4-BE49-F238E27FC236}">
-                <a16:creationId xmlns:a16="http://schemas.microsoft.com/office/drawing/2014/main" id="{544ABA5E-F021-4D42-8052-8F7120AED238}"/>
-              </a:ext>
-            </a:extLst>
-          </p:cNvPr>
-          <p:cNvPicPr>
-            <a:picLocks noChangeAspect="1"/>
-          </p:cNvPicPr>
-          <p:nvPr/>
-        </p:nvPicPr>
-        <p:blipFill>
-          <a:blip r:embed="rId2"/>
-          <a:stretch>
-            <a:fillRect/>
-          </a:stretch>
-        </p:blipFill>
-        <p:spPr>
-          <a:xfrm>
-            <a:off x="3117062" y="232007"/>
-            <a:ext cx="5652447" cy="4679485"/>
-          </a:xfrm>
-          <a:prstGeom prst="rect">
-            <a:avLst/>
-          </a:prstGeom>
-        </p:spPr>
-      </p:pic>
-    </p:spTree>
-    <p:extLst>
-      <p:ext uri="{BB962C8B-B14F-4D97-AF65-F5344CB8AC3E}">
-        <p14:creationId xmlns:p14="http://schemas.microsoft.com/office/powerpoint/2010/main" val="3576156406"/>
-      </p:ext>
-    </p:extLst>
-  </p:cSld>
-  <p:clrMapOvr>
-    <a:masterClrMapping/>
-  </p:clrMapOvr>
-</p:sld>
-</file>
-
-<file path=ppt/slides/slide14.xml><?xml version="1.0" encoding="utf-8"?>
-<p:sld xmlns:a="http://schemas.openxmlformats.org/drawingml/2006/main" xmlns:r="http://schemas.openxmlformats.org/officeDocument/2006/relationships" xmlns:p="http://schemas.openxmlformats.org/presentationml/2006/main">
-  <p:cSld>
-    <p:spTree>
-      <p:nvGrpSpPr>
-        <p:cNvPr id="1" name="Shape 147"/>
-        <p:cNvGrpSpPr/>
-        <p:nvPr/>
-      </p:nvGrpSpPr>
-      <p:grpSpPr>
-        <a:xfrm>
-          <a:off x="0" y="0"/>
-          <a:ext cx="0" cy="0"/>
-          <a:chOff x="0" y="0"/>
-          <a:chExt cx="0" cy="0"/>
-        </a:xfrm>
-      </p:grpSpPr>
-      <p:sp>
-        <p:nvSpPr>
-          <p:cNvPr id="148" name="Google Shape;148;p20"/>
-          <p:cNvSpPr txBox="1">
-            <a:spLocks noGrp="1"/>
-          </p:cNvSpPr>
-          <p:nvPr>
-            <p:ph type="title"/>
-          </p:nvPr>
-        </p:nvSpPr>
-        <p:spPr>
-          <a:xfrm>
-            <a:off x="36585" y="1389530"/>
-            <a:ext cx="2768838" cy="2148107"/>
-          </a:xfrm>
-          <a:prstGeom prst="rect">
-            <a:avLst/>
-          </a:prstGeom>
-          <a:noFill/>
-          <a:ln>
-            <a:noFill/>
-          </a:ln>
-        </p:spPr>
-        <p:txBody>
-          <a:bodyPr spcFirstLastPara="1" wrap="square" lIns="91425" tIns="45700" rIns="91425" bIns="45700" anchor="ctr" anchorCtr="0">
-            <a:normAutofit fontScale="90000"/>
-          </a:bodyPr>
-          <a:lstStyle/>
-          <a:p>
-            <a:pPr marL="0" lvl="0" indent="0" algn="ctr" rtl="0">
-              <a:lnSpc>
-                <a:spcPct val="100000"/>
-              </a:lnSpc>
-              <a:spcBef>
-                <a:spcPts val="0"/>
-              </a:spcBef>
-              <a:spcAft>
-                <a:spcPts val="0"/>
-              </a:spcAft>
-              <a:buClr>
-                <a:srgbClr val="562214"/>
-              </a:buClr>
-              <a:buSzPts val="4300"/>
-              <a:buFont typeface="Gill Sans"/>
-              <a:buNone/>
-            </a:pPr>
-            <a:r>
-              <a:rPr lang="uk-UA" dirty="0"/>
-              <a:t>Модель поведінки для</a:t>
-            </a:r>
-            <a:r>
-              <a:rPr lang="ru-RU" dirty="0"/>
-              <a:t>«</a:t>
-            </a:r>
-            <a:r>
-              <a:rPr lang="en-US" dirty="0" err="1"/>
-              <a:t>Skelet</a:t>
-            </a:r>
-            <a:r>
-              <a:rPr lang="ru-RU" dirty="0"/>
-              <a:t>»</a:t>
-            </a:r>
-            <a:endParaRPr dirty="0">
-              <a:latin typeface="Times New Roman" panose="02020603050405020304" pitchFamily="18" charset="0"/>
-              <a:cs typeface="Times New Roman" panose="02020603050405020304" pitchFamily="18" charset="0"/>
-            </a:endParaRPr>
-          </a:p>
-        </p:txBody>
-      </p:sp>
-      <p:sp>
-        <p:nvSpPr>
-          <p:cNvPr id="150" name="Google Shape;150;p20"/>
-          <p:cNvSpPr txBox="1">
-            <a:spLocks noGrp="1"/>
-          </p:cNvSpPr>
-          <p:nvPr>
-            <p:ph type="sldNum" idx="12"/>
-          </p:nvPr>
-        </p:nvSpPr>
-        <p:spPr>
-          <a:xfrm>
-            <a:off x="8686798" y="-12"/>
-            <a:ext cx="457200" cy="357000"/>
-          </a:xfrm>
-          <a:prstGeom prst="rect">
-            <a:avLst/>
-          </a:prstGeom>
-        </p:spPr>
-        <p:txBody>
-          <a:bodyPr spcFirstLastPara="1" wrap="square" lIns="91425" tIns="45700" rIns="91425" bIns="45700" anchor="b" anchorCtr="0">
-            <a:noAutofit/>
-          </a:bodyPr>
-          <a:lstStyle/>
-          <a:p>
-            <a:pPr marL="0" lvl="0" indent="0" algn="ctr" rtl="0">
-              <a:spcBef>
-                <a:spcPts val="0"/>
-              </a:spcBef>
-              <a:spcAft>
-                <a:spcPts val="0"/>
-              </a:spcAft>
-              <a:buClr>
-                <a:srgbClr val="000000"/>
-              </a:buClr>
-              <a:buSzPts val="1200"/>
-              <a:buFont typeface="Arial"/>
-              <a:buNone/>
-            </a:pPr>
-            <a:fld id="{00000000-1234-1234-1234-123412341234}" type="slidenum">
-              <a:rPr lang="ru-RU"/>
-              <a:t>14</a:t>
-            </a:fld>
-            <a:endParaRPr/>
-          </a:p>
-        </p:txBody>
-      </p:sp>
-      <p:pic>
-        <p:nvPicPr>
-          <p:cNvPr id="4" name="Рисунок 3">
-            <a:extLst>
-              <a:ext uri="{FF2B5EF4-FFF2-40B4-BE49-F238E27FC236}">
-                <a16:creationId xmlns:a16="http://schemas.microsoft.com/office/drawing/2014/main" id="{B5C108DC-9FD8-4401-B06E-022E52897FF2}"/>
-              </a:ext>
-            </a:extLst>
-          </p:cNvPr>
-          <p:cNvPicPr>
-            <a:picLocks noChangeAspect="1"/>
-          </p:cNvPicPr>
-          <p:nvPr/>
-        </p:nvPicPr>
-        <p:blipFill>
-          <a:blip r:embed="rId3"/>
-          <a:stretch>
-            <a:fillRect/>
-          </a:stretch>
-        </p:blipFill>
-        <p:spPr>
-          <a:xfrm>
-            <a:off x="3034023" y="281483"/>
-            <a:ext cx="5881375" cy="4580534"/>
-          </a:xfrm>
-          <a:prstGeom prst="rect">
-            <a:avLst/>
-          </a:prstGeom>
-        </p:spPr>
-      </p:pic>
-    </p:spTree>
-  </p:cSld>
-  <p:clrMapOvr>
-    <a:masterClrMapping/>
-  </p:clrMapOvr>
-</p:sld>
-</file>
-
-<file path=ppt/slides/slide15.xml><?xml version="1.0" encoding="utf-8"?>
-<p:sld xmlns:a="http://schemas.openxmlformats.org/drawingml/2006/main" xmlns:r="http://schemas.openxmlformats.org/officeDocument/2006/relationships" xmlns:p="http://schemas.openxmlformats.org/presentationml/2006/main">
-  <p:cSld>
-    <p:spTree>
-      <p:nvGrpSpPr>
-        <p:cNvPr id="1" name=""/>
-        <p:cNvGrpSpPr/>
-        <p:nvPr/>
-      </p:nvGrpSpPr>
-      <p:grpSpPr>
-        <a:xfrm>
-          <a:off x="0" y="0"/>
-          <a:ext cx="0" cy="0"/>
-          <a:chOff x="0" y="0"/>
-          <a:chExt cx="0" cy="0"/>
-        </a:xfrm>
-      </p:grpSpPr>
-      <p:sp>
-        <p:nvSpPr>
-          <p:cNvPr id="2" name="Заголовок 1">
-            <a:extLst>
-              <a:ext uri="{FF2B5EF4-FFF2-40B4-BE49-F238E27FC236}">
-                <a16:creationId xmlns:a16="http://schemas.microsoft.com/office/drawing/2014/main" id="{904401E9-E9D6-4C02-8AC2-B234076ED21C}"/>
-              </a:ext>
-            </a:extLst>
-          </p:cNvPr>
-          <p:cNvSpPr>
-            <a:spLocks noGrp="1"/>
-          </p:cNvSpPr>
-          <p:nvPr>
-            <p:ph type="title"/>
-          </p:nvPr>
-        </p:nvSpPr>
-        <p:spPr>
-          <a:xfrm>
-            <a:off x="202723" y="1506070"/>
-            <a:ext cx="3005554" cy="1986743"/>
-          </a:xfrm>
-        </p:spPr>
-        <p:txBody>
-          <a:bodyPr>
-            <a:normAutofit fontScale="90000"/>
-          </a:bodyPr>
-          <a:lstStyle/>
-          <a:p>
-            <a:pPr algn="ctr"/>
-            <a:r>
-              <a:rPr lang="uk-UA" dirty="0"/>
-              <a:t>Модель поведінки для</a:t>
-            </a:r>
-            <a:r>
-              <a:rPr lang="ru-RU" dirty="0"/>
-              <a:t>«</a:t>
-            </a:r>
-            <a:r>
-              <a:rPr lang="en-US" dirty="0"/>
-              <a:t>Golem</a:t>
-            </a:r>
-            <a:r>
-              <a:rPr lang="ru-RU" dirty="0"/>
-              <a:t>»</a:t>
-            </a:r>
-            <a:endParaRPr lang="uk-UA" dirty="0"/>
-          </a:p>
-        </p:txBody>
-      </p:sp>
-      <p:sp>
-        <p:nvSpPr>
-          <p:cNvPr id="4" name="Місце для номера слайда 3">
-            <a:extLst>
-              <a:ext uri="{FF2B5EF4-FFF2-40B4-BE49-F238E27FC236}">
-                <a16:creationId xmlns:a16="http://schemas.microsoft.com/office/drawing/2014/main" id="{3FD50231-C22B-4E44-9ADF-C60151526A41}"/>
-              </a:ext>
-            </a:extLst>
-          </p:cNvPr>
-          <p:cNvSpPr>
-            <a:spLocks noGrp="1"/>
-          </p:cNvSpPr>
-          <p:nvPr>
-            <p:ph type="sldNum" idx="12"/>
-          </p:nvPr>
-        </p:nvSpPr>
-        <p:spPr/>
-        <p:txBody>
-          <a:bodyPr/>
-          <a:lstStyle/>
-          <a:p>
-            <a:pPr marL="0" lvl="0" indent="0" algn="ctr" rtl="0">
-              <a:spcBef>
-                <a:spcPts val="0"/>
-              </a:spcBef>
-              <a:spcAft>
-                <a:spcPts val="0"/>
-              </a:spcAft>
-              <a:buNone/>
-            </a:pPr>
-            <a:fld id="{00000000-1234-1234-1234-123412341234}" type="slidenum">
-              <a:rPr lang="ru-RU" smtClean="0"/>
-              <a:t>15</a:t>
-            </a:fld>
-            <a:endParaRPr lang="ru-RU"/>
-          </a:p>
-        </p:txBody>
-      </p:sp>
-      <p:pic>
-        <p:nvPicPr>
-          <p:cNvPr id="6" name="Рисунок 5">
-            <a:extLst>
-              <a:ext uri="{FF2B5EF4-FFF2-40B4-BE49-F238E27FC236}">
-                <a16:creationId xmlns:a16="http://schemas.microsoft.com/office/drawing/2014/main" id="{4DC708B3-EF8D-46D6-B1B4-2A785F079D8F}"/>
-              </a:ext>
-            </a:extLst>
-          </p:cNvPr>
-          <p:cNvPicPr>
-            <a:picLocks noChangeAspect="1"/>
-          </p:cNvPicPr>
-          <p:nvPr/>
-        </p:nvPicPr>
-        <p:blipFill>
-          <a:blip r:embed="rId2"/>
-          <a:stretch>
-            <a:fillRect/>
-          </a:stretch>
-        </p:blipFill>
-        <p:spPr>
-          <a:xfrm>
-            <a:off x="3611688" y="162383"/>
-            <a:ext cx="4671699" cy="4818734"/>
-          </a:xfrm>
-          <a:prstGeom prst="rect">
-            <a:avLst/>
-          </a:prstGeom>
-        </p:spPr>
-      </p:pic>
-    </p:spTree>
-    <p:extLst>
-      <p:ext uri="{BB962C8B-B14F-4D97-AF65-F5344CB8AC3E}">
-        <p14:creationId xmlns:p14="http://schemas.microsoft.com/office/powerpoint/2010/main" val="167064420"/>
-      </p:ext>
-    </p:extLst>
-  </p:cSld>
-  <p:clrMapOvr>
-    <a:masterClrMapping/>
-  </p:clrMapOvr>
-</p:sld>
-</file>
-
-<file path=ppt/slides/slide16.xml><?xml version="1.0" encoding="utf-8"?>
-<p:sld xmlns:a="http://schemas.openxmlformats.org/drawingml/2006/main" xmlns:r="http://schemas.openxmlformats.org/officeDocument/2006/relationships" xmlns:p="http://schemas.openxmlformats.org/presentationml/2006/main">
-  <p:cSld>
-    <p:spTree>
-      <p:nvGrpSpPr>
-        <p:cNvPr id="1" name=""/>
-        <p:cNvGrpSpPr/>
-        <p:nvPr/>
-      </p:nvGrpSpPr>
-      <p:grpSpPr>
-        <a:xfrm>
-          <a:off x="0" y="0"/>
-          <a:ext cx="0" cy="0"/>
-          <a:chOff x="0" y="0"/>
-          <a:chExt cx="0" cy="0"/>
-        </a:xfrm>
-      </p:grpSpPr>
-      <p:sp>
-        <p:nvSpPr>
-          <p:cNvPr id="2" name="Заголовок 1">
-            <a:extLst>
-              <a:ext uri="{FF2B5EF4-FFF2-40B4-BE49-F238E27FC236}">
-                <a16:creationId xmlns:a16="http://schemas.microsoft.com/office/drawing/2014/main" id="{D1CE64D8-78DE-47A7-BB54-23F919E4B24A}"/>
-              </a:ext>
-            </a:extLst>
-          </p:cNvPr>
-          <p:cNvSpPr>
-            <a:spLocks noGrp="1"/>
-          </p:cNvSpPr>
-          <p:nvPr>
-            <p:ph type="title"/>
-          </p:nvPr>
-        </p:nvSpPr>
-        <p:spPr/>
-        <p:txBody>
-          <a:bodyPr/>
-          <a:lstStyle/>
-          <a:p>
-            <a:r>
-              <a:rPr lang="ru-RU" dirty="0" err="1"/>
-              <a:t>Демонстрац</a:t>
-            </a:r>
-            <a:r>
-              <a:rPr lang="uk-UA" dirty="0" err="1"/>
-              <a:t>ія</a:t>
-            </a:r>
-            <a:endParaRPr lang="uk-UA" dirty="0"/>
-          </a:p>
-        </p:txBody>
-      </p:sp>
-      <p:sp>
-        <p:nvSpPr>
-          <p:cNvPr id="4" name="Місце для номера слайда 3">
-            <a:extLst>
-              <a:ext uri="{FF2B5EF4-FFF2-40B4-BE49-F238E27FC236}">
-                <a16:creationId xmlns:a16="http://schemas.microsoft.com/office/drawing/2014/main" id="{6EDB96CB-FCA3-4DBF-85BD-4C5DD9235AD8}"/>
-              </a:ext>
-            </a:extLst>
-          </p:cNvPr>
-          <p:cNvSpPr>
-            <a:spLocks noGrp="1"/>
-          </p:cNvSpPr>
-          <p:nvPr>
-            <p:ph type="sldNum" idx="12"/>
-          </p:nvPr>
-        </p:nvSpPr>
-        <p:spPr/>
-        <p:txBody>
-          <a:bodyPr/>
-          <a:lstStyle/>
-          <a:p>
-            <a:pPr marL="0" lvl="0" indent="0" algn="ctr" rtl="0">
-              <a:spcBef>
-                <a:spcPts val="0"/>
-              </a:spcBef>
-              <a:spcAft>
-                <a:spcPts val="0"/>
-              </a:spcAft>
-              <a:buNone/>
-            </a:pPr>
-            <a:fld id="{00000000-1234-1234-1234-123412341234}" type="slidenum">
-              <a:rPr lang="ru-RU" smtClean="0"/>
-              <a:t>16</a:t>
-            </a:fld>
-            <a:endParaRPr lang="ru-RU"/>
-          </a:p>
-        </p:txBody>
-      </p:sp>
-    </p:spTree>
-    <p:extLst>
-      <p:ext uri="{BB962C8B-B14F-4D97-AF65-F5344CB8AC3E}">
-        <p14:creationId xmlns:p14="http://schemas.microsoft.com/office/powerpoint/2010/main" val="1144787814"/>
-      </p:ext>
-    </p:extLst>
-  </p:cSld>
-  <p:clrMapOvr>
-    <a:masterClrMapping/>
-  </p:clrMapOvr>
-</p:sld>
-</file>
-
-<file path=ppt/slides/slide17.xml><?xml version="1.0" encoding="utf-8"?>
-<p:sld xmlns:a="http://schemas.openxmlformats.org/drawingml/2006/main" xmlns:r="http://schemas.openxmlformats.org/officeDocument/2006/relationships" xmlns:p="http://schemas.openxmlformats.org/presentationml/2006/main">
-  <p:cSld>
-    <p:spTree>
-      <p:nvGrpSpPr>
-        <p:cNvPr id="1" name="Shape 154"/>
-        <p:cNvGrpSpPr/>
-        <p:nvPr/>
-      </p:nvGrpSpPr>
-      <p:grpSpPr>
-        <a:xfrm>
-          <a:off x="0" y="0"/>
-          <a:ext cx="0" cy="0"/>
-          <a:chOff x="0" y="0"/>
-          <a:chExt cx="0" cy="0"/>
-        </a:xfrm>
-      </p:grpSpPr>
-      <p:sp>
-        <p:nvSpPr>
-          <p:cNvPr id="155" name="Google Shape;155;p21"/>
-          <p:cNvSpPr txBox="1">
-            <a:spLocks noGrp="1"/>
-          </p:cNvSpPr>
-          <p:nvPr>
-            <p:ph type="title"/>
-          </p:nvPr>
-        </p:nvSpPr>
-        <p:spPr>
-          <a:xfrm>
-            <a:off x="1435608" y="205978"/>
-            <a:ext cx="7498200" cy="857400"/>
-          </a:xfrm>
-          <a:prstGeom prst="rect">
-            <a:avLst/>
-          </a:prstGeom>
-          <a:noFill/>
-          <a:ln>
-            <a:noFill/>
-          </a:ln>
-        </p:spPr>
-        <p:txBody>
-          <a:bodyPr spcFirstLastPara="1" wrap="square" lIns="91425" tIns="45700" rIns="91425" bIns="45700" anchor="ctr" anchorCtr="0">
-            <a:normAutofit/>
-          </a:bodyPr>
-          <a:lstStyle/>
-          <a:p>
-            <a:pPr marL="0" lvl="0" indent="0" algn="l" rtl="0">
-              <a:lnSpc>
-                <a:spcPct val="100000"/>
-              </a:lnSpc>
-              <a:spcBef>
-                <a:spcPts val="0"/>
-              </a:spcBef>
-              <a:spcAft>
-                <a:spcPts val="0"/>
-              </a:spcAft>
-              <a:buClr>
-                <a:srgbClr val="562214"/>
-              </a:buClr>
-              <a:buSzPts val="4300"/>
-              <a:buFont typeface="Gill Sans"/>
-              <a:buNone/>
-            </a:pPr>
-            <a:r>
-              <a:rPr lang="ru-RU" dirty="0" err="1">
-                <a:latin typeface="Times New Roman" panose="02020603050405020304" pitchFamily="18" charset="0"/>
-                <a:cs typeface="Times New Roman" panose="02020603050405020304" pitchFamily="18" charset="0"/>
-              </a:rPr>
-              <a:t>Висновки</a:t>
-            </a:r>
-            <a:endParaRPr dirty="0">
-              <a:latin typeface="Times New Roman" panose="02020603050405020304" pitchFamily="18" charset="0"/>
-              <a:cs typeface="Times New Roman" panose="02020603050405020304" pitchFamily="18" charset="0"/>
-            </a:endParaRPr>
-          </a:p>
-        </p:txBody>
-      </p:sp>
-      <p:sp>
-        <p:nvSpPr>
-          <p:cNvPr id="157" name="Google Shape;157;p21"/>
-          <p:cNvSpPr txBox="1">
-            <a:spLocks noGrp="1"/>
-          </p:cNvSpPr>
-          <p:nvPr>
-            <p:ph type="sldNum" idx="12"/>
-          </p:nvPr>
-        </p:nvSpPr>
-        <p:spPr>
-          <a:xfrm>
-            <a:off x="8686798" y="-12"/>
-            <a:ext cx="457200" cy="357000"/>
-          </a:xfrm>
-          <a:prstGeom prst="rect">
-            <a:avLst/>
-          </a:prstGeom>
-        </p:spPr>
-        <p:txBody>
-          <a:bodyPr spcFirstLastPara="1" wrap="square" lIns="91425" tIns="45700" rIns="91425" bIns="45700" anchor="b" anchorCtr="0">
-            <a:noAutofit/>
-          </a:bodyPr>
-          <a:lstStyle/>
-          <a:p>
-            <a:pPr marL="0" lvl="0" indent="0" algn="ctr" rtl="0">
-              <a:spcBef>
-                <a:spcPts val="0"/>
-              </a:spcBef>
-              <a:spcAft>
-                <a:spcPts val="0"/>
-              </a:spcAft>
-              <a:buClr>
-                <a:srgbClr val="000000"/>
-              </a:buClr>
-              <a:buSzPts val="1200"/>
-              <a:buFont typeface="Arial"/>
-              <a:buNone/>
-            </a:pPr>
-            <a:fld id="{00000000-1234-1234-1234-123412341234}" type="slidenum">
-              <a:rPr lang="ru-RU"/>
-              <a:t>17</a:t>
-            </a:fld>
-            <a:endParaRPr/>
-          </a:p>
-        </p:txBody>
-      </p:sp>
-      <p:sp>
-        <p:nvSpPr>
-          <p:cNvPr id="4" name="TextBox 3">
-            <a:extLst>
-              <a:ext uri="{FF2B5EF4-FFF2-40B4-BE49-F238E27FC236}">
-                <a16:creationId xmlns:a16="http://schemas.microsoft.com/office/drawing/2014/main" id="{A25BE7FA-C113-49EC-B9D9-361EBCDABDFA}"/>
-              </a:ext>
-            </a:extLst>
-          </p:cNvPr>
-          <p:cNvSpPr txBox="1"/>
-          <p:nvPr/>
-        </p:nvSpPr>
-        <p:spPr>
-          <a:xfrm>
-            <a:off x="1104900" y="1063378"/>
-            <a:ext cx="7930508" cy="3754874"/>
-          </a:xfrm>
-          <a:prstGeom prst="rect">
-            <a:avLst/>
-          </a:prstGeom>
-          <a:noFill/>
-        </p:spPr>
-        <p:txBody>
-          <a:bodyPr wrap="square" rtlCol="0">
-            <a:spAutoFit/>
-          </a:bodyPr>
-          <a:lstStyle/>
-          <a:p>
-            <a:pPr marL="0" lvl="0" indent="0" algn="just" rtl="0">
-              <a:lnSpc>
-                <a:spcPct val="100000"/>
-              </a:lnSpc>
-              <a:spcBef>
-                <a:spcPts val="0"/>
-              </a:spcBef>
-              <a:spcAft>
-                <a:spcPts val="0"/>
-              </a:spcAft>
-              <a:buSzPts val="2560"/>
-              <a:buNone/>
-            </a:pPr>
-            <a:r>
-              <a:rPr lang="uk-UA" sz="1400" dirty="0">
-                <a:latin typeface="Times New Roman" panose="02020603050405020304" pitchFamily="18" charset="0"/>
-                <a:cs typeface="Times New Roman" panose="02020603050405020304" pitchFamily="18" charset="0"/>
-              </a:rPr>
-              <a:t>	Всі поставлені задачі на </a:t>
-            </a:r>
-            <a:r>
-              <a:rPr lang="ru-RU" dirty="0" err="1">
-                <a:latin typeface="Times New Roman" panose="02020603050405020304" pitchFamily="18" charset="0"/>
-                <a:cs typeface="Times New Roman" panose="02020603050405020304" pitchFamily="18" charset="0"/>
-              </a:rPr>
-              <a:t>дипломне</a:t>
-            </a:r>
-            <a:r>
-              <a:rPr lang="ru-RU" dirty="0">
-                <a:latin typeface="Times New Roman" panose="02020603050405020304" pitchFamily="18" charset="0"/>
-                <a:cs typeface="Times New Roman" panose="02020603050405020304" pitchFamily="18" charset="0"/>
-              </a:rPr>
-              <a:t> про</a:t>
-            </a:r>
-            <a:r>
-              <a:rPr lang="uk-UA" dirty="0">
-                <a:latin typeface="Times New Roman" panose="02020603050405020304" pitchFamily="18" charset="0"/>
-                <a:cs typeface="Times New Roman" panose="02020603050405020304" pitchFamily="18" charset="0"/>
-              </a:rPr>
-              <a:t>є</a:t>
-            </a:r>
-            <a:r>
-              <a:rPr lang="ru-RU" dirty="0" err="1">
-                <a:latin typeface="Times New Roman" panose="02020603050405020304" pitchFamily="18" charset="0"/>
-                <a:cs typeface="Times New Roman" panose="02020603050405020304" pitchFamily="18" charset="0"/>
-              </a:rPr>
-              <a:t>ктування</a:t>
-            </a:r>
-            <a:r>
-              <a:rPr lang="ru-RU" dirty="0">
-                <a:latin typeface="Times New Roman" panose="02020603050405020304" pitchFamily="18" charset="0"/>
-                <a:cs typeface="Times New Roman" panose="02020603050405020304" pitchFamily="18" charset="0"/>
-              </a:rPr>
-              <a:t> </a:t>
-            </a:r>
-            <a:r>
-              <a:rPr lang="uk-UA" sz="1400" dirty="0">
-                <a:latin typeface="Times New Roman" panose="02020603050405020304" pitchFamily="18" charset="0"/>
-                <a:cs typeface="Times New Roman" panose="02020603050405020304" pitchFamily="18" charset="0"/>
-              </a:rPr>
-              <a:t>були виконані в повному обсязі. </a:t>
-            </a:r>
-            <a:endParaRPr lang="en-US" sz="1400" dirty="0">
-              <a:latin typeface="Times New Roman" panose="02020603050405020304" pitchFamily="18" charset="0"/>
-              <a:cs typeface="Times New Roman" panose="02020603050405020304" pitchFamily="18" charset="0"/>
-            </a:endParaRPr>
-          </a:p>
-          <a:p>
-            <a:pPr marL="0" lvl="0" indent="0" algn="just" rtl="0">
-              <a:lnSpc>
-                <a:spcPct val="100000"/>
-              </a:lnSpc>
-              <a:spcBef>
-                <a:spcPts val="0"/>
-              </a:spcBef>
-              <a:spcAft>
-                <a:spcPts val="0"/>
-              </a:spcAft>
-              <a:buSzPts val="2560"/>
-              <a:buNone/>
-            </a:pPr>
-            <a:r>
-              <a:rPr lang="en-US" dirty="0">
-                <a:latin typeface="Times New Roman" panose="02020603050405020304" pitchFamily="18" charset="0"/>
-                <a:cs typeface="Times New Roman" panose="02020603050405020304" pitchFamily="18" charset="0"/>
-              </a:rPr>
-              <a:t>	</a:t>
-            </a:r>
-            <a:r>
-              <a:rPr lang="uk-UA" sz="1400" dirty="0">
-                <a:latin typeface="Times New Roman" panose="02020603050405020304" pitchFamily="18" charset="0"/>
-                <a:cs typeface="Times New Roman" panose="02020603050405020304" pitchFamily="18" charset="0"/>
-              </a:rPr>
-              <a:t>Для досягнення мети було сформульовано і розв’язано ряд функціональних задач:</a:t>
-            </a:r>
-          </a:p>
-          <a:p>
-            <a:pPr marL="0" lvl="0" indent="0" algn="just" rtl="0">
-              <a:lnSpc>
-                <a:spcPct val="100000"/>
-              </a:lnSpc>
-              <a:spcBef>
-                <a:spcPts val="0"/>
-              </a:spcBef>
-              <a:spcAft>
-                <a:spcPts val="0"/>
-              </a:spcAft>
-              <a:buSzPts val="2560"/>
-              <a:buNone/>
-            </a:pPr>
-            <a:r>
-              <a:rPr lang="en-US" sz="1400" dirty="0">
-                <a:latin typeface="Times New Roman" panose="02020603050405020304" pitchFamily="18" charset="0"/>
-                <a:cs typeface="Times New Roman" panose="02020603050405020304" pitchFamily="18" charset="0"/>
-              </a:rPr>
-              <a:t>	</a:t>
-            </a:r>
-            <a:r>
-              <a:rPr lang="uk-UA" sz="1400" i="1" u="sng" dirty="0">
-                <a:latin typeface="Times New Roman" panose="02020603050405020304" pitchFamily="18" charset="0"/>
-                <a:cs typeface="Times New Roman" panose="02020603050405020304" pitchFamily="18" charset="0"/>
-              </a:rPr>
-              <a:t>Реалізація інтелекту ворогів зі своїми особливими спектрами поведінки </a:t>
-            </a:r>
-            <a:r>
-              <a:rPr lang="uk-UA" sz="1400" dirty="0">
-                <a:latin typeface="Times New Roman" panose="02020603050405020304" pitchFamily="18" charset="0"/>
-                <a:cs typeface="Times New Roman" panose="02020603050405020304" pitchFamily="18" charset="0"/>
-              </a:rPr>
-              <a:t>– система реалізована повністю в ПЗ. В ігровому застосунку наявні 4 види ворогів кожен зі своєю унікальною поведінкою та особливостями.</a:t>
-            </a:r>
-          </a:p>
-          <a:p>
-            <a:pPr marL="0" lvl="0" indent="0" algn="just" rtl="0">
-              <a:lnSpc>
-                <a:spcPct val="100000"/>
-              </a:lnSpc>
-              <a:spcBef>
-                <a:spcPts val="0"/>
-              </a:spcBef>
-              <a:spcAft>
-                <a:spcPts val="0"/>
-              </a:spcAft>
-              <a:buSzPts val="2560"/>
-              <a:buNone/>
-            </a:pPr>
-            <a:r>
-              <a:rPr lang="en-US" sz="1400" dirty="0">
-                <a:latin typeface="Times New Roman" panose="02020603050405020304" pitchFamily="18" charset="0"/>
-                <a:cs typeface="Times New Roman" panose="02020603050405020304" pitchFamily="18" charset="0"/>
-              </a:rPr>
-              <a:t>	</a:t>
-            </a:r>
-            <a:r>
-              <a:rPr lang="uk-UA" sz="1400" i="1" u="sng" dirty="0">
-                <a:latin typeface="Times New Roman" panose="02020603050405020304" pitchFamily="18" charset="0"/>
-                <a:cs typeface="Times New Roman" panose="02020603050405020304" pitchFamily="18" charset="0"/>
-              </a:rPr>
-              <a:t>Реалізація ігрового інтерфейсу</a:t>
-            </a:r>
-            <a:r>
-              <a:rPr lang="uk-UA" sz="1400" dirty="0">
-                <a:latin typeface="Times New Roman" panose="02020603050405020304" pitchFamily="18" charset="0"/>
-                <a:cs typeface="Times New Roman" panose="02020603050405020304" pitchFamily="18" charset="0"/>
-              </a:rPr>
-              <a:t> – система реалізована повністю в ПЗ. Гравець має можливість користуватися інтерфейсом застосунку таким як, меню, інвентар, магазини, об’єкти і </a:t>
-            </a:r>
-            <a:r>
-              <a:rPr lang="uk-UA" sz="1400" dirty="0" err="1">
-                <a:latin typeface="Times New Roman" panose="02020603050405020304" pitchFamily="18" charset="0"/>
-                <a:cs typeface="Times New Roman" panose="02020603050405020304" pitchFamily="18" charset="0"/>
-              </a:rPr>
-              <a:t>тд</a:t>
-            </a:r>
-            <a:r>
-              <a:rPr lang="uk-UA" sz="1400" dirty="0">
-                <a:latin typeface="Times New Roman" panose="02020603050405020304" pitchFamily="18" charset="0"/>
-                <a:cs typeface="Times New Roman" panose="02020603050405020304" pitchFamily="18" charset="0"/>
-              </a:rPr>
-              <a:t>.</a:t>
-            </a:r>
-          </a:p>
-          <a:p>
-            <a:pPr marL="0" lvl="0" indent="0" algn="just" rtl="0">
-              <a:lnSpc>
-                <a:spcPct val="100000"/>
-              </a:lnSpc>
-              <a:spcBef>
-                <a:spcPts val="0"/>
-              </a:spcBef>
-              <a:spcAft>
-                <a:spcPts val="0"/>
-              </a:spcAft>
-              <a:buSzPts val="2560"/>
-              <a:buNone/>
-            </a:pPr>
-            <a:r>
-              <a:rPr lang="en-US" sz="1400" dirty="0">
-                <a:latin typeface="Times New Roman" panose="02020603050405020304" pitchFamily="18" charset="0"/>
-                <a:cs typeface="Times New Roman" panose="02020603050405020304" pitchFamily="18" charset="0"/>
-              </a:rPr>
-              <a:t>	</a:t>
-            </a:r>
-            <a:r>
-              <a:rPr lang="uk-UA" sz="1400" i="1" u="sng" dirty="0">
-                <a:latin typeface="Times New Roman" panose="02020603050405020304" pitchFamily="18" charset="0"/>
-                <a:cs typeface="Times New Roman" panose="02020603050405020304" pitchFamily="18" charset="0"/>
-              </a:rPr>
-              <a:t>Реалізація механік бою </a:t>
-            </a:r>
-            <a:r>
-              <a:rPr lang="uk-UA" sz="1400" dirty="0">
-                <a:latin typeface="Times New Roman" panose="02020603050405020304" pitchFamily="18" charset="0"/>
-                <a:cs typeface="Times New Roman" panose="02020603050405020304" pitchFamily="18" charset="0"/>
-              </a:rPr>
-              <a:t>– система реалізована повністю в ПЗ. Гравець може взаємодіяти з усіма ворогами в грі, знищувати їх, наносити їм шкоду, використовувати для цього зброю, закляття та екіпірувати броню для захисту себе.</a:t>
-            </a:r>
-          </a:p>
-          <a:p>
-            <a:pPr marL="0" lvl="0" indent="0" algn="just" rtl="0">
-              <a:lnSpc>
-                <a:spcPct val="100000"/>
-              </a:lnSpc>
-              <a:spcBef>
-                <a:spcPts val="0"/>
-              </a:spcBef>
-              <a:spcAft>
-                <a:spcPts val="0"/>
-              </a:spcAft>
-              <a:buSzPts val="2560"/>
-              <a:buNone/>
-            </a:pPr>
-            <a:r>
-              <a:rPr lang="en-US" sz="1400" dirty="0">
-                <a:latin typeface="Times New Roman" panose="02020603050405020304" pitchFamily="18" charset="0"/>
-                <a:cs typeface="Times New Roman" panose="02020603050405020304" pitchFamily="18" charset="0"/>
-              </a:rPr>
-              <a:t>	</a:t>
-            </a:r>
-            <a:r>
-              <a:rPr lang="uk-UA" sz="1400" i="1" u="sng" dirty="0">
-                <a:latin typeface="Times New Roman" panose="02020603050405020304" pitchFamily="18" charset="0"/>
-                <a:cs typeface="Times New Roman" panose="02020603050405020304" pitchFamily="18" charset="0"/>
-              </a:rPr>
-              <a:t>Реалізація функціоналу інвентарю, магазинів та ігрової економіки</a:t>
-            </a:r>
-            <a:r>
-              <a:rPr lang="uk-UA" sz="1400" dirty="0">
-                <a:latin typeface="Times New Roman" panose="02020603050405020304" pitchFamily="18" charset="0"/>
-                <a:cs typeface="Times New Roman" panose="02020603050405020304" pitchFamily="18" charset="0"/>
-              </a:rPr>
-              <a:t> – система реалізована повністю в ПЗ. Гравець може купувати та використовувати всі предмети, які наявні в грі, для цього існують магазини та інвентар. Інвентар в свою чергу існує, як місце збереження та колекціонування об’єктів, отриманих гравцем. Також там можна знайти поточні задання, карту, меню зброї, характеристик, магії та можливість прокачувати свого персонажа.</a:t>
-            </a:r>
-            <a:br>
-              <a:rPr lang="uk-UA" sz="1400" dirty="0">
-                <a:latin typeface="Times New Roman" panose="02020603050405020304" pitchFamily="18" charset="0"/>
-                <a:cs typeface="Times New Roman" panose="02020603050405020304" pitchFamily="18" charset="0"/>
-              </a:rPr>
-            </a:br>
-            <a:r>
-              <a:rPr lang="uk-UA" sz="1400" dirty="0">
-                <a:latin typeface="Times New Roman" panose="02020603050405020304" pitchFamily="18" charset="0"/>
-                <a:cs typeface="Times New Roman" panose="02020603050405020304" pitchFamily="18" charset="0"/>
-              </a:rPr>
-              <a:t>	</a:t>
-            </a:r>
-            <a:endParaRPr lang="uk-UA" dirty="0">
-              <a:latin typeface="Times New Roman" panose="02020603050405020304" pitchFamily="18" charset="0"/>
-              <a:cs typeface="Times New Roman" panose="02020603050405020304" pitchFamily="18" charset="0"/>
-            </a:endParaRPr>
-          </a:p>
-          <a:p>
-            <a:pPr algn="just"/>
-            <a:endParaRPr lang="uk-UA" dirty="0"/>
-          </a:p>
-        </p:txBody>
-      </p:sp>
-    </p:spTree>
-  </p:cSld>
-  <p:clrMapOvr>
-    <a:masterClrMapping/>
-  </p:clrMapOvr>
-</p:sld>
-</file>
-
-<file path=ppt/slides/slide18.xml><?xml version="1.0" encoding="utf-8"?>
-<p:sld xmlns:a="http://schemas.openxmlformats.org/drawingml/2006/main" xmlns:r="http://schemas.openxmlformats.org/officeDocument/2006/relationships" xmlns:p="http://schemas.openxmlformats.org/presentationml/2006/main">
-  <p:cSld>
-    <p:spTree>
-      <p:nvGrpSpPr>
-        <p:cNvPr id="1" name=""/>
-        <p:cNvGrpSpPr/>
-        <p:nvPr/>
-      </p:nvGrpSpPr>
-      <p:grpSpPr>
-        <a:xfrm>
-          <a:off x="0" y="0"/>
-          <a:ext cx="0" cy="0"/>
-          <a:chOff x="0" y="0"/>
-          <a:chExt cx="0" cy="0"/>
-        </a:xfrm>
-      </p:grpSpPr>
-      <p:sp>
-        <p:nvSpPr>
-          <p:cNvPr id="4" name="Місце для номера слайда 3">
-            <a:extLst>
-              <a:ext uri="{FF2B5EF4-FFF2-40B4-BE49-F238E27FC236}">
-                <a16:creationId xmlns:a16="http://schemas.microsoft.com/office/drawing/2014/main" id="{984363BB-A0AE-40C4-89F7-0DF9E6DCF012}"/>
-              </a:ext>
-            </a:extLst>
-          </p:cNvPr>
-          <p:cNvSpPr>
-            <a:spLocks noGrp="1"/>
-          </p:cNvSpPr>
-          <p:nvPr>
-            <p:ph type="sldNum" idx="12"/>
-          </p:nvPr>
-        </p:nvSpPr>
-        <p:spPr/>
-        <p:txBody>
-          <a:bodyPr/>
-          <a:lstStyle/>
-          <a:p>
-            <a:pPr marL="0" lvl="0" indent="0" algn="ctr" rtl="0">
-              <a:spcBef>
-                <a:spcPts val="0"/>
-              </a:spcBef>
-              <a:spcAft>
-                <a:spcPts val="0"/>
-              </a:spcAft>
-              <a:buNone/>
-            </a:pPr>
-            <a:fld id="{00000000-1234-1234-1234-123412341234}" type="slidenum">
-              <a:rPr lang="ru-RU" smtClean="0"/>
-              <a:t>18</a:t>
-            </a:fld>
-            <a:endParaRPr lang="ru-RU"/>
-          </a:p>
-        </p:txBody>
-      </p:sp>
-      <p:sp>
-        <p:nvSpPr>
-          <p:cNvPr id="5" name="TextBox 4">
-            <a:extLst>
-              <a:ext uri="{FF2B5EF4-FFF2-40B4-BE49-F238E27FC236}">
-                <a16:creationId xmlns:a16="http://schemas.microsoft.com/office/drawing/2014/main" id="{2F7428D9-A4C8-49D9-AE5C-5DE0BEFB6F01}"/>
-              </a:ext>
-            </a:extLst>
-          </p:cNvPr>
-          <p:cNvSpPr txBox="1"/>
-          <p:nvPr/>
-        </p:nvSpPr>
-        <p:spPr>
-          <a:xfrm>
-            <a:off x="1200790" y="356988"/>
-            <a:ext cx="7714608" cy="2677656"/>
-          </a:xfrm>
-          <a:prstGeom prst="rect">
-            <a:avLst/>
-          </a:prstGeom>
-          <a:noFill/>
-        </p:spPr>
-        <p:txBody>
-          <a:bodyPr wrap="square" rtlCol="0">
-            <a:spAutoFit/>
-          </a:bodyPr>
-          <a:lstStyle/>
-          <a:p>
-            <a:pPr algn="just"/>
-            <a:r>
-              <a:rPr lang="en-US" b="1" i="0" u="none" strike="noStrike" baseline="0" dirty="0">
-                <a:solidFill>
-                  <a:srgbClr val="000000"/>
-                </a:solidFill>
-                <a:latin typeface="Times New Roman" panose="02020603050405020304" pitchFamily="18" charset="0"/>
-                <a:cs typeface="Times New Roman" panose="02020603050405020304" pitchFamily="18" charset="0"/>
-              </a:rPr>
-              <a:t>	</a:t>
-            </a:r>
-            <a:r>
-              <a:rPr lang="uk-UA" i="1" u="sng" strike="noStrike" baseline="0" dirty="0">
-                <a:solidFill>
-                  <a:srgbClr val="000000"/>
-                </a:solidFill>
-                <a:latin typeface="Times New Roman" panose="02020603050405020304" pitchFamily="18" charset="0"/>
-                <a:cs typeface="Times New Roman" panose="02020603050405020304" pitchFamily="18" charset="0"/>
-              </a:rPr>
-              <a:t>Реалізація функціонали створення та використання магії </a:t>
-            </a:r>
-            <a:r>
-              <a:rPr lang="uk-UA" b="1" i="0" u="none" strike="noStrike" baseline="0" dirty="0">
-                <a:solidFill>
-                  <a:srgbClr val="000000"/>
-                </a:solidFill>
-                <a:latin typeface="Times New Roman" panose="02020603050405020304" pitchFamily="18" charset="0"/>
-                <a:cs typeface="Times New Roman" panose="02020603050405020304" pitchFamily="18" charset="0"/>
-              </a:rPr>
-              <a:t>– </a:t>
-            </a:r>
-            <a:r>
-              <a:rPr lang="uk-UA" b="0" i="0" u="none" strike="noStrike" baseline="0" dirty="0">
-                <a:solidFill>
-                  <a:srgbClr val="000000"/>
-                </a:solidFill>
-                <a:latin typeface="Times New Roman" panose="02020603050405020304" pitchFamily="18" charset="0"/>
-                <a:cs typeface="Times New Roman" panose="02020603050405020304" pitchFamily="18" charset="0"/>
-              </a:rPr>
-              <a:t>система реалізована повністю в ПЗ. Гравець має можливість створювати магію та заклинання базуючись на зібраних до цього інгредієнтах. Кожне закляття дає певні переваги гравцю при проходженні гри. В грі є 7 видів магії та 6 видів заклять. </a:t>
-            </a:r>
-          </a:p>
-          <a:p>
-            <a:pPr algn="just"/>
-            <a:r>
-              <a:rPr lang="en-US" b="1" i="0" u="none" strike="noStrike" baseline="0" dirty="0">
-                <a:solidFill>
-                  <a:srgbClr val="000000"/>
-                </a:solidFill>
-                <a:latin typeface="Times New Roman" panose="02020603050405020304" pitchFamily="18" charset="0"/>
-                <a:cs typeface="Times New Roman" panose="02020603050405020304" pitchFamily="18" charset="0"/>
-              </a:rPr>
-              <a:t>	</a:t>
-            </a:r>
-            <a:r>
-              <a:rPr lang="uk-UA" i="1" u="sng" strike="noStrike" baseline="0" dirty="0">
-                <a:solidFill>
-                  <a:srgbClr val="000000"/>
-                </a:solidFill>
-                <a:latin typeface="Times New Roman" panose="02020603050405020304" pitchFamily="18" charset="0"/>
-                <a:cs typeface="Times New Roman" panose="02020603050405020304" pitchFamily="18" charset="0"/>
-              </a:rPr>
-              <a:t>Реалізація функціоналу взаємодії з ігровими об’єктами </a:t>
-            </a:r>
-            <a:r>
-              <a:rPr lang="uk-UA" b="1" i="0" u="none" strike="noStrike" baseline="0" dirty="0">
-                <a:solidFill>
-                  <a:srgbClr val="000000"/>
-                </a:solidFill>
-                <a:latin typeface="Times New Roman" panose="02020603050405020304" pitchFamily="18" charset="0"/>
-                <a:cs typeface="Times New Roman" panose="02020603050405020304" pitchFamily="18" charset="0"/>
-              </a:rPr>
-              <a:t>– </a:t>
-            </a:r>
-            <a:r>
-              <a:rPr lang="uk-UA" b="0" i="0" u="none" strike="noStrike" baseline="0" dirty="0">
-                <a:solidFill>
-                  <a:srgbClr val="000000"/>
-                </a:solidFill>
-                <a:latin typeface="Times New Roman" panose="02020603050405020304" pitchFamily="18" charset="0"/>
-                <a:cs typeface="Times New Roman" panose="02020603050405020304" pitchFamily="18" charset="0"/>
-              </a:rPr>
-              <a:t>система реалізована повністю в ПЗ. Гравець може взаємодіяти з великою кількістю</a:t>
-            </a:r>
-            <a:r>
-              <a:rPr lang="en-US" dirty="0">
-                <a:solidFill>
-                  <a:srgbClr val="000000"/>
-                </a:solidFill>
-                <a:latin typeface="Times New Roman" panose="02020603050405020304" pitchFamily="18" charset="0"/>
-                <a:cs typeface="Times New Roman" panose="02020603050405020304" pitchFamily="18" charset="0"/>
-              </a:rPr>
-              <a:t> </a:t>
-            </a:r>
-            <a:r>
-              <a:rPr lang="uk-UA" b="0" i="0" u="none" strike="noStrike" baseline="0" dirty="0">
-                <a:latin typeface="Times New Roman" panose="02020603050405020304" pitchFamily="18" charset="0"/>
-                <a:cs typeface="Times New Roman" panose="02020603050405020304" pitchFamily="18" charset="0"/>
-              </a:rPr>
-              <a:t>об'єктів, які розкидані по всьому світу. Також є можливість взаємодіяти зі скринями, НПС, ящиками і </a:t>
-            </a:r>
-            <a:r>
-              <a:rPr lang="uk-UA" b="0" i="0" u="none" strike="noStrike" baseline="0" dirty="0" err="1">
-                <a:latin typeface="Times New Roman" panose="02020603050405020304" pitchFamily="18" charset="0"/>
-                <a:cs typeface="Times New Roman" panose="02020603050405020304" pitchFamily="18" charset="0"/>
-              </a:rPr>
-              <a:t>тд</a:t>
-            </a:r>
-            <a:r>
-              <a:rPr lang="uk-UA" b="0" i="0" u="none" strike="noStrike" baseline="0" dirty="0">
-                <a:latin typeface="Times New Roman" panose="02020603050405020304" pitchFamily="18" charset="0"/>
-                <a:cs typeface="Times New Roman" panose="02020603050405020304" pitchFamily="18" charset="0"/>
-              </a:rPr>
-              <a:t>. </a:t>
-            </a:r>
-            <a:endParaRPr lang="en-US" b="0" i="0" u="none" strike="noStrike" baseline="0" dirty="0">
-              <a:latin typeface="Times New Roman" panose="02020603050405020304" pitchFamily="18" charset="0"/>
-              <a:cs typeface="Times New Roman" panose="02020603050405020304" pitchFamily="18" charset="0"/>
-            </a:endParaRPr>
-          </a:p>
-          <a:p>
-            <a:pPr algn="just"/>
-            <a:r>
-              <a:rPr lang="en-US" dirty="0">
-                <a:latin typeface="Times New Roman" panose="02020603050405020304" pitchFamily="18" charset="0"/>
-                <a:cs typeface="Times New Roman" panose="02020603050405020304" pitchFamily="18" charset="0"/>
-              </a:rPr>
-              <a:t>	</a:t>
-            </a:r>
-            <a:r>
-              <a:rPr lang="uk-UA" dirty="0">
-                <a:latin typeface="Times New Roman" panose="02020603050405020304" pitchFamily="18" charset="0"/>
-                <a:cs typeface="Times New Roman" panose="02020603050405020304" pitchFamily="18" charset="0"/>
-              </a:rPr>
-              <a:t>Розробка ігрового застосунку на дипломному проєкті дала можливість заглибитися у вивчення розробки відеоігор та покращити навички в розумінні та створенні всіх аспектів гри, особливо поведінки інтелектуальних агентів. Проаналізувавши предметну область та аналогічні ігрові застосунки дозволило правильно обрати ігровий рушій, мову програмування, жанр та дізнатися, які аспекти поведінки ворогів потребують покращення та доопрацювання.</a:t>
-            </a:r>
-          </a:p>
-        </p:txBody>
-      </p:sp>
-    </p:spTree>
-    <p:extLst>
-      <p:ext uri="{BB962C8B-B14F-4D97-AF65-F5344CB8AC3E}">
-        <p14:creationId xmlns:p14="http://schemas.microsoft.com/office/powerpoint/2010/main" val="3854270712"/>
-      </p:ext>
-    </p:extLst>
-  </p:cSld>
-  <p:clrMapOvr>
-    <a:masterClrMapping/>
-  </p:clrMapOvr>
-</p:sld>
-</file>
-
-<file path=ppt/slides/slide19.xml><?xml version="1.0" encoding="utf-8"?>
-<p:sld xmlns:a="http://schemas.openxmlformats.org/drawingml/2006/main" xmlns:r="http://schemas.openxmlformats.org/officeDocument/2006/relationships" xmlns:p="http://schemas.openxmlformats.org/presentationml/2006/main">
-  <p:cSld>
-    <p:spTree>
-      <p:nvGrpSpPr>
-        <p:cNvPr id="1" name="Shape 176"/>
-        <p:cNvGrpSpPr/>
-        <p:nvPr/>
-      </p:nvGrpSpPr>
-      <p:grpSpPr>
-        <a:xfrm>
-          <a:off x="0" y="0"/>
-          <a:ext cx="0" cy="0"/>
-          <a:chOff x="0" y="0"/>
-          <a:chExt cx="0" cy="0"/>
-        </a:xfrm>
-      </p:grpSpPr>
-      <p:sp>
-        <p:nvSpPr>
-          <p:cNvPr id="177" name="Google Shape;177;p24"/>
-          <p:cNvSpPr txBox="1">
-            <a:spLocks noGrp="1"/>
-          </p:cNvSpPr>
-          <p:nvPr>
-            <p:ph type="title"/>
-          </p:nvPr>
-        </p:nvSpPr>
-        <p:spPr>
-          <a:xfrm>
-            <a:off x="1403648" y="2031690"/>
-            <a:ext cx="7200900" cy="857400"/>
-          </a:xfrm>
-          <a:prstGeom prst="rect">
-            <a:avLst/>
-          </a:prstGeom>
-          <a:noFill/>
-          <a:ln>
-            <a:noFill/>
-          </a:ln>
-        </p:spPr>
-        <p:txBody>
-          <a:bodyPr spcFirstLastPara="1" wrap="square" lIns="91425" tIns="45700" rIns="91425" bIns="45700" anchor="ctr" anchorCtr="0">
-            <a:normAutofit/>
-          </a:bodyPr>
-          <a:lstStyle/>
-          <a:p>
-            <a:pPr marL="0" lvl="0" indent="0" algn="ctr" rtl="0">
-              <a:lnSpc>
-                <a:spcPct val="100000"/>
-              </a:lnSpc>
-              <a:spcBef>
-                <a:spcPts val="0"/>
-              </a:spcBef>
-              <a:spcAft>
-                <a:spcPts val="0"/>
-              </a:spcAft>
-              <a:buClr>
-                <a:srgbClr val="562214"/>
-              </a:buClr>
-              <a:buSzPts val="4300"/>
-              <a:buFont typeface="Gill Sans"/>
-              <a:buNone/>
-            </a:pPr>
-            <a:r>
-              <a:rPr lang="ru-RU" b="1" dirty="0" err="1">
-                <a:latin typeface="Times New Roman" panose="02020603050405020304" pitchFamily="18" charset="0"/>
-                <a:cs typeface="Times New Roman" panose="02020603050405020304" pitchFamily="18" charset="0"/>
-              </a:rPr>
-              <a:t>Дякую</a:t>
-            </a:r>
-            <a:r>
-              <a:rPr lang="ru-RU" b="1" dirty="0">
-                <a:latin typeface="Times New Roman" panose="02020603050405020304" pitchFamily="18" charset="0"/>
-                <a:cs typeface="Times New Roman" panose="02020603050405020304" pitchFamily="18" charset="0"/>
-              </a:rPr>
-              <a:t> за </a:t>
-            </a:r>
-            <a:r>
-              <a:rPr lang="ru-RU" b="1" dirty="0" err="1">
-                <a:latin typeface="Times New Roman" panose="02020603050405020304" pitchFamily="18" charset="0"/>
-                <a:cs typeface="Times New Roman" panose="02020603050405020304" pitchFamily="18" charset="0"/>
-              </a:rPr>
-              <a:t>увагу</a:t>
-            </a:r>
-            <a:endParaRPr b="1" dirty="0">
-              <a:latin typeface="Times New Roman" panose="02020603050405020304" pitchFamily="18" charset="0"/>
-              <a:cs typeface="Times New Roman" panose="02020603050405020304" pitchFamily="18" charset="0"/>
-            </a:endParaRPr>
-          </a:p>
-        </p:txBody>
-      </p:sp>
-      <p:sp>
-        <p:nvSpPr>
-          <p:cNvPr id="178" name="Google Shape;178;p24"/>
-          <p:cNvSpPr txBox="1">
-            <a:spLocks noGrp="1"/>
-          </p:cNvSpPr>
-          <p:nvPr>
-            <p:ph type="sldNum" idx="12"/>
-          </p:nvPr>
-        </p:nvSpPr>
-        <p:spPr>
-          <a:xfrm>
-            <a:off x="8613648" y="4729163"/>
-            <a:ext cx="457200" cy="357000"/>
-          </a:xfrm>
-          <a:prstGeom prst="rect">
-            <a:avLst/>
-          </a:prstGeom>
-        </p:spPr>
-        <p:txBody>
-          <a:bodyPr spcFirstLastPara="1" wrap="square" lIns="91425" tIns="45700" rIns="91425" bIns="45700" anchor="b" anchorCtr="0">
-            <a:noAutofit/>
-          </a:bodyPr>
-          <a:lstStyle/>
-          <a:p>
-            <a:pPr marL="0" lvl="0" indent="0" algn="ctr" rtl="0">
-              <a:spcBef>
-                <a:spcPts val="0"/>
-              </a:spcBef>
-              <a:spcAft>
-                <a:spcPts val="0"/>
-              </a:spcAft>
-              <a:buClr>
-                <a:srgbClr val="000000"/>
-              </a:buClr>
-              <a:buSzPts val="1200"/>
-              <a:buFont typeface="Arial"/>
-              <a:buNone/>
-            </a:pPr>
-            <a:fld id="{00000000-1234-1234-1234-123412341234}" type="slidenum">
-              <a:rPr lang="ru-RU"/>
-              <a:t>19</a:t>
-            </a:fld>
-            <a:endParaRPr/>
-          </a:p>
-        </p:txBody>
-      </p:sp>
-    </p:spTree>
-  </p:cSld>
-  <p:clrMapOvr>
-    <a:masterClrMapping/>
-  </p:clrMapOvr>
-</p:sld>
-</file>
-
-<file path=ppt/slides/slide2.xml><?xml version="1.0" encoding="utf-8"?>
-<p:sld xmlns:a="http://schemas.openxmlformats.org/drawingml/2006/main" xmlns:r="http://schemas.openxmlformats.org/officeDocument/2006/relationships" xmlns:p="http://schemas.openxmlformats.org/presentationml/2006/main">
-  <p:cSld>
-    <p:spTree>
-      <p:nvGrpSpPr>
-        <p:cNvPr id="1" name="Shape 105"/>
-        <p:cNvGrpSpPr/>
-        <p:nvPr/>
-      </p:nvGrpSpPr>
-      <p:grpSpPr>
-        <a:xfrm>
-          <a:off x="0" y="0"/>
-          <a:ext cx="0" cy="0"/>
-          <a:chOff x="0" y="0"/>
-          <a:chExt cx="0" cy="0"/>
-        </a:xfrm>
-      </p:grpSpPr>
-      <p:sp>
-        <p:nvSpPr>
-          <p:cNvPr id="106" name="Google Shape;106;p14"/>
-          <p:cNvSpPr txBox="1">
-            <a:spLocks noGrp="1"/>
-          </p:cNvSpPr>
-          <p:nvPr>
-            <p:ph type="title"/>
-          </p:nvPr>
-        </p:nvSpPr>
-        <p:spPr>
-          <a:xfrm>
-            <a:off x="1435608" y="205978"/>
-            <a:ext cx="7498200" cy="857400"/>
-          </a:xfrm>
-          <a:prstGeom prst="rect">
-            <a:avLst/>
-          </a:prstGeom>
-          <a:noFill/>
-          <a:ln>
-            <a:noFill/>
-          </a:ln>
-        </p:spPr>
-        <p:txBody>
-          <a:bodyPr spcFirstLastPara="1" wrap="square" lIns="91425" tIns="45700" rIns="91425" bIns="45700" anchor="ctr" anchorCtr="0">
-            <a:normAutofit/>
-          </a:bodyPr>
-          <a:lstStyle/>
-          <a:p>
-            <a:pPr marL="0" lvl="0" indent="0" algn="l" rtl="0">
-              <a:lnSpc>
-                <a:spcPct val="100000"/>
-              </a:lnSpc>
-              <a:spcBef>
-                <a:spcPts val="0"/>
-              </a:spcBef>
-              <a:spcAft>
-                <a:spcPts val="0"/>
-              </a:spcAft>
-              <a:buClr>
-                <a:srgbClr val="562214"/>
-              </a:buClr>
-              <a:buSzPts val="4300"/>
-              <a:buFont typeface="Gill Sans"/>
-              <a:buNone/>
-            </a:pPr>
-            <a:r>
-              <a:rPr lang="uk-UA" dirty="0">
-                <a:latin typeface="Times New Roman" panose="02020603050405020304" pitchFamily="18" charset="0"/>
-                <a:cs typeface="Times New Roman" panose="02020603050405020304" pitchFamily="18" charset="0"/>
-              </a:rPr>
-              <a:t>Актуальність</a:t>
-            </a:r>
-            <a:r>
-              <a:rPr lang="ru-RU" dirty="0">
-                <a:latin typeface="Times New Roman" panose="02020603050405020304" pitchFamily="18" charset="0"/>
-                <a:cs typeface="Times New Roman" panose="02020603050405020304" pitchFamily="18" charset="0"/>
-              </a:rPr>
-              <a:t> теми</a:t>
-            </a:r>
-            <a:endParaRPr dirty="0">
-              <a:latin typeface="Times New Roman" panose="02020603050405020304" pitchFamily="18" charset="0"/>
-              <a:cs typeface="Times New Roman" panose="02020603050405020304" pitchFamily="18" charset="0"/>
-            </a:endParaRPr>
-          </a:p>
-        </p:txBody>
-      </p:sp>
-      <p:sp>
-        <p:nvSpPr>
-          <p:cNvPr id="107" name="Google Shape;107;p14"/>
-          <p:cNvSpPr txBox="1">
-            <a:spLocks noGrp="1"/>
-          </p:cNvSpPr>
-          <p:nvPr>
-            <p:ph type="body" idx="1"/>
-          </p:nvPr>
-        </p:nvSpPr>
-        <p:spPr>
-          <a:xfrm>
-            <a:off x="1328738" y="1085850"/>
-            <a:ext cx="7662862" cy="3508956"/>
-          </a:xfrm>
-          <a:prstGeom prst="rect">
-            <a:avLst/>
-          </a:prstGeom>
-          <a:noFill/>
-          <a:ln>
-            <a:noFill/>
-          </a:ln>
-        </p:spPr>
-        <p:txBody>
-          <a:bodyPr spcFirstLastPara="1" wrap="square" lIns="91425" tIns="45700" rIns="91425" bIns="45700" anchor="t" anchorCtr="0">
-            <a:noAutofit/>
-          </a:bodyPr>
-          <a:lstStyle/>
-          <a:p>
-            <a:pPr marL="0" lvl="0" indent="0" algn="l" rtl="0">
-              <a:lnSpc>
-                <a:spcPct val="100000"/>
-              </a:lnSpc>
-              <a:spcBef>
-                <a:spcPts val="0"/>
-              </a:spcBef>
-              <a:spcAft>
-                <a:spcPts val="0"/>
-              </a:spcAft>
-              <a:buSzPct val="86486"/>
-              <a:buNone/>
-            </a:pPr>
-            <a:r>
-              <a:rPr lang="uk-UA" sz="2000" dirty="0">
-                <a:latin typeface="Times New Roman" panose="02020603050405020304" pitchFamily="18" charset="0"/>
-                <a:cs typeface="Times New Roman" panose="02020603050405020304" pitchFamily="18" charset="0"/>
-              </a:rPr>
-              <a:t>	Актуальність розробки та покращення інтелектуальних агентів в </a:t>
-            </a:r>
-            <a:r>
-              <a:rPr lang="en-US" sz="2000" dirty="0">
-                <a:latin typeface="Times New Roman" panose="02020603050405020304" pitchFamily="18" charset="0"/>
-                <a:cs typeface="Times New Roman" panose="02020603050405020304" pitchFamily="18" charset="0"/>
-              </a:rPr>
-              <a:t>RPG </a:t>
-            </a:r>
-            <a:r>
-              <a:rPr lang="uk-UA" sz="2000" dirty="0">
-                <a:latin typeface="Times New Roman" panose="02020603050405020304" pitchFamily="18" charset="0"/>
-                <a:cs typeface="Times New Roman" panose="02020603050405020304" pitchFamily="18" charset="0"/>
-              </a:rPr>
-              <a:t>іграх полягає в зростаючій потребі гравців на реалістичний та глибинний ігрового процес. </a:t>
-            </a:r>
-          </a:p>
-          <a:p>
-            <a:pPr marL="0" lvl="0" indent="0" algn="l" rtl="0">
-              <a:lnSpc>
-                <a:spcPct val="100000"/>
-              </a:lnSpc>
-              <a:spcBef>
-                <a:spcPts val="0"/>
-              </a:spcBef>
-              <a:spcAft>
-                <a:spcPts val="0"/>
-              </a:spcAft>
-              <a:buSzPct val="86486"/>
-              <a:buNone/>
-            </a:pPr>
-            <a:r>
-              <a:rPr lang="uk-UA" sz="2000" dirty="0">
-                <a:latin typeface="Times New Roman" panose="02020603050405020304" pitchFamily="18" charset="0"/>
-                <a:cs typeface="Times New Roman" panose="02020603050405020304" pitchFamily="18" charset="0"/>
-              </a:rPr>
-              <a:t>	Перед гравцем повинен стояти виклик, кожен раз, як він зустрічає небезпеку. </a:t>
-            </a:r>
-          </a:p>
-          <a:p>
-            <a:pPr marL="0" lvl="0" indent="0" algn="l" rtl="0">
-              <a:lnSpc>
-                <a:spcPct val="100000"/>
-              </a:lnSpc>
-              <a:spcBef>
-                <a:spcPts val="0"/>
-              </a:spcBef>
-              <a:spcAft>
-                <a:spcPts val="0"/>
-              </a:spcAft>
-              <a:buSzPct val="86486"/>
-              <a:buNone/>
-            </a:pPr>
-            <a:r>
-              <a:rPr lang="uk-UA" sz="2000" dirty="0">
-                <a:latin typeface="Times New Roman" panose="02020603050405020304" pitchFamily="18" charset="0"/>
-                <a:cs typeface="Times New Roman" panose="02020603050405020304" pitchFamily="18" charset="0"/>
-              </a:rPr>
-              <a:t>	Інтелектуальні агенти з розширеними алгоритмами поведінки здатні створювати більш динамічне і непередбачуване середовище, що значно підвищує інтерес гравців та рівень їх занурення у грі.</a:t>
-            </a:r>
-            <a:endParaRPr sz="2000" dirty="0">
-              <a:latin typeface="Times New Roman" panose="02020603050405020304" pitchFamily="18" charset="0"/>
-              <a:cs typeface="Times New Roman" panose="02020603050405020304" pitchFamily="18" charset="0"/>
-            </a:endParaRPr>
-          </a:p>
-        </p:txBody>
-      </p:sp>
-      <p:sp>
-        <p:nvSpPr>
-          <p:cNvPr id="108" name="Google Shape;108;p14"/>
-          <p:cNvSpPr txBox="1">
-            <a:spLocks noGrp="1"/>
-          </p:cNvSpPr>
-          <p:nvPr>
-            <p:ph type="sldNum" idx="12"/>
-          </p:nvPr>
-        </p:nvSpPr>
-        <p:spPr>
-          <a:xfrm>
-            <a:off x="8686798" y="-12"/>
-            <a:ext cx="457200" cy="357000"/>
-          </a:xfrm>
-          <a:prstGeom prst="rect">
-            <a:avLst/>
-          </a:prstGeom>
-        </p:spPr>
-        <p:txBody>
-          <a:bodyPr spcFirstLastPara="1" wrap="square" lIns="91425" tIns="45700" rIns="91425" bIns="45700" anchor="b" anchorCtr="0">
-            <a:noAutofit/>
-          </a:bodyPr>
-          <a:lstStyle/>
-          <a:p>
-            <a:pPr marL="0" lvl="0" indent="0" algn="ctr" rtl="0">
-              <a:spcBef>
-                <a:spcPts val="0"/>
-              </a:spcBef>
-              <a:spcAft>
-                <a:spcPts val="0"/>
-              </a:spcAft>
-              <a:buClr>
-                <a:srgbClr val="000000"/>
-              </a:buClr>
-              <a:buSzPts val="1200"/>
-              <a:buFont typeface="Arial"/>
-              <a:buNone/>
-            </a:pPr>
-            <a:fld id="{00000000-1234-1234-1234-123412341234}" type="slidenum">
-              <a:rPr lang="ru-RU" sz="1400"/>
-              <a:t>2</a:t>
-            </a:fld>
-            <a:endParaRPr sz="1400"/>
-          </a:p>
-        </p:txBody>
-      </p:sp>
-    </p:spTree>
-  </p:cSld>
-  <p:clrMapOvr>
-    <a:masterClrMapping/>
-  </p:clrMapOvr>
-</p:sld>
-</file>
-
-<file path=ppt/slides/slide20.xml><?xml version="1.0" encoding="utf-8"?>
-<p:sld xmlns:a="http://schemas.openxmlformats.org/drawingml/2006/main" xmlns:r="http://schemas.openxmlformats.org/officeDocument/2006/relationships" xmlns:p="http://schemas.openxmlformats.org/presentationml/2006/main">
-  <p:cSld>
-    <p:spTree>
-      <p:nvGrpSpPr>
-        <p:cNvPr id="1" name=""/>
-        <p:cNvGrpSpPr/>
-        <p:nvPr/>
-      </p:nvGrpSpPr>
-      <p:grpSpPr>
-        <a:xfrm>
-          <a:off x="0" y="0"/>
-          <a:ext cx="0" cy="0"/>
-          <a:chOff x="0" y="0"/>
-          <a:chExt cx="0" cy="0"/>
-        </a:xfrm>
-      </p:grpSpPr>
-      <p:sp>
-        <p:nvSpPr>
-          <p:cNvPr id="2" name="Заголовок 1">
-            <a:extLst>
-              <a:ext uri="{FF2B5EF4-FFF2-40B4-BE49-F238E27FC236}">
-                <a16:creationId xmlns:a16="http://schemas.microsoft.com/office/drawing/2014/main" id="{39DEB621-AADE-4526-A32B-B9F000EFB469}"/>
-              </a:ext>
-            </a:extLst>
-          </p:cNvPr>
-          <p:cNvSpPr>
-            <a:spLocks noGrp="1"/>
-          </p:cNvSpPr>
-          <p:nvPr>
-            <p:ph type="title"/>
-          </p:nvPr>
-        </p:nvSpPr>
-        <p:spPr/>
-        <p:txBody>
-          <a:bodyPr/>
-          <a:lstStyle/>
-          <a:p>
-            <a:endParaRPr lang="uk-UA"/>
-          </a:p>
-        </p:txBody>
-      </p:sp>
-      <p:sp>
-        <p:nvSpPr>
-          <p:cNvPr id="3" name="Місце для номера слайда 2">
-            <a:extLst>
-              <a:ext uri="{FF2B5EF4-FFF2-40B4-BE49-F238E27FC236}">
-                <a16:creationId xmlns:a16="http://schemas.microsoft.com/office/drawing/2014/main" id="{AAEC1696-B639-4EF3-B9C6-9AFF3D76CD0D}"/>
-              </a:ext>
-            </a:extLst>
-          </p:cNvPr>
-          <p:cNvSpPr>
-            <a:spLocks noGrp="1"/>
-          </p:cNvSpPr>
-          <p:nvPr>
-            <p:ph type="sldNum" idx="12"/>
-          </p:nvPr>
-        </p:nvSpPr>
-        <p:spPr/>
-        <p:txBody>
-          <a:bodyPr/>
-          <a:lstStyle/>
-          <a:p>
-            <a:pPr marL="0" lvl="0" indent="0" algn="ctr" rtl="0">
-              <a:spcBef>
-                <a:spcPts val="0"/>
-              </a:spcBef>
-              <a:spcAft>
-                <a:spcPts val="0"/>
-              </a:spcAft>
-              <a:buNone/>
-            </a:pPr>
-            <a:fld id="{00000000-1234-1234-1234-123412341234}" type="slidenum">
-              <a:rPr lang="ru-RU" smtClean="0"/>
-              <a:t>20</a:t>
-            </a:fld>
-            <a:endParaRPr lang="ru-RU"/>
-          </a:p>
-        </p:txBody>
-      </p:sp>
-    </p:spTree>
-    <p:extLst>
-      <p:ext uri="{BB962C8B-B14F-4D97-AF65-F5344CB8AC3E}">
-        <p14:creationId xmlns:p14="http://schemas.microsoft.com/office/powerpoint/2010/main" val="957189582"/>
-      </p:ext>
-    </p:extLst>
-  </p:cSld>
-  <p:clrMapOvr>
-    <a:masterClrMapping/>
-  </p:clrMapOvr>
-</p:sld>
-</file>
-
-<file path=ppt/slides/slide21.xml><?xml version="1.0" encoding="utf-8"?>
-<p:sld xmlns:a="http://schemas.openxmlformats.org/drawingml/2006/main" xmlns:r="http://schemas.openxmlformats.org/officeDocument/2006/relationships" xmlns:p="http://schemas.openxmlformats.org/presentationml/2006/main">
-  <p:cSld>
-    <p:spTree>
-      <p:nvGrpSpPr>
-        <p:cNvPr id="1" name=""/>
-        <p:cNvGrpSpPr/>
-        <p:nvPr/>
-      </p:nvGrpSpPr>
-      <p:grpSpPr>
-        <a:xfrm>
-          <a:off x="0" y="0"/>
-          <a:ext cx="0" cy="0"/>
-          <a:chOff x="0" y="0"/>
-          <a:chExt cx="0" cy="0"/>
-        </a:xfrm>
-      </p:grpSpPr>
-      <p:sp>
-        <p:nvSpPr>
-          <p:cNvPr id="2" name="Заголовок 1">
-            <a:extLst>
-              <a:ext uri="{FF2B5EF4-FFF2-40B4-BE49-F238E27FC236}">
-                <a16:creationId xmlns:a16="http://schemas.microsoft.com/office/drawing/2014/main" id="{2AAB41E0-ADB8-4C89-A686-BC78B040F781}"/>
-              </a:ext>
-            </a:extLst>
-          </p:cNvPr>
-          <p:cNvSpPr>
-            <a:spLocks noGrp="1"/>
-          </p:cNvSpPr>
-          <p:nvPr>
-            <p:ph type="title"/>
-          </p:nvPr>
-        </p:nvSpPr>
-        <p:spPr/>
-        <p:txBody>
-          <a:bodyPr/>
-          <a:lstStyle/>
-          <a:p>
-            <a:endParaRPr lang="uk-UA"/>
-          </a:p>
-        </p:txBody>
-      </p:sp>
-      <p:sp>
-        <p:nvSpPr>
-          <p:cNvPr id="3" name="Місце для номера слайда 2">
-            <a:extLst>
-              <a:ext uri="{FF2B5EF4-FFF2-40B4-BE49-F238E27FC236}">
-                <a16:creationId xmlns:a16="http://schemas.microsoft.com/office/drawing/2014/main" id="{35DB736B-7C6B-4591-8B04-B0C42279B330}"/>
-              </a:ext>
-            </a:extLst>
-          </p:cNvPr>
-          <p:cNvSpPr>
-            <a:spLocks noGrp="1"/>
-          </p:cNvSpPr>
-          <p:nvPr>
-            <p:ph type="sldNum" idx="12"/>
-          </p:nvPr>
-        </p:nvSpPr>
-        <p:spPr/>
-        <p:txBody>
-          <a:bodyPr/>
-          <a:lstStyle/>
-          <a:p>
-            <a:pPr marL="0" lvl="0" indent="0" algn="ctr" rtl="0">
-              <a:spcBef>
-                <a:spcPts val="0"/>
-              </a:spcBef>
-              <a:spcAft>
-                <a:spcPts val="0"/>
-              </a:spcAft>
-              <a:buNone/>
-            </a:pPr>
-            <a:fld id="{00000000-1234-1234-1234-123412341234}" type="slidenum">
-              <a:rPr lang="ru-RU" smtClean="0"/>
-              <a:t>21</a:t>
-            </a:fld>
-            <a:endParaRPr lang="ru-RU"/>
-          </a:p>
-        </p:txBody>
-      </p:sp>
-    </p:spTree>
-    <p:extLst>
-      <p:ext uri="{BB962C8B-B14F-4D97-AF65-F5344CB8AC3E}">
-        <p14:creationId xmlns:p14="http://schemas.microsoft.com/office/powerpoint/2010/main" val="3774185222"/>
-      </p:ext>
-    </p:extLst>
-  </p:cSld>
-  <p:clrMapOvr>
-    <a:masterClrMapping/>
-  </p:clrMapOvr>
-</p:sld>
-</file>
-
-<file path=ppt/slides/slide22.xml><?xml version="1.0" encoding="utf-8"?>
-<p:sld xmlns:a="http://schemas.openxmlformats.org/drawingml/2006/main" xmlns:r="http://schemas.openxmlformats.org/officeDocument/2006/relationships" xmlns:p="http://schemas.openxmlformats.org/presentationml/2006/main">
-  <p:cSld>
-    <p:spTree>
-      <p:nvGrpSpPr>
-        <p:cNvPr id="1" name=""/>
-        <p:cNvGrpSpPr/>
-        <p:nvPr/>
-      </p:nvGrpSpPr>
-      <p:grpSpPr>
-        <a:xfrm>
-          <a:off x="0" y="0"/>
-          <a:ext cx="0" cy="0"/>
-          <a:chOff x="0" y="0"/>
-          <a:chExt cx="0" cy="0"/>
-        </a:xfrm>
-      </p:grpSpPr>
-      <p:sp>
-        <p:nvSpPr>
-          <p:cNvPr id="4" name="Місце для номера слайда 3">
-            <a:extLst>
-              <a:ext uri="{FF2B5EF4-FFF2-40B4-BE49-F238E27FC236}">
-                <a16:creationId xmlns:a16="http://schemas.microsoft.com/office/drawing/2014/main" id="{3DB06EB5-8FF7-4409-9231-724BF7C19B04}"/>
-              </a:ext>
-            </a:extLst>
-          </p:cNvPr>
-          <p:cNvSpPr>
-            <a:spLocks noGrp="1"/>
-          </p:cNvSpPr>
-          <p:nvPr>
-            <p:ph type="sldNum" idx="12"/>
-          </p:nvPr>
-        </p:nvSpPr>
-        <p:spPr/>
-        <p:txBody>
-          <a:bodyPr/>
-          <a:lstStyle/>
-          <a:p>
-            <a:pPr marL="0" lvl="0" indent="0" algn="ctr" rtl="0">
-              <a:spcBef>
-                <a:spcPts val="0"/>
-              </a:spcBef>
-              <a:spcAft>
-                <a:spcPts val="0"/>
-              </a:spcAft>
-              <a:buNone/>
-            </a:pPr>
-            <a:fld id="{00000000-1234-1234-1234-123412341234}" type="slidenum">
-              <a:rPr lang="ru-RU" smtClean="0"/>
-              <a:t>22</a:t>
-            </a:fld>
-            <a:endParaRPr lang="ru-RU" dirty="0"/>
-          </a:p>
-        </p:txBody>
-      </p:sp>
-      <p:pic>
-        <p:nvPicPr>
-          <p:cNvPr id="6" name="Рисунок 5">
-            <a:extLst>
-              <a:ext uri="{FF2B5EF4-FFF2-40B4-BE49-F238E27FC236}">
-                <a16:creationId xmlns:a16="http://schemas.microsoft.com/office/drawing/2014/main" id="{157C206D-CD44-424A-9BAB-988DC63B141A}"/>
-              </a:ext>
-            </a:extLst>
-          </p:cNvPr>
-          <p:cNvPicPr>
-            <a:picLocks noChangeAspect="1"/>
-          </p:cNvPicPr>
-          <p:nvPr/>
-        </p:nvPicPr>
-        <p:blipFill>
-          <a:blip r:embed="rId2"/>
-          <a:stretch>
-            <a:fillRect/>
-          </a:stretch>
-        </p:blipFill>
-        <p:spPr>
-          <a:xfrm>
-            <a:off x="591304" y="-12"/>
-            <a:ext cx="7961391" cy="5143500"/>
-          </a:xfrm>
-          <a:prstGeom prst="rect">
-            <a:avLst/>
-          </a:prstGeom>
-        </p:spPr>
-      </p:pic>
-    </p:spTree>
-    <p:extLst>
-      <p:ext uri="{BB962C8B-B14F-4D97-AF65-F5344CB8AC3E}">
-        <p14:creationId xmlns:p14="http://schemas.microsoft.com/office/powerpoint/2010/main" val="2299337727"/>
-      </p:ext>
-    </p:extLst>
-  </p:cSld>
-  <p:clrMapOvr>
-    <a:masterClrMapping/>
-  </p:clrMapOvr>
-</p:sld>
-</file>
-
-<file path=ppt/slides/slide23.xml><?xml version="1.0" encoding="utf-8"?>
-<p:sld xmlns:a="http://schemas.openxmlformats.org/drawingml/2006/main" xmlns:r="http://schemas.openxmlformats.org/officeDocument/2006/relationships" xmlns:p="http://schemas.openxmlformats.org/presentationml/2006/main">
-  <p:cSld>
-    <p:spTree>
-      <p:nvGrpSpPr>
-        <p:cNvPr id="1" name=""/>
-        <p:cNvGrpSpPr/>
-        <p:nvPr/>
-      </p:nvGrpSpPr>
-      <p:grpSpPr>
-        <a:xfrm>
-          <a:off x="0" y="0"/>
-          <a:ext cx="0" cy="0"/>
-          <a:chOff x="0" y="0"/>
-          <a:chExt cx="0" cy="0"/>
-        </a:xfrm>
-      </p:grpSpPr>
-      <p:sp>
-        <p:nvSpPr>
-          <p:cNvPr id="2" name="Заголовок 1">
-            <a:extLst>
-              <a:ext uri="{FF2B5EF4-FFF2-40B4-BE49-F238E27FC236}">
-                <a16:creationId xmlns:a16="http://schemas.microsoft.com/office/drawing/2014/main" id="{7F123DDE-FF95-4AC2-A102-5AF25C87B644}"/>
-              </a:ext>
-            </a:extLst>
-          </p:cNvPr>
-          <p:cNvSpPr>
-            <a:spLocks noGrp="1"/>
-          </p:cNvSpPr>
-          <p:nvPr>
-            <p:ph type="title"/>
-          </p:nvPr>
-        </p:nvSpPr>
-        <p:spPr/>
-        <p:txBody>
-          <a:bodyPr>
-            <a:noAutofit/>
-          </a:bodyPr>
-          <a:lstStyle/>
-          <a:p>
-            <a:r>
-              <a:rPr lang="ru-RU" sz="2800" dirty="0"/>
-              <a:t>Схема </a:t>
-            </a:r>
-            <a:r>
-              <a:rPr lang="ru-RU" sz="2800" dirty="0" err="1"/>
-              <a:t>бізнес-процесу</a:t>
-            </a:r>
-            <a:r>
-              <a:rPr lang="ru-RU" sz="2800" dirty="0"/>
-              <a:t> «</a:t>
-            </a:r>
-            <a:r>
-              <a:rPr lang="ru-RU" sz="2800" dirty="0" err="1">
-                <a:latin typeface="Times New Roman"/>
-                <a:ea typeface="Times New Roman"/>
-                <a:cs typeface="Times New Roman"/>
-                <a:sym typeface="Times New Roman"/>
-              </a:rPr>
-              <a:t>основний</a:t>
-            </a:r>
-            <a:r>
-              <a:rPr lang="ru-RU" sz="2800" dirty="0">
-                <a:latin typeface="Times New Roman"/>
-                <a:ea typeface="Times New Roman"/>
-                <a:cs typeface="Times New Roman"/>
-                <a:sym typeface="Times New Roman"/>
-              </a:rPr>
-              <a:t> </a:t>
-            </a:r>
-            <a:r>
-              <a:rPr lang="ru-RU" sz="2800" dirty="0" err="1">
-                <a:latin typeface="Times New Roman"/>
-                <a:ea typeface="Times New Roman"/>
-                <a:cs typeface="Times New Roman"/>
-                <a:sym typeface="Times New Roman"/>
-              </a:rPr>
-              <a:t>ігровий</a:t>
-            </a:r>
-            <a:r>
-              <a:rPr lang="ru-RU" sz="2800" dirty="0">
-                <a:latin typeface="Times New Roman"/>
-                <a:ea typeface="Times New Roman"/>
-                <a:cs typeface="Times New Roman"/>
-                <a:sym typeface="Times New Roman"/>
-              </a:rPr>
-              <a:t> </a:t>
-            </a:r>
-            <a:r>
-              <a:rPr lang="ru-RU" sz="2800" dirty="0" err="1">
-                <a:latin typeface="Times New Roman"/>
-                <a:ea typeface="Times New Roman"/>
-                <a:cs typeface="Times New Roman"/>
-                <a:sym typeface="Times New Roman"/>
-              </a:rPr>
-              <a:t>процес</a:t>
-            </a:r>
-            <a:r>
-              <a:rPr lang="ru-RU" sz="2800" dirty="0">
-                <a:latin typeface="Times New Roman"/>
-                <a:ea typeface="Times New Roman"/>
-                <a:cs typeface="Times New Roman"/>
-                <a:sym typeface="Times New Roman"/>
-              </a:rPr>
-              <a:t>»</a:t>
-            </a:r>
-            <a:endParaRPr lang="uk-UA" sz="2800" dirty="0"/>
-          </a:p>
-        </p:txBody>
-      </p:sp>
-      <p:sp>
-        <p:nvSpPr>
-          <p:cNvPr id="4" name="Місце для номера слайда 3">
-            <a:extLst>
-              <a:ext uri="{FF2B5EF4-FFF2-40B4-BE49-F238E27FC236}">
-                <a16:creationId xmlns:a16="http://schemas.microsoft.com/office/drawing/2014/main" id="{9E890890-531B-4779-99BF-A701C14D4541}"/>
-              </a:ext>
-            </a:extLst>
-          </p:cNvPr>
-          <p:cNvSpPr>
-            <a:spLocks noGrp="1"/>
-          </p:cNvSpPr>
-          <p:nvPr>
-            <p:ph type="sldNum" idx="12"/>
-          </p:nvPr>
-        </p:nvSpPr>
-        <p:spPr/>
-        <p:txBody>
-          <a:bodyPr/>
-          <a:lstStyle/>
-          <a:p>
-            <a:pPr marL="0" lvl="0" indent="0" algn="ctr" rtl="0">
-              <a:spcBef>
-                <a:spcPts val="0"/>
-              </a:spcBef>
-              <a:spcAft>
-                <a:spcPts val="0"/>
-              </a:spcAft>
-              <a:buNone/>
-            </a:pPr>
-            <a:fld id="{00000000-1234-1234-1234-123412341234}" type="slidenum">
-              <a:rPr lang="ru-RU" smtClean="0"/>
-              <a:t>23</a:t>
-            </a:fld>
-            <a:endParaRPr lang="ru-RU"/>
-          </a:p>
-        </p:txBody>
-      </p:sp>
-      <p:pic>
-        <p:nvPicPr>
-          <p:cNvPr id="6" name="Рисунок 5">
-            <a:extLst>
-              <a:ext uri="{FF2B5EF4-FFF2-40B4-BE49-F238E27FC236}">
-                <a16:creationId xmlns:a16="http://schemas.microsoft.com/office/drawing/2014/main" id="{B9D86F61-3CEB-4E33-9067-257434978C5C}"/>
-              </a:ext>
-            </a:extLst>
-          </p:cNvPr>
-          <p:cNvPicPr>
-            <a:picLocks noChangeAspect="1"/>
-          </p:cNvPicPr>
-          <p:nvPr/>
-        </p:nvPicPr>
-        <p:blipFill>
-          <a:blip r:embed="rId2"/>
-          <a:stretch>
-            <a:fillRect/>
-          </a:stretch>
-        </p:blipFill>
-        <p:spPr>
-          <a:xfrm>
-            <a:off x="1225418" y="904878"/>
-            <a:ext cx="7586663" cy="3981596"/>
-          </a:xfrm>
-          <a:prstGeom prst="rect">
-            <a:avLst/>
-          </a:prstGeom>
-        </p:spPr>
-      </p:pic>
-    </p:spTree>
-    <p:extLst>
-      <p:ext uri="{BB962C8B-B14F-4D97-AF65-F5344CB8AC3E}">
-        <p14:creationId xmlns:p14="http://schemas.microsoft.com/office/powerpoint/2010/main" val="731412218"/>
-      </p:ext>
-    </p:extLst>
-  </p:cSld>
-  <p:clrMapOvr>
-    <a:masterClrMapping/>
-  </p:clrMapOvr>
-</p:sld>
-</file>
-
-<file path=ppt/slides/slide3.xml><?xml version="1.0" encoding="utf-8"?>
-<p:sld xmlns:a="http://schemas.openxmlformats.org/drawingml/2006/main" xmlns:r="http://schemas.openxmlformats.org/officeDocument/2006/relationships" xmlns:p="http://schemas.openxmlformats.org/presentationml/2006/main">
-  <p:cSld>
-    <p:spTree>
-      <p:nvGrpSpPr>
-        <p:cNvPr id="1" name="Shape 112"/>
-        <p:cNvGrpSpPr/>
-        <p:nvPr/>
-      </p:nvGrpSpPr>
-      <p:grpSpPr>
-        <a:xfrm>
-          <a:off x="0" y="0"/>
-          <a:ext cx="0" cy="0"/>
-          <a:chOff x="0" y="0"/>
-          <a:chExt cx="0" cy="0"/>
-        </a:xfrm>
-      </p:grpSpPr>
-      <p:sp>
-        <p:nvSpPr>
-          <p:cNvPr id="113" name="Google Shape;113;p15"/>
-          <p:cNvSpPr txBox="1">
-            <a:spLocks noGrp="1"/>
-          </p:cNvSpPr>
-          <p:nvPr>
-            <p:ph type="title"/>
-          </p:nvPr>
-        </p:nvSpPr>
-        <p:spPr>
-          <a:xfrm>
-            <a:off x="1435608" y="205978"/>
-            <a:ext cx="7498200" cy="857400"/>
-          </a:xfrm>
-          <a:prstGeom prst="rect">
-            <a:avLst/>
-          </a:prstGeom>
-          <a:noFill/>
-          <a:ln>
-            <a:noFill/>
-          </a:ln>
-        </p:spPr>
-        <p:txBody>
-          <a:bodyPr spcFirstLastPara="1" wrap="square" lIns="91425" tIns="45700" rIns="91425" bIns="45700" anchor="ctr" anchorCtr="0">
-            <a:normAutofit/>
-          </a:bodyPr>
-          <a:lstStyle/>
-          <a:p>
-            <a:pPr marL="0" lvl="0" indent="0" algn="l" rtl="0">
-              <a:lnSpc>
-                <a:spcPct val="100000"/>
-              </a:lnSpc>
-              <a:spcBef>
-                <a:spcPts val="0"/>
-              </a:spcBef>
-              <a:spcAft>
-                <a:spcPts val="0"/>
-              </a:spcAft>
-              <a:buClr>
-                <a:srgbClr val="562214"/>
-              </a:buClr>
-              <a:buSzPts val="4300"/>
-              <a:buFont typeface="Gill Sans"/>
-              <a:buNone/>
-            </a:pPr>
-            <a:r>
-              <a:rPr lang="ru-RU" dirty="0">
-                <a:latin typeface="Times New Roman" panose="02020603050405020304" pitchFamily="18" charset="0"/>
-                <a:cs typeface="Times New Roman" panose="02020603050405020304" pitchFamily="18" charset="0"/>
-              </a:rPr>
-              <a:t>Мета та </a:t>
-            </a:r>
-            <a:r>
-              <a:rPr lang="uk-UA" dirty="0">
-                <a:latin typeface="Times New Roman" panose="02020603050405020304" pitchFamily="18" charset="0"/>
-                <a:cs typeface="Times New Roman" panose="02020603050405020304" pitchFamily="18" charset="0"/>
-              </a:rPr>
-              <a:t>Призначення</a:t>
-            </a:r>
-            <a:endParaRPr lang="uk-UA" dirty="0">
-              <a:highlight>
-                <a:srgbClr val="FFFF00"/>
-              </a:highlight>
-              <a:latin typeface="Times New Roman" panose="02020603050405020304" pitchFamily="18" charset="0"/>
-              <a:cs typeface="Times New Roman" panose="02020603050405020304" pitchFamily="18" charset="0"/>
-            </a:endParaRPr>
-          </a:p>
-        </p:txBody>
-      </p:sp>
-      <p:sp>
-        <p:nvSpPr>
-          <p:cNvPr id="114" name="Google Shape;114;p15"/>
-          <p:cNvSpPr txBox="1">
-            <a:spLocks noGrp="1"/>
-          </p:cNvSpPr>
-          <p:nvPr>
-            <p:ph type="body" idx="1"/>
-          </p:nvPr>
-        </p:nvSpPr>
-        <p:spPr>
-          <a:xfrm>
-            <a:off x="1435608" y="1085850"/>
-            <a:ext cx="7498200" cy="3600600"/>
-          </a:xfrm>
-          <a:prstGeom prst="rect">
-            <a:avLst/>
-          </a:prstGeom>
-          <a:noFill/>
-          <a:ln>
-            <a:noFill/>
-          </a:ln>
-        </p:spPr>
-        <p:txBody>
-          <a:bodyPr spcFirstLastPara="1" wrap="square" lIns="91425" tIns="45700" rIns="91425" bIns="45700" anchor="t" anchorCtr="0">
-            <a:normAutofit/>
-          </a:bodyPr>
-          <a:lstStyle/>
-          <a:p>
-            <a:pPr marL="342900" marR="0" lvl="0" indent="-342900" algn="l" rtl="0">
-              <a:lnSpc>
-                <a:spcPct val="100000"/>
-              </a:lnSpc>
-              <a:spcBef>
-                <a:spcPts val="0"/>
-              </a:spcBef>
-              <a:spcAft>
-                <a:spcPts val="0"/>
-              </a:spcAft>
-              <a:buSzPts val="2560"/>
-              <a:buFont typeface="Arial" panose="020B0604020202020204" pitchFamily="34" charset="0"/>
-              <a:buChar char="•"/>
-            </a:pPr>
-            <a:r>
-              <a:rPr lang="uk-UA" sz="2400" dirty="0">
-                <a:effectLst/>
-                <a:latin typeface="Times New Roman" panose="02020603050405020304" pitchFamily="18" charset="0"/>
-                <a:ea typeface="Times New Roman" panose="02020603050405020304" pitchFamily="18" charset="0"/>
-              </a:rPr>
-              <a:t>Метою розробки є </a:t>
-            </a:r>
-            <a:r>
-              <a:rPr lang="uk-UA" sz="2400" b="0" i="0" u="none" strike="noStrike" baseline="0" dirty="0">
-                <a:solidFill>
-                  <a:srgbClr val="000000"/>
-                </a:solidFill>
-                <a:latin typeface="Times New Roman" panose="02020603050405020304" pitchFamily="18" charset="0"/>
-              </a:rPr>
-              <a:t>розширення</a:t>
-            </a:r>
-            <a:r>
-              <a:rPr lang="ru-RU" sz="2400" b="0" i="0" u="none" strike="noStrike" baseline="0" dirty="0">
-                <a:solidFill>
-                  <a:srgbClr val="000000"/>
-                </a:solidFill>
-                <a:latin typeface="Times New Roman" panose="02020603050405020304" pitchFamily="18" charset="0"/>
-              </a:rPr>
-              <a:t> спектру моделей </a:t>
-            </a:r>
-            <a:r>
-              <a:rPr lang="ru-RU" sz="2400" b="0" i="0" u="none" strike="noStrike" baseline="0" dirty="0" err="1">
-                <a:solidFill>
-                  <a:srgbClr val="000000"/>
-                </a:solidFill>
-                <a:latin typeface="Times New Roman" panose="02020603050405020304" pitchFamily="18" charset="0"/>
-              </a:rPr>
-              <a:t>поведінки</a:t>
-            </a:r>
-            <a:r>
-              <a:rPr lang="ru-RU" sz="2400" b="0" i="0" u="none" strike="noStrike" baseline="0" dirty="0">
-                <a:solidFill>
-                  <a:srgbClr val="000000"/>
-                </a:solidFill>
-                <a:latin typeface="Times New Roman" panose="02020603050405020304" pitchFamily="18" charset="0"/>
-              </a:rPr>
-              <a:t> </a:t>
-            </a:r>
-            <a:r>
-              <a:rPr lang="ru-RU" sz="2400" b="0" i="0" u="none" strike="noStrike" baseline="0" dirty="0" err="1">
-                <a:solidFill>
-                  <a:srgbClr val="000000"/>
-                </a:solidFill>
-                <a:latin typeface="Times New Roman" panose="02020603050405020304" pitchFamily="18" charset="0"/>
-              </a:rPr>
-              <a:t>інтелектуальних</a:t>
-            </a:r>
-            <a:r>
-              <a:rPr lang="ru-RU" sz="2400" b="0" i="0" u="none" strike="noStrike" baseline="0" dirty="0">
-                <a:solidFill>
-                  <a:srgbClr val="000000"/>
-                </a:solidFill>
-                <a:latin typeface="Times New Roman" panose="02020603050405020304" pitchFamily="18" charset="0"/>
-              </a:rPr>
-              <a:t> </a:t>
-            </a:r>
-            <a:r>
-              <a:rPr lang="ru-RU" sz="2400" b="0" i="0" u="none" strike="noStrike" baseline="0" dirty="0" err="1">
-                <a:solidFill>
-                  <a:srgbClr val="000000"/>
-                </a:solidFill>
-                <a:latin typeface="Times New Roman" panose="02020603050405020304" pitchFamily="18" charset="0"/>
-              </a:rPr>
-              <a:t>агентів</a:t>
-            </a:r>
-            <a:r>
-              <a:rPr lang="ru-RU" sz="2400" b="0" i="0" u="none" strike="noStrike" baseline="0" dirty="0">
-                <a:solidFill>
-                  <a:srgbClr val="000000"/>
-                </a:solidFill>
-                <a:latin typeface="Times New Roman" panose="02020603050405020304" pitchFamily="18" charset="0"/>
-              </a:rPr>
-              <a:t> в </a:t>
-            </a:r>
-            <a:r>
-              <a:rPr lang="ru-RU" sz="2400" b="0" i="0" u="none" strike="noStrike" baseline="0" dirty="0" err="1">
-                <a:solidFill>
-                  <a:srgbClr val="000000"/>
-                </a:solidFill>
-                <a:latin typeface="Times New Roman" panose="02020603050405020304" pitchFamily="18" charset="0"/>
-              </a:rPr>
-              <a:t>ігровому</a:t>
-            </a:r>
-            <a:r>
-              <a:rPr lang="ru-RU" sz="2400" b="0" i="0" u="none" strike="noStrike" baseline="0" dirty="0">
-                <a:solidFill>
-                  <a:srgbClr val="000000"/>
-                </a:solidFill>
-                <a:latin typeface="Times New Roman" panose="02020603050405020304" pitchFamily="18" charset="0"/>
-              </a:rPr>
-              <a:t> </a:t>
-            </a:r>
-            <a:r>
-              <a:rPr lang="ru-RU" sz="2400" b="0" i="0" u="none" strike="noStrike" baseline="0" dirty="0" err="1">
-                <a:solidFill>
-                  <a:srgbClr val="000000"/>
-                </a:solidFill>
-                <a:latin typeface="Times New Roman" panose="02020603050405020304" pitchFamily="18" charset="0"/>
-              </a:rPr>
-              <a:t>застосунку</a:t>
-            </a:r>
-            <a:r>
-              <a:rPr lang="ru-RU" sz="2400" b="0" i="0" u="none" strike="noStrike" baseline="0" dirty="0">
-                <a:solidFill>
-                  <a:srgbClr val="000000"/>
-                </a:solidFill>
-                <a:latin typeface="Times New Roman" panose="02020603050405020304" pitchFamily="18" charset="0"/>
-              </a:rPr>
-              <a:t> 3D RPG для </a:t>
-            </a:r>
-            <a:r>
-              <a:rPr lang="ru-RU" sz="2400" b="0" i="0" u="none" strike="noStrike" baseline="0" dirty="0" err="1">
-                <a:solidFill>
-                  <a:srgbClr val="000000"/>
-                </a:solidFill>
-                <a:latin typeface="Times New Roman" panose="02020603050405020304" pitchFamily="18" charset="0"/>
-              </a:rPr>
-              <a:t>урізноманітнення</a:t>
-            </a:r>
-            <a:r>
-              <a:rPr lang="ru-RU" sz="2400" b="0" i="0" u="none" strike="noStrike" baseline="0" dirty="0">
-                <a:solidFill>
-                  <a:srgbClr val="000000"/>
-                </a:solidFill>
-                <a:latin typeface="Times New Roman" panose="02020603050405020304" pitchFamily="18" charset="0"/>
-              </a:rPr>
-              <a:t> </a:t>
-            </a:r>
-            <a:r>
-              <a:rPr lang="ru-RU" sz="2400" b="0" i="0" u="none" strike="noStrike" baseline="0" dirty="0" err="1">
-                <a:solidFill>
-                  <a:srgbClr val="000000"/>
-                </a:solidFill>
-                <a:latin typeface="Times New Roman" panose="02020603050405020304" pitchFamily="18" charset="0"/>
-              </a:rPr>
-              <a:t>ігрового</a:t>
-            </a:r>
-            <a:r>
-              <a:rPr lang="ru-RU" sz="2400" b="0" i="0" u="none" strike="noStrike" baseline="0" dirty="0">
-                <a:solidFill>
-                  <a:srgbClr val="000000"/>
-                </a:solidFill>
-                <a:latin typeface="Times New Roman" panose="02020603050405020304" pitchFamily="18" charset="0"/>
-              </a:rPr>
-              <a:t> </a:t>
-            </a:r>
-            <a:r>
-              <a:rPr lang="ru-RU" sz="2400" b="0" i="0" u="none" strike="noStrike" baseline="0" dirty="0" err="1">
-                <a:solidFill>
-                  <a:srgbClr val="000000"/>
-                </a:solidFill>
-                <a:latin typeface="Times New Roman" panose="02020603050405020304" pitchFamily="18" charset="0"/>
-              </a:rPr>
-              <a:t>досвіду</a:t>
-            </a:r>
-            <a:r>
-              <a:rPr lang="ru-RU" sz="2400" b="0" i="0" u="none" strike="noStrike" baseline="0" dirty="0">
-                <a:solidFill>
-                  <a:srgbClr val="000000"/>
-                </a:solidFill>
-                <a:latin typeface="Times New Roman" panose="02020603050405020304" pitchFamily="18" charset="0"/>
-              </a:rPr>
-              <a:t> </a:t>
-            </a:r>
-            <a:r>
-              <a:rPr lang="ru-RU" sz="2400" b="0" i="0" u="none" strike="noStrike" baseline="0" dirty="0" err="1">
-                <a:solidFill>
-                  <a:srgbClr val="000000"/>
-                </a:solidFill>
-                <a:latin typeface="Times New Roman" panose="02020603050405020304" pitchFamily="18" charset="0"/>
-              </a:rPr>
-              <a:t>користувача</a:t>
-            </a:r>
-            <a:r>
-              <a:rPr lang="ru-RU" sz="2400" b="0" i="0" u="none" strike="noStrike" baseline="0" dirty="0">
-                <a:solidFill>
-                  <a:srgbClr val="000000"/>
-                </a:solidFill>
-                <a:latin typeface="Times New Roman" panose="02020603050405020304" pitchFamily="18" charset="0"/>
-              </a:rPr>
-              <a:t>. </a:t>
-            </a:r>
-            <a:endParaRPr lang="ru-RU" sz="2400" dirty="0">
-              <a:latin typeface="Times New Roman" panose="02020603050405020304" pitchFamily="18" charset="0"/>
-              <a:ea typeface="Times New Roman" panose="02020603050405020304" pitchFamily="18" charset="0"/>
-            </a:endParaRPr>
-          </a:p>
-          <a:p>
-            <a:pPr marL="342900" indent="-342900">
-              <a:spcBef>
-                <a:spcPts val="0"/>
-              </a:spcBef>
-              <a:buSzPts val="2560"/>
-              <a:buFont typeface="Arial" panose="020B0604020202020204" pitchFamily="34" charset="0"/>
-              <a:buChar char="•"/>
-            </a:pPr>
-            <a:r>
-              <a:rPr lang="uk-UA" sz="2400" dirty="0">
-                <a:effectLst/>
-                <a:latin typeface="Times New Roman" panose="02020603050405020304" pitchFamily="18" charset="0"/>
-                <a:ea typeface="Times New Roman" panose="02020603050405020304" pitchFamily="18" charset="0"/>
-              </a:rPr>
-              <a:t>Призначення</a:t>
-            </a:r>
-            <a:r>
-              <a:rPr lang="ru-RU" sz="2400" dirty="0">
-                <a:effectLst/>
-                <a:latin typeface="Times New Roman" panose="02020603050405020304" pitchFamily="18" charset="0"/>
-                <a:ea typeface="Times New Roman" panose="02020603050405020304" pitchFamily="18" charset="0"/>
-              </a:rPr>
-              <a:t> – </a:t>
-            </a:r>
-            <a:r>
-              <a:rPr lang="uk-UA" sz="2400" dirty="0">
-                <a:effectLst/>
-                <a:latin typeface="Times New Roman" panose="02020603050405020304" pitchFamily="18" charset="0"/>
-                <a:ea typeface="Times New Roman" panose="02020603050405020304" pitchFamily="18" charset="0"/>
-              </a:rPr>
-              <a:t>впровадження різноманітної поведінки ворогів та надання користувачу нового ігрового досвіду.</a:t>
-            </a:r>
-            <a:endParaRPr lang="ru-RU" sz="2400" dirty="0">
-              <a:effectLst/>
-              <a:latin typeface="Times New Roman" panose="02020603050405020304" pitchFamily="18" charset="0"/>
-              <a:ea typeface="Times New Roman" panose="02020603050405020304" pitchFamily="18" charset="0"/>
-            </a:endParaRPr>
-          </a:p>
-        </p:txBody>
-      </p:sp>
-      <p:sp>
-        <p:nvSpPr>
-          <p:cNvPr id="115" name="Google Shape;115;p15"/>
-          <p:cNvSpPr txBox="1">
-            <a:spLocks noGrp="1"/>
-          </p:cNvSpPr>
-          <p:nvPr>
-            <p:ph type="sldNum" idx="12"/>
-          </p:nvPr>
-        </p:nvSpPr>
-        <p:spPr>
-          <a:xfrm>
-            <a:off x="8686798" y="-12"/>
-            <a:ext cx="457200" cy="357000"/>
-          </a:xfrm>
-          <a:prstGeom prst="rect">
-            <a:avLst/>
-          </a:prstGeom>
-        </p:spPr>
-        <p:txBody>
-          <a:bodyPr spcFirstLastPara="1" wrap="square" lIns="91425" tIns="45700" rIns="91425" bIns="45700" anchor="b" anchorCtr="0">
-            <a:noAutofit/>
-          </a:bodyPr>
-          <a:lstStyle/>
-          <a:p>
-            <a:pPr marL="0" lvl="0" indent="0" algn="ctr" rtl="0">
-              <a:spcBef>
-                <a:spcPts val="0"/>
-              </a:spcBef>
-              <a:spcAft>
-                <a:spcPts val="0"/>
-              </a:spcAft>
-              <a:buClr>
-                <a:srgbClr val="000000"/>
-              </a:buClr>
-              <a:buSzPts val="1200"/>
-              <a:buFont typeface="Arial"/>
-              <a:buNone/>
-            </a:pPr>
-            <a:fld id="{00000000-1234-1234-1234-123412341234}" type="slidenum">
-              <a:rPr lang="ru-RU"/>
-              <a:t>3</a:t>
-            </a:fld>
-            <a:endParaRPr/>
-          </a:p>
-        </p:txBody>
-      </p:sp>
-    </p:spTree>
-  </p:cSld>
-  <p:clrMapOvr>
-    <a:masterClrMapping/>
-  </p:clrMapOvr>
-</p:sld>
-</file>
-
-<file path=ppt/slides/slide4.xml><?xml version="1.0" encoding="utf-8"?>
-<p:sld xmlns:a="http://schemas.openxmlformats.org/drawingml/2006/main" xmlns:r="http://schemas.openxmlformats.org/officeDocument/2006/relationships" xmlns:p="http://schemas.openxmlformats.org/presentationml/2006/main">
-  <p:cSld>
-    <p:spTree>
-      <p:nvGrpSpPr>
-        <p:cNvPr id="1" name="Shape 119"/>
-        <p:cNvGrpSpPr/>
-        <p:nvPr/>
-      </p:nvGrpSpPr>
-      <p:grpSpPr>
-        <a:xfrm>
-          <a:off x="0" y="0"/>
-          <a:ext cx="0" cy="0"/>
-          <a:chOff x="0" y="0"/>
-          <a:chExt cx="0" cy="0"/>
-        </a:xfrm>
-      </p:grpSpPr>
-      <p:sp>
-        <p:nvSpPr>
-          <p:cNvPr id="120" name="Google Shape;120;p16"/>
-          <p:cNvSpPr txBox="1">
-            <a:spLocks noGrp="1"/>
-          </p:cNvSpPr>
-          <p:nvPr>
-            <p:ph type="title"/>
-          </p:nvPr>
-        </p:nvSpPr>
-        <p:spPr>
-          <a:xfrm>
-            <a:off x="1435608" y="205978"/>
-            <a:ext cx="7498200" cy="857400"/>
-          </a:xfrm>
-          <a:prstGeom prst="rect">
-            <a:avLst/>
-          </a:prstGeom>
-          <a:noFill/>
-          <a:ln>
-            <a:noFill/>
-          </a:ln>
-        </p:spPr>
-        <p:txBody>
-          <a:bodyPr spcFirstLastPara="1" wrap="square" lIns="91425" tIns="45700" rIns="91425" bIns="45700" anchor="ctr" anchorCtr="0">
-            <a:normAutofit/>
-          </a:bodyPr>
-          <a:lstStyle/>
-          <a:p>
-            <a:pPr marL="0" lvl="0" indent="0" algn="l" rtl="0">
-              <a:lnSpc>
-                <a:spcPct val="100000"/>
-              </a:lnSpc>
-              <a:spcBef>
-                <a:spcPts val="0"/>
-              </a:spcBef>
-              <a:spcAft>
-                <a:spcPts val="0"/>
-              </a:spcAft>
-              <a:buClr>
-                <a:srgbClr val="562214"/>
-              </a:buClr>
-              <a:buSzPts val="4300"/>
-              <a:buFont typeface="Gill Sans"/>
-              <a:buNone/>
-            </a:pPr>
-            <a:r>
-              <a:rPr lang="ru-RU" dirty="0" err="1">
-                <a:latin typeface="Times New Roman" panose="02020603050405020304" pitchFamily="18" charset="0"/>
-                <a:cs typeface="Times New Roman" panose="02020603050405020304" pitchFamily="18" charset="0"/>
-              </a:rPr>
-              <a:t>Задачі</a:t>
-            </a:r>
-            <a:endParaRPr dirty="0">
-              <a:latin typeface="Times New Roman" panose="02020603050405020304" pitchFamily="18" charset="0"/>
-              <a:cs typeface="Times New Roman" panose="02020603050405020304" pitchFamily="18" charset="0"/>
-            </a:endParaRPr>
-          </a:p>
-        </p:txBody>
-      </p:sp>
-      <p:sp>
-        <p:nvSpPr>
-          <p:cNvPr id="121" name="Google Shape;121;p16"/>
-          <p:cNvSpPr txBox="1">
-            <a:spLocks noGrp="1"/>
-          </p:cNvSpPr>
-          <p:nvPr>
-            <p:ph type="body" idx="1"/>
-          </p:nvPr>
-        </p:nvSpPr>
-        <p:spPr>
-          <a:xfrm>
-            <a:off x="1435608" y="1085850"/>
-            <a:ext cx="7498200" cy="3600600"/>
-          </a:xfrm>
-          <a:prstGeom prst="rect">
-            <a:avLst/>
-          </a:prstGeom>
-          <a:noFill/>
-          <a:ln>
-            <a:noFill/>
-          </a:ln>
-        </p:spPr>
-        <p:txBody>
-          <a:bodyPr spcFirstLastPara="1" wrap="square" lIns="91425" tIns="45700" rIns="91425" bIns="45700" anchor="t" anchorCtr="0">
-            <a:normAutofit fontScale="70000" lnSpcReduction="20000"/>
-          </a:bodyPr>
-          <a:lstStyle/>
-          <a:p>
-            <a:pPr marL="342900" lvl="0" indent="-342900" algn="just">
-              <a:lnSpc>
-                <a:spcPct val="120000"/>
-              </a:lnSpc>
-              <a:buFont typeface="Times New Roman" panose="02020603050405020304" pitchFamily="18" charset="0"/>
-              <a:buChar char="–"/>
-            </a:pPr>
-            <a:r>
-              <a:rPr lang="uk-UA" sz="3100" dirty="0">
-                <a:effectLst/>
-                <a:latin typeface="Times New Roman" panose="02020603050405020304" pitchFamily="18" charset="0"/>
-                <a:ea typeface="Times New Roman" panose="02020603050405020304" pitchFamily="18" charset="0"/>
-              </a:rPr>
-              <a:t>Реалізація різноманітного інтелекту ворогів.</a:t>
-            </a:r>
-          </a:p>
-          <a:p>
-            <a:pPr marL="342900" lvl="0" indent="-342900" algn="just">
-              <a:lnSpc>
-                <a:spcPct val="120000"/>
-              </a:lnSpc>
-              <a:buFont typeface="Times New Roman" panose="02020603050405020304" pitchFamily="18" charset="0"/>
-              <a:buChar char="–"/>
-            </a:pPr>
-            <a:r>
-              <a:rPr lang="uk-UA" sz="3100" dirty="0">
-                <a:effectLst/>
-                <a:latin typeface="Times New Roman" panose="02020603050405020304" pitchFamily="18" charset="0"/>
-                <a:ea typeface="Times New Roman" panose="02020603050405020304" pitchFamily="18" charset="0"/>
-              </a:rPr>
-              <a:t>Реалізація ігрового інтерфейсу.</a:t>
-            </a:r>
-          </a:p>
-          <a:p>
-            <a:pPr marL="342900" lvl="0" indent="-342900" algn="just">
-              <a:lnSpc>
-                <a:spcPct val="120000"/>
-              </a:lnSpc>
-              <a:buFont typeface="Times New Roman" panose="02020603050405020304" pitchFamily="18" charset="0"/>
-              <a:buChar char="–"/>
-            </a:pPr>
-            <a:r>
-              <a:rPr lang="uk-UA" sz="3100" dirty="0">
-                <a:effectLst/>
-                <a:latin typeface="Times New Roman" panose="02020603050405020304" pitchFamily="18" charset="0"/>
-                <a:ea typeface="Times New Roman" panose="02020603050405020304" pitchFamily="18" charset="0"/>
-              </a:rPr>
-              <a:t>Реалізація механік бою.</a:t>
-            </a:r>
-          </a:p>
-          <a:p>
-            <a:pPr marL="342900" lvl="0" indent="-342900" algn="just">
-              <a:lnSpc>
-                <a:spcPct val="120000"/>
-              </a:lnSpc>
-              <a:buFont typeface="Times New Roman" panose="02020603050405020304" pitchFamily="18" charset="0"/>
-              <a:buChar char="–"/>
-            </a:pPr>
-            <a:r>
-              <a:rPr lang="uk-UA" sz="3100" dirty="0">
-                <a:effectLst/>
-                <a:latin typeface="Times New Roman" panose="02020603050405020304" pitchFamily="18" charset="0"/>
-                <a:ea typeface="Times New Roman" panose="02020603050405020304" pitchFamily="18" charset="0"/>
-              </a:rPr>
-              <a:t>Реалізація функціоналу інвентарю, магазинів та ігрової економіки.</a:t>
-            </a:r>
-          </a:p>
-          <a:p>
-            <a:pPr marL="342900" lvl="0" indent="-342900" algn="just">
-              <a:lnSpc>
-                <a:spcPct val="120000"/>
-              </a:lnSpc>
-              <a:buFont typeface="Times New Roman" panose="02020603050405020304" pitchFamily="18" charset="0"/>
-              <a:buChar char="–"/>
-            </a:pPr>
-            <a:r>
-              <a:rPr lang="uk-UA" sz="3100" dirty="0">
-                <a:effectLst/>
-                <a:latin typeface="Times New Roman" panose="02020603050405020304" pitchFamily="18" charset="0"/>
-                <a:ea typeface="Times New Roman" panose="02020603050405020304" pitchFamily="18" charset="0"/>
-              </a:rPr>
-              <a:t>Реалізація функціонали створення та використання магії.</a:t>
-            </a:r>
-          </a:p>
-          <a:p>
-            <a:pPr marL="342900" lvl="0" indent="-342900" algn="just">
-              <a:lnSpc>
-                <a:spcPct val="120000"/>
-              </a:lnSpc>
-              <a:buFont typeface="Times New Roman" panose="02020603050405020304" pitchFamily="18" charset="0"/>
-              <a:buChar char="–"/>
-            </a:pPr>
-            <a:r>
-              <a:rPr lang="uk-UA" sz="3100" dirty="0">
-                <a:effectLst/>
-                <a:latin typeface="Times New Roman" panose="02020603050405020304" pitchFamily="18" charset="0"/>
-                <a:ea typeface="Times New Roman" panose="02020603050405020304" pitchFamily="18" charset="0"/>
-              </a:rPr>
-              <a:t>Реалізація функціоналу взаємодії з ігровими об’єктами.</a:t>
-            </a:r>
-          </a:p>
-          <a:p>
-            <a:pPr marL="342900" lvl="0" indent="-342900" algn="just">
-              <a:lnSpc>
-                <a:spcPct val="120000"/>
-              </a:lnSpc>
-              <a:buFont typeface="Times New Roman" panose="02020603050405020304" pitchFamily="18" charset="0"/>
-              <a:buChar char="–"/>
-            </a:pPr>
-            <a:r>
-              <a:rPr lang="uk-UA" sz="3100" dirty="0">
-                <a:effectLst/>
-                <a:latin typeface="Times New Roman" panose="02020603050405020304" pitchFamily="18" charset="0"/>
-                <a:ea typeface="Times New Roman" panose="02020603050405020304" pitchFamily="18" charset="0"/>
-              </a:rPr>
-              <a:t>Розробка системи класів і їх унікальних характеристик.</a:t>
-            </a:r>
-          </a:p>
-          <a:p>
-            <a:pPr marL="137160" lvl="0" indent="0" algn="l" rtl="0">
-              <a:lnSpc>
-                <a:spcPct val="100000"/>
-              </a:lnSpc>
-              <a:spcBef>
-                <a:spcPts val="0"/>
-              </a:spcBef>
-              <a:spcAft>
-                <a:spcPts val="0"/>
-              </a:spcAft>
-              <a:buSzPts val="1440"/>
-              <a:buNone/>
-            </a:pPr>
-            <a:endParaRPr dirty="0"/>
-          </a:p>
-        </p:txBody>
-      </p:sp>
-      <p:sp>
-        <p:nvSpPr>
-          <p:cNvPr id="122" name="Google Shape;122;p16"/>
-          <p:cNvSpPr txBox="1">
-            <a:spLocks noGrp="1"/>
-          </p:cNvSpPr>
-          <p:nvPr>
-            <p:ph type="sldNum" idx="12"/>
-          </p:nvPr>
-        </p:nvSpPr>
-        <p:spPr>
-          <a:xfrm>
-            <a:off x="8686798" y="-12"/>
-            <a:ext cx="457200" cy="357000"/>
-          </a:xfrm>
-          <a:prstGeom prst="rect">
-            <a:avLst/>
-          </a:prstGeom>
-        </p:spPr>
-        <p:txBody>
-          <a:bodyPr spcFirstLastPara="1" wrap="square" lIns="91425" tIns="45700" rIns="91425" bIns="45700" anchor="b" anchorCtr="0">
-            <a:noAutofit/>
-          </a:bodyPr>
-          <a:lstStyle/>
-          <a:p>
-            <a:pPr marL="0" lvl="0" indent="0" algn="ctr" rtl="0">
-              <a:spcBef>
-                <a:spcPts val="0"/>
-              </a:spcBef>
-              <a:spcAft>
-                <a:spcPts val="0"/>
-              </a:spcAft>
-              <a:buClr>
-                <a:srgbClr val="000000"/>
-              </a:buClr>
-              <a:buSzPts val="1200"/>
-              <a:buFont typeface="Arial"/>
-              <a:buNone/>
-            </a:pPr>
-            <a:fld id="{00000000-1234-1234-1234-123412341234}" type="slidenum">
-              <a:rPr lang="ru-RU"/>
-              <a:t>4</a:t>
-            </a:fld>
-            <a:endParaRPr/>
-          </a:p>
-        </p:txBody>
-      </p:sp>
-    </p:spTree>
-  </p:cSld>
-  <p:clrMapOvr>
-    <a:masterClrMapping/>
-  </p:clrMapOvr>
-</p:sld>
-</file>
-
-<file path=ppt/slides/slide5.xml><?xml version="1.0" encoding="utf-8"?>
-<p:sld xmlns:a="http://schemas.openxmlformats.org/drawingml/2006/main" xmlns:r="http://schemas.openxmlformats.org/officeDocument/2006/relationships" xmlns:p="http://schemas.openxmlformats.org/presentationml/2006/main">
-  <p:cSld>
-    <p:spTree>
-      <p:nvGrpSpPr>
-        <p:cNvPr id="1" name=""/>
-        <p:cNvGrpSpPr/>
-        <p:nvPr/>
-      </p:nvGrpSpPr>
-      <p:grpSpPr>
-        <a:xfrm>
-          <a:off x="0" y="0"/>
-          <a:ext cx="0" cy="0"/>
-          <a:chOff x="0" y="0"/>
-          <a:chExt cx="0" cy="0"/>
-        </a:xfrm>
-      </p:grpSpPr>
-      <p:sp>
-        <p:nvSpPr>
-          <p:cNvPr id="2" name="Заголовок 1">
-            <a:extLst>
-              <a:ext uri="{FF2B5EF4-FFF2-40B4-BE49-F238E27FC236}">
-                <a16:creationId xmlns:a16="http://schemas.microsoft.com/office/drawing/2014/main" id="{53F2035E-FE25-449D-B783-DF03546EB14B}"/>
-              </a:ext>
-            </a:extLst>
-          </p:cNvPr>
-          <p:cNvSpPr>
-            <a:spLocks noGrp="1"/>
-          </p:cNvSpPr>
-          <p:nvPr>
-            <p:ph type="title"/>
-          </p:nvPr>
-        </p:nvSpPr>
-        <p:spPr>
-          <a:xfrm>
-            <a:off x="1435608" y="114857"/>
-            <a:ext cx="7498200" cy="857400"/>
-          </a:xfrm>
-        </p:spPr>
-        <p:txBody>
-          <a:bodyPr/>
-          <a:lstStyle/>
-          <a:p>
-            <a:r>
-              <a:rPr lang="uk-UA" dirty="0"/>
-              <a:t>Класифікація ігор</a:t>
-            </a:r>
-          </a:p>
-        </p:txBody>
-      </p:sp>
-      <p:sp>
-        <p:nvSpPr>
-          <p:cNvPr id="3" name="Місце для тексту 2">
-            <a:extLst>
-              <a:ext uri="{FF2B5EF4-FFF2-40B4-BE49-F238E27FC236}">
-                <a16:creationId xmlns:a16="http://schemas.microsoft.com/office/drawing/2014/main" id="{7FB83199-EC53-4507-93A6-C144DAA16873}"/>
-              </a:ext>
-            </a:extLst>
-          </p:cNvPr>
-          <p:cNvSpPr>
-            <a:spLocks noGrp="1"/>
-          </p:cNvSpPr>
-          <p:nvPr>
-            <p:ph type="body" idx="1"/>
-          </p:nvPr>
-        </p:nvSpPr>
-        <p:spPr/>
-        <p:txBody>
-          <a:bodyPr/>
-          <a:lstStyle/>
-          <a:p>
-            <a:endParaRPr lang="uk-UA" dirty="0"/>
-          </a:p>
-        </p:txBody>
-      </p:sp>
-      <p:sp>
-        <p:nvSpPr>
-          <p:cNvPr id="4" name="Місце для номера слайда 3">
-            <a:extLst>
-              <a:ext uri="{FF2B5EF4-FFF2-40B4-BE49-F238E27FC236}">
-                <a16:creationId xmlns:a16="http://schemas.microsoft.com/office/drawing/2014/main" id="{0E4F6D8A-322C-4568-B848-B3455643FB32}"/>
-              </a:ext>
-            </a:extLst>
-          </p:cNvPr>
-          <p:cNvSpPr>
-            <a:spLocks noGrp="1"/>
-          </p:cNvSpPr>
-          <p:nvPr>
-            <p:ph type="sldNum" idx="12"/>
-          </p:nvPr>
-        </p:nvSpPr>
-        <p:spPr/>
-        <p:txBody>
-          <a:bodyPr/>
-          <a:lstStyle/>
-          <a:p>
-            <a:pPr marL="0" lvl="0" indent="0" algn="ctr" rtl="0">
-              <a:spcBef>
-                <a:spcPts val="0"/>
-              </a:spcBef>
-              <a:spcAft>
-                <a:spcPts val="0"/>
-              </a:spcAft>
-              <a:buNone/>
-            </a:pPr>
-            <a:fld id="{00000000-1234-1234-1234-123412341234}" type="slidenum">
-              <a:rPr lang="ru-RU" smtClean="0"/>
-              <a:t>5</a:t>
-            </a:fld>
-            <a:endParaRPr lang="ru-RU"/>
-          </a:p>
-        </p:txBody>
-      </p:sp>
-      <p:graphicFrame>
-        <p:nvGraphicFramePr>
-          <p:cNvPr id="5" name="Таблиця 5">
-            <a:extLst>
-              <a:ext uri="{FF2B5EF4-FFF2-40B4-BE49-F238E27FC236}">
-                <a16:creationId xmlns:a16="http://schemas.microsoft.com/office/drawing/2014/main" id="{450AE4A1-F59C-4121-B21E-D415B3BE30F1}"/>
-              </a:ext>
-            </a:extLst>
-          </p:cNvPr>
-          <p:cNvGraphicFramePr>
-            <a:graphicFrameLocks noGrp="1"/>
-          </p:cNvGraphicFramePr>
-          <p:nvPr>
-            <p:extLst>
-              <p:ext uri="{D42A27DB-BD31-4B8C-83A1-F6EECF244321}">
-                <p14:modId xmlns:p14="http://schemas.microsoft.com/office/powerpoint/2010/main" val="2541946041"/>
-              </p:ext>
-            </p:extLst>
-          </p:nvPr>
-        </p:nvGraphicFramePr>
-        <p:xfrm>
-          <a:off x="803275" y="863601"/>
-          <a:ext cx="7927976" cy="4123624"/>
-        </p:xfrm>
-        <a:graphic>
-          <a:graphicData uri="http://schemas.openxmlformats.org/drawingml/2006/table">
-            <a:tbl>
-              <a:tblPr firstRow="1" bandRow="1">
-                <a:tableStyleId>{5C22544A-7EE6-4342-B048-85BDC9FD1C3A}</a:tableStyleId>
-              </a:tblPr>
-              <a:tblGrid>
-                <a:gridCol w="3963988">
-                  <a:extLst>
-                    <a:ext uri="{9D8B030D-6E8A-4147-A177-3AD203B41FA5}">
-                      <a16:colId xmlns:a16="http://schemas.microsoft.com/office/drawing/2014/main" val="211036497"/>
-                    </a:ext>
-                  </a:extLst>
-                </a:gridCol>
-                <a:gridCol w="3963988">
-                  <a:extLst>
-                    <a:ext uri="{9D8B030D-6E8A-4147-A177-3AD203B41FA5}">
-                      <a16:colId xmlns:a16="http://schemas.microsoft.com/office/drawing/2014/main" val="4050926663"/>
-                    </a:ext>
-                  </a:extLst>
-                </a:gridCol>
-              </a:tblGrid>
-              <a:tr h="357428">
-                <a:tc>
-                  <a:txBody>
-                    <a:bodyPr/>
-                    <a:lstStyle/>
-                    <a:p>
-                      <a:pPr algn="l" fontAlgn="base"/>
-                      <a:r>
-                        <a:rPr lang="uk-UA" dirty="0">
-                          <a:effectLst/>
-                        </a:rPr>
-                        <a:t>Жанр Ігор</a:t>
-                      </a:r>
-                    </a:p>
-                  </a:txBody>
-                  <a:tcPr marL="38100" marR="38100" marT="76200" marB="76200" anchor="ctr"/>
-                </a:tc>
-                <a:tc>
-                  <a:txBody>
-                    <a:bodyPr/>
-                    <a:lstStyle/>
-                    <a:p>
-                      <a:pPr algn="l" fontAlgn="base"/>
-                      <a:r>
-                        <a:rPr lang="uk-UA" dirty="0">
-                          <a:effectLst/>
-                        </a:rPr>
-                        <a:t>Короткий опис</a:t>
-                      </a:r>
-                    </a:p>
-                  </a:txBody>
-                  <a:tcPr marL="38100" marR="38100" marT="76200" marB="76200" anchor="ctr"/>
-                </a:tc>
-                <a:extLst>
-                  <a:ext uri="{0D108BD9-81ED-4DB2-BD59-A6C34878D82A}">
-                    <a16:rowId xmlns:a16="http://schemas.microsoft.com/office/drawing/2014/main" val="243881630"/>
-                  </a:ext>
-                </a:extLst>
-              </a:tr>
-              <a:tr h="774428">
-                <a:tc>
-                  <a:txBody>
-                    <a:bodyPr/>
-                    <a:lstStyle/>
-                    <a:p>
-                      <a:pPr algn="l" fontAlgn="base"/>
-                      <a:r>
-                        <a:rPr lang="uk-UA" b="1" dirty="0">
-                          <a:effectLst/>
-                        </a:rPr>
-                        <a:t>Екшн</a:t>
-                      </a:r>
-                      <a:endParaRPr lang="uk-UA" dirty="0">
-                        <a:effectLst/>
-                      </a:endParaRPr>
-                    </a:p>
-                  </a:txBody>
-                  <a:tcPr marL="38100" marR="38100" marT="76200" marB="76200" anchor="ctr"/>
-                </a:tc>
-                <a:tc>
-                  <a:txBody>
-                    <a:bodyPr/>
-                    <a:lstStyle/>
-                    <a:p>
-                      <a:pPr algn="l" fontAlgn="base"/>
-                      <a:r>
-                        <a:rPr lang="ru-RU" dirty="0">
-                          <a:effectLst/>
-                        </a:rPr>
-                        <a:t>- Ігри з </a:t>
-                      </a:r>
-                      <a:r>
-                        <a:rPr lang="uk-UA" noProof="0" dirty="0">
-                          <a:effectLst/>
-                        </a:rPr>
-                        <a:t>елементами</a:t>
-                      </a:r>
-                      <a:r>
-                        <a:rPr lang="ru-RU" dirty="0">
-                          <a:effectLst/>
-                        </a:rPr>
-                        <a:t> бою.</a:t>
-                      </a:r>
-                    </a:p>
-                  </a:txBody>
-                  <a:tcPr marL="38100" marR="38100" marT="76200" marB="76200" anchor="ctr"/>
-                </a:tc>
-                <a:extLst>
-                  <a:ext uri="{0D108BD9-81ED-4DB2-BD59-A6C34878D82A}">
-                    <a16:rowId xmlns:a16="http://schemas.microsoft.com/office/drawing/2014/main" val="1920126463"/>
-                  </a:ext>
-                </a:extLst>
-              </a:tr>
-              <a:tr h="774428">
-                <a:tc>
-                  <a:txBody>
-                    <a:bodyPr/>
-                    <a:lstStyle/>
-                    <a:p>
-                      <a:pPr algn="l" fontAlgn="base"/>
-                      <a:r>
-                        <a:rPr lang="uk-UA" b="1" dirty="0">
-                          <a:effectLst/>
-                        </a:rPr>
-                        <a:t>Пригодницькі</a:t>
-                      </a:r>
-                      <a:endParaRPr lang="uk-UA" dirty="0">
-                        <a:effectLst/>
-                      </a:endParaRPr>
-                    </a:p>
-                  </a:txBody>
-                  <a:tcPr marL="38100" marR="38100" marT="76200" marB="76200" anchor="ctr"/>
-                </a:tc>
-                <a:tc>
-                  <a:txBody>
-                    <a:bodyPr/>
-                    <a:lstStyle/>
-                    <a:p>
-                      <a:pPr algn="l" fontAlgn="base"/>
-                      <a:r>
-                        <a:rPr lang="ru-RU" dirty="0">
-                          <a:effectLst/>
-                        </a:rPr>
-                        <a:t>- </a:t>
-                      </a:r>
-                      <a:r>
-                        <a:rPr lang="uk-UA" noProof="0" dirty="0">
-                          <a:effectLst/>
-                        </a:rPr>
-                        <a:t>Ігри орієнтовані на сюжет та головоломки.</a:t>
-                      </a:r>
-                      <a:endParaRPr lang="ru-RU" dirty="0">
-                        <a:effectLst/>
-                      </a:endParaRPr>
-                    </a:p>
-                  </a:txBody>
-                  <a:tcPr marL="38100" marR="38100" marT="76200" marB="76200" anchor="ctr"/>
-                </a:tc>
-                <a:extLst>
-                  <a:ext uri="{0D108BD9-81ED-4DB2-BD59-A6C34878D82A}">
-                    <a16:rowId xmlns:a16="http://schemas.microsoft.com/office/drawing/2014/main" val="1931910511"/>
-                  </a:ext>
-                </a:extLst>
-              </a:tr>
-              <a:tr h="565928">
-                <a:tc>
-                  <a:txBody>
-                    <a:bodyPr/>
-                    <a:lstStyle/>
-                    <a:p>
-                      <a:pPr algn="l" fontAlgn="base"/>
-                      <a:r>
-                        <a:rPr lang="uk-UA" b="1" dirty="0">
-                          <a:effectLst/>
-                        </a:rPr>
-                        <a:t>Рольові (</a:t>
-                      </a:r>
-                      <a:r>
-                        <a:rPr lang="en-US" b="1" dirty="0">
-                          <a:effectLst/>
-                        </a:rPr>
-                        <a:t>RPG)</a:t>
-                      </a:r>
-                      <a:endParaRPr lang="en-US" dirty="0">
-                        <a:effectLst/>
-                      </a:endParaRPr>
-                    </a:p>
-                  </a:txBody>
-                  <a:tcPr marL="38100" marR="38100" marT="76200" marB="76200" anchor="ctr"/>
-                </a:tc>
-                <a:tc>
-                  <a:txBody>
-                    <a:bodyPr/>
-                    <a:lstStyle/>
-                    <a:p>
-                      <a:pPr algn="l" fontAlgn="base"/>
-                      <a:r>
-                        <a:rPr lang="ru-RU" dirty="0">
-                          <a:effectLst/>
-                        </a:rPr>
-                        <a:t>- </a:t>
-                      </a:r>
-                      <a:r>
-                        <a:rPr lang="uk-UA" noProof="0" dirty="0">
-                          <a:effectLst/>
-                        </a:rPr>
-                        <a:t>Ігри з різними класами та характеристиками персонажів.</a:t>
-                      </a:r>
-                      <a:endParaRPr lang="ru-RU" dirty="0">
-                        <a:effectLst/>
-                      </a:endParaRPr>
-                    </a:p>
-                  </a:txBody>
-                  <a:tcPr marL="38100" marR="38100" marT="76200" marB="76200" anchor="ctr"/>
-                </a:tc>
-                <a:extLst>
-                  <a:ext uri="{0D108BD9-81ED-4DB2-BD59-A6C34878D82A}">
-                    <a16:rowId xmlns:a16="http://schemas.microsoft.com/office/drawing/2014/main" val="2049719933"/>
-                  </a:ext>
-                </a:extLst>
-              </a:tr>
-              <a:tr h="855460">
-                <a:tc>
-                  <a:txBody>
-                    <a:bodyPr/>
-                    <a:lstStyle/>
-                    <a:p>
-                      <a:pPr algn="l" fontAlgn="base"/>
-                      <a:r>
-                        <a:rPr lang="uk-UA" b="1" dirty="0">
-                          <a:effectLst/>
-                        </a:rPr>
-                        <a:t>Стратегії</a:t>
-                      </a:r>
-                      <a:endParaRPr lang="uk-UA" dirty="0">
-                        <a:effectLst/>
-                      </a:endParaRPr>
-                    </a:p>
-                  </a:txBody>
-                  <a:tcPr marL="38100" marR="38100" marT="76200" marB="76200" anchor="ctr"/>
-                </a:tc>
-                <a:tc>
-                  <a:txBody>
-                    <a:bodyPr/>
-                    <a:lstStyle/>
-                    <a:p>
-                      <a:pPr algn="l" fontAlgn="base"/>
-                      <a:r>
-                        <a:rPr lang="uk-UA" dirty="0">
-                          <a:effectLst/>
-                        </a:rPr>
-                        <a:t>- Ігри орієнтовані на управління ресурсами та планування для досягнення стратегічних цілей.</a:t>
-                      </a:r>
-                    </a:p>
-                  </a:txBody>
-                  <a:tcPr marL="38100" marR="38100" marT="76200" marB="76200" anchor="ctr"/>
-                </a:tc>
-                <a:extLst>
-                  <a:ext uri="{0D108BD9-81ED-4DB2-BD59-A6C34878D82A}">
-                    <a16:rowId xmlns:a16="http://schemas.microsoft.com/office/drawing/2014/main" val="1074443427"/>
-                  </a:ext>
-                </a:extLst>
-              </a:tr>
-              <a:tr h="774428">
-                <a:tc>
-                  <a:txBody>
-                    <a:bodyPr/>
-                    <a:lstStyle/>
-                    <a:p>
-                      <a:pPr algn="l" fontAlgn="base"/>
-                      <a:r>
-                        <a:rPr lang="uk-UA" b="1" dirty="0">
-                          <a:effectLst/>
-                        </a:rPr>
-                        <a:t>Симулятори</a:t>
-                      </a:r>
-                      <a:endParaRPr lang="uk-UA" dirty="0">
-                        <a:effectLst/>
-                      </a:endParaRPr>
-                    </a:p>
-                  </a:txBody>
-                  <a:tcPr marL="38100" marR="38100" marT="76200" marB="76200" anchor="ctr"/>
-                </a:tc>
-                <a:tc>
-                  <a:txBody>
-                    <a:bodyPr/>
-                    <a:lstStyle/>
-                    <a:p>
-                      <a:pPr algn="l" fontAlgn="base"/>
-                      <a:r>
-                        <a:rPr lang="uk-UA" dirty="0">
-                          <a:effectLst/>
-                        </a:rPr>
-                        <a:t>- Ігри з імітацією реальних процесів або діяльності.</a:t>
-                      </a:r>
-                    </a:p>
-                  </a:txBody>
-                  <a:tcPr marL="38100" marR="38100" marT="76200" marB="76200" anchor="ctr"/>
-                </a:tc>
-                <a:extLst>
-                  <a:ext uri="{0D108BD9-81ED-4DB2-BD59-A6C34878D82A}">
-                    <a16:rowId xmlns:a16="http://schemas.microsoft.com/office/drawing/2014/main" val="3924398040"/>
-                  </a:ext>
-                </a:extLst>
-              </a:tr>
-            </a:tbl>
-          </a:graphicData>
-        </a:graphic>
-      </p:graphicFrame>
-    </p:spTree>
-    <p:extLst>
-      <p:ext uri="{BB962C8B-B14F-4D97-AF65-F5344CB8AC3E}">
-        <p14:creationId xmlns:p14="http://schemas.microsoft.com/office/powerpoint/2010/main" val="1039118045"/>
-      </p:ext>
-    </p:extLst>
-  </p:cSld>
-  <p:clrMapOvr>
-    <a:masterClrMapping/>
-  </p:clrMapOvr>
-</p:sld>
-</file>
-
-<file path=ppt/slides/slide6.xml><?xml version="1.0" encoding="utf-8"?>
+<file path=ppt/slides/slide7.xml><?xml version="1.0" encoding="utf-8"?>
 <p:sld xmlns:a="http://schemas.openxmlformats.org/drawingml/2006/main" xmlns:r="http://schemas.openxmlformats.org/officeDocument/2006/relationships" xmlns:p="http://schemas.openxmlformats.org/presentationml/2006/main">
   <p:cSld>
     <p:spTree>
@@ -20700,7 +20949,7 @@
             </a:pPr>
             <a:fld id="{00000000-1234-1234-1234-123412341234}" type="slidenum">
               <a:rPr lang="ru-RU"/>
-              <a:t>6</a:t>
+              <a:t>7</a:t>
             </a:fld>
             <a:endParaRPr/>
           </a:p>
@@ -20721,7 +20970,7 @@
           <p:nvPr>
             <p:extLst>
               <p:ext uri="{D42A27DB-BD31-4B8C-83A1-F6EECF244321}">
-                <p14:modId xmlns:p14="http://schemas.microsoft.com/office/powerpoint/2010/main" val="1408917424"/>
+                <p14:modId xmlns:p14="http://schemas.microsoft.com/office/powerpoint/2010/main" val="2121989497"/>
               </p:ext>
             </p:extLst>
           </p:nvPr>
@@ -20796,15 +21045,7 @@
                       </a:r>
                       <a:r>
                         <a:rPr lang="ru-RU" dirty="0"/>
-                        <a:t> </a:t>
-                      </a:r>
-                      <a:r>
-                        <a:rPr lang="ru-RU" dirty="0" err="1"/>
-                        <a:t>поведінки</a:t>
-                      </a:r>
-                      <a:r>
-                        <a:rPr lang="ru-RU" dirty="0"/>
-                        <a:t>)</a:t>
+                        <a:t> поведінки)</a:t>
                       </a:r>
                       <a:endParaRPr lang="uk-UA" dirty="0"/>
                     </a:p>
@@ -20973,9 +21214,10 @@
                         <a:t> типи </a:t>
                       </a:r>
                       <a:r>
-                        <a:rPr lang="uk-UA" noProof="0" dirty="0"/>
-                        <a:t>ворогів</a:t>
+                        <a:rPr lang="en-US" noProof="0" dirty="0"/>
+                        <a:t>NPC</a:t>
                       </a:r>
+                      <a:endParaRPr lang="uk-UA" noProof="0" dirty="0"/>
                     </a:p>
                   </a:txBody>
                   <a:tcPr/>
@@ -21213,7 +21455,7 @@
                     <a:p>
                       <a:r>
                         <a:rPr lang="uk-UA" dirty="0"/>
-                        <a:t>Ухилення</a:t>
+                        <a:t>Ухилення від атак</a:t>
                       </a:r>
                     </a:p>
                   </a:txBody>
@@ -21433,7 +21675,7 @@
 </p:sld>
 </file>
 
-<file path=ppt/slides/slide7.xml><?xml version="1.0" encoding="utf-8"?>
+<file path=ppt/slides/slide8.xml><?xml version="1.0" encoding="utf-8"?>
 <p:sld xmlns:a="http://schemas.openxmlformats.org/drawingml/2006/main" xmlns:r="http://schemas.openxmlformats.org/officeDocument/2006/relationships" xmlns:p="http://schemas.openxmlformats.org/presentationml/2006/main">
   <p:cSld>
     <p:spTree>
@@ -21565,7 +21807,7 @@
             </a:pPr>
             <a:fld id="{00000000-1234-1234-1234-123412341234}" type="slidenum">
               <a:rPr lang="ru-RU"/>
-              <a:t>7</a:t>
+              <a:t>8</a:t>
             </a:fld>
             <a:endParaRPr/>
           </a:p>
@@ -21609,7 +21851,7 @@
 </p:sld>
 </file>
 
-<file path=ppt/slides/slide8.xml><?xml version="1.0" encoding="utf-8"?>
+<file path=ppt/slides/slide9.xml><?xml version="1.0" encoding="utf-8"?>
 <p:sld xmlns:a="http://schemas.openxmlformats.org/drawingml/2006/main" xmlns:r="http://schemas.openxmlformats.org/officeDocument/2006/relationships" xmlns:p="http://schemas.openxmlformats.org/presentationml/2006/main">
   <p:cSld>
     <p:spTree>
@@ -21694,7 +21936,7 @@
             </a:pPr>
             <a:fld id="{00000000-1234-1234-1234-123412341234}" type="slidenum">
               <a:rPr lang="ru-RU" smtClean="0"/>
-              <a:t>8</a:t>
+              <a:t>9</a:t>
             </a:fld>
             <a:endParaRPr lang="ru-RU"/>
           </a:p>
@@ -21736,474 +21978,6 @@
         <p14:creationId xmlns:p14="http://schemas.microsoft.com/office/powerpoint/2010/main" val="2872647204"/>
       </p:ext>
     </p:extLst>
-  </p:cSld>
-  <p:clrMapOvr>
-    <a:masterClrMapping/>
-  </p:clrMapOvr>
-</p:sld>
-</file>
-
-<file path=ppt/slides/slide9.xml><?xml version="1.0" encoding="utf-8"?>
-<p:sld xmlns:a="http://schemas.openxmlformats.org/drawingml/2006/main" xmlns:r="http://schemas.openxmlformats.org/officeDocument/2006/relationships" xmlns:p="http://schemas.openxmlformats.org/presentationml/2006/main">
-  <p:cSld>
-    <p:spTree>
-      <p:nvGrpSpPr>
-        <p:cNvPr id="1" name="Shape 140"/>
-        <p:cNvGrpSpPr/>
-        <p:nvPr/>
-      </p:nvGrpSpPr>
-      <p:grpSpPr>
-        <a:xfrm>
-          <a:off x="0" y="0"/>
-          <a:ext cx="0" cy="0"/>
-          <a:chOff x="0" y="0"/>
-          <a:chExt cx="0" cy="0"/>
-        </a:xfrm>
-      </p:grpSpPr>
-      <p:sp>
-        <p:nvSpPr>
-          <p:cNvPr id="141" name="Google Shape;141;p19"/>
-          <p:cNvSpPr txBox="1">
-            <a:spLocks noGrp="1"/>
-          </p:cNvSpPr>
-          <p:nvPr>
-            <p:ph type="title"/>
-          </p:nvPr>
-        </p:nvSpPr>
-        <p:spPr>
-          <a:xfrm>
-            <a:off x="1435608" y="205978"/>
-            <a:ext cx="7498200" cy="857400"/>
-          </a:xfrm>
-          <a:prstGeom prst="rect">
-            <a:avLst/>
-          </a:prstGeom>
-          <a:noFill/>
-          <a:ln>
-            <a:noFill/>
-          </a:ln>
-        </p:spPr>
-        <p:txBody>
-          <a:bodyPr spcFirstLastPara="1" wrap="square" lIns="91425" tIns="45700" rIns="91425" bIns="45700" anchor="ctr" anchorCtr="0">
-            <a:normAutofit/>
-          </a:bodyPr>
-          <a:lstStyle/>
-          <a:p>
-            <a:pPr marL="0" lvl="0" indent="0" algn="l" rtl="0">
-              <a:lnSpc>
-                <a:spcPct val="100000"/>
-              </a:lnSpc>
-              <a:spcBef>
-                <a:spcPts val="0"/>
-              </a:spcBef>
-              <a:spcAft>
-                <a:spcPts val="0"/>
-              </a:spcAft>
-              <a:buClr>
-                <a:srgbClr val="562214"/>
-              </a:buClr>
-              <a:buSzPts val="4300"/>
-              <a:buFont typeface="Gill Sans"/>
-              <a:buNone/>
-            </a:pPr>
-            <a:r>
-              <a:rPr lang="ru-RU" dirty="0" err="1">
-                <a:latin typeface="Times New Roman" panose="02020603050405020304" pitchFamily="18" charset="0"/>
-                <a:cs typeface="Times New Roman" panose="02020603050405020304" pitchFamily="18" charset="0"/>
-              </a:rPr>
-              <a:t>Засоби</a:t>
-            </a:r>
-            <a:r>
-              <a:rPr lang="ru-RU" dirty="0">
-                <a:latin typeface="Times New Roman" panose="02020603050405020304" pitchFamily="18" charset="0"/>
-                <a:cs typeface="Times New Roman" panose="02020603050405020304" pitchFamily="18" charset="0"/>
-              </a:rPr>
-              <a:t> </a:t>
-            </a:r>
-            <a:r>
-              <a:rPr lang="ru-RU" dirty="0" err="1">
-                <a:latin typeface="Times New Roman" panose="02020603050405020304" pitchFamily="18" charset="0"/>
-                <a:cs typeface="Times New Roman" panose="02020603050405020304" pitchFamily="18" charset="0"/>
-              </a:rPr>
-              <a:t>розробки</a:t>
-            </a:r>
-            <a:endParaRPr dirty="0">
-              <a:highlight>
-                <a:srgbClr val="FFFF00"/>
-              </a:highlight>
-              <a:latin typeface="Times New Roman" panose="02020603050405020304" pitchFamily="18" charset="0"/>
-              <a:cs typeface="Times New Roman" panose="02020603050405020304" pitchFamily="18" charset="0"/>
-            </a:endParaRPr>
-          </a:p>
-        </p:txBody>
-      </p:sp>
-      <p:sp>
-        <p:nvSpPr>
-          <p:cNvPr id="143" name="Google Shape;143;p19"/>
-          <p:cNvSpPr txBox="1">
-            <a:spLocks noGrp="1"/>
-          </p:cNvSpPr>
-          <p:nvPr>
-            <p:ph type="sldNum" idx="12"/>
-          </p:nvPr>
-        </p:nvSpPr>
-        <p:spPr>
-          <a:xfrm>
-            <a:off x="8686798" y="-12"/>
-            <a:ext cx="457200" cy="357000"/>
-          </a:xfrm>
-          <a:prstGeom prst="rect">
-            <a:avLst/>
-          </a:prstGeom>
-        </p:spPr>
-        <p:txBody>
-          <a:bodyPr spcFirstLastPara="1" wrap="square" lIns="91425" tIns="45700" rIns="91425" bIns="45700" anchor="b" anchorCtr="0">
-            <a:noAutofit/>
-          </a:bodyPr>
-          <a:lstStyle/>
-          <a:p>
-            <a:pPr marL="0" lvl="0" indent="0" algn="ctr" rtl="0">
-              <a:spcBef>
-                <a:spcPts val="0"/>
-              </a:spcBef>
-              <a:spcAft>
-                <a:spcPts val="0"/>
-              </a:spcAft>
-              <a:buClr>
-                <a:srgbClr val="000000"/>
-              </a:buClr>
-              <a:buSzPts val="1200"/>
-              <a:buFont typeface="Arial"/>
-              <a:buNone/>
-            </a:pPr>
-            <a:fld id="{00000000-1234-1234-1234-123412341234}" type="slidenum">
-              <a:rPr lang="ru-RU"/>
-              <a:t>9</a:t>
-            </a:fld>
-            <a:endParaRPr/>
-          </a:p>
-        </p:txBody>
-      </p:sp>
-      <p:pic>
-        <p:nvPicPr>
-          <p:cNvPr id="1026" name="Picture 2">
-            <a:extLst>
-              <a:ext uri="{FF2B5EF4-FFF2-40B4-BE49-F238E27FC236}">
-                <a16:creationId xmlns:a16="http://schemas.microsoft.com/office/drawing/2014/main" id="{D7A37E34-2DEE-415C-9234-4FF709D8590C}"/>
-              </a:ext>
-            </a:extLst>
-          </p:cNvPr>
-          <p:cNvPicPr>
-            <a:picLocks noChangeAspect="1" noChangeArrowheads="1"/>
-          </p:cNvPicPr>
-          <p:nvPr/>
-        </p:nvPicPr>
-        <p:blipFill>
-          <a:blip r:embed="rId3">
-            <a:extLst>
-              <a:ext uri="{28A0092B-C50C-407E-A947-70E740481C1C}">
-                <a14:useLocalDpi xmlns:a14="http://schemas.microsoft.com/office/drawing/2010/main" val="0"/>
-              </a:ext>
-            </a:extLst>
-          </a:blip>
-          <a:srcRect/>
-          <a:stretch>
-            <a:fillRect/>
-          </a:stretch>
-        </p:blipFill>
-        <p:spPr bwMode="auto">
-          <a:xfrm>
-            <a:off x="419642" y="2025251"/>
-            <a:ext cx="2357338" cy="857400"/>
-          </a:xfrm>
-          <a:prstGeom prst="rect">
-            <a:avLst/>
-          </a:prstGeom>
-          <a:noFill/>
-          <a:extLst>
-            <a:ext uri="{909E8E84-426E-40DD-AFC4-6F175D3DCCD1}">
-              <a14:hiddenFill xmlns:a14="http://schemas.microsoft.com/office/drawing/2010/main">
-                <a:solidFill>
-                  <a:srgbClr val="FFFFFF"/>
-                </a:solidFill>
-              </a14:hiddenFill>
-            </a:ext>
-          </a:extLst>
-        </p:spPr>
-      </p:pic>
-      <p:pic>
-        <p:nvPicPr>
-          <p:cNvPr id="1032" name="Picture 8" descr="Visual Studio logo and symbol, meaning, history, PNG">
-            <a:extLst>
-              <a:ext uri="{FF2B5EF4-FFF2-40B4-BE49-F238E27FC236}">
-                <a16:creationId xmlns:a16="http://schemas.microsoft.com/office/drawing/2014/main" id="{9340C89A-A17B-42A7-980A-00053591DBB7}"/>
-              </a:ext>
-            </a:extLst>
-          </p:cNvPr>
-          <p:cNvPicPr>
-            <a:picLocks noChangeAspect="1" noChangeArrowheads="1"/>
-          </p:cNvPicPr>
-          <p:nvPr/>
-        </p:nvPicPr>
-        <p:blipFill>
-          <a:blip r:embed="rId4">
-            <a:extLst>
-              <a:ext uri="{28A0092B-C50C-407E-A947-70E740481C1C}">
-                <a14:useLocalDpi xmlns:a14="http://schemas.microsoft.com/office/drawing/2010/main" val="0"/>
-              </a:ext>
-            </a:extLst>
-          </a:blip>
-          <a:srcRect/>
-          <a:stretch>
-            <a:fillRect/>
-          </a:stretch>
-        </p:blipFill>
-        <p:spPr bwMode="auto">
-          <a:xfrm>
-            <a:off x="248721" y="3232547"/>
-            <a:ext cx="2528259" cy="1422146"/>
-          </a:xfrm>
-          <a:prstGeom prst="rect">
-            <a:avLst/>
-          </a:prstGeom>
-          <a:noFill/>
-          <a:extLst>
-            <a:ext uri="{909E8E84-426E-40DD-AFC4-6F175D3DCCD1}">
-              <a14:hiddenFill xmlns:a14="http://schemas.microsoft.com/office/drawing/2010/main">
-                <a:solidFill>
-                  <a:srgbClr val="FFFFFF"/>
-                </a:solidFill>
-              </a14:hiddenFill>
-            </a:ext>
-          </a:extLst>
-        </p:spPr>
-      </p:pic>
-      <p:pic>
-        <p:nvPicPr>
-          <p:cNvPr id="1028" name="Picture 4" descr="Maya Logo PNG vector in SVG, PDF, AI, CDR format">
-            <a:extLst>
-              <a:ext uri="{FF2B5EF4-FFF2-40B4-BE49-F238E27FC236}">
-                <a16:creationId xmlns:a16="http://schemas.microsoft.com/office/drawing/2014/main" id="{296FC72A-6911-4A94-BE34-2215A77F1FBE}"/>
-              </a:ext>
-            </a:extLst>
-          </p:cNvPr>
-          <p:cNvPicPr>
-            <a:picLocks noChangeAspect="1" noChangeArrowheads="1"/>
-          </p:cNvPicPr>
-          <p:nvPr/>
-        </p:nvPicPr>
-        <p:blipFill>
-          <a:blip r:embed="rId5">
-            <a:extLst>
-              <a:ext uri="{28A0092B-C50C-407E-A947-70E740481C1C}">
-                <a14:useLocalDpi xmlns:a14="http://schemas.microsoft.com/office/drawing/2010/main" val="0"/>
-              </a:ext>
-            </a:extLst>
-          </a:blip>
-          <a:srcRect/>
-          <a:stretch>
-            <a:fillRect/>
-          </a:stretch>
-        </p:blipFill>
-        <p:spPr bwMode="auto">
-          <a:xfrm>
-            <a:off x="6188684" y="1941033"/>
-            <a:ext cx="1411575" cy="1059417"/>
-          </a:xfrm>
-          <a:prstGeom prst="rect">
-            <a:avLst/>
-          </a:prstGeom>
-          <a:noFill/>
-          <a:extLst>
-            <a:ext uri="{909E8E84-426E-40DD-AFC4-6F175D3DCCD1}">
-              <a14:hiddenFill xmlns:a14="http://schemas.microsoft.com/office/drawing/2010/main">
-                <a:solidFill>
-                  <a:srgbClr val="FFFFFF"/>
-                </a:solidFill>
-              </a14:hiddenFill>
-            </a:ext>
-          </a:extLst>
-        </p:spPr>
-      </p:pic>
-      <p:pic>
-        <p:nvPicPr>
-          <p:cNvPr id="1030" name="Picture 6" descr="Photoshop Logo, symbol, meaning, history, PNG, brand">
-            <a:extLst>
-              <a:ext uri="{FF2B5EF4-FFF2-40B4-BE49-F238E27FC236}">
-                <a16:creationId xmlns:a16="http://schemas.microsoft.com/office/drawing/2014/main" id="{A6756B2C-8804-4FAE-AC49-5E7ACB9A3A84}"/>
-              </a:ext>
-            </a:extLst>
-          </p:cNvPr>
-          <p:cNvPicPr>
-            <a:picLocks noChangeAspect="1" noChangeArrowheads="1"/>
-          </p:cNvPicPr>
-          <p:nvPr/>
-        </p:nvPicPr>
-        <p:blipFill>
-          <a:blip r:embed="rId6">
-            <a:extLst>
-              <a:ext uri="{28A0092B-C50C-407E-A947-70E740481C1C}">
-                <a14:useLocalDpi xmlns:a14="http://schemas.microsoft.com/office/drawing/2010/main" val="0"/>
-              </a:ext>
-            </a:extLst>
-          </a:blip>
-          <a:srcRect/>
-          <a:stretch>
-            <a:fillRect/>
-          </a:stretch>
-        </p:blipFill>
-        <p:spPr bwMode="auto">
-          <a:xfrm>
-            <a:off x="5962785" y="3503139"/>
-            <a:ext cx="2047208" cy="1151554"/>
-          </a:xfrm>
-          <a:prstGeom prst="rect">
-            <a:avLst/>
-          </a:prstGeom>
-          <a:noFill/>
-          <a:extLst>
-            <a:ext uri="{909E8E84-426E-40DD-AFC4-6F175D3DCCD1}">
-              <a14:hiddenFill xmlns:a14="http://schemas.microsoft.com/office/drawing/2010/main">
-                <a:solidFill>
-                  <a:srgbClr val="FFFFFF"/>
-                </a:solidFill>
-              </a14:hiddenFill>
-            </a:ext>
-          </a:extLst>
-        </p:spPr>
-      </p:pic>
-      <p:pic>
-        <p:nvPicPr>
-          <p:cNvPr id="3" name="Picture 8" descr="GitHub — A Beginner's Introduction | by Thiago Marsal Farias | Medium">
-            <a:extLst>
-              <a:ext uri="{FF2B5EF4-FFF2-40B4-BE49-F238E27FC236}">
-                <a16:creationId xmlns:a16="http://schemas.microsoft.com/office/drawing/2014/main" id="{796E2758-F7CD-41AC-B114-A80B35A6095C}"/>
-              </a:ext>
-            </a:extLst>
-          </p:cNvPr>
-          <p:cNvPicPr>
-            <a:picLocks noChangeAspect="1" noChangeArrowheads="1"/>
-          </p:cNvPicPr>
-          <p:nvPr/>
-        </p:nvPicPr>
-        <p:blipFill>
-          <a:blip r:embed="rId7">
-            <a:extLst>
-              <a:ext uri="{28A0092B-C50C-407E-A947-70E740481C1C}">
-                <a14:useLocalDpi xmlns:a14="http://schemas.microsoft.com/office/drawing/2010/main" val="0"/>
-              </a:ext>
-            </a:extLst>
-          </a:blip>
-          <a:srcRect/>
-          <a:stretch>
-            <a:fillRect/>
-          </a:stretch>
-        </p:blipFill>
-        <p:spPr bwMode="auto">
-          <a:xfrm>
-            <a:off x="2749869" y="2689549"/>
-            <a:ext cx="2929897" cy="1085995"/>
-          </a:xfrm>
-          <a:prstGeom prst="rect">
-            <a:avLst/>
-          </a:prstGeom>
-          <a:noFill/>
-          <a:extLst>
-            <a:ext uri="{909E8E84-426E-40DD-AFC4-6F175D3DCCD1}">
-              <a14:hiddenFill xmlns:a14="http://schemas.microsoft.com/office/drawing/2010/main">
-                <a:solidFill>
-                  <a:srgbClr val="FFFFFF"/>
-                </a:solidFill>
-              </a14:hiddenFill>
-            </a:ext>
-          </a:extLst>
-        </p:spPr>
-      </p:pic>
-      <p:sp>
-        <p:nvSpPr>
-          <p:cNvPr id="4" name="TextBox 3">
-            <a:extLst>
-              <a:ext uri="{FF2B5EF4-FFF2-40B4-BE49-F238E27FC236}">
-                <a16:creationId xmlns:a16="http://schemas.microsoft.com/office/drawing/2014/main" id="{852A48FC-F11E-4644-84D6-9BB150040812}"/>
-              </a:ext>
-            </a:extLst>
-          </p:cNvPr>
-          <p:cNvSpPr txBox="1"/>
-          <p:nvPr/>
-        </p:nvSpPr>
-        <p:spPr>
-          <a:xfrm>
-            <a:off x="1127669" y="1269368"/>
-            <a:ext cx="941283" cy="523220"/>
-          </a:xfrm>
-          <a:prstGeom prst="rect">
-            <a:avLst/>
-          </a:prstGeom>
-          <a:noFill/>
-        </p:spPr>
-        <p:txBody>
-          <a:bodyPr wrap="none" rtlCol="0">
-            <a:spAutoFit/>
-          </a:bodyPr>
-          <a:lstStyle/>
-          <a:p>
-            <a:r>
-              <a:rPr lang="en-US" sz="2800" dirty="0">
-                <a:latin typeface="Times New Roman" panose="02020603050405020304" pitchFamily="18" charset="0"/>
-                <a:cs typeface="Times New Roman" panose="02020603050405020304" pitchFamily="18" charset="0"/>
-              </a:rPr>
-              <a:t>Code</a:t>
-            </a:r>
-            <a:endParaRPr lang="uk-UA" sz="2800" dirty="0">
-              <a:latin typeface="Times New Roman" panose="02020603050405020304" pitchFamily="18" charset="0"/>
-              <a:cs typeface="Times New Roman" panose="02020603050405020304" pitchFamily="18" charset="0"/>
-            </a:endParaRPr>
-          </a:p>
-        </p:txBody>
-      </p:sp>
-      <p:sp>
-        <p:nvSpPr>
-          <p:cNvPr id="5" name="TextBox 4">
-            <a:extLst>
-              <a:ext uri="{FF2B5EF4-FFF2-40B4-BE49-F238E27FC236}">
-                <a16:creationId xmlns:a16="http://schemas.microsoft.com/office/drawing/2014/main" id="{6CC0E645-B947-4B45-83E1-8B2DA7826AFA}"/>
-              </a:ext>
-            </a:extLst>
-          </p:cNvPr>
-          <p:cNvSpPr txBox="1"/>
-          <p:nvPr/>
-        </p:nvSpPr>
-        <p:spPr>
-          <a:xfrm>
-            <a:off x="6060749" y="1214217"/>
-            <a:ext cx="1667444" cy="584775"/>
-          </a:xfrm>
-          <a:prstGeom prst="rect">
-            <a:avLst/>
-          </a:prstGeom>
-          <a:noFill/>
-        </p:spPr>
-        <p:txBody>
-          <a:bodyPr wrap="none" rtlCol="0">
-            <a:spAutoFit/>
-          </a:bodyPr>
-          <a:lstStyle/>
-          <a:p>
-            <a:r>
-              <a:rPr lang="en-US" sz="3200" dirty="0">
-                <a:latin typeface="Times New Roman" panose="02020603050405020304" pitchFamily="18" charset="0"/>
-                <a:cs typeface="Times New Roman" panose="02020603050405020304" pitchFamily="18" charset="0"/>
-              </a:rPr>
-              <a:t>Graphics</a:t>
-            </a:r>
-            <a:endParaRPr lang="uk-UA" sz="3200" dirty="0">
-              <a:latin typeface="Times New Roman" panose="02020603050405020304" pitchFamily="18" charset="0"/>
-              <a:cs typeface="Times New Roman" panose="02020603050405020304" pitchFamily="18" charset="0"/>
-            </a:endParaRPr>
-          </a:p>
-        </p:txBody>
-      </p:sp>
-    </p:spTree>
   </p:cSld>
   <p:clrMapOvr>
     <a:masterClrMapping/>

--- a/Documents/Презентація/Презентація_Терешкович_ІТ-02_Захист.pptx
+++ b/Documents/Презентація/Презентація_Терешкович_ІТ-02_Захист.pptx
@@ -20,7 +20,7 @@
     <p:sldId id="268" r:id="rId11"/>
     <p:sldId id="262" r:id="rId12"/>
     <p:sldId id="279" r:id="rId13"/>
-    <p:sldId id="264" r:id="rId14"/>
+    <p:sldId id="281" r:id="rId14"/>
     <p:sldId id="267" r:id="rId15"/>
     <p:sldId id="273" r:id="rId16"/>
     <p:sldId id="280" r:id="rId17"/>
@@ -979,128 +979,6 @@
 </p:notes>
 </file>
 
-<file path=ppt/notesSlides/notesSlide10.xml><?xml version="1.0" encoding="utf-8"?>
-<p:notes xmlns:a="http://schemas.openxmlformats.org/drawingml/2006/main" xmlns:r="http://schemas.openxmlformats.org/officeDocument/2006/relationships" xmlns:p="http://schemas.openxmlformats.org/presentationml/2006/main" showMasterSp="0" showMasterPhAnim="0">
-  <p:cSld>
-    <p:spTree>
-      <p:nvGrpSpPr>
-        <p:cNvPr id="1" name="Shape 173"/>
-        <p:cNvGrpSpPr/>
-        <p:nvPr/>
-      </p:nvGrpSpPr>
-      <p:grpSpPr>
-        <a:xfrm>
-          <a:off x="0" y="0"/>
-          <a:ext cx="0" cy="0"/>
-          <a:chOff x="0" y="0"/>
-          <a:chExt cx="0" cy="0"/>
-        </a:xfrm>
-      </p:grpSpPr>
-      <p:sp>
-        <p:nvSpPr>
-          <p:cNvPr id="174" name="Google Shape;174;p12:notes"/>
-          <p:cNvSpPr txBox="1">
-            <a:spLocks noGrp="1"/>
-          </p:cNvSpPr>
-          <p:nvPr>
-            <p:ph type="body" idx="1"/>
-          </p:nvPr>
-        </p:nvSpPr>
-        <p:spPr>
-          <a:xfrm>
-            <a:off x="685800" y="4343400"/>
-            <a:ext cx="5486400" cy="4114800"/>
-          </a:xfrm>
-          <a:prstGeom prst="rect">
-            <a:avLst/>
-          </a:prstGeom>
-          <a:noFill/>
-          <a:ln>
-            <a:noFill/>
-          </a:ln>
-        </p:spPr>
-        <p:txBody>
-          <a:bodyPr spcFirstLastPara="1" wrap="square" lIns="91425" tIns="91425" rIns="91425" bIns="91425" anchor="t" anchorCtr="0">
-            <a:noAutofit/>
-          </a:bodyPr>
-          <a:lstStyle/>
-          <a:p>
-            <a:pPr marL="0" lvl="0" indent="0" algn="l" rtl="0">
-              <a:lnSpc>
-                <a:spcPct val="100000"/>
-              </a:lnSpc>
-              <a:spcBef>
-                <a:spcPts val="0"/>
-              </a:spcBef>
-              <a:spcAft>
-                <a:spcPts val="0"/>
-              </a:spcAft>
-              <a:buSzPts val="1100"/>
-              <a:buNone/>
-            </a:pPr>
-            <a:endParaRPr/>
-          </a:p>
-        </p:txBody>
-      </p:sp>
-      <p:sp>
-        <p:nvSpPr>
-          <p:cNvPr id="175" name="Google Shape;175;p12:notes"/>
-          <p:cNvSpPr>
-            <a:spLocks noGrp="1" noRot="1" noChangeAspect="1"/>
-          </p:cNvSpPr>
-          <p:nvPr>
-            <p:ph type="sldImg" idx="2"/>
-          </p:nvPr>
-        </p:nvSpPr>
-        <p:spPr>
-          <a:xfrm>
-            <a:off x="381000" y="685800"/>
-            <a:ext cx="6096000" cy="3429000"/>
-          </a:xfrm>
-          <a:custGeom>
-            <a:avLst/>
-            <a:gdLst/>
-            <a:ahLst/>
-            <a:cxnLst/>
-            <a:rect l="l" t="t" r="r" b="b"/>
-            <a:pathLst>
-              <a:path w="120000" h="120000" extrusionOk="0">
-                <a:moveTo>
-                  <a:pt x="0" y="0"/>
-                </a:moveTo>
-                <a:lnTo>
-                  <a:pt x="120000" y="0"/>
-                </a:lnTo>
-                <a:lnTo>
-                  <a:pt x="120000" y="120000"/>
-                </a:lnTo>
-                <a:lnTo>
-                  <a:pt x="0" y="120000"/>
-                </a:lnTo>
-                <a:close/>
-              </a:path>
-            </a:pathLst>
-          </a:custGeom>
-          <a:noFill/>
-          <a:ln w="9525" cap="flat" cmpd="sng">
-            <a:solidFill>
-              <a:srgbClr val="000000"/>
-            </a:solidFill>
-            <a:prstDash val="solid"/>
-            <a:round/>
-            <a:headEnd type="none" w="sm" len="sm"/>
-            <a:tailEnd type="none" w="sm" len="sm"/>
-          </a:ln>
-        </p:spPr>
-      </p:sp>
-    </p:spTree>
-  </p:cSld>
-  <p:clrMapOvr>
-    <a:masterClrMapping/>
-  </p:clrMapOvr>
-</p:notes>
-</file>
-
 <file path=ppt/notesSlides/notesSlide2.xml><?xml version="1.0" encoding="utf-8"?>
 <p:notes xmlns:a="http://schemas.openxmlformats.org/drawingml/2006/main" xmlns:r="http://schemas.openxmlformats.org/officeDocument/2006/relationships" xmlns:p="http://schemas.openxmlformats.org/presentationml/2006/main" showMasterSp="0" showMasterPhAnim="0">
   <p:cSld>
@@ -1904,7 +1782,7 @@
   <p:cSld>
     <p:spTree>
       <p:nvGrpSpPr>
-        <p:cNvPr id="1" name="Shape 151"/>
+        <p:cNvPr id="1" name="Shape 173"/>
         <p:cNvGrpSpPr/>
         <p:nvPr/>
       </p:nvGrpSpPr>
@@ -1918,7 +1796,7 @@
       </p:grpSpPr>
       <p:sp>
         <p:nvSpPr>
-          <p:cNvPr id="152" name="Google Shape;152;p9:notes"/>
+          <p:cNvPr id="174" name="Google Shape;174;p12:notes"/>
           <p:cNvSpPr txBox="1">
             <a:spLocks noGrp="1"/>
           </p:cNvSpPr>
@@ -1958,13 +1836,13 @@
               <a:buSzPts val="1100"/>
               <a:buNone/>
             </a:pPr>
-            <a:endParaRPr dirty="0"/>
+            <a:endParaRPr/>
           </a:p>
         </p:txBody>
       </p:sp>
       <p:sp>
         <p:nvSpPr>
-          <p:cNvPr id="153" name="Google Shape;153;p9:notes"/>
+          <p:cNvPr id="175" name="Google Shape;175;p12:notes"/>
           <p:cNvSpPr>
             <a:spLocks noGrp="1" noRot="1" noChangeAspect="1"/>
           </p:cNvSpPr>
@@ -16953,7 +16831,7 @@
         </p:blipFill>
         <p:spPr bwMode="auto">
           <a:xfrm>
-            <a:off x="6188684" y="1941033"/>
+            <a:off x="6724353" y="1949831"/>
             <a:ext cx="1411575" cy="1059417"/>
           </a:xfrm>
           <a:prstGeom prst="rect">
@@ -17000,7 +16878,7 @@
         </p:blipFill>
         <p:spPr bwMode="auto">
           <a:xfrm>
-            <a:off x="5962785" y="3503139"/>
+            <a:off x="6406537" y="3503139"/>
             <a:ext cx="2047208" cy="1151554"/>
           </a:xfrm>
           <a:prstGeom prst="rect">
@@ -17047,7 +16925,7 @@
         </p:blipFill>
         <p:spPr bwMode="auto">
           <a:xfrm>
-            <a:off x="2749869" y="2689549"/>
+            <a:off x="3017883" y="2689549"/>
             <a:ext cx="2929897" cy="1085995"/>
           </a:xfrm>
           <a:prstGeom prst="rect">
@@ -17079,8 +16957,8 @@
         </p:nvSpPr>
         <p:spPr>
           <a:xfrm>
-            <a:off x="1127669" y="1269368"/>
-            <a:ext cx="941283" cy="523220"/>
+            <a:off x="1239728" y="1357442"/>
+            <a:ext cx="1051891" cy="584775"/>
           </a:xfrm>
           <a:prstGeom prst="rect">
             <a:avLst/>
@@ -17094,7 +16972,7 @@
           <a:lstStyle/>
           <a:p>
             <a:r>
-              <a:rPr lang="en-US" sz="2800" dirty="0">
+              <a:rPr lang="en-US" sz="3200" dirty="0">
                 <a:latin typeface="Times New Roman" panose="02020603050405020304" pitchFamily="18" charset="0"/>
                 <a:cs typeface="Times New Roman" panose="02020603050405020304" pitchFamily="18" charset="0"/>
               </a:rPr>
@@ -17121,7 +16999,7 @@
         </p:nvSpPr>
         <p:spPr>
           <a:xfrm>
-            <a:off x="6060749" y="1214217"/>
+            <a:off x="6468484" y="1222681"/>
             <a:ext cx="1667444" cy="584775"/>
           </a:xfrm>
           <a:prstGeom prst="rect">
@@ -17176,39 +17054,6 @@
       </p:grpSpPr>
       <p:sp>
         <p:nvSpPr>
-          <p:cNvPr id="2" name="Заголовок 1">
-            <a:extLst>
-              <a:ext uri="{FF2B5EF4-FFF2-40B4-BE49-F238E27FC236}">
-                <a16:creationId xmlns:a16="http://schemas.microsoft.com/office/drawing/2014/main" id="{D1CE64D8-78DE-47A7-BB54-23F919E4B24A}"/>
-              </a:ext>
-            </a:extLst>
-          </p:cNvPr>
-          <p:cNvSpPr>
-            <a:spLocks noGrp="1"/>
-          </p:cNvSpPr>
-          <p:nvPr>
-            <p:ph type="title"/>
-          </p:nvPr>
-        </p:nvSpPr>
-        <p:spPr/>
-        <p:txBody>
-          <a:bodyPr/>
-          <a:lstStyle/>
-          <a:p>
-            <a:r>
-              <a:rPr lang="ru-RU" dirty="0" err="1"/>
-              <a:t>Демонстрац</a:t>
-            </a:r>
-            <a:r>
-              <a:rPr lang="uk-UA" dirty="0" err="1"/>
-              <a:t>ія</a:t>
-            </a:r>
-            <a:endParaRPr lang="uk-UA" dirty="0"/>
-          </a:p>
-        </p:txBody>
-      </p:sp>
-      <p:sp>
-        <p:nvSpPr>
           <p:cNvPr id="4" name="Місце для номера слайда 3">
             <a:extLst>
               <a:ext uri="{FF2B5EF4-FFF2-40B4-BE49-F238E27FC236}">
@@ -17263,7 +17108,7 @@
   <p:cSld>
     <p:spTree>
       <p:nvGrpSpPr>
-        <p:cNvPr id="1" name="Shape 154"/>
+        <p:cNvPr id="1" name=""/>
         <p:cNvGrpSpPr/>
         <p:nvPr/>
       </p:nvGrpSpPr>
@@ -17277,87 +17122,133 @@
       </p:grpSpPr>
       <p:sp>
         <p:nvSpPr>
-          <p:cNvPr id="155" name="Google Shape;155;p21"/>
-          <p:cNvSpPr txBox="1">
+          <p:cNvPr id="2" name="Заголовок 1">
+            <a:extLst>
+              <a:ext uri="{FF2B5EF4-FFF2-40B4-BE49-F238E27FC236}">
+                <a16:creationId xmlns:a16="http://schemas.microsoft.com/office/drawing/2014/main" id="{1224FBA3-AC53-4AB8-AF8A-691F0F742B98}"/>
+              </a:ext>
+            </a:extLst>
+          </p:cNvPr>
+          <p:cNvSpPr>
             <a:spLocks noGrp="1"/>
           </p:cNvSpPr>
           <p:nvPr>
             <p:ph type="title"/>
           </p:nvPr>
         </p:nvSpPr>
-        <p:spPr>
-          <a:xfrm>
-            <a:off x="1188598" y="80472"/>
-            <a:ext cx="7498200" cy="857400"/>
-          </a:xfrm>
-          <a:prstGeom prst="rect">
-            <a:avLst/>
-          </a:prstGeom>
-          <a:noFill/>
-          <a:ln>
-            <a:noFill/>
-          </a:ln>
-        </p:spPr>
+        <p:spPr/>
         <p:txBody>
-          <a:bodyPr spcFirstLastPara="1" wrap="square" lIns="91425" tIns="45700" rIns="91425" bIns="45700" anchor="ctr" anchorCtr="0">
-            <a:normAutofit/>
-          </a:bodyPr>
+          <a:bodyPr/>
           <a:lstStyle/>
           <a:p>
-            <a:pPr marL="0" lvl="0" indent="0" algn="l" rtl="0">
-              <a:lnSpc>
-                <a:spcPct val="100000"/>
-              </a:lnSpc>
-              <a:spcBef>
-                <a:spcPts val="0"/>
-              </a:spcBef>
-              <a:spcAft>
-                <a:spcPts val="0"/>
-              </a:spcAft>
-              <a:buClr>
-                <a:srgbClr val="562214"/>
-              </a:buClr>
-              <a:buSzPts val="4300"/>
-              <a:buFont typeface="Gill Sans"/>
-              <a:buNone/>
-            </a:pPr>
             <a:r>
-              <a:rPr lang="ru-RU" dirty="0" err="1">
-                <a:latin typeface="Times New Roman" panose="02020603050405020304" pitchFamily="18" charset="0"/>
-                <a:cs typeface="Times New Roman" panose="02020603050405020304" pitchFamily="18" charset="0"/>
-              </a:rPr>
+              <a:rPr lang="uk-UA" dirty="0"/>
               <a:t>Висновки</a:t>
             </a:r>
-            <a:endParaRPr dirty="0">
-              <a:latin typeface="Times New Roman" panose="02020603050405020304" pitchFamily="18" charset="0"/>
-              <a:cs typeface="Times New Roman" panose="02020603050405020304" pitchFamily="18" charset="0"/>
-            </a:endParaRPr>
           </a:p>
         </p:txBody>
       </p:sp>
       <p:sp>
         <p:nvSpPr>
-          <p:cNvPr id="157" name="Google Shape;157;p21"/>
-          <p:cNvSpPr txBox="1">
+          <p:cNvPr id="3" name="Місце для тексту 2">
+            <a:extLst>
+              <a:ext uri="{FF2B5EF4-FFF2-40B4-BE49-F238E27FC236}">
+                <a16:creationId xmlns:a16="http://schemas.microsoft.com/office/drawing/2014/main" id="{6E00B844-5B4B-493D-A7F1-DFABF477738C}"/>
+              </a:ext>
+            </a:extLst>
+          </p:cNvPr>
+          <p:cNvSpPr>
+            <a:spLocks noGrp="1"/>
+          </p:cNvSpPr>
+          <p:nvPr>
+            <p:ph type="body" idx="1"/>
+          </p:nvPr>
+        </p:nvSpPr>
+        <p:spPr/>
+        <p:txBody>
+          <a:bodyPr>
+            <a:normAutofit fontScale="55000" lnSpcReduction="20000"/>
+          </a:bodyPr>
+          <a:lstStyle/>
+          <a:p>
+            <a:pPr marL="137160" indent="0">
+              <a:lnSpc>
+                <a:spcPct val="120000"/>
+              </a:lnSpc>
+              <a:buNone/>
+            </a:pPr>
+            <a:r>
+              <a:rPr lang="uk-UA" dirty="0"/>
+              <a:t>Результатом виконання дипломного проєкту було створено демонстраційний ігровий застосунок у жанрі </a:t>
+            </a:r>
+            <a:r>
+              <a:rPr lang="en-US" dirty="0"/>
+              <a:t>RPG, </a:t>
+            </a:r>
+            <a:r>
+              <a:rPr lang="uk-UA" dirty="0"/>
+              <a:t>що демонструє 4 різні типи ігрових класів </a:t>
+            </a:r>
+            <a:r>
+              <a:rPr lang="en-US" dirty="0"/>
+              <a:t>NPC, </a:t>
+            </a:r>
+            <a:r>
+              <a:rPr lang="uk-UA" dirty="0"/>
+              <a:t>кожен з яких оснащений власною системою прийняття рішень на основі заданих параметрів, ігровий інтерфейс, бойову систему, економіку, інвентар, класи, характеристики та взаємодію з великою кількістю ігрових об’єктів.</a:t>
+            </a:r>
+          </a:p>
+          <a:p>
+            <a:pPr marL="137160" indent="0">
+              <a:lnSpc>
+                <a:spcPct val="120000"/>
+              </a:lnSpc>
+              <a:buNone/>
+            </a:pPr>
+            <a:br>
+              <a:rPr lang="en-US" dirty="0"/>
+            </a:br>
+            <a:r>
+              <a:rPr lang="uk-UA" dirty="0"/>
+              <a:t>Також було проведено  аналіз існуючих рішень в інших ігрових додатках. На відміну від них, в грі </a:t>
+            </a:r>
+            <a:r>
+              <a:rPr lang="en-US" dirty="0"/>
+              <a:t>NPC </a:t>
+            </a:r>
+            <a:r>
+              <a:rPr lang="ru-RU" dirty="0"/>
+              <a:t>не просто стоять на місці, а демонструють унікальну для них поведінку (патрулювання, переслідування, збереження свого життя, виклик допомоги). Також вони мають систему зору,  що забезпечує більшу реалістичність ігровому світу.</a:t>
+            </a:r>
+            <a:endParaRPr lang="uk-UA" dirty="0"/>
+          </a:p>
+          <a:p>
+            <a:pPr marL="137160" indent="0">
+              <a:buNone/>
+            </a:pPr>
+            <a:endParaRPr lang="uk-UA" dirty="0"/>
+          </a:p>
+        </p:txBody>
+      </p:sp>
+      <p:sp>
+        <p:nvSpPr>
+          <p:cNvPr id="4" name="Місце для номера слайда 3">
+            <a:extLst>
+              <a:ext uri="{FF2B5EF4-FFF2-40B4-BE49-F238E27FC236}">
+                <a16:creationId xmlns:a16="http://schemas.microsoft.com/office/drawing/2014/main" id="{9B5753EA-B289-45B6-84ED-F0179AC5DBDD}"/>
+              </a:ext>
+            </a:extLst>
+          </p:cNvPr>
+          <p:cNvSpPr>
             <a:spLocks noGrp="1"/>
           </p:cNvSpPr>
           <p:nvPr>
             <p:ph type="sldNum" idx="12"/>
           </p:nvPr>
         </p:nvSpPr>
-        <p:spPr>
-          <a:xfrm>
-            <a:off x="8686798" y="-12"/>
-            <a:ext cx="457200" cy="357000"/>
-          </a:xfrm>
-          <a:prstGeom prst="rect">
-            <a:avLst/>
-          </a:prstGeom>
-        </p:spPr>
+        <p:spPr/>
         <p:txBody>
-          <a:bodyPr spcFirstLastPara="1" wrap="square" lIns="91425" tIns="45700" rIns="91425" bIns="45700" anchor="b" anchorCtr="0">
-            <a:noAutofit/>
-          </a:bodyPr>
+          <a:bodyPr/>
           <a:lstStyle/>
           <a:p>
             <a:pPr marL="0" lvl="0" indent="0" algn="ctr" rtl="0">
@@ -17367,560 +17258,22 @@
               <a:spcAft>
                 <a:spcPts val="0"/>
               </a:spcAft>
-              <a:buClr>
-                <a:srgbClr val="000000"/>
-              </a:buClr>
-              <a:buSzPts val="1200"/>
-              <a:buFont typeface="Arial"/>
               <a:buNone/>
             </a:pPr>
             <a:fld id="{00000000-1234-1234-1234-123412341234}" type="slidenum">
-              <a:rPr lang="ru-RU"/>
+              <a:rPr lang="ru-RU" smtClean="0"/>
               <a:t>13</a:t>
             </a:fld>
-            <a:endParaRPr/>
-          </a:p>
-        </p:txBody>
-      </p:sp>
-      <p:sp>
-        <p:nvSpPr>
-          <p:cNvPr id="4" name="TextBox 3">
-            <a:extLst>
-              <a:ext uri="{FF2B5EF4-FFF2-40B4-BE49-F238E27FC236}">
-                <a16:creationId xmlns:a16="http://schemas.microsoft.com/office/drawing/2014/main" id="{A25BE7FA-C113-49EC-B9D9-361EBCDABDFA}"/>
-              </a:ext>
-            </a:extLst>
-          </p:cNvPr>
-          <p:cNvSpPr txBox="1"/>
-          <p:nvPr/>
-        </p:nvSpPr>
-        <p:spPr>
-          <a:xfrm>
-            <a:off x="984890" y="740649"/>
-            <a:ext cx="7930508" cy="4093428"/>
-          </a:xfrm>
-          <a:prstGeom prst="rect">
-            <a:avLst/>
-          </a:prstGeom>
-          <a:noFill/>
-        </p:spPr>
-        <p:txBody>
-          <a:bodyPr wrap="square" rtlCol="0">
-            <a:spAutoFit/>
-          </a:bodyPr>
-          <a:lstStyle/>
-          <a:p>
-            <a:pPr marL="0" lvl="0" indent="0" algn="just" rtl="0">
-              <a:lnSpc>
-                <a:spcPct val="100000"/>
-              </a:lnSpc>
-              <a:spcBef>
-                <a:spcPts val="0"/>
-              </a:spcBef>
-              <a:spcAft>
-                <a:spcPts val="0"/>
-              </a:spcAft>
-              <a:buSzPts val="2560"/>
-              <a:buNone/>
-            </a:pPr>
-            <a:r>
-              <a:rPr lang="ru-RU" sz="1200" dirty="0">
-                <a:latin typeface="Times New Roman" panose="02020603050405020304" pitchFamily="18" charset="0"/>
-                <a:cs typeface="Times New Roman" panose="02020603050405020304" pitchFamily="18" charset="0"/>
-              </a:rPr>
-              <a:t>	</a:t>
-            </a:r>
-            <a:r>
-              <a:rPr lang="uk-UA" sz="1300" dirty="0">
-                <a:latin typeface="Times New Roman" panose="02020603050405020304" pitchFamily="18" charset="0"/>
-                <a:cs typeface="Times New Roman" panose="02020603050405020304" pitchFamily="18" charset="0"/>
-              </a:rPr>
-              <a:t>В результаті виконання дипломного проєкту спроєктовано та реалізовано наступні етапи.</a:t>
-            </a:r>
-          </a:p>
-          <a:p>
-            <a:pPr marL="0" lvl="0" indent="0" algn="just" rtl="0">
-              <a:lnSpc>
-                <a:spcPct val="100000"/>
-              </a:lnSpc>
-              <a:spcBef>
-                <a:spcPts val="0"/>
-              </a:spcBef>
-              <a:spcAft>
-                <a:spcPts val="0"/>
-              </a:spcAft>
-              <a:buSzPts val="2560"/>
-              <a:buNone/>
-            </a:pPr>
-            <a:r>
-              <a:rPr lang="uk-UA" sz="1300" dirty="0">
-                <a:latin typeface="Times New Roman" panose="02020603050405020304" pitchFamily="18" charset="0"/>
-                <a:cs typeface="Times New Roman" panose="02020603050405020304" pitchFamily="18" charset="0"/>
-              </a:rPr>
-              <a:t>	Проведено аналіз існуючих моделей поведінки </a:t>
-            </a:r>
-            <a:r>
-              <a:rPr lang="en-US" sz="1300" dirty="0">
-                <a:latin typeface="Times New Roman" panose="02020603050405020304" pitchFamily="18" charset="0"/>
-                <a:cs typeface="Times New Roman" panose="02020603050405020304" pitchFamily="18" charset="0"/>
-              </a:rPr>
-              <a:t>NPC </a:t>
-            </a:r>
-            <a:r>
-              <a:rPr lang="uk-UA" sz="1300" dirty="0">
-                <a:latin typeface="Times New Roman" panose="02020603050405020304" pitchFamily="18" charset="0"/>
-                <a:cs typeface="Times New Roman" panose="02020603050405020304" pitchFamily="18" charset="0"/>
-              </a:rPr>
-              <a:t>та різних жанрів ігор.</a:t>
-            </a:r>
-            <a:br>
-              <a:rPr lang="uk-UA" sz="1300" dirty="0">
-                <a:latin typeface="Times New Roman" panose="02020603050405020304" pitchFamily="18" charset="0"/>
-                <a:cs typeface="Times New Roman" panose="02020603050405020304" pitchFamily="18" charset="0"/>
-              </a:rPr>
-            </a:br>
-            <a:r>
-              <a:rPr lang="uk-UA" sz="1300" dirty="0">
-                <a:latin typeface="Times New Roman" panose="02020603050405020304" pitchFamily="18" charset="0"/>
-                <a:cs typeface="Times New Roman" panose="02020603050405020304" pitchFamily="18" charset="0"/>
-              </a:rPr>
-              <a:t>	Демонстраційну гру, що включає в себе механіки:</a:t>
-            </a:r>
-          </a:p>
-          <a:p>
-            <a:pPr marL="0" lvl="0" indent="0" algn="just" rtl="0">
-              <a:lnSpc>
-                <a:spcPct val="100000"/>
-              </a:lnSpc>
-              <a:spcBef>
-                <a:spcPts val="0"/>
-              </a:spcBef>
-              <a:spcAft>
-                <a:spcPts val="0"/>
-              </a:spcAft>
-              <a:buSzPts val="2560"/>
-              <a:buNone/>
-            </a:pPr>
-            <a:r>
-              <a:rPr lang="en-US" sz="1300" i="1" dirty="0">
-                <a:latin typeface="Times New Roman" panose="02020603050405020304" pitchFamily="18" charset="0"/>
-                <a:cs typeface="Times New Roman" panose="02020603050405020304" pitchFamily="18" charset="0"/>
-              </a:rPr>
-              <a:t>	</a:t>
-            </a:r>
-            <a:r>
-              <a:rPr lang="uk-UA" sz="1300" i="1" dirty="0">
-                <a:latin typeface="Times New Roman" panose="02020603050405020304" pitchFamily="18" charset="0"/>
-                <a:cs typeface="Times New Roman" panose="02020603050405020304" pitchFamily="18" charset="0"/>
-              </a:rPr>
-              <a:t>Поведінки </a:t>
-            </a:r>
-            <a:r>
-              <a:rPr lang="en-US" sz="1300" i="1" dirty="0">
-                <a:latin typeface="Times New Roman" panose="02020603050405020304" pitchFamily="18" charset="0"/>
-                <a:cs typeface="Times New Roman" panose="02020603050405020304" pitchFamily="18" charset="0"/>
-              </a:rPr>
-              <a:t>NPC</a:t>
-            </a:r>
-            <a:r>
-              <a:rPr lang="uk-UA" sz="1300" i="1" dirty="0">
-                <a:latin typeface="Times New Roman" panose="02020603050405020304" pitchFamily="18" charset="0"/>
-                <a:cs typeface="Times New Roman" panose="02020603050405020304" pitchFamily="18" charset="0"/>
-              </a:rPr>
-              <a:t> </a:t>
-            </a:r>
-            <a:r>
-              <a:rPr lang="uk-UA" sz="1300" dirty="0">
-                <a:latin typeface="Times New Roman" panose="02020603050405020304" pitchFamily="18" charset="0"/>
-                <a:cs typeface="Times New Roman" panose="02020603050405020304" pitchFamily="18" charset="0"/>
-              </a:rPr>
-              <a:t>- В ігровому застосунку наявні </a:t>
-            </a:r>
-            <a:r>
-              <a:rPr lang="ru-RU" sz="1300" dirty="0">
-                <a:latin typeface="Times New Roman" panose="02020603050405020304" pitchFamily="18" charset="0"/>
-                <a:ea typeface="Times New Roman" panose="02020603050405020304" pitchFamily="18" charset="0"/>
-              </a:rPr>
-              <a:t>4 </a:t>
-            </a:r>
-            <a:r>
-              <a:rPr lang="ru-RU" sz="1300" dirty="0" err="1">
-                <a:latin typeface="Times New Roman" panose="02020603050405020304" pitchFamily="18" charset="0"/>
-                <a:ea typeface="Times New Roman" panose="02020603050405020304" pitchFamily="18" charset="0"/>
-              </a:rPr>
-              <a:t>різні</a:t>
-            </a:r>
-            <a:r>
-              <a:rPr lang="ru-RU" sz="1300" dirty="0">
-                <a:latin typeface="Times New Roman" panose="02020603050405020304" pitchFamily="18" charset="0"/>
-                <a:ea typeface="Times New Roman" panose="02020603050405020304" pitchFamily="18" charset="0"/>
-              </a:rPr>
-              <a:t> типи ігрових класів NPC, кожен з яких оснащений власною системою прийняття рішень на основі заданих параметрів</a:t>
-            </a:r>
-            <a:r>
-              <a:rPr lang="en-US" sz="1300" dirty="0">
-                <a:latin typeface="Times New Roman" panose="02020603050405020304" pitchFamily="18" charset="0"/>
-                <a:ea typeface="Times New Roman" panose="02020603050405020304" pitchFamily="18" charset="0"/>
-              </a:rPr>
-              <a:t>.</a:t>
-            </a:r>
-            <a:r>
-              <a:rPr lang="ru-RU" sz="1300" dirty="0">
-                <a:latin typeface="Times New Roman" panose="02020603050405020304" pitchFamily="18" charset="0"/>
-                <a:ea typeface="Times New Roman" panose="02020603050405020304" pitchFamily="18" charset="0"/>
-              </a:rPr>
-              <a:t> </a:t>
-            </a:r>
-            <a:r>
-              <a:rPr lang="en-US" sz="1300" i="1" dirty="0">
-                <a:latin typeface="Times New Roman" panose="02020603050405020304" pitchFamily="18" charset="0"/>
-                <a:cs typeface="Times New Roman" panose="02020603050405020304" pitchFamily="18" charset="0"/>
-              </a:rPr>
-              <a:t>	</a:t>
-            </a:r>
-            <a:endParaRPr lang="uk-UA" sz="1300" i="1" dirty="0">
-              <a:latin typeface="Times New Roman" panose="02020603050405020304" pitchFamily="18" charset="0"/>
-              <a:cs typeface="Times New Roman" panose="02020603050405020304" pitchFamily="18" charset="0"/>
-            </a:endParaRPr>
-          </a:p>
-          <a:p>
-            <a:pPr marL="0" lvl="0" indent="0" algn="just" rtl="0">
-              <a:lnSpc>
-                <a:spcPct val="100000"/>
-              </a:lnSpc>
-              <a:spcBef>
-                <a:spcPts val="0"/>
-              </a:spcBef>
-              <a:spcAft>
-                <a:spcPts val="0"/>
-              </a:spcAft>
-              <a:buSzPts val="2560"/>
-              <a:buNone/>
-            </a:pPr>
-            <a:r>
-              <a:rPr lang="uk-UA" sz="1300" i="1" dirty="0">
-                <a:latin typeface="Times New Roman" panose="02020603050405020304" pitchFamily="18" charset="0"/>
-                <a:cs typeface="Times New Roman" panose="02020603050405020304" pitchFamily="18" charset="0"/>
-              </a:rPr>
-              <a:t>	Ігрового інтерфейсу</a:t>
-            </a:r>
-            <a:r>
-              <a:rPr lang="en-US" sz="1300" i="1" dirty="0">
-                <a:latin typeface="Times New Roman" panose="02020603050405020304" pitchFamily="18" charset="0"/>
-                <a:cs typeface="Times New Roman" panose="02020603050405020304" pitchFamily="18" charset="0"/>
-              </a:rPr>
-              <a:t> </a:t>
-            </a:r>
-            <a:r>
-              <a:rPr lang="en-US" sz="1300" dirty="0">
-                <a:latin typeface="Times New Roman" panose="02020603050405020304" pitchFamily="18" charset="0"/>
-                <a:cs typeface="Times New Roman" panose="02020603050405020304" pitchFamily="18" charset="0"/>
-              </a:rPr>
-              <a:t>- </a:t>
-            </a:r>
-            <a:r>
-              <a:rPr lang="uk-UA" sz="1300" dirty="0">
-                <a:latin typeface="Times New Roman" panose="02020603050405020304" pitchFamily="18" charset="0"/>
-                <a:cs typeface="Times New Roman" panose="02020603050405020304" pitchFamily="18" charset="0"/>
-              </a:rPr>
-              <a:t>Гравець має можливість користуватися інтерфейсом застосунку таким як, меню, інвентар, магазини, об’єкти і тд</a:t>
-            </a:r>
-            <a:r>
-              <a:rPr lang="en-US" sz="1300" dirty="0">
-                <a:latin typeface="Times New Roman" panose="02020603050405020304" pitchFamily="18" charset="0"/>
-                <a:cs typeface="Times New Roman" panose="02020603050405020304" pitchFamily="18" charset="0"/>
-              </a:rPr>
-              <a:t>.</a:t>
-            </a:r>
-          </a:p>
-          <a:p>
-            <a:pPr marL="0" lvl="0" indent="0" algn="just" rtl="0">
-              <a:lnSpc>
-                <a:spcPct val="100000"/>
-              </a:lnSpc>
-              <a:spcBef>
-                <a:spcPts val="0"/>
-              </a:spcBef>
-              <a:spcAft>
-                <a:spcPts val="0"/>
-              </a:spcAft>
-              <a:buSzPts val="2560"/>
-              <a:buNone/>
-            </a:pPr>
-            <a:r>
-              <a:rPr lang="en-US" sz="1300" i="1" dirty="0">
-                <a:latin typeface="Times New Roman" panose="02020603050405020304" pitchFamily="18" charset="0"/>
-                <a:cs typeface="Times New Roman" panose="02020603050405020304" pitchFamily="18" charset="0"/>
-              </a:rPr>
-              <a:t>	</a:t>
-            </a:r>
-            <a:r>
-              <a:rPr lang="ru-RU" sz="1300" i="1" dirty="0">
-                <a:latin typeface="Times New Roman" panose="02020603050405020304" pitchFamily="18" charset="0"/>
-                <a:cs typeface="Times New Roman" panose="02020603050405020304" pitchFamily="18" charset="0"/>
-              </a:rPr>
-              <a:t>Бою</a:t>
-            </a:r>
-            <a:r>
-              <a:rPr lang="ru-RU" sz="1300" dirty="0">
-                <a:latin typeface="Times New Roman" panose="02020603050405020304" pitchFamily="18" charset="0"/>
-                <a:cs typeface="Times New Roman" panose="02020603050405020304" pitchFamily="18" charset="0"/>
-              </a:rPr>
-              <a:t> - </a:t>
-            </a:r>
-            <a:r>
-              <a:rPr lang="en-US" sz="1300" dirty="0">
-                <a:latin typeface="Times New Roman" panose="02020603050405020304" pitchFamily="18" charset="0"/>
-                <a:cs typeface="Times New Roman" panose="02020603050405020304" pitchFamily="18" charset="0"/>
-              </a:rPr>
-              <a:t> </a:t>
-            </a:r>
-            <a:r>
-              <a:rPr lang="uk-UA" sz="1300" dirty="0">
-                <a:latin typeface="Times New Roman" panose="02020603050405020304" pitchFamily="18" charset="0"/>
-                <a:cs typeface="Times New Roman" panose="02020603050405020304" pitchFamily="18" charset="0"/>
-              </a:rPr>
-              <a:t>Гравець може взаємодіяти з усіма </a:t>
-            </a:r>
-            <a:r>
-              <a:rPr lang="en-US" sz="1300" dirty="0">
-                <a:latin typeface="Times New Roman" panose="02020603050405020304" pitchFamily="18" charset="0"/>
-                <a:cs typeface="Times New Roman" panose="02020603050405020304" pitchFamily="18" charset="0"/>
-              </a:rPr>
-              <a:t>NPC</a:t>
-            </a:r>
-            <a:r>
-              <a:rPr lang="uk-UA" sz="1300" dirty="0">
-                <a:latin typeface="Times New Roman" panose="02020603050405020304" pitchFamily="18" charset="0"/>
-                <a:cs typeface="Times New Roman" panose="02020603050405020304" pitchFamily="18" charset="0"/>
-              </a:rPr>
-              <a:t> в грі, знищувати їх, наносити їм шкоду, використовувати для цього 6 видів зброї, </a:t>
-            </a:r>
-            <a:r>
-              <a:rPr lang="en-US" sz="1300" dirty="0">
-                <a:latin typeface="Times New Roman" panose="02020603050405020304" pitchFamily="18" charset="0"/>
-                <a:cs typeface="Times New Roman" panose="02020603050405020304" pitchFamily="18" charset="0"/>
-              </a:rPr>
-              <a:t>13 </a:t>
-            </a:r>
-            <a:r>
-              <a:rPr lang="ru-RU" sz="1300" dirty="0" err="1">
-                <a:latin typeface="Times New Roman" panose="02020603050405020304" pitchFamily="18" charset="0"/>
-                <a:cs typeface="Times New Roman" panose="02020603050405020304" pitchFamily="18" charset="0"/>
-              </a:rPr>
-              <a:t>видів</a:t>
-            </a:r>
-            <a:r>
-              <a:rPr lang="ru-RU" sz="1300" dirty="0">
-                <a:latin typeface="Times New Roman" panose="02020603050405020304" pitchFamily="18" charset="0"/>
-                <a:cs typeface="Times New Roman" panose="02020603050405020304" pitchFamily="18" charset="0"/>
-              </a:rPr>
-              <a:t> </a:t>
-            </a:r>
-            <a:r>
-              <a:rPr lang="uk-UA" sz="1300" dirty="0">
-                <a:latin typeface="Times New Roman" panose="02020603050405020304" pitchFamily="18" charset="0"/>
-                <a:cs typeface="Times New Roman" panose="02020603050405020304" pitchFamily="18" charset="0"/>
-              </a:rPr>
-              <a:t>заклять та екіпірувати броню для захисту себе.</a:t>
-            </a:r>
-          </a:p>
-          <a:p>
-            <a:pPr marL="0" lvl="0" indent="0" algn="just" rtl="0">
-              <a:lnSpc>
-                <a:spcPct val="100000"/>
-              </a:lnSpc>
-              <a:spcBef>
-                <a:spcPts val="0"/>
-              </a:spcBef>
-              <a:spcAft>
-                <a:spcPts val="0"/>
-              </a:spcAft>
-              <a:buSzPts val="2560"/>
-              <a:buNone/>
-            </a:pPr>
-            <a:r>
-              <a:rPr lang="en-US" sz="1300" dirty="0">
-                <a:latin typeface="Times New Roman" panose="02020603050405020304" pitchFamily="18" charset="0"/>
-                <a:cs typeface="Times New Roman" panose="02020603050405020304" pitchFamily="18" charset="0"/>
-              </a:rPr>
-              <a:t>	</a:t>
-            </a:r>
-            <a:r>
-              <a:rPr lang="uk-UA" sz="1300" i="1" dirty="0">
-                <a:latin typeface="Times New Roman" panose="02020603050405020304" pitchFamily="18" charset="0"/>
-                <a:cs typeface="Times New Roman" panose="02020603050405020304" pitchFamily="18" charset="0"/>
-              </a:rPr>
-              <a:t>Інвентарю, магазинів та ігрової економіки </a:t>
-            </a:r>
-            <a:r>
-              <a:rPr lang="uk-UA" sz="1300" dirty="0">
-                <a:latin typeface="Times New Roman" panose="02020603050405020304" pitchFamily="18" charset="0"/>
-                <a:cs typeface="Times New Roman" panose="02020603050405020304" pitchFamily="18" charset="0"/>
-              </a:rPr>
-              <a:t>- Гравець може купувати та використовувати всі предмети, які наявні в грі, для цього існують магазини та інвентар. Інвентар в свою чергу існує, як місце збереження та колекціонування об’єктів, отриманих гравцем. Також там можна знайти поточні задання, карту, меню зброї, характеристик, магії та можливість прокачувати свого песронажа</a:t>
-            </a:r>
-            <a:r>
-              <a:rPr lang="en-US" sz="1300" dirty="0">
-                <a:latin typeface="Times New Roman" panose="02020603050405020304" pitchFamily="18" charset="0"/>
-                <a:cs typeface="Times New Roman" panose="02020603050405020304" pitchFamily="18" charset="0"/>
-              </a:rPr>
-              <a:t>.</a:t>
-            </a:r>
-            <a:endParaRPr lang="uk-UA" sz="1300" dirty="0">
-              <a:latin typeface="Times New Roman" panose="02020603050405020304" pitchFamily="18" charset="0"/>
-              <a:cs typeface="Times New Roman" panose="02020603050405020304" pitchFamily="18" charset="0"/>
-            </a:endParaRPr>
-          </a:p>
-          <a:p>
-            <a:pPr algn="just">
-              <a:buSzPts val="2560"/>
-            </a:pPr>
-            <a:r>
-              <a:rPr lang="uk-UA" sz="1300" dirty="0">
-                <a:latin typeface="Times New Roman" panose="02020603050405020304" pitchFamily="18" charset="0"/>
-                <a:cs typeface="Times New Roman" panose="02020603050405020304" pitchFamily="18" charset="0"/>
-              </a:rPr>
-              <a:t>	</a:t>
-            </a:r>
-            <a:r>
-              <a:rPr lang="uk-UA" sz="1300" i="1" dirty="0">
-                <a:latin typeface="Times New Roman" panose="02020603050405020304" pitchFamily="18" charset="0"/>
-                <a:cs typeface="Times New Roman" panose="02020603050405020304" pitchFamily="18" charset="0"/>
-              </a:rPr>
-              <a:t>Взаємодії з ігровими об’єктами та предметами середовища </a:t>
-            </a:r>
-            <a:r>
-              <a:rPr lang="uk-UA" sz="1300" dirty="0">
-                <a:latin typeface="Times New Roman" panose="02020603050405020304" pitchFamily="18" charset="0"/>
-                <a:cs typeface="Times New Roman" panose="02020603050405020304" pitchFamily="18" charset="0"/>
-              </a:rPr>
-              <a:t>- </a:t>
-            </a:r>
-            <a:r>
-              <a:rPr lang="uk-UA" sz="1300" b="0" i="0" u="none" strike="noStrike" baseline="0" dirty="0">
-                <a:solidFill>
-                  <a:srgbClr val="000000"/>
-                </a:solidFill>
-                <a:latin typeface="Times New Roman" panose="02020603050405020304" pitchFamily="18" charset="0"/>
-                <a:cs typeface="Times New Roman" panose="02020603050405020304" pitchFamily="18" charset="0"/>
-              </a:rPr>
-              <a:t>Гравець може взаємодіяти з великою кількістю</a:t>
-            </a:r>
-            <a:r>
-              <a:rPr lang="en-US" sz="1300" dirty="0">
-                <a:solidFill>
-                  <a:srgbClr val="000000"/>
-                </a:solidFill>
-                <a:latin typeface="Times New Roman" panose="02020603050405020304" pitchFamily="18" charset="0"/>
-                <a:cs typeface="Times New Roman" panose="02020603050405020304" pitchFamily="18" charset="0"/>
-              </a:rPr>
-              <a:t> </a:t>
-            </a:r>
-            <a:r>
-              <a:rPr lang="uk-UA" sz="1300" b="0" i="0" u="none" strike="noStrike" baseline="0" dirty="0">
-                <a:latin typeface="Times New Roman" panose="02020603050405020304" pitchFamily="18" charset="0"/>
-                <a:cs typeface="Times New Roman" panose="02020603050405020304" pitchFamily="18" charset="0"/>
-              </a:rPr>
-              <a:t>об'єктів, які розкидані по всьому світу. Також є можливість взаємодіяти зі скринями, НПС, ящиками і тд. </a:t>
-            </a:r>
-            <a:r>
-              <a:rPr lang="uk-UA" sz="1300" dirty="0">
-                <a:latin typeface="Times New Roman" panose="02020603050405020304" pitchFamily="18" charset="0"/>
-                <a:cs typeface="Times New Roman" panose="02020603050405020304" pitchFamily="18" charset="0"/>
-              </a:rPr>
-              <a:t> </a:t>
-            </a:r>
-          </a:p>
-          <a:p>
-            <a:pPr marL="0" lvl="0" indent="0" algn="just" rtl="0">
-              <a:lnSpc>
-                <a:spcPct val="100000"/>
-              </a:lnSpc>
-              <a:spcBef>
-                <a:spcPts val="0"/>
-              </a:spcBef>
-              <a:spcAft>
-                <a:spcPts val="0"/>
-              </a:spcAft>
-              <a:buSzPts val="2560"/>
-              <a:buNone/>
-            </a:pPr>
-            <a:r>
-              <a:rPr lang="uk-UA" sz="1300" dirty="0">
-                <a:latin typeface="Times New Roman" panose="02020603050405020304" pitchFamily="18" charset="0"/>
-                <a:cs typeface="Times New Roman" panose="02020603050405020304" pitchFamily="18" charset="0"/>
-              </a:rPr>
-              <a:t>	</a:t>
-            </a:r>
-            <a:r>
-              <a:rPr lang="ru-RU" sz="1300" dirty="0" err="1">
-                <a:latin typeface="Times New Roman" panose="02020603050405020304" pitchFamily="18" charset="0"/>
-                <a:cs typeface="Times New Roman" panose="02020603050405020304" pitchFamily="18" charset="0"/>
-              </a:rPr>
-              <a:t>Здійснено</a:t>
-            </a:r>
-            <a:r>
-              <a:rPr lang="ru-RU" sz="1300" dirty="0">
-                <a:latin typeface="Times New Roman" panose="02020603050405020304" pitchFamily="18" charset="0"/>
-                <a:cs typeface="Times New Roman" panose="02020603050405020304" pitchFamily="18" charset="0"/>
-              </a:rPr>
-              <a:t> </a:t>
-            </a:r>
-            <a:r>
-              <a:rPr lang="ru-RU" sz="1300" dirty="0" err="1">
-                <a:latin typeface="Times New Roman" panose="02020603050405020304" pitchFamily="18" charset="0"/>
-                <a:cs typeface="Times New Roman" panose="02020603050405020304" pitchFamily="18" charset="0"/>
-              </a:rPr>
-              <a:t>успіщне</a:t>
-            </a:r>
-            <a:r>
-              <a:rPr lang="ru-RU" sz="1300" dirty="0">
-                <a:latin typeface="Times New Roman" panose="02020603050405020304" pitchFamily="18" charset="0"/>
-                <a:cs typeface="Times New Roman" panose="02020603050405020304" pitchFamily="18" charset="0"/>
-              </a:rPr>
-              <a:t> тестування розроблених ігрових механік.</a:t>
-            </a:r>
-            <a:r>
-              <a:rPr lang="uk-UA" sz="1300" dirty="0">
-                <a:latin typeface="Times New Roman" panose="02020603050405020304" pitchFamily="18" charset="0"/>
-                <a:cs typeface="Times New Roman" panose="02020603050405020304" pitchFamily="18" charset="0"/>
-              </a:rPr>
-              <a:t> </a:t>
-            </a:r>
-          </a:p>
-          <a:p>
-            <a:pPr marL="0" lvl="0" indent="0" algn="just" rtl="0">
-              <a:lnSpc>
-                <a:spcPct val="100000"/>
-              </a:lnSpc>
-              <a:spcBef>
-                <a:spcPts val="0"/>
-              </a:spcBef>
-              <a:spcAft>
-                <a:spcPts val="0"/>
-              </a:spcAft>
-              <a:buSzPts val="2560"/>
-              <a:buNone/>
-            </a:pPr>
-            <a:r>
-              <a:rPr lang="ru-RU" sz="1300" dirty="0">
-                <a:latin typeface="Times New Roman" panose="02020603050405020304" pitchFamily="18" charset="0"/>
-                <a:ea typeface="Times New Roman" panose="02020603050405020304" pitchFamily="18" charset="0"/>
-              </a:rPr>
-              <a:t>	</a:t>
-            </a:r>
-            <a:r>
-              <a:rPr lang="uk-UA" sz="1300" dirty="0">
-                <a:latin typeface="Times New Roman" panose="02020603050405020304" pitchFamily="18" charset="0"/>
-                <a:cs typeface="Times New Roman" panose="02020603050405020304" pitchFamily="18" charset="0"/>
-              </a:rPr>
-              <a:t> Розробка ігрового застосунку на дипломному проєкті дала можливість заглибитися у вивчення розробки відеоігор та покращити навички в розумінні та створенні всіх аспектів гри, особливо поведінки інтелектуальних агентів.</a:t>
-            </a:r>
+            <a:endParaRPr lang="ru-RU" dirty="0"/>
           </a:p>
         </p:txBody>
       </p:sp>
     </p:spTree>
+    <p:extLst>
+      <p:ext uri="{BB962C8B-B14F-4D97-AF65-F5344CB8AC3E}">
+        <p14:creationId xmlns:p14="http://schemas.microsoft.com/office/powerpoint/2010/main" val="210709716"/>
+      </p:ext>
+    </p:extLst>
   </p:cSld>
   <p:clrMapOvr>
     <a:masterClrMapping/>
@@ -19140,7 +18493,7 @@
           </a:bodyPr>
           <a:lstStyle/>
           <a:p>
-            <a:pPr marL="0" lvl="0" indent="0" algn="l" rtl="0">
+            <a:pPr marL="0" lvl="0" indent="0" algn="just" rtl="0">
               <a:lnSpc>
                 <a:spcPct val="100000"/>
               </a:lnSpc>
@@ -19172,21 +18525,28 @@
                 <a:latin typeface="Times New Roman" panose="02020603050405020304" pitchFamily="18" charset="0"/>
                 <a:cs typeface="Times New Roman" panose="02020603050405020304" pitchFamily="18" charset="0"/>
               </a:rPr>
-              <a:t>іграх полягає в зростаючій потребі гравців на </a:t>
+              <a:t>іграх полягає в зростаючій потребі гравців на</a:t>
             </a:r>
             <a:r>
-              <a:rPr lang="uk-UA" sz="2000" dirty="0" err="1">
+              <a:rPr lang="en-US" sz="2000" dirty="0">
                 <a:latin typeface="Times New Roman" panose="02020603050405020304" pitchFamily="18" charset="0"/>
                 <a:cs typeface="Times New Roman" panose="02020603050405020304" pitchFamily="18" charset="0"/>
               </a:rPr>
-              <a:t>реалістични</a:t>
+              <a:t> </a:t>
+            </a:r>
+            <a:r>
+              <a:rPr lang="uk-UA" sz="2000" dirty="0">
+                <a:latin typeface="Times New Roman" panose="02020603050405020304" pitchFamily="18" charset="0"/>
+                <a:cs typeface="Times New Roman" panose="02020603050405020304" pitchFamily="18" charset="0"/>
+              </a:rPr>
+              <a:t>реалістичний</a:t>
             </a:r>
             <a:r>
               <a:rPr lang="ru-RU" sz="2000" dirty="0">
                 <a:latin typeface="Times New Roman" panose="02020603050405020304" pitchFamily="18" charset="0"/>
                 <a:cs typeface="Times New Roman" panose="02020603050405020304" pitchFamily="18" charset="0"/>
               </a:rPr>
-              <a:t>й, </a:t>
+              <a:t>, </a:t>
             </a:r>
             <a:r>
               <a:rPr lang="uk-UA" sz="2000" dirty="0">
@@ -19893,13 +19253,8 @@
             </a:r>
             <a:r>
               <a:rPr lang="uk-UA" sz="2400" dirty="0"/>
-              <a:t>(скорочена</a:t>
+              <a:t>(скорочена)</a:t>
             </a:r>
-            <a:r>
-              <a:rPr lang="uk-UA" sz="3200" dirty="0"/>
-              <a:t>)</a:t>
-            </a:r>
-            <a:endParaRPr lang="uk-UA" dirty="0"/>
           </a:p>
         </p:txBody>
       </p:sp>
